--- a/PresentaciónPráctica2.pptx
+++ b/PresentaciónPráctica2.pptx
@@ -5,10 +5,10 @@
     <p:sldMasterId id="2147483746" r:id="rId1"/>
   </p:sldMasterIdLst>
   <p:notesMasterIdLst>
-    <p:notesMasterId r:id="rId41"/>
+    <p:notesMasterId r:id="rId38"/>
   </p:notesMasterIdLst>
   <p:handoutMasterIdLst>
-    <p:handoutMasterId r:id="rId42"/>
+    <p:handoutMasterId r:id="rId39"/>
   </p:handoutMasterIdLst>
   <p:sldIdLst>
     <p:sldId id="257" r:id="rId2"/>
@@ -22,11 +22,11 @@
     <p:sldId id="266" r:id="rId10"/>
     <p:sldId id="267" r:id="rId11"/>
     <p:sldId id="269" r:id="rId12"/>
-    <p:sldId id="270" r:id="rId13"/>
-    <p:sldId id="306" r:id="rId14"/>
-    <p:sldId id="286" r:id="rId15"/>
-    <p:sldId id="287" r:id="rId16"/>
-    <p:sldId id="288" r:id="rId17"/>
+    <p:sldId id="307" r:id="rId13"/>
+    <p:sldId id="270" r:id="rId14"/>
+    <p:sldId id="306" r:id="rId15"/>
+    <p:sldId id="286" r:id="rId16"/>
+    <p:sldId id="287" r:id="rId17"/>
     <p:sldId id="289" r:id="rId18"/>
     <p:sldId id="290" r:id="rId19"/>
     <p:sldId id="291" r:id="rId20"/>
@@ -34,22 +34,19 @@
     <p:sldId id="293" r:id="rId22"/>
     <p:sldId id="273" r:id="rId23"/>
     <p:sldId id="274" r:id="rId24"/>
-    <p:sldId id="275" r:id="rId25"/>
-    <p:sldId id="276" r:id="rId26"/>
-    <p:sldId id="277" r:id="rId27"/>
-    <p:sldId id="278" r:id="rId28"/>
-    <p:sldId id="279" r:id="rId29"/>
-    <p:sldId id="305" r:id="rId30"/>
-    <p:sldId id="296" r:id="rId31"/>
-    <p:sldId id="297" r:id="rId32"/>
-    <p:sldId id="299" r:id="rId33"/>
-    <p:sldId id="300" r:id="rId34"/>
-    <p:sldId id="301" r:id="rId35"/>
-    <p:sldId id="302" r:id="rId36"/>
-    <p:sldId id="298" r:id="rId37"/>
-    <p:sldId id="303" r:id="rId38"/>
-    <p:sldId id="304" r:id="rId39"/>
-    <p:sldId id="283" r:id="rId40"/>
+    <p:sldId id="277" r:id="rId25"/>
+    <p:sldId id="278" r:id="rId26"/>
+    <p:sldId id="279" r:id="rId27"/>
+    <p:sldId id="305" r:id="rId28"/>
+    <p:sldId id="296" r:id="rId29"/>
+    <p:sldId id="297" r:id="rId30"/>
+    <p:sldId id="300" r:id="rId31"/>
+    <p:sldId id="301" r:id="rId32"/>
+    <p:sldId id="302" r:id="rId33"/>
+    <p:sldId id="298" r:id="rId34"/>
+    <p:sldId id="303" r:id="rId35"/>
+    <p:sldId id="304" r:id="rId36"/>
+    <p:sldId id="283" r:id="rId37"/>
   </p:sldIdLst>
   <p:sldSz cx="12192000" cy="6858000"/>
   <p:notesSz cx="6858000" cy="9144000"/>
@@ -5737,8 +5734,16 @@
               </a:lnSpc>
             </a:pPr>
             <a:r>
-              <a:rPr lang="es-ES" sz="1800"/>
-              <a:t>Luego de esto, debemos ordenar el resto de los puntos (Pi) de forma creciente en función del ángulo formado entre el segmento APi y el eje X. </a:t>
+              <a:rPr lang="es-ES" sz="1800" dirty="0"/>
+              <a:t>Tras esto, debemos ordenar el resto de los puntos (Pi) de forma creciente en función del ángulo formado entre el segmento </a:t>
+            </a:r>
+            <a:r>
+              <a:rPr lang="es-ES" sz="1800" dirty="0" err="1"/>
+              <a:t>APi</a:t>
+            </a:r>
+            <a:r>
+              <a:rPr lang="es-ES" sz="1800" dirty="0"/>
+              <a:t> y el eje X. </a:t>
             </a:r>
           </a:p>
           <a:p>
@@ -5748,8 +5753,16 @@
               </a:lnSpc>
             </a:pPr>
             <a:r>
-              <a:rPr lang="es-ES" sz="1800"/>
-              <a:t>Sin embargo, no hace falta calcular dicho ángulo ya que simplemente podemos ordenarlos calculando tangentes y cotangentes (si los puntos están en el primer y tercer cuadrante usamos la tangente, si están en el segundo y cuarto cuadrante utilizamos la cotangente). Para ordenar usamos el método de ordenación quicksort. </a:t>
+              <a:rPr lang="es-ES" sz="1800" dirty="0"/>
+              <a:t>Sin embargo, no hace falta calcular dicho ángulo ya que simplemente podemos ordenarlos calculando tangentes y cotangentes (si los puntos están en el primer y tercer cuadrante usamos la tangente, si están en el segundo y cuarto cuadrante utilizamos la cotangente). Para ordenar usamos el método de ordenación </a:t>
+            </a:r>
+            <a:r>
+              <a:rPr lang="es-ES" sz="1800" dirty="0" err="1"/>
+              <a:t>quicksort</a:t>
+            </a:r>
+            <a:r>
+              <a:rPr lang="es-ES" sz="1800" dirty="0"/>
+              <a:t>. </a:t>
             </a:r>
           </a:p>
         </p:txBody>
@@ -5832,31 +5845,6 @@
       </p:grpSpPr>
       <p:sp>
         <p:nvSpPr>
-          <p:cNvPr id="2" name="Título 1">
-            <a:extLst>
-              <a:ext uri="{FF2B5EF4-FFF2-40B4-BE49-F238E27FC236}">
-                <a16:creationId xmlns:a16="http://schemas.microsoft.com/office/drawing/2014/main" id="{D046006C-CE50-0100-5C36-8035EB4AE6EB}"/>
-              </a:ext>
-            </a:extLst>
-          </p:cNvPr>
-          <p:cNvSpPr>
-            <a:spLocks noGrp="1"/>
-          </p:cNvSpPr>
-          <p:nvPr>
-            <p:ph type="title"/>
-          </p:nvPr>
-        </p:nvSpPr>
-        <p:spPr/>
-        <p:txBody>
-          <a:bodyPr/>
-          <a:lstStyle/>
-          <a:p>
-            <a:endParaRPr lang="es-ES"/>
-          </a:p>
-        </p:txBody>
-      </p:sp>
-      <p:sp>
-        <p:nvSpPr>
           <p:cNvPr id="3" name="Marcador de contenido 2">
             <a:extLst>
               <a:ext uri="{FF2B5EF4-FFF2-40B4-BE49-F238E27FC236}">
@@ -5871,7 +5859,12 @@
             <p:ph idx="1"/>
           </p:nvPr>
         </p:nvSpPr>
-        <p:spPr/>
+        <p:spPr>
+          <a:xfrm>
+            <a:off x="1202055" y="2013635"/>
+            <a:ext cx="10058400" cy="3760891"/>
+          </a:xfrm>
+        </p:spPr>
         <p:txBody>
           <a:bodyPr>
             <a:normAutofit/>
@@ -5880,34 +5873,7 @@
           <a:p>
             <a:r>
               <a:rPr lang="es-ES" dirty="0"/>
-              <a:t>Por último, calculamos la envolvente conexa. Para ello, vemos si para cada punto, el movimiento desde los dos puntos anteriores se trata de un giro a la derecha o a la izquierda. Si gira a la derecha, el segundo punto no pertenece a la envolvente y si gira a la izquierda sí.  </a:t>
-            </a:r>
-          </a:p>
-          <a:p>
-            <a:pPr marL="0" indent="0">
-              <a:buNone/>
-            </a:pPr>
-            <a:r>
-              <a:rPr lang="es-ES" dirty="0"/>
-              <a:t>Para ver hacia dónde es el giro, dados 3 puntos (x1,y1), (x2,y2), (x3,y3), usamos la siguiente fórmula: </a:t>
-            </a:r>
-          </a:p>
-          <a:p>
-            <a:pPr marL="0" indent="0" algn="ctr">
-              <a:buNone/>
-            </a:pPr>
-            <a:r>
-              <a:rPr lang="es-ES" dirty="0"/>
-              <a:t>(x2-x1)*(y3-y1) - (y2-y1)*(x3-x1) </a:t>
-            </a:r>
-          </a:p>
-          <a:p>
-            <a:pPr marL="0" indent="0">
-              <a:buNone/>
-            </a:pPr>
-            <a:r>
-              <a:rPr lang="es-ES" dirty="0"/>
-              <a:t>Si el resultado es 0, están alineados, si es positivo giras a la izquierda y si es negativo giras a la derecha. </a:t>
+              <a:t>Por último, calculamos la envolvente conexa. Para ello, vemos si para cada punto, el movimiento desde los dos puntos anteriores se trata de un giro a la derecha o a la izquierda. Si gira a la derecha, el segundo punto no pertenece a la envolvente y si gira a la izquierda sí. </a:t>
             </a:r>
           </a:p>
         </p:txBody>
@@ -5939,6 +5905,170 @@
               <a:t>18/04/2023</a:t>
             </a:fld>
             <a:endParaRPr lang="en-US" dirty="0"/>
+          </a:p>
+        </p:txBody>
+      </p:sp>
+      <p:pic>
+        <p:nvPicPr>
+          <p:cNvPr id="6" name="Imagen 5" descr="Dibujo de una persona&#10;&#10;Descripción generada automáticamente con confianza media">
+            <a:extLst>
+              <a:ext uri="{FF2B5EF4-FFF2-40B4-BE49-F238E27FC236}">
+                <a16:creationId xmlns:a16="http://schemas.microsoft.com/office/drawing/2014/main" id="{8787FE29-D7E5-631A-672D-17E7371F846A}"/>
+              </a:ext>
+            </a:extLst>
+          </p:cNvPr>
+          <p:cNvPicPr>
+            <a:picLocks noChangeAspect="1"/>
+          </p:cNvPicPr>
+          <p:nvPr/>
+        </p:nvPicPr>
+        <p:blipFill>
+          <a:blip r:embed="rId2">
+            <a:extLst>
+              <a:ext uri="{28A0092B-C50C-407E-A947-70E740481C1C}">
+                <a14:useLocalDpi xmlns:a14="http://schemas.microsoft.com/office/drawing/2010/main" val="0"/>
+              </a:ext>
+            </a:extLst>
+          </a:blip>
+          <a:stretch>
+            <a:fillRect/>
+          </a:stretch>
+        </p:blipFill>
+        <p:spPr>
+          <a:xfrm>
+            <a:off x="1873049" y="3638262"/>
+            <a:ext cx="2495838" cy="1966766"/>
+          </a:xfrm>
+          <a:prstGeom prst="rect">
+            <a:avLst/>
+          </a:prstGeom>
+        </p:spPr>
+      </p:pic>
+      <p:pic>
+        <p:nvPicPr>
+          <p:cNvPr id="10" name="Imagen 9" descr="Dibujo de una persona&#10;&#10;Descripción generada automáticamente con confianza media">
+            <a:extLst>
+              <a:ext uri="{FF2B5EF4-FFF2-40B4-BE49-F238E27FC236}">
+                <a16:creationId xmlns:a16="http://schemas.microsoft.com/office/drawing/2014/main" id="{953921E5-8403-D684-13F1-0FB56EABE9FA}"/>
+              </a:ext>
+            </a:extLst>
+          </p:cNvPr>
+          <p:cNvPicPr>
+            <a:picLocks noChangeAspect="1"/>
+          </p:cNvPicPr>
+          <p:nvPr/>
+        </p:nvPicPr>
+        <p:blipFill>
+          <a:blip r:embed="rId3">
+            <a:extLst>
+              <a:ext uri="{28A0092B-C50C-407E-A947-70E740481C1C}">
+                <a14:useLocalDpi xmlns:a14="http://schemas.microsoft.com/office/drawing/2010/main" val="0"/>
+              </a:ext>
+            </a:extLst>
+          </a:blip>
+          <a:stretch>
+            <a:fillRect/>
+          </a:stretch>
+        </p:blipFill>
+        <p:spPr>
+          <a:xfrm>
+            <a:off x="7891375" y="3543300"/>
+            <a:ext cx="1619476" cy="2162477"/>
+          </a:xfrm>
+          <a:prstGeom prst="rect">
+            <a:avLst/>
+          </a:prstGeom>
+        </p:spPr>
+      </p:pic>
+      <p:sp>
+        <p:nvSpPr>
+          <p:cNvPr id="11" name="CuadroTexto 10">
+            <a:extLst>
+              <a:ext uri="{FF2B5EF4-FFF2-40B4-BE49-F238E27FC236}">
+                <a16:creationId xmlns:a16="http://schemas.microsoft.com/office/drawing/2014/main" id="{7CA3B088-65FC-5897-3647-F1E91E65C5BF}"/>
+              </a:ext>
+            </a:extLst>
+          </p:cNvPr>
+          <p:cNvSpPr txBox="1"/>
+          <p:nvPr/>
+        </p:nvSpPr>
+        <p:spPr>
+          <a:xfrm>
+            <a:off x="2006687" y="5800725"/>
+            <a:ext cx="2495838" cy="384721"/>
+          </a:xfrm>
+          <a:prstGeom prst="rect">
+            <a:avLst/>
+          </a:prstGeom>
+          <a:noFill/>
+        </p:spPr>
+        <p:txBody>
+          <a:bodyPr wrap="square" rtlCol="0">
+            <a:spAutoFit/>
+          </a:bodyPr>
+          <a:lstStyle/>
+          <a:p>
+            <a:r>
+              <a:rPr lang="es-ES" dirty="0"/>
+              <a:t>Giro a la </a:t>
+            </a:r>
+            <a:r>
+              <a:rPr lang="es-ES" sz="1900" dirty="0">
+                <a:solidFill>
+                  <a:schemeClr val="tx1">
+                    <a:lumMod val="75000"/>
+                    <a:lumOff val="25000"/>
+                  </a:schemeClr>
+                </a:solidFill>
+              </a:rPr>
+              <a:t>derecha</a:t>
+            </a:r>
+          </a:p>
+        </p:txBody>
+      </p:sp>
+      <p:sp>
+        <p:nvSpPr>
+          <p:cNvPr id="12" name="CuadroTexto 11">
+            <a:extLst>
+              <a:ext uri="{FF2B5EF4-FFF2-40B4-BE49-F238E27FC236}">
+                <a16:creationId xmlns:a16="http://schemas.microsoft.com/office/drawing/2014/main" id="{E40713DA-1B9C-A675-7C4B-172E678985BD}"/>
+              </a:ext>
+            </a:extLst>
+          </p:cNvPr>
+          <p:cNvSpPr txBox="1"/>
+          <p:nvPr/>
+        </p:nvSpPr>
+        <p:spPr>
+          <a:xfrm>
+            <a:off x="7756489" y="5737478"/>
+            <a:ext cx="2495838" cy="384721"/>
+          </a:xfrm>
+          <a:prstGeom prst="rect">
+            <a:avLst/>
+          </a:prstGeom>
+          <a:noFill/>
+        </p:spPr>
+        <p:txBody>
+          <a:bodyPr wrap="square" rtlCol="0">
+            <a:spAutoFit/>
+          </a:bodyPr>
+          <a:lstStyle/>
+          <a:p>
+            <a:r>
+              <a:rPr lang="es-ES" dirty="0"/>
+              <a:t>Giro a la </a:t>
+            </a:r>
+            <a:r>
+              <a:rPr lang="es-ES" sz="1900" dirty="0">
+                <a:solidFill>
+                  <a:schemeClr val="tx1">
+                    <a:lumMod val="75000"/>
+                    <a:lumOff val="25000"/>
+                  </a:schemeClr>
+                </a:solidFill>
+              </a:rPr>
+              <a:t>izquierda</a:t>
+            </a:r>
           </a:p>
         </p:txBody>
       </p:sp>
@@ -5977,6 +6107,140 @@
           <p:cNvPr id="2" name="Título 1">
             <a:extLst>
               <a:ext uri="{FF2B5EF4-FFF2-40B4-BE49-F238E27FC236}">
+                <a16:creationId xmlns:a16="http://schemas.microsoft.com/office/drawing/2014/main" id="{CE96A43C-7666-DD08-7698-BBE21833B9C4}"/>
+              </a:ext>
+            </a:extLst>
+          </p:cNvPr>
+          <p:cNvSpPr>
+            <a:spLocks noGrp="1"/>
+          </p:cNvSpPr>
+          <p:nvPr>
+            <p:ph type="title"/>
+          </p:nvPr>
+        </p:nvSpPr>
+        <p:spPr/>
+        <p:txBody>
+          <a:bodyPr/>
+          <a:lstStyle/>
+          <a:p>
+            <a:endParaRPr lang="es-ES"/>
+          </a:p>
+        </p:txBody>
+      </p:sp>
+      <p:sp>
+        <p:nvSpPr>
+          <p:cNvPr id="3" name="Marcador de contenido 2">
+            <a:extLst>
+              <a:ext uri="{FF2B5EF4-FFF2-40B4-BE49-F238E27FC236}">
+                <a16:creationId xmlns:a16="http://schemas.microsoft.com/office/drawing/2014/main" id="{34B5A939-4DE6-124C-1C35-746ED1CD0AED}"/>
+              </a:ext>
+            </a:extLst>
+          </p:cNvPr>
+          <p:cNvSpPr>
+            <a:spLocks noGrp="1"/>
+          </p:cNvSpPr>
+          <p:nvPr>
+            <p:ph idx="1"/>
+          </p:nvPr>
+        </p:nvSpPr>
+        <p:spPr/>
+        <p:txBody>
+          <a:bodyPr/>
+          <a:lstStyle/>
+          <a:p>
+            <a:pPr marL="0" indent="0">
+              <a:buNone/>
+            </a:pPr>
+            <a:r>
+              <a:rPr lang="es-ES" dirty="0"/>
+              <a:t>Para ver hacia dónde es el giro, dados 3 puntos (x1,y1), (x2,y2), (x3,y3), usamos la siguiente fórmula: </a:t>
+            </a:r>
+          </a:p>
+          <a:p>
+            <a:pPr marL="0" indent="0" algn="ctr">
+              <a:buNone/>
+            </a:pPr>
+            <a:r>
+              <a:rPr lang="es-ES" dirty="0"/>
+              <a:t>(x2-x1)*(y3-y1) - (y2-y1)*(x3-x1) </a:t>
+            </a:r>
+          </a:p>
+          <a:p>
+            <a:pPr marL="0" indent="0">
+              <a:buNone/>
+            </a:pPr>
+            <a:r>
+              <a:rPr lang="es-ES" dirty="0"/>
+              <a:t>Si el resultado es 0, están alineados, si es positivo giras a la izquierda y si es negativo giras a la derecha.</a:t>
+            </a:r>
+          </a:p>
+        </p:txBody>
+      </p:sp>
+      <p:sp>
+        <p:nvSpPr>
+          <p:cNvPr id="4" name="Marcador de fecha 3">
+            <a:extLst>
+              <a:ext uri="{FF2B5EF4-FFF2-40B4-BE49-F238E27FC236}">
+                <a16:creationId xmlns:a16="http://schemas.microsoft.com/office/drawing/2014/main" id="{42F4408F-EA2E-A743-0B17-A3227FD47700}"/>
+              </a:ext>
+            </a:extLst>
+          </p:cNvPr>
+          <p:cNvSpPr>
+            <a:spLocks noGrp="1"/>
+          </p:cNvSpPr>
+          <p:nvPr>
+            <p:ph type="dt" sz="half" idx="10"/>
+          </p:nvPr>
+        </p:nvSpPr>
+        <p:spPr/>
+        <p:txBody>
+          <a:bodyPr/>
+          <a:lstStyle/>
+          <a:p>
+            <a:pPr rtl="0"/>
+            <a:fld id="{642B802E-BFC6-4F89-8E3C-91026AB025AB}" type="datetime1">
+              <a:rPr lang="es-ES" smtClean="0"/>
+              <a:t>18/04/2023</a:t>
+            </a:fld>
+            <a:endParaRPr lang="en-US" dirty="0"/>
+          </a:p>
+        </p:txBody>
+      </p:sp>
+    </p:spTree>
+    <p:extLst>
+      <p:ext uri="{BB962C8B-B14F-4D97-AF65-F5344CB8AC3E}">
+        <p14:creationId xmlns:p14="http://schemas.microsoft.com/office/powerpoint/2010/main" val="1881723248"/>
+      </p:ext>
+    </p:extLst>
+  </p:cSld>
+  <p:clrMapOvr>
+    <a:masterClrMapping/>
+  </p:clrMapOvr>
+</p:sld>
+</file>
+
+<file path=ppt/slides/slide13.xml><?xml version="1.0" encoding="utf-8"?>
+<p:sld xmlns:a="http://schemas.openxmlformats.org/drawingml/2006/main" xmlns:r="http://schemas.openxmlformats.org/officeDocument/2006/relationships" xmlns:p="http://schemas.openxmlformats.org/presentationml/2006/main">
+  <p:cSld>
+    <p:spTree>
+      <p:nvGrpSpPr>
+        <p:cNvPr id="1" name=""/>
+        <p:cNvGrpSpPr/>
+        <p:nvPr/>
+      </p:nvGrpSpPr>
+      <p:grpSpPr>
+        <a:xfrm>
+          <a:off x="0" y="0"/>
+          <a:ext cx="0" cy="0"/>
+          <a:chOff x="0" y="0"/>
+          <a:chExt cx="0" cy="0"/>
+        </a:xfrm>
+      </p:grpSpPr>
+      <p:sp>
+        <p:nvSpPr>
+          <p:cNvPr id="2" name="Título 1">
+            <a:extLst>
+              <a:ext uri="{FF2B5EF4-FFF2-40B4-BE49-F238E27FC236}">
                 <a16:creationId xmlns:a16="http://schemas.microsoft.com/office/drawing/2014/main" id="{6BCD2170-D362-8B04-6A4A-D535E971126E}"/>
               </a:ext>
             </a:extLst>
@@ -6594,7 +6858,7 @@
 </p:sld>
 </file>
 
-<file path=ppt/slides/slide13.xml><?xml version="1.0" encoding="utf-8"?>
+<file path=ppt/slides/slide14.xml><?xml version="1.0" encoding="utf-8"?>
 <p:sld xmlns:a="http://schemas.openxmlformats.org/drawingml/2006/main" xmlns:r="http://schemas.openxmlformats.org/officeDocument/2006/relationships" xmlns:p="http://schemas.openxmlformats.org/presentationml/2006/main">
   <p:cSld>
     <p:spTree>
@@ -6738,149 +7002,6 @@
 </p:sld>
 </file>
 
-<file path=ppt/slides/slide14.xml><?xml version="1.0" encoding="utf-8"?>
-<p:sld xmlns:a="http://schemas.openxmlformats.org/drawingml/2006/main" xmlns:r="http://schemas.openxmlformats.org/officeDocument/2006/relationships" xmlns:p="http://schemas.openxmlformats.org/presentationml/2006/main">
-  <p:cSld>
-    <p:spTree>
-      <p:nvGrpSpPr>
-        <p:cNvPr id="1" name=""/>
-        <p:cNvGrpSpPr/>
-        <p:nvPr/>
-      </p:nvGrpSpPr>
-      <p:grpSpPr>
-        <a:xfrm>
-          <a:off x="0" y="0"/>
-          <a:ext cx="0" cy="0"/>
-          <a:chOff x="0" y="0"/>
-          <a:chExt cx="0" cy="0"/>
-        </a:xfrm>
-      </p:grpSpPr>
-      <p:sp>
-        <p:nvSpPr>
-          <p:cNvPr id="2" name="Título 1">
-            <a:extLst>
-              <a:ext uri="{FF2B5EF4-FFF2-40B4-BE49-F238E27FC236}">
-                <a16:creationId xmlns:a16="http://schemas.microsoft.com/office/drawing/2014/main" id="{2ABD2A85-1ED0-FC6C-A500-3B475A4108E0}"/>
-              </a:ext>
-            </a:extLst>
-          </p:cNvPr>
-          <p:cNvSpPr>
-            <a:spLocks noGrp="1"/>
-          </p:cNvSpPr>
-          <p:nvPr>
-            <p:ph type="title"/>
-          </p:nvPr>
-        </p:nvSpPr>
-        <p:spPr/>
-        <p:txBody>
-          <a:bodyPr/>
-          <a:lstStyle/>
-          <a:p>
-            <a:pPr algn="ctr"/>
-            <a:r>
-              <a:rPr lang="es-ES" dirty="0"/>
-              <a:t>Eficiencia Teórica</a:t>
-            </a:r>
-          </a:p>
-        </p:txBody>
-      </p:sp>
-      <p:sp>
-        <p:nvSpPr>
-          <p:cNvPr id="3" name="Marcador de contenido 2">
-            <a:extLst>
-              <a:ext uri="{FF2B5EF4-FFF2-40B4-BE49-F238E27FC236}">
-                <a16:creationId xmlns:a16="http://schemas.microsoft.com/office/drawing/2014/main" id="{31FDF948-383B-5BF9-F8E0-308FB1FCA45B}"/>
-              </a:ext>
-            </a:extLst>
-          </p:cNvPr>
-          <p:cNvSpPr>
-            <a:spLocks noGrp="1"/>
-          </p:cNvSpPr>
-          <p:nvPr>
-            <p:ph idx="1"/>
-          </p:nvPr>
-        </p:nvSpPr>
-        <p:spPr/>
-        <p:txBody>
-          <a:bodyPr/>
-          <a:lstStyle/>
-          <a:p>
-            <a:r>
-              <a:rPr lang="es-ES" dirty="0"/>
-              <a:t>La eficiencia teórica del algoritmo de Graham es de O(</a:t>
-            </a:r>
-            <a:r>
-              <a:rPr lang="es-ES" dirty="0" err="1"/>
-              <a:t>nlog</a:t>
-            </a:r>
-            <a:r>
-              <a:rPr lang="es-ES" dirty="0"/>
-              <a:t>(n)), como hemos mencionado previamente. Adaptándolo a nuestra implementación, debemos tener en cuenta la ordenación previa por el ángulo el cual posee una eficiencia O(</a:t>
-            </a:r>
-            <a:r>
-              <a:rPr lang="es-ES" dirty="0" err="1"/>
-              <a:t>nlog</a:t>
-            </a:r>
-            <a:r>
-              <a:rPr lang="es-ES" dirty="0"/>
-              <a:t>(n))Por lo tanto nuestro algoritmo será de eficiencia:</a:t>
-            </a:r>
-          </a:p>
-          <a:p>
-            <a:pPr algn="ctr"/>
-            <a:r>
-              <a:rPr lang="es-ES" dirty="0"/>
-              <a:t>𝑛𝑙𝑜𝑔(𝑛) + 𝑛𝑙𝑜𝑔(𝑛) = 2𝑛𝑙𝑜𝑔(𝑛) ∈ 𝑂(𝑛𝑙𝑜𝑔(𝑛))</a:t>
-            </a:r>
-          </a:p>
-          <a:p>
-            <a:endParaRPr lang="es-ES" dirty="0"/>
-          </a:p>
-        </p:txBody>
-      </p:sp>
-      <p:sp>
-        <p:nvSpPr>
-          <p:cNvPr id="4" name="Marcador de fecha 3">
-            <a:extLst>
-              <a:ext uri="{FF2B5EF4-FFF2-40B4-BE49-F238E27FC236}">
-                <a16:creationId xmlns:a16="http://schemas.microsoft.com/office/drawing/2014/main" id="{4C0489C4-D1FB-14B5-04AE-1BCB3A758235}"/>
-              </a:ext>
-            </a:extLst>
-          </p:cNvPr>
-          <p:cNvSpPr>
-            <a:spLocks noGrp="1"/>
-          </p:cNvSpPr>
-          <p:nvPr>
-            <p:ph type="dt" sz="half" idx="10"/>
-          </p:nvPr>
-        </p:nvSpPr>
-        <p:spPr/>
-        <p:txBody>
-          <a:bodyPr/>
-          <a:lstStyle/>
-          <a:p>
-            <a:pPr rtl="0"/>
-            <a:fld id="{642B802E-BFC6-4F89-8E3C-91026AB025AB}" type="datetime1">
-              <a:rPr lang="es-ES" smtClean="0"/>
-              <a:t>18/04/2023</a:t>
-            </a:fld>
-            <a:endParaRPr lang="en-US" dirty="0"/>
-          </a:p>
-        </p:txBody>
-      </p:sp>
-    </p:spTree>
-    <p:extLst>
-      <p:ext uri="{BB962C8B-B14F-4D97-AF65-F5344CB8AC3E}">
-        <p14:creationId xmlns:p14="http://schemas.microsoft.com/office/powerpoint/2010/main" val="1732561459"/>
-      </p:ext>
-    </p:extLst>
-  </p:cSld>
-  <p:clrMapOvr>
-    <a:masterClrMapping/>
-  </p:clrMapOvr>
-</p:sld>
-</file>
-
 <file path=ppt/slides/slide15.xml><?xml version="1.0" encoding="utf-8"?>
 <p:sld xmlns:a="http://schemas.openxmlformats.org/drawingml/2006/main" xmlns:r="http://schemas.openxmlformats.org/officeDocument/2006/relationships" xmlns:p="http://schemas.openxmlformats.org/presentationml/2006/main">
   <p:cSld>
@@ -6903,7 +7024,7 @@
           <p:cNvPr id="2" name="Título 1">
             <a:extLst>
               <a:ext uri="{FF2B5EF4-FFF2-40B4-BE49-F238E27FC236}">
-                <a16:creationId xmlns:a16="http://schemas.microsoft.com/office/drawing/2014/main" id="{0CD4FF1A-2CE8-6777-75D6-FCF374D190D2}"/>
+                <a16:creationId xmlns:a16="http://schemas.microsoft.com/office/drawing/2014/main" id="{2ABD2A85-1ED0-FC6C-A500-3B475A4108E0}"/>
               </a:ext>
             </a:extLst>
           </p:cNvPr>
@@ -6922,7 +7043,7 @@
             <a:pPr algn="ctr"/>
             <a:r>
               <a:rPr lang="es-ES" dirty="0"/>
-              <a:t>Eficiencia Empírica</a:t>
+              <a:t>Eficiencia Teórica</a:t>
             </a:r>
           </a:p>
         </p:txBody>
@@ -6932,7 +7053,7 @@
           <p:cNvPr id="3" name="Marcador de contenido 2">
             <a:extLst>
               <a:ext uri="{FF2B5EF4-FFF2-40B4-BE49-F238E27FC236}">
-                <a16:creationId xmlns:a16="http://schemas.microsoft.com/office/drawing/2014/main" id="{D17AE000-3CB8-3867-1AFF-C6E3BC16B910}"/>
+                <a16:creationId xmlns:a16="http://schemas.microsoft.com/office/drawing/2014/main" id="{31FDF948-383B-5BF9-F8E0-308FB1FCA45B}"/>
               </a:ext>
             </a:extLst>
           </p:cNvPr>
@@ -6950,8 +7071,34 @@
           <a:p>
             <a:r>
               <a:rPr lang="es-ES" dirty="0"/>
-              <a:t>Para realizar un análisis de eficiencia empírica deberemos ejecutar el mismo algoritmo para diferentes tamaños de entrada. Para el este algoritmo, lo ejecutaremos para diferentes tamaños del vector de puntos al cual debemos calcular la envolvente conexa y obtendremos el tiempo. Estos tiempos los almacenamos en un fichero salidaE.dat. El código es el siguiente: </a:t>
-            </a:r>
+              <a:t>La eficiencia teórica del algoritmo de Graham es de O(</a:t>
+            </a:r>
+            <a:r>
+              <a:rPr lang="es-ES" dirty="0" err="1"/>
+              <a:t>nlog</a:t>
+            </a:r>
+            <a:r>
+              <a:rPr lang="es-ES" dirty="0"/>
+              <a:t>(n)), como hemos mencionado previamente. Adaptándolo a nuestra implementación, debemos tener en cuenta la ordenación previa por el ángulo el cual posee una eficiencia O(</a:t>
+            </a:r>
+            <a:r>
+              <a:rPr lang="es-ES" dirty="0" err="1"/>
+              <a:t>nlog</a:t>
+            </a:r>
+            <a:r>
+              <a:rPr lang="es-ES" dirty="0"/>
+              <a:t>(n))Por lo tanto nuestro algoritmo será de eficiencia:</a:t>
+            </a:r>
+          </a:p>
+          <a:p>
+            <a:pPr algn="ctr"/>
+            <a:r>
+              <a:rPr lang="es-ES" dirty="0"/>
+              <a:t>𝑛𝑙𝑜𝑔(𝑛) + 𝑛𝑙𝑜𝑔(𝑛) = 2𝑛𝑙𝑜𝑔(𝑛) ∈ 𝑂(𝑛𝑙𝑜𝑔(𝑛))</a:t>
+            </a:r>
+          </a:p>
+          <a:p>
+            <a:endParaRPr lang="es-ES" dirty="0"/>
           </a:p>
         </p:txBody>
       </p:sp>
@@ -6960,7 +7107,7 @@
           <p:cNvPr id="4" name="Marcador de fecha 3">
             <a:extLst>
               <a:ext uri="{FF2B5EF4-FFF2-40B4-BE49-F238E27FC236}">
-                <a16:creationId xmlns:a16="http://schemas.microsoft.com/office/drawing/2014/main" id="{19956C96-876A-D77C-4741-3DAFC068E254}"/>
+                <a16:creationId xmlns:a16="http://schemas.microsoft.com/office/drawing/2014/main" id="{4C0489C4-D1FB-14B5-04AE-1BCB3A758235}"/>
               </a:ext>
             </a:extLst>
           </p:cNvPr>
@@ -6988,7 +7135,7 @@
     </p:spTree>
     <p:extLst>
       <p:ext uri="{BB962C8B-B14F-4D97-AF65-F5344CB8AC3E}">
-        <p14:creationId xmlns:p14="http://schemas.microsoft.com/office/powerpoint/2010/main" val="1371117791"/>
+        <p14:creationId xmlns:p14="http://schemas.microsoft.com/office/powerpoint/2010/main" val="1732561459"/>
       </p:ext>
     </p:extLst>
   </p:cSld>
@@ -7020,7 +7167,7 @@
           <p:cNvPr id="2" name="Título 1">
             <a:extLst>
               <a:ext uri="{FF2B5EF4-FFF2-40B4-BE49-F238E27FC236}">
-                <a16:creationId xmlns:a16="http://schemas.microsoft.com/office/drawing/2014/main" id="{BF022DB9-4397-E6CB-6252-219838888A59}"/>
+                <a16:creationId xmlns:a16="http://schemas.microsoft.com/office/drawing/2014/main" id="{0CD4FF1A-2CE8-6777-75D6-FCF374D190D2}"/>
               </a:ext>
             </a:extLst>
           </p:cNvPr>
@@ -7049,7 +7196,7 @@
           <p:cNvPr id="3" name="Marcador de contenido 2">
             <a:extLst>
               <a:ext uri="{FF2B5EF4-FFF2-40B4-BE49-F238E27FC236}">
-                <a16:creationId xmlns:a16="http://schemas.microsoft.com/office/drawing/2014/main" id="{C5E8A305-7CD0-A34F-24F5-679AA7D857A2}"/>
+                <a16:creationId xmlns:a16="http://schemas.microsoft.com/office/drawing/2014/main" id="{D17AE000-3CB8-3867-1AFF-C6E3BC16B910}"/>
               </a:ext>
             </a:extLst>
           </p:cNvPr>
@@ -7062,9 +7209,74 @@
         </p:nvSpPr>
         <p:spPr>
           <a:xfrm>
-            <a:off x="4390967" y="2262405"/>
+            <a:off x="1097280" y="2108200"/>
+            <a:ext cx="5503545" cy="3202707"/>
+          </a:xfrm>
+        </p:spPr>
+        <p:txBody>
+          <a:bodyPr anchor="ctr"/>
+          <a:lstStyle/>
+          <a:p>
+            <a:pPr algn="just"/>
+            <a:r>
+              <a:rPr lang="es-ES" dirty="0"/>
+              <a:t>Para realizar un análisis de eficiencia empírica deberemos ejecutar el mismo algoritmo para diferentes tamaños de entrada. Para este algoritmo, lo ejecutaremos para diferentes tamaños del vector de puntos al cual debemos calcular la envolvente conexa y obtendremos el tiempo. Estos tiempos los almacenamos en un fichero salidaE.dat. El código es el siguiente: </a:t>
+            </a:r>
+          </a:p>
+        </p:txBody>
+      </p:sp>
+      <p:sp>
+        <p:nvSpPr>
+          <p:cNvPr id="4" name="Marcador de fecha 3">
+            <a:extLst>
+              <a:ext uri="{FF2B5EF4-FFF2-40B4-BE49-F238E27FC236}">
+                <a16:creationId xmlns:a16="http://schemas.microsoft.com/office/drawing/2014/main" id="{19956C96-876A-D77C-4741-3DAFC068E254}"/>
+              </a:ext>
+            </a:extLst>
+          </p:cNvPr>
+          <p:cNvSpPr>
+            <a:spLocks noGrp="1"/>
+          </p:cNvSpPr>
+          <p:nvPr>
+            <p:ph type="dt" sz="half" idx="10"/>
+          </p:nvPr>
+        </p:nvSpPr>
+        <p:spPr/>
+        <p:txBody>
+          <a:bodyPr/>
+          <a:lstStyle/>
+          <a:p>
+            <a:pPr rtl="0"/>
+            <a:fld id="{642B802E-BFC6-4F89-8E3C-91026AB025AB}" type="datetime1">
+              <a:rPr lang="es-ES" smtClean="0"/>
+              <a:t>18/04/2023</a:t>
+            </a:fld>
+            <a:endParaRPr lang="en-US" dirty="0"/>
+          </a:p>
+        </p:txBody>
+      </p:sp>
+      <p:sp>
+        <p:nvSpPr>
+          <p:cNvPr id="5" name="Marcador de contenido 2">
+            <a:extLst>
+              <a:ext uri="{FF2B5EF4-FFF2-40B4-BE49-F238E27FC236}">
+                <a16:creationId xmlns:a16="http://schemas.microsoft.com/office/drawing/2014/main" id="{99F86019-BEA8-D229-CB1D-ACF9B1D5B4D3}"/>
+              </a:ext>
+            </a:extLst>
+          </p:cNvPr>
+          <p:cNvSpPr txBox="1">
+            <a:spLocks/>
+          </p:cNvSpPr>
+          <p:nvPr/>
+        </p:nvSpPr>
+        <p:spPr>
+          <a:xfrm>
+            <a:off x="7267517" y="2108201"/>
             <a:ext cx="3410065" cy="3202707"/>
           </a:xfrm>
+          <a:prstGeom prst="rect">
+            <a:avLst/>
+          </a:prstGeom>
           <a:solidFill>
             <a:schemeClr val="bg1">
               <a:lumMod val="95000"/>
@@ -7072,12 +7284,249 @@
           </a:solidFill>
         </p:spPr>
         <p:txBody>
-          <a:bodyPr>
+          <a:bodyPr vert="horz" lIns="0" tIns="45720" rIns="0" bIns="45720" rtlCol="0">
             <a:normAutofit/>
           </a:bodyPr>
-          <a:lstStyle/>
-          <a:p>
-            <a:pPr algn="l" rtl="0" fontAlgn="base">
+          <a:lstStyle>
+            <a:lvl1pPr marL="91440" indent="-91440" algn="l" defTabSz="914400" rtl="0" eaLnBrk="1" latinLnBrk="0" hangingPunct="1">
+              <a:lnSpc>
+                <a:spcPct val="110000"/>
+              </a:lnSpc>
+              <a:spcBef>
+                <a:spcPts val="1200"/>
+              </a:spcBef>
+              <a:spcAft>
+                <a:spcPts val="200"/>
+              </a:spcAft>
+              <a:buClr>
+                <a:schemeClr val="accent1"/>
+              </a:buClr>
+              <a:buSzPct val="100000"/>
+              <a:buFont typeface="Calibri" panose="020F0502020204030204" pitchFamily="34" charset="0"/>
+              <a:buChar char=" "/>
+              <a:defRPr sz="1900" kern="1200">
+                <a:solidFill>
+                  <a:schemeClr val="tx1">
+                    <a:lumMod val="75000"/>
+                    <a:lumOff val="25000"/>
+                  </a:schemeClr>
+                </a:solidFill>
+                <a:latin typeface="+mn-lt"/>
+                <a:ea typeface="+mn-ea"/>
+                <a:cs typeface="+mn-cs"/>
+              </a:defRPr>
+            </a:lvl1pPr>
+            <a:lvl2pPr marL="384048" indent="-182880" algn="l" defTabSz="914400" rtl="0" eaLnBrk="1" latinLnBrk="0" hangingPunct="1">
+              <a:lnSpc>
+                <a:spcPct val="100000"/>
+              </a:lnSpc>
+              <a:spcBef>
+                <a:spcPts val="200"/>
+              </a:spcBef>
+              <a:spcAft>
+                <a:spcPts val="400"/>
+              </a:spcAft>
+              <a:buClrTx/>
+              <a:buFont typeface="Calibri" pitchFamily="34" charset="0"/>
+              <a:buChar char="◦"/>
+              <a:defRPr sz="1700" kern="1200">
+                <a:solidFill>
+                  <a:schemeClr val="tx1">
+                    <a:lumMod val="75000"/>
+                    <a:lumOff val="25000"/>
+                  </a:schemeClr>
+                </a:solidFill>
+                <a:latin typeface="+mn-lt"/>
+                <a:ea typeface="+mn-ea"/>
+                <a:cs typeface="+mn-cs"/>
+              </a:defRPr>
+            </a:lvl2pPr>
+            <a:lvl3pPr marL="566928" indent="-182880" algn="l" defTabSz="914400" rtl="0" eaLnBrk="1" latinLnBrk="0" hangingPunct="1">
+              <a:lnSpc>
+                <a:spcPct val="100000"/>
+              </a:lnSpc>
+              <a:spcBef>
+                <a:spcPts val="200"/>
+              </a:spcBef>
+              <a:spcAft>
+                <a:spcPts val="400"/>
+              </a:spcAft>
+              <a:buClrTx/>
+              <a:buFont typeface="Calibri" pitchFamily="34" charset="0"/>
+              <a:buChar char="◦"/>
+              <a:defRPr sz="1300" kern="1200">
+                <a:solidFill>
+                  <a:schemeClr val="tx1">
+                    <a:lumMod val="75000"/>
+                    <a:lumOff val="25000"/>
+                  </a:schemeClr>
+                </a:solidFill>
+                <a:latin typeface="+mn-lt"/>
+                <a:ea typeface="+mn-ea"/>
+                <a:cs typeface="+mn-cs"/>
+              </a:defRPr>
+            </a:lvl3pPr>
+            <a:lvl4pPr marL="749808" indent="-182880" algn="l" defTabSz="914400" rtl="0" eaLnBrk="1" latinLnBrk="0" hangingPunct="1">
+              <a:lnSpc>
+                <a:spcPct val="100000"/>
+              </a:lnSpc>
+              <a:spcBef>
+                <a:spcPts val="200"/>
+              </a:spcBef>
+              <a:spcAft>
+                <a:spcPts val="400"/>
+              </a:spcAft>
+              <a:buClrTx/>
+              <a:buFont typeface="Calibri" pitchFamily="34" charset="0"/>
+              <a:buChar char="◦"/>
+              <a:defRPr sz="1300" kern="1200">
+                <a:solidFill>
+                  <a:schemeClr val="tx1">
+                    <a:lumMod val="75000"/>
+                    <a:lumOff val="25000"/>
+                  </a:schemeClr>
+                </a:solidFill>
+                <a:latin typeface="+mn-lt"/>
+                <a:ea typeface="+mn-ea"/>
+                <a:cs typeface="+mn-cs"/>
+              </a:defRPr>
+            </a:lvl4pPr>
+            <a:lvl5pPr marL="932688" indent="-182880" algn="l" defTabSz="914400" rtl="0" eaLnBrk="1" latinLnBrk="0" hangingPunct="1">
+              <a:lnSpc>
+                <a:spcPct val="100000"/>
+              </a:lnSpc>
+              <a:spcBef>
+                <a:spcPts val="200"/>
+              </a:spcBef>
+              <a:spcAft>
+                <a:spcPts val="400"/>
+              </a:spcAft>
+              <a:buClrTx/>
+              <a:buFont typeface="Calibri" pitchFamily="34" charset="0"/>
+              <a:buChar char="◦"/>
+              <a:defRPr sz="1300" kern="1200">
+                <a:solidFill>
+                  <a:schemeClr val="tx1">
+                    <a:lumMod val="75000"/>
+                    <a:lumOff val="25000"/>
+                  </a:schemeClr>
+                </a:solidFill>
+                <a:latin typeface="+mn-lt"/>
+                <a:ea typeface="+mn-ea"/>
+                <a:cs typeface="+mn-cs"/>
+              </a:defRPr>
+            </a:lvl5pPr>
+            <a:lvl6pPr marL="1100000" indent="-228600" algn="l" defTabSz="914400" rtl="0" eaLnBrk="1" latinLnBrk="0" hangingPunct="1">
+              <a:lnSpc>
+                <a:spcPct val="90000"/>
+              </a:lnSpc>
+              <a:spcBef>
+                <a:spcPts val="200"/>
+              </a:spcBef>
+              <a:spcAft>
+                <a:spcPts val="400"/>
+              </a:spcAft>
+              <a:buClr>
+                <a:schemeClr val="accent1"/>
+              </a:buClr>
+              <a:buFont typeface="Calibri" pitchFamily="34" charset="0"/>
+              <a:buChar char="◦"/>
+              <a:defRPr sz="1400" kern="1200">
+                <a:solidFill>
+                  <a:schemeClr val="tx1">
+                    <a:lumMod val="75000"/>
+                    <a:lumOff val="25000"/>
+                  </a:schemeClr>
+                </a:solidFill>
+                <a:latin typeface="+mn-lt"/>
+                <a:ea typeface="+mn-ea"/>
+                <a:cs typeface="+mn-cs"/>
+              </a:defRPr>
+            </a:lvl6pPr>
+            <a:lvl7pPr marL="1300000" indent="-228600" algn="l" defTabSz="914400" rtl="0" eaLnBrk="1" latinLnBrk="0" hangingPunct="1">
+              <a:lnSpc>
+                <a:spcPct val="90000"/>
+              </a:lnSpc>
+              <a:spcBef>
+                <a:spcPts val="200"/>
+              </a:spcBef>
+              <a:spcAft>
+                <a:spcPts val="400"/>
+              </a:spcAft>
+              <a:buClr>
+                <a:schemeClr val="accent1"/>
+              </a:buClr>
+              <a:buFont typeface="Calibri" pitchFamily="34" charset="0"/>
+              <a:buChar char="◦"/>
+              <a:defRPr sz="1400" kern="1200">
+                <a:solidFill>
+                  <a:schemeClr val="tx1">
+                    <a:lumMod val="75000"/>
+                    <a:lumOff val="25000"/>
+                  </a:schemeClr>
+                </a:solidFill>
+                <a:latin typeface="+mn-lt"/>
+                <a:ea typeface="+mn-ea"/>
+                <a:cs typeface="+mn-cs"/>
+              </a:defRPr>
+            </a:lvl7pPr>
+            <a:lvl8pPr marL="1500000" indent="-228600" algn="l" defTabSz="914400" rtl="0" eaLnBrk="1" latinLnBrk="0" hangingPunct="1">
+              <a:lnSpc>
+                <a:spcPct val="90000"/>
+              </a:lnSpc>
+              <a:spcBef>
+                <a:spcPts val="200"/>
+              </a:spcBef>
+              <a:spcAft>
+                <a:spcPts val="400"/>
+              </a:spcAft>
+              <a:buClr>
+                <a:schemeClr val="accent1"/>
+              </a:buClr>
+              <a:buFont typeface="Calibri" pitchFamily="34" charset="0"/>
+              <a:buChar char="◦"/>
+              <a:defRPr sz="1400" kern="1200">
+                <a:solidFill>
+                  <a:schemeClr val="tx1">
+                    <a:lumMod val="75000"/>
+                    <a:lumOff val="25000"/>
+                  </a:schemeClr>
+                </a:solidFill>
+                <a:latin typeface="+mn-lt"/>
+                <a:ea typeface="+mn-ea"/>
+                <a:cs typeface="+mn-cs"/>
+              </a:defRPr>
+            </a:lvl8pPr>
+            <a:lvl9pPr marL="1700000" indent="-228600" algn="l" defTabSz="914400" rtl="0" eaLnBrk="1" latinLnBrk="0" hangingPunct="1">
+              <a:lnSpc>
+                <a:spcPct val="90000"/>
+              </a:lnSpc>
+              <a:spcBef>
+                <a:spcPts val="200"/>
+              </a:spcBef>
+              <a:spcAft>
+                <a:spcPts val="400"/>
+              </a:spcAft>
+              <a:buClr>
+                <a:schemeClr val="accent1"/>
+              </a:buClr>
+              <a:buFont typeface="Calibri" pitchFamily="34" charset="0"/>
+              <a:buChar char="◦"/>
+              <a:defRPr sz="1400" kern="1200">
+                <a:solidFill>
+                  <a:schemeClr val="tx1">
+                    <a:lumMod val="75000"/>
+                    <a:lumOff val="25000"/>
+                  </a:schemeClr>
+                </a:solidFill>
+                <a:latin typeface="+mn-lt"/>
+                <a:ea typeface="+mn-ea"/>
+                <a:cs typeface="+mn-cs"/>
+              </a:defRPr>
+            </a:lvl9pPr>
+          </a:lstStyle>
+          <a:p>
+            <a:pPr fontAlgn="base">
               <a:spcBef>
                 <a:spcPts val="0"/>
               </a:spcBef>
@@ -7086,25 +7535,23 @@
               </a:spcAft>
             </a:pPr>
             <a:r>
-              <a:rPr lang="es-ES" sz="1100" b="0" i="0" dirty="0">
+              <a:rPr lang="es-ES" sz="1100" dirty="0">
                 <a:solidFill>
                   <a:srgbClr val="008000"/>
                 </a:solidFill>
-                <a:effectLst/>
                 <a:latin typeface="Consolas" panose="020B0609020204030204" pitchFamily="49" charset="0"/>
               </a:rPr>
               <a:t>#!/bin/bash  </a:t>
             </a:r>
-            <a:endParaRPr lang="es-ES" sz="1100" b="0" i="0" dirty="0">
+            <a:endParaRPr lang="es-ES" sz="1100" dirty="0">
               <a:solidFill>
                 <a:srgbClr val="000000"/>
               </a:solidFill>
-              <a:effectLst/>
               <a:latin typeface="Segoe UI" panose="020B0502040204020203" pitchFamily="34" charset="0"/>
             </a:endParaRPr>
           </a:p>
           <a:p>
-            <a:pPr algn="l" rtl="0" fontAlgn="base">
+            <a:pPr fontAlgn="base">
               <a:spcBef>
                 <a:spcPts val="0"/>
               </a:spcBef>
@@ -7113,55 +7560,50 @@
               </a:spcAft>
             </a:pPr>
             <a:r>
-              <a:rPr lang="es-ES" sz="1100" b="0" i="0" dirty="0" err="1">
-                <a:solidFill>
-                  <a:srgbClr val="000000"/>
-                </a:solidFill>
-                <a:effectLst/>
+              <a:rPr lang="es-ES" sz="1100" dirty="0" err="1">
+                <a:solidFill>
+                  <a:srgbClr val="000000"/>
+                </a:solidFill>
                 <a:latin typeface="Consolas" panose="020B0609020204030204" pitchFamily="49" charset="0"/>
               </a:rPr>
               <a:t>printf</a:t>
             </a:r>
             <a:r>
-              <a:rPr lang="es-ES" sz="1100" b="0" i="0" dirty="0">
-                <a:solidFill>
-                  <a:srgbClr val="000000"/>
-                </a:solidFill>
-                <a:effectLst/>
+              <a:rPr lang="es-ES" sz="1100" dirty="0">
+                <a:solidFill>
+                  <a:srgbClr val="000000"/>
+                </a:solidFill>
                 <a:latin typeface="Consolas" panose="020B0609020204030204" pitchFamily="49" charset="0"/>
               </a:rPr>
               <a:t> </a:t>
             </a:r>
             <a:r>
-              <a:rPr lang="es-ES" sz="1100" b="0" i="0" dirty="0">
+              <a:rPr lang="es-ES" sz="1100" dirty="0">
                 <a:solidFill>
                   <a:srgbClr val="A31515"/>
                 </a:solidFill>
-                <a:effectLst/>
                 <a:latin typeface="Consolas" panose="020B0609020204030204" pitchFamily="49" charset="0"/>
               </a:rPr>
               <a:t>""</a:t>
             </a:r>
             <a:r>
-              <a:rPr lang="es-ES" sz="1100" b="0" i="0" dirty="0">
-                <a:solidFill>
-                  <a:srgbClr val="000000"/>
-                </a:solidFill>
-                <a:effectLst/>
+              <a:rPr lang="es-ES" sz="1100" dirty="0">
+                <a:solidFill>
+                  <a:srgbClr val="000000"/>
+                </a:solidFill>
                 <a:latin typeface="Consolas" panose="020B0609020204030204" pitchFamily="49" charset="0"/>
               </a:rPr>
               <a:t> &gt; salidaE.dat </a:t>
             </a:r>
-            <a:endParaRPr lang="es-ES" sz="1100" b="0" i="0" dirty="0">
+            <a:endParaRPr lang="es-ES" sz="1100" dirty="0">
               <a:solidFill>
                 <a:srgbClr val="000000"/>
               </a:solidFill>
-              <a:effectLst/>
               <a:latin typeface="Segoe UI" panose="020B0502040204020203" pitchFamily="34" charset="0"/>
             </a:endParaRPr>
           </a:p>
           <a:p>
-            <a:pPr algn="l" rtl="0" fontAlgn="base">
+            <a:pPr fontAlgn="base">
               <a:spcBef>
                 <a:spcPts val="0"/>
               </a:spcBef>
@@ -7170,25 +7612,23 @@
               </a:spcAft>
             </a:pPr>
             <a:r>
-              <a:rPr lang="es-ES" sz="1100" b="0" i="0" dirty="0">
-                <a:solidFill>
-                  <a:srgbClr val="000000"/>
-                </a:solidFill>
-                <a:effectLst/>
+              <a:rPr lang="es-ES" sz="1100" dirty="0">
+                <a:solidFill>
+                  <a:srgbClr val="000000"/>
+                </a:solidFill>
                 <a:latin typeface="Consolas" panose="020B0609020204030204" pitchFamily="49" charset="0"/>
               </a:rPr>
               <a:t>  </a:t>
             </a:r>
-            <a:endParaRPr lang="es-ES" sz="1100" b="0" i="0" dirty="0">
+            <a:endParaRPr lang="es-ES" sz="1100" dirty="0">
               <a:solidFill>
                 <a:srgbClr val="000000"/>
               </a:solidFill>
-              <a:effectLst/>
               <a:latin typeface="Segoe UI" panose="020B0502040204020203" pitchFamily="34" charset="0"/>
             </a:endParaRPr>
           </a:p>
           <a:p>
-            <a:pPr algn="l" rtl="0" fontAlgn="base">
+            <a:pPr fontAlgn="base">
               <a:spcBef>
                 <a:spcPts val="0"/>
               </a:spcBef>
@@ -7197,35 +7637,32 @@
               </a:spcAft>
             </a:pPr>
             <a:r>
-              <a:rPr lang="es-ES" sz="1100" b="0" i="0" dirty="0">
-                <a:solidFill>
-                  <a:srgbClr val="000000"/>
-                </a:solidFill>
-                <a:effectLst/>
+              <a:rPr lang="es-ES" sz="1100" dirty="0">
+                <a:solidFill>
+                  <a:srgbClr val="000000"/>
+                </a:solidFill>
                 <a:latin typeface="Consolas" panose="020B0609020204030204" pitchFamily="49" charset="0"/>
               </a:rPr>
               <a:t>i=</a:t>
             </a:r>
             <a:r>
-              <a:rPr lang="es-ES" sz="1100" b="0" i="0" dirty="0">
+              <a:rPr lang="es-ES" sz="1100" dirty="0">
                 <a:solidFill>
                   <a:srgbClr val="006666"/>
                 </a:solidFill>
-                <a:effectLst/>
                 <a:latin typeface="Consolas" panose="020B0609020204030204" pitchFamily="49" charset="0"/>
               </a:rPr>
               <a:t>50000 </a:t>
             </a:r>
-            <a:endParaRPr lang="es-ES" sz="1100" b="0" i="0" dirty="0">
+            <a:endParaRPr lang="es-ES" sz="1100" dirty="0">
               <a:solidFill>
                 <a:srgbClr val="000000"/>
               </a:solidFill>
-              <a:effectLst/>
               <a:latin typeface="Segoe UI" panose="020B0502040204020203" pitchFamily="34" charset="0"/>
             </a:endParaRPr>
           </a:p>
           <a:p>
-            <a:pPr algn="l" rtl="0" fontAlgn="base">
+            <a:pPr fontAlgn="base">
               <a:spcBef>
                 <a:spcPts val="0"/>
               </a:spcBef>
@@ -7234,75 +7671,68 @@
               </a:spcAft>
             </a:pPr>
             <a:r>
-              <a:rPr lang="es-ES" sz="1100" b="0" i="0" dirty="0" err="1">
+              <a:rPr lang="es-ES" sz="1100" dirty="0" err="1">
                 <a:solidFill>
                   <a:srgbClr val="0000FF"/>
                 </a:solidFill>
-                <a:effectLst/>
                 <a:latin typeface="Consolas" panose="020B0609020204030204" pitchFamily="49" charset="0"/>
               </a:rPr>
               <a:t>while</a:t>
             </a:r>
             <a:r>
-              <a:rPr lang="es-ES" sz="1100" b="0" i="0" dirty="0">
-                <a:solidFill>
-                  <a:srgbClr val="000000"/>
-                </a:solidFill>
-                <a:effectLst/>
+              <a:rPr lang="es-ES" sz="1100" dirty="0">
+                <a:solidFill>
+                  <a:srgbClr val="000000"/>
+                </a:solidFill>
                 <a:latin typeface="Consolas" panose="020B0609020204030204" pitchFamily="49" charset="0"/>
               </a:rPr>
               <a:t> [ </a:t>
             </a:r>
             <a:r>
-              <a:rPr lang="es-ES" sz="1100" b="0" i="0" dirty="0">
+              <a:rPr lang="es-ES" sz="1100" dirty="0">
                 <a:solidFill>
                   <a:srgbClr val="A31515"/>
                 </a:solidFill>
-                <a:effectLst/>
                 <a:latin typeface="Consolas" panose="020B0609020204030204" pitchFamily="49" charset="0"/>
               </a:rPr>
               <a:t>"$i"</a:t>
             </a:r>
             <a:r>
-              <a:rPr lang="es-ES" sz="1100" b="0" i="0" dirty="0">
-                <a:solidFill>
-                  <a:srgbClr val="000000"/>
-                </a:solidFill>
-                <a:effectLst/>
+              <a:rPr lang="es-ES" sz="1100" dirty="0">
+                <a:solidFill>
+                  <a:srgbClr val="000000"/>
+                </a:solidFill>
                 <a:latin typeface="Consolas" panose="020B0609020204030204" pitchFamily="49" charset="0"/>
               </a:rPr>
               <a:t> -le </a:t>
             </a:r>
             <a:r>
-              <a:rPr lang="es-ES" sz="1100" b="0" i="0" dirty="0">
+              <a:rPr lang="es-ES" sz="1100" dirty="0">
                 <a:solidFill>
                   <a:srgbClr val="006666"/>
                 </a:solidFill>
-                <a:effectLst/>
                 <a:latin typeface="Consolas" panose="020B0609020204030204" pitchFamily="49" charset="0"/>
               </a:rPr>
               <a:t>1300000</a:t>
             </a:r>
             <a:r>
-              <a:rPr lang="es-ES" sz="1100" b="0" i="0" dirty="0">
-                <a:solidFill>
-                  <a:srgbClr val="000000"/>
-                </a:solidFill>
-                <a:effectLst/>
+              <a:rPr lang="es-ES" sz="1100" dirty="0">
+                <a:solidFill>
+                  <a:srgbClr val="000000"/>
+                </a:solidFill>
                 <a:latin typeface="Consolas" panose="020B0609020204030204" pitchFamily="49" charset="0"/>
               </a:rPr>
               <a:t> ] </a:t>
             </a:r>
-            <a:endParaRPr lang="es-ES" sz="1100" b="0" i="0" dirty="0">
+            <a:endParaRPr lang="es-ES" sz="1100" dirty="0">
               <a:solidFill>
                 <a:srgbClr val="000000"/>
               </a:solidFill>
-              <a:effectLst/>
               <a:latin typeface="Segoe UI" panose="020B0502040204020203" pitchFamily="34" charset="0"/>
             </a:endParaRPr>
           </a:p>
           <a:p>
-            <a:pPr algn="l" rtl="0" fontAlgn="base">
+            <a:pPr fontAlgn="base">
               <a:spcBef>
                 <a:spcPts val="0"/>
               </a:spcBef>
@@ -7311,25 +7741,23 @@
               </a:spcAft>
             </a:pPr>
             <a:r>
-              <a:rPr lang="es-ES" sz="1100" b="0" i="0" dirty="0">
+              <a:rPr lang="es-ES" sz="1100" dirty="0">
                 <a:solidFill>
                   <a:srgbClr val="0000FF"/>
                 </a:solidFill>
-                <a:effectLst/>
                 <a:latin typeface="Consolas" panose="020B0609020204030204" pitchFamily="49" charset="0"/>
               </a:rPr>
               <a:t>do </a:t>
             </a:r>
-            <a:endParaRPr lang="es-ES" sz="1100" b="0" i="0" dirty="0">
+            <a:endParaRPr lang="es-ES" sz="1100" dirty="0">
               <a:solidFill>
                 <a:srgbClr val="000000"/>
               </a:solidFill>
-              <a:effectLst/>
               <a:latin typeface="Segoe UI" panose="020B0502040204020203" pitchFamily="34" charset="0"/>
             </a:endParaRPr>
           </a:p>
           <a:p>
-            <a:pPr algn="l" rtl="0" fontAlgn="base">
+            <a:pPr fontAlgn="base">
               <a:spcBef>
                 <a:spcPts val="0"/>
               </a:spcBef>
@@ -7338,45 +7766,41 @@
               </a:spcAft>
             </a:pPr>
             <a:r>
-              <a:rPr lang="es-ES" sz="1100" b="0" i="0" dirty="0">
+              <a:rPr lang="es-ES" sz="1100" dirty="0">
                 <a:solidFill>
                   <a:srgbClr val="008000"/>
                 </a:solidFill>
-                <a:effectLst/>
                 <a:latin typeface="Consolas" panose="020B0609020204030204" pitchFamily="49" charset="0"/>
               </a:rPr>
               <a:t># Generamos los puntos</a:t>
             </a:r>
             <a:r>
-              <a:rPr lang="es-ES" sz="1100" b="0" i="0" dirty="0">
+              <a:rPr lang="es-ES" sz="1100" dirty="0">
                 <a:solidFill>
                   <a:srgbClr val="008000"/>
                 </a:solidFill>
-                <a:effectLst/>
                 <a:latin typeface="Calibri" panose="020F0502020204030204" pitchFamily="34" charset="0"/>
               </a:rPr>
               <a:t> </a:t>
             </a:r>
             <a:r>
-              <a:rPr lang="es-ES" sz="1100" b="0" i="0" dirty="0">
-                <a:solidFill>
-                  <a:srgbClr val="000000"/>
-                </a:solidFill>
-                <a:effectLst/>
+              <a:rPr lang="es-ES" sz="1100" dirty="0">
+                <a:solidFill>
+                  <a:srgbClr val="000000"/>
+                </a:solidFill>
                 <a:latin typeface="Consolas" panose="020B0609020204030204" pitchFamily="49" charset="0"/>
               </a:rPr>
               <a:t> </a:t>
             </a:r>
-            <a:endParaRPr lang="es-ES" sz="1100" b="0" i="0" dirty="0">
+            <a:endParaRPr lang="es-ES" sz="1100" dirty="0">
               <a:solidFill>
                 <a:srgbClr val="000000"/>
               </a:solidFill>
-              <a:effectLst/>
               <a:latin typeface="Segoe UI" panose="020B0502040204020203" pitchFamily="34" charset="0"/>
             </a:endParaRPr>
           </a:p>
           <a:p>
-            <a:pPr algn="l" rtl="0" fontAlgn="base">
+            <a:pPr fontAlgn="base">
               <a:spcBef>
                 <a:spcPts val="0"/>
               </a:spcBef>
@@ -7385,25 +7809,23 @@
               </a:spcAft>
             </a:pPr>
             <a:r>
-              <a:rPr lang="es-ES" sz="1100" b="0" i="0" dirty="0">
-                <a:solidFill>
-                  <a:srgbClr val="000000"/>
-                </a:solidFill>
-                <a:effectLst/>
+              <a:rPr lang="es-ES" sz="1100" dirty="0">
+                <a:solidFill>
+                  <a:srgbClr val="000000"/>
+                </a:solidFill>
                 <a:latin typeface="Consolas" panose="020B0609020204030204" pitchFamily="49" charset="0"/>
               </a:rPr>
               <a:t>./generador $i </a:t>
             </a:r>
-            <a:endParaRPr lang="es-ES" sz="1100" b="0" i="0" dirty="0">
+            <a:endParaRPr lang="es-ES" sz="1100" dirty="0">
               <a:solidFill>
                 <a:srgbClr val="000000"/>
               </a:solidFill>
-              <a:effectLst/>
               <a:latin typeface="Segoe UI" panose="020B0502040204020203" pitchFamily="34" charset="0"/>
             </a:endParaRPr>
           </a:p>
           <a:p>
-            <a:pPr algn="l" rtl="0" fontAlgn="base">
+            <a:pPr fontAlgn="base">
               <a:spcBef>
                 <a:spcPts val="0"/>
               </a:spcBef>
@@ -7412,25 +7834,23 @@
               </a:spcAft>
             </a:pPr>
             <a:r>
-              <a:rPr lang="es-ES" sz="1100" b="0" i="0" dirty="0">
-                <a:solidFill>
-                  <a:srgbClr val="000000"/>
-                </a:solidFill>
-                <a:effectLst/>
+              <a:rPr lang="es-ES" sz="1100" dirty="0">
+                <a:solidFill>
+                  <a:srgbClr val="000000"/>
+                </a:solidFill>
                 <a:latin typeface="Consolas" panose="020B0609020204030204" pitchFamily="49" charset="0"/>
               </a:rPr>
               <a:t>   </a:t>
             </a:r>
-            <a:endParaRPr lang="es-ES" sz="1100" b="0" i="0" dirty="0">
+            <a:endParaRPr lang="es-ES" sz="1100" dirty="0">
               <a:solidFill>
                 <a:srgbClr val="000000"/>
               </a:solidFill>
-              <a:effectLst/>
               <a:latin typeface="Segoe UI" panose="020B0502040204020203" pitchFamily="34" charset="0"/>
             </a:endParaRPr>
           </a:p>
           <a:p>
-            <a:pPr algn="l" rtl="0" fontAlgn="base">
+            <a:pPr fontAlgn="base">
               <a:spcBef>
                 <a:spcPts val="0"/>
               </a:spcBef>
@@ -7439,25 +7859,23 @@
               </a:spcAft>
             </a:pPr>
             <a:r>
-              <a:rPr lang="es-ES" sz="1100" b="0" i="0" dirty="0">
+              <a:rPr lang="es-ES" sz="1100" dirty="0">
                 <a:solidFill>
                   <a:srgbClr val="008000"/>
                 </a:solidFill>
-                <a:effectLst/>
                 <a:latin typeface="Consolas" panose="020B0609020204030204" pitchFamily="49" charset="0"/>
               </a:rPr>
               <a:t># Ejecutamos los puntos </a:t>
             </a:r>
-            <a:endParaRPr lang="es-ES" sz="1100" b="0" i="0" dirty="0">
+            <a:endParaRPr lang="es-ES" sz="1100" dirty="0">
               <a:solidFill>
                 <a:srgbClr val="000000"/>
               </a:solidFill>
-              <a:effectLst/>
               <a:latin typeface="Segoe UI" panose="020B0502040204020203" pitchFamily="34" charset="0"/>
             </a:endParaRPr>
           </a:p>
           <a:p>
-            <a:pPr algn="l" rtl="0" fontAlgn="base">
+            <a:pPr fontAlgn="base">
               <a:spcBef>
                 <a:spcPts val="0"/>
               </a:spcBef>
@@ -7466,25 +7884,23 @@
               </a:spcAft>
             </a:pPr>
             <a:r>
-              <a:rPr lang="es-ES" sz="1100" b="0" i="0" dirty="0">
-                <a:solidFill>
-                  <a:srgbClr val="000000"/>
-                </a:solidFill>
-                <a:effectLst/>
+              <a:rPr lang="es-ES" sz="1100" dirty="0">
+                <a:solidFill>
+                  <a:srgbClr val="000000"/>
+                </a:solidFill>
                 <a:latin typeface="Consolas" panose="020B0609020204030204" pitchFamily="49" charset="0"/>
               </a:rPr>
               <a:t>./especifico data.txt &gt;&gt; salidaE.dat </a:t>
             </a:r>
-            <a:endParaRPr lang="es-ES" sz="1100" b="0" i="0" dirty="0">
+            <a:endParaRPr lang="es-ES" sz="1100" dirty="0">
               <a:solidFill>
                 <a:srgbClr val="000000"/>
               </a:solidFill>
-              <a:effectLst/>
               <a:latin typeface="Segoe UI" panose="020B0502040204020203" pitchFamily="34" charset="0"/>
             </a:endParaRPr>
           </a:p>
           <a:p>
-            <a:pPr algn="l" rtl="0" fontAlgn="base">
+            <a:pPr fontAlgn="base">
               <a:spcBef>
                 <a:spcPts val="0"/>
               </a:spcBef>
@@ -7493,25 +7909,23 @@
               </a:spcAft>
             </a:pPr>
             <a:r>
-              <a:rPr lang="es-ES" sz="1100" b="0" i="0" dirty="0">
-                <a:solidFill>
-                  <a:srgbClr val="000000"/>
-                </a:solidFill>
-                <a:effectLst/>
+              <a:rPr lang="es-ES" sz="1100" dirty="0">
+                <a:solidFill>
+                  <a:srgbClr val="000000"/>
+                </a:solidFill>
                 <a:latin typeface="Consolas" panose="020B0609020204030204" pitchFamily="49" charset="0"/>
               </a:rPr>
               <a:t>  </a:t>
             </a:r>
-            <a:endParaRPr lang="es-ES" sz="1100" b="0" i="0" dirty="0">
+            <a:endParaRPr lang="es-ES" sz="1100" dirty="0">
               <a:solidFill>
                 <a:srgbClr val="000000"/>
               </a:solidFill>
-              <a:effectLst/>
               <a:latin typeface="Segoe UI" panose="020B0502040204020203" pitchFamily="34" charset="0"/>
             </a:endParaRPr>
           </a:p>
           <a:p>
-            <a:pPr algn="l" rtl="0" fontAlgn="base">
+            <a:pPr fontAlgn="base">
               <a:spcBef>
                 <a:spcPts val="0"/>
               </a:spcBef>
@@ -7520,45 +7934,41 @@
               </a:spcAft>
             </a:pPr>
             <a:r>
-              <a:rPr lang="es-ES" sz="1100" b="0" i="0" dirty="0">
-                <a:solidFill>
-                  <a:srgbClr val="000000"/>
-                </a:solidFill>
-                <a:effectLst/>
+              <a:rPr lang="es-ES" sz="1100" dirty="0">
+                <a:solidFill>
+                  <a:srgbClr val="000000"/>
+                </a:solidFill>
                 <a:latin typeface="Consolas" panose="020B0609020204030204" pitchFamily="49" charset="0"/>
               </a:rPr>
               <a:t>echo </a:t>
             </a:r>
             <a:r>
-              <a:rPr lang="es-ES" sz="1100" b="0" i="0" dirty="0">
+              <a:rPr lang="es-ES" sz="1100" dirty="0">
                 <a:solidFill>
                   <a:srgbClr val="A31515"/>
                 </a:solidFill>
-                <a:effectLst/>
                 <a:latin typeface="Consolas" panose="020B0609020204030204" pitchFamily="49" charset="0"/>
               </a:rPr>
               <a:t>"Terminado $i"</a:t>
             </a:r>
             <a:r>
-              <a:rPr lang="es-ES" sz="1100" b="0" i="0" dirty="0">
-                <a:solidFill>
-                  <a:srgbClr val="000000"/>
-                </a:solidFill>
-                <a:effectLst/>
+              <a:rPr lang="es-ES" sz="1100" dirty="0">
+                <a:solidFill>
+                  <a:srgbClr val="000000"/>
+                </a:solidFill>
                 <a:latin typeface="Consolas" panose="020B0609020204030204" pitchFamily="49" charset="0"/>
               </a:rPr>
               <a:t>  </a:t>
             </a:r>
-            <a:endParaRPr lang="es-ES" sz="1100" b="0" i="0" dirty="0">
+            <a:endParaRPr lang="es-ES" sz="1100" dirty="0">
               <a:solidFill>
                 <a:srgbClr val="000000"/>
               </a:solidFill>
-              <a:effectLst/>
               <a:latin typeface="Segoe UI" panose="020B0502040204020203" pitchFamily="34" charset="0"/>
             </a:endParaRPr>
           </a:p>
           <a:p>
-            <a:pPr algn="l" rtl="0" fontAlgn="base">
+            <a:pPr fontAlgn="base">
               <a:spcBef>
                 <a:spcPts val="0"/>
               </a:spcBef>
@@ -7567,25 +7977,23 @@
               </a:spcAft>
             </a:pPr>
             <a:r>
-              <a:rPr lang="es-ES" sz="1100" b="0" i="0" dirty="0">
-                <a:solidFill>
-                  <a:srgbClr val="000000"/>
-                </a:solidFill>
-                <a:effectLst/>
+              <a:rPr lang="es-ES" sz="1100" dirty="0">
+                <a:solidFill>
+                  <a:srgbClr val="000000"/>
+                </a:solidFill>
                 <a:latin typeface="Consolas" panose="020B0609020204030204" pitchFamily="49" charset="0"/>
               </a:rPr>
               <a:t> </a:t>
             </a:r>
-            <a:endParaRPr lang="es-ES" sz="1100" b="0" i="0" dirty="0">
+            <a:endParaRPr lang="es-ES" sz="1100" dirty="0">
               <a:solidFill>
                 <a:srgbClr val="000000"/>
               </a:solidFill>
-              <a:effectLst/>
               <a:latin typeface="Segoe UI" panose="020B0502040204020203" pitchFamily="34" charset="0"/>
             </a:endParaRPr>
           </a:p>
           <a:p>
-            <a:pPr algn="l" rtl="0" fontAlgn="base">
+            <a:pPr fontAlgn="base">
               <a:spcBef>
                 <a:spcPts val="0"/>
               </a:spcBef>
@@ -7594,45 +8002,41 @@
               </a:spcAft>
             </a:pPr>
             <a:r>
-              <a:rPr lang="es-ES" sz="1100" b="0" i="0" dirty="0">
-                <a:solidFill>
-                  <a:srgbClr val="000000"/>
-                </a:solidFill>
-                <a:effectLst/>
+              <a:rPr lang="es-ES" sz="1100" dirty="0">
+                <a:solidFill>
+                  <a:srgbClr val="000000"/>
+                </a:solidFill>
                 <a:latin typeface="Consolas" panose="020B0609020204030204" pitchFamily="49" charset="0"/>
               </a:rPr>
               <a:t>i=$(( $i + </a:t>
             </a:r>
             <a:r>
-              <a:rPr lang="es-ES" sz="1100" b="0" i="0" dirty="0">
+              <a:rPr lang="es-ES" sz="1100" dirty="0">
                 <a:solidFill>
                   <a:srgbClr val="006666"/>
                 </a:solidFill>
-                <a:effectLst/>
                 <a:latin typeface="Consolas" panose="020B0609020204030204" pitchFamily="49" charset="0"/>
               </a:rPr>
               <a:t>50000</a:t>
             </a:r>
             <a:r>
-              <a:rPr lang="es-ES" sz="1100" b="0" i="0" dirty="0">
-                <a:solidFill>
-                  <a:srgbClr val="000000"/>
-                </a:solidFill>
-                <a:effectLst/>
+              <a:rPr lang="es-ES" sz="1100" dirty="0">
+                <a:solidFill>
+                  <a:srgbClr val="000000"/>
+                </a:solidFill>
                 <a:latin typeface="Consolas" panose="020B0609020204030204" pitchFamily="49" charset="0"/>
               </a:rPr>
               <a:t> )) </a:t>
             </a:r>
-            <a:endParaRPr lang="es-ES" sz="1100" b="0" i="0" dirty="0">
+            <a:endParaRPr lang="es-ES" sz="1100" dirty="0">
               <a:solidFill>
                 <a:srgbClr val="000000"/>
               </a:solidFill>
-              <a:effectLst/>
               <a:latin typeface="Segoe UI" panose="020B0502040204020203" pitchFamily="34" charset="0"/>
             </a:endParaRPr>
           </a:p>
           <a:p>
-            <a:pPr algn="l" rtl="0" fontAlgn="base">
+            <a:pPr fontAlgn="base">
               <a:spcBef>
                 <a:spcPts val="0"/>
               </a:spcBef>
@@ -7641,62 +8045,30 @@
               </a:spcAft>
             </a:pPr>
             <a:r>
-              <a:rPr lang="es-ES" sz="1100" b="0" i="0" dirty="0">
+              <a:rPr lang="es-ES" sz="1100" dirty="0">
                 <a:solidFill>
                   <a:srgbClr val="0000FF"/>
                 </a:solidFill>
-                <a:effectLst/>
                 <a:latin typeface="Consolas" panose="020B0609020204030204" pitchFamily="49" charset="0"/>
               </a:rPr>
               <a:t>done </a:t>
             </a:r>
-            <a:endParaRPr lang="es-ES" sz="1100" b="0" i="0" dirty="0">
+            <a:endParaRPr lang="es-ES" sz="1100" dirty="0">
               <a:solidFill>
                 <a:srgbClr val="000000"/>
               </a:solidFill>
-              <a:effectLst/>
               <a:latin typeface="Segoe UI" panose="020B0502040204020203" pitchFamily="34" charset="0"/>
             </a:endParaRPr>
           </a:p>
           <a:p>
             <a:endParaRPr lang="es-ES" dirty="0"/>
-          </a:p>
-        </p:txBody>
-      </p:sp>
-      <p:sp>
-        <p:nvSpPr>
-          <p:cNvPr id="4" name="Marcador de fecha 3">
-            <a:extLst>
-              <a:ext uri="{FF2B5EF4-FFF2-40B4-BE49-F238E27FC236}">
-                <a16:creationId xmlns:a16="http://schemas.microsoft.com/office/drawing/2014/main" id="{40214D0F-012D-E217-8416-D0B7325B493F}"/>
-              </a:ext>
-            </a:extLst>
-          </p:cNvPr>
-          <p:cNvSpPr>
-            <a:spLocks noGrp="1"/>
-          </p:cNvSpPr>
-          <p:nvPr>
-            <p:ph type="dt" sz="half" idx="10"/>
-          </p:nvPr>
-        </p:nvSpPr>
-        <p:spPr/>
-        <p:txBody>
-          <a:bodyPr/>
-          <a:lstStyle/>
-          <a:p>
-            <a:pPr rtl="0"/>
-            <a:fld id="{642B802E-BFC6-4F89-8E3C-91026AB025AB}" type="datetime1">
-              <a:rPr lang="es-ES" smtClean="0"/>
-              <a:t>18/04/2023</a:t>
-            </a:fld>
-            <a:endParaRPr lang="en-US" dirty="0"/>
           </a:p>
         </p:txBody>
       </p:sp>
     </p:spTree>
     <p:extLst>
       <p:ext uri="{BB962C8B-B14F-4D97-AF65-F5344CB8AC3E}">
-        <p14:creationId xmlns:p14="http://schemas.microsoft.com/office/powerpoint/2010/main" val="1173619614"/>
+        <p14:creationId xmlns:p14="http://schemas.microsoft.com/office/powerpoint/2010/main" val="1371117791"/>
       </p:ext>
     </p:extLst>
   </p:cSld>
@@ -8880,31 +9252,6 @@
       </p:grpSpPr>
       <p:sp>
         <p:nvSpPr>
-          <p:cNvPr id="2" name="Título 1">
-            <a:extLst>
-              <a:ext uri="{FF2B5EF4-FFF2-40B4-BE49-F238E27FC236}">
-                <a16:creationId xmlns:a16="http://schemas.microsoft.com/office/drawing/2014/main" id="{E826C4DC-E93C-5FFC-E053-40286EA205CF}"/>
-              </a:ext>
-            </a:extLst>
-          </p:cNvPr>
-          <p:cNvSpPr>
-            <a:spLocks noGrp="1"/>
-          </p:cNvSpPr>
-          <p:nvPr>
-            <p:ph type="title"/>
-          </p:nvPr>
-        </p:nvSpPr>
-        <p:spPr/>
-        <p:txBody>
-          <a:bodyPr/>
-          <a:lstStyle/>
-          <a:p>
-            <a:endParaRPr lang="es-ES"/>
-          </a:p>
-        </p:txBody>
-      </p:sp>
-      <p:sp>
-        <p:nvSpPr>
           <p:cNvPr id="3" name="Marcador de contenido 2">
             <a:extLst>
               <a:ext uri="{FF2B5EF4-FFF2-40B4-BE49-F238E27FC236}">
@@ -8919,13 +9266,21 @@
             <p:ph idx="1"/>
           </p:nvPr>
         </p:nvSpPr>
-        <p:spPr/>
-        <p:txBody>
-          <a:bodyPr/>
+        <p:spPr>
+          <a:xfrm>
+            <a:off x="1097280" y="2108201"/>
+            <a:ext cx="4150995" cy="3760891"/>
+          </a:xfrm>
+        </p:spPr>
+        <p:txBody>
+          <a:bodyPr anchor="ctr">
+            <a:normAutofit/>
+          </a:bodyPr>
           <a:lstStyle/>
           <a:p>
-            <a:r>
-              <a:rPr lang="es-ES" dirty="0"/>
+            <a:pPr algn="just"/>
+            <a:r>
+              <a:rPr lang="es-ES" sz="2000" dirty="0"/>
               <a:t>Para aplicar el Divide y Vencerás, comenzamos ordenando el vector de forma creciente en función del punto con menor coordenada en el eje X.  Para la ordenación utilizamos el método quicksort. </a:t>
             </a:r>
           </a:p>
@@ -8958,6 +9313,1368 @@
               <a:t>18/04/2023</a:t>
             </a:fld>
             <a:endParaRPr lang="en-US" dirty="0"/>
+          </a:p>
+        </p:txBody>
+      </p:sp>
+      <p:sp>
+        <p:nvSpPr>
+          <p:cNvPr id="5" name="Título 1">
+            <a:extLst>
+              <a:ext uri="{FF2B5EF4-FFF2-40B4-BE49-F238E27FC236}">
+                <a16:creationId xmlns:a16="http://schemas.microsoft.com/office/drawing/2014/main" id="{830C4D77-6658-8B86-6EB2-D3754F3FFA8C}"/>
+              </a:ext>
+            </a:extLst>
+          </p:cNvPr>
+          <p:cNvSpPr>
+            <a:spLocks noGrp="1"/>
+          </p:cNvSpPr>
+          <p:nvPr>
+            <p:ph type="title"/>
+          </p:nvPr>
+        </p:nvSpPr>
+        <p:spPr>
+          <a:xfrm>
+            <a:off x="1097280" y="286603"/>
+            <a:ext cx="10058400" cy="1450757"/>
+          </a:xfrm>
+        </p:spPr>
+        <p:txBody>
+          <a:bodyPr/>
+          <a:lstStyle/>
+          <a:p>
+            <a:pPr algn="ctr"/>
+            <a:r>
+              <a:rPr lang="es-ES" dirty="0"/>
+              <a:t>Algoritmo Divide y Vencerás</a:t>
+            </a:r>
+          </a:p>
+        </p:txBody>
+      </p:sp>
+      <p:sp>
+        <p:nvSpPr>
+          <p:cNvPr id="6" name="Marcador de contenido 2">
+            <a:extLst>
+              <a:ext uri="{FF2B5EF4-FFF2-40B4-BE49-F238E27FC236}">
+                <a16:creationId xmlns:a16="http://schemas.microsoft.com/office/drawing/2014/main" id="{D47D57B2-3C29-5D99-30E6-E192401D0177}"/>
+              </a:ext>
+            </a:extLst>
+          </p:cNvPr>
+          <p:cNvSpPr txBox="1">
+            <a:spLocks/>
+          </p:cNvSpPr>
+          <p:nvPr/>
+        </p:nvSpPr>
+        <p:spPr>
+          <a:xfrm>
+            <a:off x="5980372" y="2108201"/>
+            <a:ext cx="4730865" cy="2533994"/>
+          </a:xfrm>
+          <a:prstGeom prst="rect">
+            <a:avLst/>
+          </a:prstGeom>
+          <a:solidFill>
+            <a:schemeClr val="bg1">
+              <a:lumMod val="95000"/>
+            </a:schemeClr>
+          </a:solidFill>
+        </p:spPr>
+        <p:txBody>
+          <a:bodyPr vert="horz" lIns="0" tIns="45720" rIns="0" bIns="45720" rtlCol="0">
+            <a:normAutofit/>
+          </a:bodyPr>
+          <a:lstStyle>
+            <a:lvl1pPr marL="91440" indent="-91440" algn="l" defTabSz="914400" rtl="0" eaLnBrk="1" latinLnBrk="0" hangingPunct="1">
+              <a:lnSpc>
+                <a:spcPct val="110000"/>
+              </a:lnSpc>
+              <a:spcBef>
+                <a:spcPts val="1200"/>
+              </a:spcBef>
+              <a:spcAft>
+                <a:spcPts val="200"/>
+              </a:spcAft>
+              <a:buClr>
+                <a:schemeClr val="accent1"/>
+              </a:buClr>
+              <a:buSzPct val="100000"/>
+              <a:buFont typeface="Calibri" panose="020F0502020204030204" pitchFamily="34" charset="0"/>
+              <a:buChar char=" "/>
+              <a:defRPr sz="1900" kern="1200">
+                <a:solidFill>
+                  <a:schemeClr val="tx1">
+                    <a:lumMod val="75000"/>
+                    <a:lumOff val="25000"/>
+                  </a:schemeClr>
+                </a:solidFill>
+                <a:latin typeface="+mn-lt"/>
+                <a:ea typeface="+mn-ea"/>
+                <a:cs typeface="+mn-cs"/>
+              </a:defRPr>
+            </a:lvl1pPr>
+            <a:lvl2pPr marL="384048" indent="-182880" algn="l" defTabSz="914400" rtl="0" eaLnBrk="1" latinLnBrk="0" hangingPunct="1">
+              <a:lnSpc>
+                <a:spcPct val="100000"/>
+              </a:lnSpc>
+              <a:spcBef>
+                <a:spcPts val="200"/>
+              </a:spcBef>
+              <a:spcAft>
+                <a:spcPts val="400"/>
+              </a:spcAft>
+              <a:buClrTx/>
+              <a:buFont typeface="Calibri" pitchFamily="34" charset="0"/>
+              <a:buChar char="◦"/>
+              <a:defRPr sz="1700" kern="1200">
+                <a:solidFill>
+                  <a:schemeClr val="tx1">
+                    <a:lumMod val="75000"/>
+                    <a:lumOff val="25000"/>
+                  </a:schemeClr>
+                </a:solidFill>
+                <a:latin typeface="+mn-lt"/>
+                <a:ea typeface="+mn-ea"/>
+                <a:cs typeface="+mn-cs"/>
+              </a:defRPr>
+            </a:lvl2pPr>
+            <a:lvl3pPr marL="566928" indent="-182880" algn="l" defTabSz="914400" rtl="0" eaLnBrk="1" latinLnBrk="0" hangingPunct="1">
+              <a:lnSpc>
+                <a:spcPct val="100000"/>
+              </a:lnSpc>
+              <a:spcBef>
+                <a:spcPts val="200"/>
+              </a:spcBef>
+              <a:spcAft>
+                <a:spcPts val="400"/>
+              </a:spcAft>
+              <a:buClrTx/>
+              <a:buFont typeface="Calibri" pitchFamily="34" charset="0"/>
+              <a:buChar char="◦"/>
+              <a:defRPr sz="1300" kern="1200">
+                <a:solidFill>
+                  <a:schemeClr val="tx1">
+                    <a:lumMod val="75000"/>
+                    <a:lumOff val="25000"/>
+                  </a:schemeClr>
+                </a:solidFill>
+                <a:latin typeface="+mn-lt"/>
+                <a:ea typeface="+mn-ea"/>
+                <a:cs typeface="+mn-cs"/>
+              </a:defRPr>
+            </a:lvl3pPr>
+            <a:lvl4pPr marL="749808" indent="-182880" algn="l" defTabSz="914400" rtl="0" eaLnBrk="1" latinLnBrk="0" hangingPunct="1">
+              <a:lnSpc>
+                <a:spcPct val="100000"/>
+              </a:lnSpc>
+              <a:spcBef>
+                <a:spcPts val="200"/>
+              </a:spcBef>
+              <a:spcAft>
+                <a:spcPts val="400"/>
+              </a:spcAft>
+              <a:buClrTx/>
+              <a:buFont typeface="Calibri" pitchFamily="34" charset="0"/>
+              <a:buChar char="◦"/>
+              <a:defRPr sz="1300" kern="1200">
+                <a:solidFill>
+                  <a:schemeClr val="tx1">
+                    <a:lumMod val="75000"/>
+                    <a:lumOff val="25000"/>
+                  </a:schemeClr>
+                </a:solidFill>
+                <a:latin typeface="+mn-lt"/>
+                <a:ea typeface="+mn-ea"/>
+                <a:cs typeface="+mn-cs"/>
+              </a:defRPr>
+            </a:lvl4pPr>
+            <a:lvl5pPr marL="932688" indent="-182880" algn="l" defTabSz="914400" rtl="0" eaLnBrk="1" latinLnBrk="0" hangingPunct="1">
+              <a:lnSpc>
+                <a:spcPct val="100000"/>
+              </a:lnSpc>
+              <a:spcBef>
+                <a:spcPts val="200"/>
+              </a:spcBef>
+              <a:spcAft>
+                <a:spcPts val="400"/>
+              </a:spcAft>
+              <a:buClrTx/>
+              <a:buFont typeface="Calibri" pitchFamily="34" charset="0"/>
+              <a:buChar char="◦"/>
+              <a:defRPr sz="1300" kern="1200">
+                <a:solidFill>
+                  <a:schemeClr val="tx1">
+                    <a:lumMod val="75000"/>
+                    <a:lumOff val="25000"/>
+                  </a:schemeClr>
+                </a:solidFill>
+                <a:latin typeface="+mn-lt"/>
+                <a:ea typeface="+mn-ea"/>
+                <a:cs typeface="+mn-cs"/>
+              </a:defRPr>
+            </a:lvl5pPr>
+            <a:lvl6pPr marL="1100000" indent="-228600" algn="l" defTabSz="914400" rtl="0" eaLnBrk="1" latinLnBrk="0" hangingPunct="1">
+              <a:lnSpc>
+                <a:spcPct val="90000"/>
+              </a:lnSpc>
+              <a:spcBef>
+                <a:spcPts val="200"/>
+              </a:spcBef>
+              <a:spcAft>
+                <a:spcPts val="400"/>
+              </a:spcAft>
+              <a:buClr>
+                <a:schemeClr val="accent1"/>
+              </a:buClr>
+              <a:buFont typeface="Calibri" pitchFamily="34" charset="0"/>
+              <a:buChar char="◦"/>
+              <a:defRPr sz="1400" kern="1200">
+                <a:solidFill>
+                  <a:schemeClr val="tx1">
+                    <a:lumMod val="75000"/>
+                    <a:lumOff val="25000"/>
+                  </a:schemeClr>
+                </a:solidFill>
+                <a:latin typeface="+mn-lt"/>
+                <a:ea typeface="+mn-ea"/>
+                <a:cs typeface="+mn-cs"/>
+              </a:defRPr>
+            </a:lvl6pPr>
+            <a:lvl7pPr marL="1300000" indent="-228600" algn="l" defTabSz="914400" rtl="0" eaLnBrk="1" latinLnBrk="0" hangingPunct="1">
+              <a:lnSpc>
+                <a:spcPct val="90000"/>
+              </a:lnSpc>
+              <a:spcBef>
+                <a:spcPts val="200"/>
+              </a:spcBef>
+              <a:spcAft>
+                <a:spcPts val="400"/>
+              </a:spcAft>
+              <a:buClr>
+                <a:schemeClr val="accent1"/>
+              </a:buClr>
+              <a:buFont typeface="Calibri" pitchFamily="34" charset="0"/>
+              <a:buChar char="◦"/>
+              <a:defRPr sz="1400" kern="1200">
+                <a:solidFill>
+                  <a:schemeClr val="tx1">
+                    <a:lumMod val="75000"/>
+                    <a:lumOff val="25000"/>
+                  </a:schemeClr>
+                </a:solidFill>
+                <a:latin typeface="+mn-lt"/>
+                <a:ea typeface="+mn-ea"/>
+                <a:cs typeface="+mn-cs"/>
+              </a:defRPr>
+            </a:lvl7pPr>
+            <a:lvl8pPr marL="1500000" indent="-228600" algn="l" defTabSz="914400" rtl="0" eaLnBrk="1" latinLnBrk="0" hangingPunct="1">
+              <a:lnSpc>
+                <a:spcPct val="90000"/>
+              </a:lnSpc>
+              <a:spcBef>
+                <a:spcPts val="200"/>
+              </a:spcBef>
+              <a:spcAft>
+                <a:spcPts val="400"/>
+              </a:spcAft>
+              <a:buClr>
+                <a:schemeClr val="accent1"/>
+              </a:buClr>
+              <a:buFont typeface="Calibri" pitchFamily="34" charset="0"/>
+              <a:buChar char="◦"/>
+              <a:defRPr sz="1400" kern="1200">
+                <a:solidFill>
+                  <a:schemeClr val="tx1">
+                    <a:lumMod val="75000"/>
+                    <a:lumOff val="25000"/>
+                  </a:schemeClr>
+                </a:solidFill>
+                <a:latin typeface="+mn-lt"/>
+                <a:ea typeface="+mn-ea"/>
+                <a:cs typeface="+mn-cs"/>
+              </a:defRPr>
+            </a:lvl8pPr>
+            <a:lvl9pPr marL="1700000" indent="-228600" algn="l" defTabSz="914400" rtl="0" eaLnBrk="1" latinLnBrk="0" hangingPunct="1">
+              <a:lnSpc>
+                <a:spcPct val="90000"/>
+              </a:lnSpc>
+              <a:spcBef>
+                <a:spcPts val="200"/>
+              </a:spcBef>
+              <a:spcAft>
+                <a:spcPts val="400"/>
+              </a:spcAft>
+              <a:buClr>
+                <a:schemeClr val="accent1"/>
+              </a:buClr>
+              <a:buFont typeface="Calibri" pitchFamily="34" charset="0"/>
+              <a:buChar char="◦"/>
+              <a:defRPr sz="1400" kern="1200">
+                <a:solidFill>
+                  <a:schemeClr val="tx1">
+                    <a:lumMod val="75000"/>
+                    <a:lumOff val="25000"/>
+                  </a:schemeClr>
+                </a:solidFill>
+                <a:latin typeface="+mn-lt"/>
+                <a:ea typeface="+mn-ea"/>
+                <a:cs typeface="+mn-cs"/>
+              </a:defRPr>
+            </a:lvl9pPr>
+          </a:lstStyle>
+          <a:p>
+            <a:pPr fontAlgn="base">
+              <a:spcBef>
+                <a:spcPts val="0"/>
+              </a:spcBef>
+              <a:spcAft>
+                <a:spcPts val="0"/>
+              </a:spcAft>
+            </a:pPr>
+            <a:r>
+              <a:rPr lang="es-ES" sz="1100">
+                <a:solidFill>
+                  <a:srgbClr val="0000FF"/>
+                </a:solidFill>
+                <a:latin typeface="Consolas" panose="020B0609020204030204" pitchFamily="49" charset="0"/>
+              </a:rPr>
+              <a:t>int</a:t>
+            </a:r>
+            <a:r>
+              <a:rPr lang="es-ES" sz="1100">
+                <a:solidFill>
+                  <a:srgbClr val="000000"/>
+                </a:solidFill>
+                <a:latin typeface="Consolas" panose="020B0609020204030204" pitchFamily="49" charset="0"/>
+              </a:rPr>
+              <a:t> comparePuntos (</a:t>
+            </a:r>
+            <a:r>
+              <a:rPr lang="es-ES" sz="1100">
+                <a:solidFill>
+                  <a:srgbClr val="0000FF"/>
+                </a:solidFill>
+                <a:latin typeface="Consolas" panose="020B0609020204030204" pitchFamily="49" charset="0"/>
+              </a:rPr>
+              <a:t>const</a:t>
+            </a:r>
+            <a:r>
+              <a:rPr lang="es-ES" sz="1100">
+                <a:solidFill>
+                  <a:srgbClr val="000000"/>
+                </a:solidFill>
+                <a:latin typeface="Consolas" panose="020B0609020204030204" pitchFamily="49" charset="0"/>
+              </a:rPr>
+              <a:t> </a:t>
+            </a:r>
+            <a:r>
+              <a:rPr lang="es-ES" sz="1100">
+                <a:solidFill>
+                  <a:srgbClr val="0000FF"/>
+                </a:solidFill>
+                <a:latin typeface="Consolas" panose="020B0609020204030204" pitchFamily="49" charset="0"/>
+              </a:rPr>
+              <a:t>void</a:t>
+            </a:r>
+            <a:r>
+              <a:rPr lang="es-ES" sz="1100">
+                <a:solidFill>
+                  <a:srgbClr val="000000"/>
+                </a:solidFill>
+                <a:latin typeface="Consolas" panose="020B0609020204030204" pitchFamily="49" charset="0"/>
+              </a:rPr>
+              <a:t> * a, </a:t>
+            </a:r>
+            <a:r>
+              <a:rPr lang="es-ES" sz="1100">
+                <a:solidFill>
+                  <a:srgbClr val="0000FF"/>
+                </a:solidFill>
+                <a:latin typeface="Consolas" panose="020B0609020204030204" pitchFamily="49" charset="0"/>
+              </a:rPr>
+              <a:t>const</a:t>
+            </a:r>
+            <a:r>
+              <a:rPr lang="es-ES" sz="1100">
+                <a:solidFill>
+                  <a:srgbClr val="000000"/>
+                </a:solidFill>
+                <a:latin typeface="Consolas" panose="020B0609020204030204" pitchFamily="49" charset="0"/>
+              </a:rPr>
+              <a:t> </a:t>
+            </a:r>
+            <a:r>
+              <a:rPr lang="es-ES" sz="1100">
+                <a:solidFill>
+                  <a:srgbClr val="0000FF"/>
+                </a:solidFill>
+                <a:latin typeface="Consolas" panose="020B0609020204030204" pitchFamily="49" charset="0"/>
+              </a:rPr>
+              <a:t>void</a:t>
+            </a:r>
+            <a:r>
+              <a:rPr lang="es-ES" sz="1100">
+                <a:solidFill>
+                  <a:srgbClr val="000000"/>
+                </a:solidFill>
+                <a:latin typeface="Consolas" panose="020B0609020204030204" pitchFamily="49" charset="0"/>
+              </a:rPr>
+              <a:t> * b) { </a:t>
+            </a:r>
+            <a:endParaRPr lang="es-ES" sz="1100">
+              <a:solidFill>
+                <a:srgbClr val="000000"/>
+              </a:solidFill>
+              <a:latin typeface="Segoe UI" panose="020B0502040204020203" pitchFamily="34" charset="0"/>
+            </a:endParaRPr>
+          </a:p>
+          <a:p>
+            <a:pPr fontAlgn="base">
+              <a:spcBef>
+                <a:spcPts val="0"/>
+              </a:spcBef>
+              <a:spcAft>
+                <a:spcPts val="0"/>
+              </a:spcAft>
+            </a:pPr>
+            <a:r>
+              <a:rPr lang="es-ES" sz="1100">
+                <a:solidFill>
+                  <a:srgbClr val="000000"/>
+                </a:solidFill>
+                <a:latin typeface="Consolas" panose="020B0609020204030204" pitchFamily="49" charset="0"/>
+              </a:rPr>
+              <a:t>    </a:t>
+            </a:r>
+            <a:r>
+              <a:rPr lang="es-ES" sz="1100">
+                <a:solidFill>
+                  <a:srgbClr val="2B91AF"/>
+                </a:solidFill>
+                <a:latin typeface="Consolas" panose="020B0609020204030204" pitchFamily="49" charset="0"/>
+              </a:rPr>
+              <a:t>Punto</a:t>
+            </a:r>
+            <a:r>
+              <a:rPr lang="es-ES" sz="1100">
+                <a:solidFill>
+                  <a:srgbClr val="000000"/>
+                </a:solidFill>
+                <a:latin typeface="Consolas" panose="020B0609020204030204" pitchFamily="49" charset="0"/>
+              </a:rPr>
+              <a:t> * p = (</a:t>
+            </a:r>
+            <a:r>
+              <a:rPr lang="es-ES" sz="1100">
+                <a:solidFill>
+                  <a:srgbClr val="2B91AF"/>
+                </a:solidFill>
+                <a:latin typeface="Consolas" panose="020B0609020204030204" pitchFamily="49" charset="0"/>
+              </a:rPr>
+              <a:t>Punto</a:t>
+            </a:r>
+            <a:r>
+              <a:rPr lang="es-ES" sz="1100">
+                <a:solidFill>
+                  <a:srgbClr val="000000"/>
+                </a:solidFill>
+                <a:latin typeface="Consolas" panose="020B0609020204030204" pitchFamily="49" charset="0"/>
+              </a:rPr>
+              <a:t> *) a; </a:t>
+            </a:r>
+            <a:endParaRPr lang="es-ES" sz="1100">
+              <a:solidFill>
+                <a:srgbClr val="000000"/>
+              </a:solidFill>
+              <a:latin typeface="Segoe UI" panose="020B0502040204020203" pitchFamily="34" charset="0"/>
+            </a:endParaRPr>
+          </a:p>
+          <a:p>
+            <a:pPr fontAlgn="base">
+              <a:spcBef>
+                <a:spcPts val="0"/>
+              </a:spcBef>
+              <a:spcAft>
+                <a:spcPts val="0"/>
+              </a:spcAft>
+            </a:pPr>
+            <a:r>
+              <a:rPr lang="es-ES" sz="1100">
+                <a:solidFill>
+                  <a:srgbClr val="000000"/>
+                </a:solidFill>
+                <a:latin typeface="Consolas" panose="020B0609020204030204" pitchFamily="49" charset="0"/>
+              </a:rPr>
+              <a:t>    </a:t>
+            </a:r>
+            <a:r>
+              <a:rPr lang="es-ES" sz="1100">
+                <a:solidFill>
+                  <a:srgbClr val="2B91AF"/>
+                </a:solidFill>
+                <a:latin typeface="Consolas" panose="020B0609020204030204" pitchFamily="49" charset="0"/>
+              </a:rPr>
+              <a:t>Punto</a:t>
+            </a:r>
+            <a:r>
+              <a:rPr lang="es-ES" sz="1100">
+                <a:solidFill>
+                  <a:srgbClr val="000000"/>
+                </a:solidFill>
+                <a:latin typeface="Consolas" panose="020B0609020204030204" pitchFamily="49" charset="0"/>
+              </a:rPr>
+              <a:t> * q = (</a:t>
+            </a:r>
+            <a:r>
+              <a:rPr lang="es-ES" sz="1100">
+                <a:solidFill>
+                  <a:srgbClr val="2B91AF"/>
+                </a:solidFill>
+                <a:latin typeface="Consolas" panose="020B0609020204030204" pitchFamily="49" charset="0"/>
+              </a:rPr>
+              <a:t>Punto</a:t>
+            </a:r>
+            <a:r>
+              <a:rPr lang="es-ES" sz="1100">
+                <a:solidFill>
+                  <a:srgbClr val="000000"/>
+                </a:solidFill>
+                <a:latin typeface="Consolas" panose="020B0609020204030204" pitchFamily="49" charset="0"/>
+              </a:rPr>
+              <a:t> *) b; </a:t>
+            </a:r>
+            <a:endParaRPr lang="es-ES" sz="1100">
+              <a:solidFill>
+                <a:srgbClr val="000000"/>
+              </a:solidFill>
+              <a:latin typeface="Segoe UI" panose="020B0502040204020203" pitchFamily="34" charset="0"/>
+            </a:endParaRPr>
+          </a:p>
+          <a:p>
+            <a:pPr fontAlgn="base">
+              <a:spcBef>
+                <a:spcPts val="0"/>
+              </a:spcBef>
+              <a:spcAft>
+                <a:spcPts val="0"/>
+              </a:spcAft>
+            </a:pPr>
+            <a:r>
+              <a:rPr lang="es-ES" sz="1100">
+                <a:solidFill>
+                  <a:srgbClr val="000000"/>
+                </a:solidFill>
+                <a:latin typeface="Consolas" panose="020B0609020204030204" pitchFamily="49" charset="0"/>
+              </a:rPr>
+              <a:t>  </a:t>
+            </a:r>
+            <a:endParaRPr lang="es-ES" sz="1100">
+              <a:solidFill>
+                <a:srgbClr val="000000"/>
+              </a:solidFill>
+              <a:latin typeface="Segoe UI" panose="020B0502040204020203" pitchFamily="34" charset="0"/>
+            </a:endParaRPr>
+          </a:p>
+          <a:p>
+            <a:pPr fontAlgn="base">
+              <a:spcBef>
+                <a:spcPts val="0"/>
+              </a:spcBef>
+              <a:spcAft>
+                <a:spcPts val="0"/>
+              </a:spcAft>
+            </a:pPr>
+            <a:r>
+              <a:rPr lang="es-ES" sz="1100">
+                <a:solidFill>
+                  <a:srgbClr val="000000"/>
+                </a:solidFill>
+                <a:latin typeface="Consolas" panose="020B0609020204030204" pitchFamily="49" charset="0"/>
+              </a:rPr>
+              <a:t>    </a:t>
+            </a:r>
+            <a:r>
+              <a:rPr lang="es-ES" sz="1100">
+                <a:solidFill>
+                  <a:srgbClr val="0000FF"/>
+                </a:solidFill>
+                <a:latin typeface="Consolas" panose="020B0609020204030204" pitchFamily="49" charset="0"/>
+              </a:rPr>
+              <a:t>int</a:t>
+            </a:r>
+            <a:r>
+              <a:rPr lang="es-ES" sz="1100">
+                <a:solidFill>
+                  <a:srgbClr val="000000"/>
+                </a:solidFill>
+                <a:latin typeface="Consolas" panose="020B0609020204030204" pitchFamily="49" charset="0"/>
+              </a:rPr>
+              <a:t> retorno = </a:t>
+            </a:r>
+            <a:r>
+              <a:rPr lang="es-ES" sz="1100">
+                <a:solidFill>
+                  <a:srgbClr val="006666"/>
+                </a:solidFill>
+                <a:latin typeface="Consolas" panose="020B0609020204030204" pitchFamily="49" charset="0"/>
+              </a:rPr>
+              <a:t>0</a:t>
+            </a:r>
+            <a:r>
+              <a:rPr lang="es-ES" sz="1100">
+                <a:solidFill>
+                  <a:srgbClr val="000000"/>
+                </a:solidFill>
+                <a:latin typeface="Consolas" panose="020B0609020204030204" pitchFamily="49" charset="0"/>
+              </a:rPr>
+              <a:t>; </a:t>
+            </a:r>
+            <a:endParaRPr lang="es-ES" sz="1100">
+              <a:solidFill>
+                <a:srgbClr val="000000"/>
+              </a:solidFill>
+              <a:latin typeface="Segoe UI" panose="020B0502040204020203" pitchFamily="34" charset="0"/>
+            </a:endParaRPr>
+          </a:p>
+          <a:p>
+            <a:pPr fontAlgn="base">
+              <a:spcBef>
+                <a:spcPts val="0"/>
+              </a:spcBef>
+              <a:spcAft>
+                <a:spcPts val="0"/>
+              </a:spcAft>
+            </a:pPr>
+            <a:r>
+              <a:rPr lang="es-ES" sz="1100">
+                <a:solidFill>
+                  <a:srgbClr val="000000"/>
+                </a:solidFill>
+                <a:latin typeface="Consolas" panose="020B0609020204030204" pitchFamily="49" charset="0"/>
+              </a:rPr>
+              <a:t>  </a:t>
+            </a:r>
+            <a:endParaRPr lang="es-ES" sz="1100">
+              <a:solidFill>
+                <a:srgbClr val="000000"/>
+              </a:solidFill>
+              <a:latin typeface="Segoe UI" panose="020B0502040204020203" pitchFamily="34" charset="0"/>
+            </a:endParaRPr>
+          </a:p>
+          <a:p>
+            <a:pPr fontAlgn="base">
+              <a:spcBef>
+                <a:spcPts val="0"/>
+              </a:spcBef>
+              <a:spcAft>
+                <a:spcPts val="0"/>
+              </a:spcAft>
+            </a:pPr>
+            <a:r>
+              <a:rPr lang="es-ES" sz="1100">
+                <a:solidFill>
+                  <a:srgbClr val="000000"/>
+                </a:solidFill>
+                <a:latin typeface="Consolas" panose="020B0609020204030204" pitchFamily="49" charset="0"/>
+              </a:rPr>
+              <a:t>    </a:t>
+            </a:r>
+            <a:r>
+              <a:rPr lang="es-ES" sz="1100">
+                <a:solidFill>
+                  <a:srgbClr val="0000FF"/>
+                </a:solidFill>
+                <a:latin typeface="Consolas" panose="020B0609020204030204" pitchFamily="49" charset="0"/>
+              </a:rPr>
+              <a:t>if</a:t>
+            </a:r>
+            <a:r>
+              <a:rPr lang="es-ES" sz="1100">
+                <a:solidFill>
+                  <a:srgbClr val="000000"/>
+                </a:solidFill>
+                <a:latin typeface="Consolas" panose="020B0609020204030204" pitchFamily="49" charset="0"/>
+              </a:rPr>
+              <a:t> (p-&gt;getX() &lt; q-&gt;getX()){ </a:t>
+            </a:r>
+            <a:endParaRPr lang="es-ES" sz="1100">
+              <a:solidFill>
+                <a:srgbClr val="000000"/>
+              </a:solidFill>
+              <a:latin typeface="Segoe UI" panose="020B0502040204020203" pitchFamily="34" charset="0"/>
+            </a:endParaRPr>
+          </a:p>
+          <a:p>
+            <a:pPr fontAlgn="base">
+              <a:spcBef>
+                <a:spcPts val="0"/>
+              </a:spcBef>
+              <a:spcAft>
+                <a:spcPts val="0"/>
+              </a:spcAft>
+            </a:pPr>
+            <a:r>
+              <a:rPr lang="es-ES" sz="1100">
+                <a:solidFill>
+                  <a:srgbClr val="000000"/>
+                </a:solidFill>
+                <a:latin typeface="Consolas" panose="020B0609020204030204" pitchFamily="49" charset="0"/>
+              </a:rPr>
+              <a:t>        retorno = -</a:t>
+            </a:r>
+            <a:r>
+              <a:rPr lang="es-ES" sz="1100">
+                <a:solidFill>
+                  <a:srgbClr val="006666"/>
+                </a:solidFill>
+                <a:latin typeface="Consolas" panose="020B0609020204030204" pitchFamily="49" charset="0"/>
+              </a:rPr>
+              <a:t>1</a:t>
+            </a:r>
+            <a:r>
+              <a:rPr lang="es-ES" sz="1100">
+                <a:solidFill>
+                  <a:srgbClr val="000000"/>
+                </a:solidFill>
+                <a:latin typeface="Consolas" panose="020B0609020204030204" pitchFamily="49" charset="0"/>
+              </a:rPr>
+              <a:t>; </a:t>
+            </a:r>
+            <a:endParaRPr lang="es-ES" sz="1100">
+              <a:solidFill>
+                <a:srgbClr val="000000"/>
+              </a:solidFill>
+              <a:latin typeface="Segoe UI" panose="020B0502040204020203" pitchFamily="34" charset="0"/>
+            </a:endParaRPr>
+          </a:p>
+          <a:p>
+            <a:pPr fontAlgn="base">
+              <a:spcBef>
+                <a:spcPts val="0"/>
+              </a:spcBef>
+              <a:spcAft>
+                <a:spcPts val="0"/>
+              </a:spcAft>
+            </a:pPr>
+            <a:r>
+              <a:rPr lang="es-ES" sz="1100">
+                <a:solidFill>
+                  <a:srgbClr val="000000"/>
+                </a:solidFill>
+                <a:latin typeface="Consolas" panose="020B0609020204030204" pitchFamily="49" charset="0"/>
+              </a:rPr>
+              <a:t>    } </a:t>
+            </a:r>
+            <a:r>
+              <a:rPr lang="es-ES" sz="1100">
+                <a:solidFill>
+                  <a:srgbClr val="0000FF"/>
+                </a:solidFill>
+                <a:latin typeface="Consolas" panose="020B0609020204030204" pitchFamily="49" charset="0"/>
+              </a:rPr>
+              <a:t>else</a:t>
+            </a:r>
+            <a:r>
+              <a:rPr lang="es-ES" sz="1100">
+                <a:solidFill>
+                  <a:srgbClr val="000000"/>
+                </a:solidFill>
+                <a:latin typeface="Consolas" panose="020B0609020204030204" pitchFamily="49" charset="0"/>
+              </a:rPr>
+              <a:t> </a:t>
+            </a:r>
+            <a:r>
+              <a:rPr lang="es-ES" sz="1100">
+                <a:solidFill>
+                  <a:srgbClr val="0000FF"/>
+                </a:solidFill>
+                <a:latin typeface="Consolas" panose="020B0609020204030204" pitchFamily="49" charset="0"/>
+              </a:rPr>
+              <a:t>if</a:t>
+            </a:r>
+            <a:r>
+              <a:rPr lang="es-ES" sz="1100">
+                <a:solidFill>
+                  <a:srgbClr val="000000"/>
+                </a:solidFill>
+                <a:latin typeface="Consolas" panose="020B0609020204030204" pitchFamily="49" charset="0"/>
+              </a:rPr>
+              <a:t> (p -&gt; getX() &gt; q-&gt;getX()) { </a:t>
+            </a:r>
+            <a:endParaRPr lang="es-ES" sz="1100">
+              <a:solidFill>
+                <a:srgbClr val="000000"/>
+              </a:solidFill>
+              <a:latin typeface="Segoe UI" panose="020B0502040204020203" pitchFamily="34" charset="0"/>
+            </a:endParaRPr>
+          </a:p>
+          <a:p>
+            <a:pPr fontAlgn="base">
+              <a:spcBef>
+                <a:spcPts val="0"/>
+              </a:spcBef>
+              <a:spcAft>
+                <a:spcPts val="0"/>
+              </a:spcAft>
+            </a:pPr>
+            <a:r>
+              <a:rPr lang="es-ES" sz="1100">
+                <a:solidFill>
+                  <a:srgbClr val="000000"/>
+                </a:solidFill>
+                <a:latin typeface="Consolas" panose="020B0609020204030204" pitchFamily="49" charset="0"/>
+              </a:rPr>
+              <a:t>        retorno = </a:t>
+            </a:r>
+            <a:r>
+              <a:rPr lang="es-ES" sz="1100">
+                <a:solidFill>
+                  <a:srgbClr val="006666"/>
+                </a:solidFill>
+                <a:latin typeface="Consolas" panose="020B0609020204030204" pitchFamily="49" charset="0"/>
+              </a:rPr>
+              <a:t>1</a:t>
+            </a:r>
+            <a:r>
+              <a:rPr lang="es-ES" sz="1100">
+                <a:solidFill>
+                  <a:srgbClr val="000000"/>
+                </a:solidFill>
+                <a:latin typeface="Consolas" panose="020B0609020204030204" pitchFamily="49" charset="0"/>
+              </a:rPr>
+              <a:t>; </a:t>
+            </a:r>
+            <a:endParaRPr lang="es-ES" sz="1100">
+              <a:solidFill>
+                <a:srgbClr val="000000"/>
+              </a:solidFill>
+              <a:latin typeface="Segoe UI" panose="020B0502040204020203" pitchFamily="34" charset="0"/>
+            </a:endParaRPr>
+          </a:p>
+          <a:p>
+            <a:pPr fontAlgn="base">
+              <a:spcBef>
+                <a:spcPts val="0"/>
+              </a:spcBef>
+              <a:spcAft>
+                <a:spcPts val="0"/>
+              </a:spcAft>
+            </a:pPr>
+            <a:r>
+              <a:rPr lang="es-ES" sz="1100">
+                <a:solidFill>
+                  <a:srgbClr val="000000"/>
+                </a:solidFill>
+                <a:latin typeface="Consolas" panose="020B0609020204030204" pitchFamily="49" charset="0"/>
+              </a:rPr>
+              <a:t>    } </a:t>
+            </a:r>
+            <a:endParaRPr lang="es-ES" sz="1100">
+              <a:solidFill>
+                <a:srgbClr val="000000"/>
+              </a:solidFill>
+              <a:latin typeface="Segoe UI" panose="020B0502040204020203" pitchFamily="34" charset="0"/>
+            </a:endParaRPr>
+          </a:p>
+          <a:p>
+            <a:pPr fontAlgn="base">
+              <a:spcBef>
+                <a:spcPts val="0"/>
+              </a:spcBef>
+              <a:spcAft>
+                <a:spcPts val="0"/>
+              </a:spcAft>
+            </a:pPr>
+            <a:r>
+              <a:rPr lang="es-ES" sz="1100">
+                <a:solidFill>
+                  <a:srgbClr val="000000"/>
+                </a:solidFill>
+                <a:latin typeface="Consolas" panose="020B0609020204030204" pitchFamily="49" charset="0"/>
+              </a:rPr>
+              <a:t>    </a:t>
+            </a:r>
+            <a:r>
+              <a:rPr lang="es-ES" sz="1100">
+                <a:solidFill>
+                  <a:srgbClr val="0000FF"/>
+                </a:solidFill>
+                <a:latin typeface="Consolas" panose="020B0609020204030204" pitchFamily="49" charset="0"/>
+              </a:rPr>
+              <a:t>return</a:t>
+            </a:r>
+            <a:r>
+              <a:rPr lang="es-ES" sz="1100">
+                <a:solidFill>
+                  <a:srgbClr val="000000"/>
+                </a:solidFill>
+                <a:latin typeface="Consolas" panose="020B0609020204030204" pitchFamily="49" charset="0"/>
+              </a:rPr>
+              <a:t> (retorno); </a:t>
+            </a:r>
+            <a:endParaRPr lang="es-ES" sz="1100">
+              <a:solidFill>
+                <a:srgbClr val="000000"/>
+              </a:solidFill>
+              <a:latin typeface="Segoe UI" panose="020B0502040204020203" pitchFamily="34" charset="0"/>
+            </a:endParaRPr>
+          </a:p>
+          <a:p>
+            <a:pPr fontAlgn="base">
+              <a:spcBef>
+                <a:spcPts val="0"/>
+              </a:spcBef>
+              <a:spcAft>
+                <a:spcPts val="0"/>
+              </a:spcAft>
+            </a:pPr>
+            <a:r>
+              <a:rPr lang="es-ES" sz="1100">
+                <a:solidFill>
+                  <a:srgbClr val="000000"/>
+                </a:solidFill>
+                <a:latin typeface="Consolas" panose="020B0609020204030204" pitchFamily="49" charset="0"/>
+              </a:rPr>
+              <a:t>} </a:t>
+            </a:r>
+            <a:endParaRPr lang="es-ES" sz="1100">
+              <a:solidFill>
+                <a:srgbClr val="000000"/>
+              </a:solidFill>
+              <a:latin typeface="Segoe UI" panose="020B0502040204020203" pitchFamily="34" charset="0"/>
+            </a:endParaRPr>
+          </a:p>
+          <a:p>
+            <a:endParaRPr lang="es-ES" dirty="0"/>
+          </a:p>
+        </p:txBody>
+      </p:sp>
+      <p:sp>
+        <p:nvSpPr>
+          <p:cNvPr id="7" name="Marcador de contenido 2">
+            <a:extLst>
+              <a:ext uri="{FF2B5EF4-FFF2-40B4-BE49-F238E27FC236}">
+                <a16:creationId xmlns:a16="http://schemas.microsoft.com/office/drawing/2014/main" id="{30622E59-102A-09D7-CB67-C89D0062A17A}"/>
+              </a:ext>
+            </a:extLst>
+          </p:cNvPr>
+          <p:cNvSpPr txBox="1">
+            <a:spLocks/>
+          </p:cNvSpPr>
+          <p:nvPr/>
+        </p:nvSpPr>
+        <p:spPr>
+          <a:xfrm>
+            <a:off x="5934189" y="5013036"/>
+            <a:ext cx="4823229" cy="718126"/>
+          </a:xfrm>
+          <a:prstGeom prst="rect">
+            <a:avLst/>
+          </a:prstGeom>
+          <a:solidFill>
+            <a:schemeClr val="bg1">
+              <a:lumMod val="95000"/>
+            </a:schemeClr>
+          </a:solidFill>
+        </p:spPr>
+        <p:txBody>
+          <a:bodyPr vert="horz" lIns="0" tIns="45720" rIns="0" bIns="45720" rtlCol="0">
+            <a:normAutofit/>
+          </a:bodyPr>
+          <a:lstStyle>
+            <a:lvl1pPr marL="91440" indent="-91440" algn="l" defTabSz="914400" rtl="0" eaLnBrk="1" latinLnBrk="0" hangingPunct="1">
+              <a:lnSpc>
+                <a:spcPct val="110000"/>
+              </a:lnSpc>
+              <a:spcBef>
+                <a:spcPts val="1200"/>
+              </a:spcBef>
+              <a:spcAft>
+                <a:spcPts val="200"/>
+              </a:spcAft>
+              <a:buClr>
+                <a:schemeClr val="accent1"/>
+              </a:buClr>
+              <a:buSzPct val="100000"/>
+              <a:buFont typeface="Calibri" panose="020F0502020204030204" pitchFamily="34" charset="0"/>
+              <a:buChar char=" "/>
+              <a:defRPr sz="1900" kern="1200">
+                <a:solidFill>
+                  <a:schemeClr val="tx1">
+                    <a:lumMod val="75000"/>
+                    <a:lumOff val="25000"/>
+                  </a:schemeClr>
+                </a:solidFill>
+                <a:latin typeface="+mn-lt"/>
+                <a:ea typeface="+mn-ea"/>
+                <a:cs typeface="+mn-cs"/>
+              </a:defRPr>
+            </a:lvl1pPr>
+            <a:lvl2pPr marL="384048" indent="-182880" algn="l" defTabSz="914400" rtl="0" eaLnBrk="1" latinLnBrk="0" hangingPunct="1">
+              <a:lnSpc>
+                <a:spcPct val="100000"/>
+              </a:lnSpc>
+              <a:spcBef>
+                <a:spcPts val="200"/>
+              </a:spcBef>
+              <a:spcAft>
+                <a:spcPts val="400"/>
+              </a:spcAft>
+              <a:buClrTx/>
+              <a:buFont typeface="Calibri" pitchFamily="34" charset="0"/>
+              <a:buChar char="◦"/>
+              <a:defRPr sz="1700" kern="1200">
+                <a:solidFill>
+                  <a:schemeClr val="tx1">
+                    <a:lumMod val="75000"/>
+                    <a:lumOff val="25000"/>
+                  </a:schemeClr>
+                </a:solidFill>
+                <a:latin typeface="+mn-lt"/>
+                <a:ea typeface="+mn-ea"/>
+                <a:cs typeface="+mn-cs"/>
+              </a:defRPr>
+            </a:lvl2pPr>
+            <a:lvl3pPr marL="566928" indent="-182880" algn="l" defTabSz="914400" rtl="0" eaLnBrk="1" latinLnBrk="0" hangingPunct="1">
+              <a:lnSpc>
+                <a:spcPct val="100000"/>
+              </a:lnSpc>
+              <a:spcBef>
+                <a:spcPts val="200"/>
+              </a:spcBef>
+              <a:spcAft>
+                <a:spcPts val="400"/>
+              </a:spcAft>
+              <a:buClrTx/>
+              <a:buFont typeface="Calibri" pitchFamily="34" charset="0"/>
+              <a:buChar char="◦"/>
+              <a:defRPr sz="1300" kern="1200">
+                <a:solidFill>
+                  <a:schemeClr val="tx1">
+                    <a:lumMod val="75000"/>
+                    <a:lumOff val="25000"/>
+                  </a:schemeClr>
+                </a:solidFill>
+                <a:latin typeface="+mn-lt"/>
+                <a:ea typeface="+mn-ea"/>
+                <a:cs typeface="+mn-cs"/>
+              </a:defRPr>
+            </a:lvl3pPr>
+            <a:lvl4pPr marL="749808" indent="-182880" algn="l" defTabSz="914400" rtl="0" eaLnBrk="1" latinLnBrk="0" hangingPunct="1">
+              <a:lnSpc>
+                <a:spcPct val="100000"/>
+              </a:lnSpc>
+              <a:spcBef>
+                <a:spcPts val="200"/>
+              </a:spcBef>
+              <a:spcAft>
+                <a:spcPts val="400"/>
+              </a:spcAft>
+              <a:buClrTx/>
+              <a:buFont typeface="Calibri" pitchFamily="34" charset="0"/>
+              <a:buChar char="◦"/>
+              <a:defRPr sz="1300" kern="1200">
+                <a:solidFill>
+                  <a:schemeClr val="tx1">
+                    <a:lumMod val="75000"/>
+                    <a:lumOff val="25000"/>
+                  </a:schemeClr>
+                </a:solidFill>
+                <a:latin typeface="+mn-lt"/>
+                <a:ea typeface="+mn-ea"/>
+                <a:cs typeface="+mn-cs"/>
+              </a:defRPr>
+            </a:lvl4pPr>
+            <a:lvl5pPr marL="932688" indent="-182880" algn="l" defTabSz="914400" rtl="0" eaLnBrk="1" latinLnBrk="0" hangingPunct="1">
+              <a:lnSpc>
+                <a:spcPct val="100000"/>
+              </a:lnSpc>
+              <a:spcBef>
+                <a:spcPts val="200"/>
+              </a:spcBef>
+              <a:spcAft>
+                <a:spcPts val="400"/>
+              </a:spcAft>
+              <a:buClrTx/>
+              <a:buFont typeface="Calibri" pitchFamily="34" charset="0"/>
+              <a:buChar char="◦"/>
+              <a:defRPr sz="1300" kern="1200">
+                <a:solidFill>
+                  <a:schemeClr val="tx1">
+                    <a:lumMod val="75000"/>
+                    <a:lumOff val="25000"/>
+                  </a:schemeClr>
+                </a:solidFill>
+                <a:latin typeface="+mn-lt"/>
+                <a:ea typeface="+mn-ea"/>
+                <a:cs typeface="+mn-cs"/>
+              </a:defRPr>
+            </a:lvl5pPr>
+            <a:lvl6pPr marL="1100000" indent="-228600" algn="l" defTabSz="914400" rtl="0" eaLnBrk="1" latinLnBrk="0" hangingPunct="1">
+              <a:lnSpc>
+                <a:spcPct val="90000"/>
+              </a:lnSpc>
+              <a:spcBef>
+                <a:spcPts val="200"/>
+              </a:spcBef>
+              <a:spcAft>
+                <a:spcPts val="400"/>
+              </a:spcAft>
+              <a:buClr>
+                <a:schemeClr val="accent1"/>
+              </a:buClr>
+              <a:buFont typeface="Calibri" pitchFamily="34" charset="0"/>
+              <a:buChar char="◦"/>
+              <a:defRPr sz="1400" kern="1200">
+                <a:solidFill>
+                  <a:schemeClr val="tx1">
+                    <a:lumMod val="75000"/>
+                    <a:lumOff val="25000"/>
+                  </a:schemeClr>
+                </a:solidFill>
+                <a:latin typeface="+mn-lt"/>
+                <a:ea typeface="+mn-ea"/>
+                <a:cs typeface="+mn-cs"/>
+              </a:defRPr>
+            </a:lvl6pPr>
+            <a:lvl7pPr marL="1300000" indent="-228600" algn="l" defTabSz="914400" rtl="0" eaLnBrk="1" latinLnBrk="0" hangingPunct="1">
+              <a:lnSpc>
+                <a:spcPct val="90000"/>
+              </a:lnSpc>
+              <a:spcBef>
+                <a:spcPts val="200"/>
+              </a:spcBef>
+              <a:spcAft>
+                <a:spcPts val="400"/>
+              </a:spcAft>
+              <a:buClr>
+                <a:schemeClr val="accent1"/>
+              </a:buClr>
+              <a:buFont typeface="Calibri" pitchFamily="34" charset="0"/>
+              <a:buChar char="◦"/>
+              <a:defRPr sz="1400" kern="1200">
+                <a:solidFill>
+                  <a:schemeClr val="tx1">
+                    <a:lumMod val="75000"/>
+                    <a:lumOff val="25000"/>
+                  </a:schemeClr>
+                </a:solidFill>
+                <a:latin typeface="+mn-lt"/>
+                <a:ea typeface="+mn-ea"/>
+                <a:cs typeface="+mn-cs"/>
+              </a:defRPr>
+            </a:lvl7pPr>
+            <a:lvl8pPr marL="1500000" indent="-228600" algn="l" defTabSz="914400" rtl="0" eaLnBrk="1" latinLnBrk="0" hangingPunct="1">
+              <a:lnSpc>
+                <a:spcPct val="90000"/>
+              </a:lnSpc>
+              <a:spcBef>
+                <a:spcPts val="200"/>
+              </a:spcBef>
+              <a:spcAft>
+                <a:spcPts val="400"/>
+              </a:spcAft>
+              <a:buClr>
+                <a:schemeClr val="accent1"/>
+              </a:buClr>
+              <a:buFont typeface="Calibri" pitchFamily="34" charset="0"/>
+              <a:buChar char="◦"/>
+              <a:defRPr sz="1400" kern="1200">
+                <a:solidFill>
+                  <a:schemeClr val="tx1">
+                    <a:lumMod val="75000"/>
+                    <a:lumOff val="25000"/>
+                  </a:schemeClr>
+                </a:solidFill>
+                <a:latin typeface="+mn-lt"/>
+                <a:ea typeface="+mn-ea"/>
+                <a:cs typeface="+mn-cs"/>
+              </a:defRPr>
+            </a:lvl8pPr>
+            <a:lvl9pPr marL="1700000" indent="-228600" algn="l" defTabSz="914400" rtl="0" eaLnBrk="1" latinLnBrk="0" hangingPunct="1">
+              <a:lnSpc>
+                <a:spcPct val="90000"/>
+              </a:lnSpc>
+              <a:spcBef>
+                <a:spcPts val="200"/>
+              </a:spcBef>
+              <a:spcAft>
+                <a:spcPts val="400"/>
+              </a:spcAft>
+              <a:buClr>
+                <a:schemeClr val="accent1"/>
+              </a:buClr>
+              <a:buFont typeface="Calibri" pitchFamily="34" charset="0"/>
+              <a:buChar char="◦"/>
+              <a:defRPr sz="1400" kern="1200">
+                <a:solidFill>
+                  <a:schemeClr val="tx1">
+                    <a:lumMod val="75000"/>
+                    <a:lumOff val="25000"/>
+                  </a:schemeClr>
+                </a:solidFill>
+                <a:latin typeface="+mn-lt"/>
+                <a:ea typeface="+mn-ea"/>
+                <a:cs typeface="+mn-cs"/>
+              </a:defRPr>
+            </a:lvl9pPr>
+          </a:lstStyle>
+          <a:p>
+            <a:pPr fontAlgn="base">
+              <a:spcBef>
+                <a:spcPts val="0"/>
+              </a:spcBef>
+              <a:spcAft>
+                <a:spcPts val="0"/>
+              </a:spcAft>
+            </a:pPr>
+            <a:r>
+              <a:rPr lang="es-ES" sz="1100">
+                <a:solidFill>
+                  <a:srgbClr val="0000FF"/>
+                </a:solidFill>
+                <a:latin typeface="Consolas" panose="020B0609020204030204" pitchFamily="49" charset="0"/>
+              </a:rPr>
+              <a:t>void</a:t>
+            </a:r>
+            <a:r>
+              <a:rPr lang="es-ES" sz="1100">
+                <a:solidFill>
+                  <a:srgbClr val="000000"/>
+                </a:solidFill>
+                <a:latin typeface="Consolas" panose="020B0609020204030204" pitchFamily="49" charset="0"/>
+              </a:rPr>
+              <a:t> </a:t>
+            </a:r>
+            <a:r>
+              <a:rPr lang="es-ES" sz="1100">
+                <a:solidFill>
+                  <a:srgbClr val="2B91AF"/>
+                </a:solidFill>
+                <a:latin typeface="Consolas" panose="020B0609020204030204" pitchFamily="49" charset="0"/>
+              </a:rPr>
+              <a:t>OrdenaPorOrdenada</a:t>
+            </a:r>
+            <a:r>
+              <a:rPr lang="es-ES" sz="1100">
+                <a:solidFill>
+                  <a:srgbClr val="000000"/>
+                </a:solidFill>
+                <a:latin typeface="Consolas" panose="020B0609020204030204" pitchFamily="49" charset="0"/>
+              </a:rPr>
+              <a:t> (vector&lt;</a:t>
+            </a:r>
+            <a:r>
+              <a:rPr lang="es-ES" sz="1100">
+                <a:solidFill>
+                  <a:srgbClr val="2B91AF"/>
+                </a:solidFill>
+                <a:latin typeface="Consolas" panose="020B0609020204030204" pitchFamily="49" charset="0"/>
+              </a:rPr>
+              <a:t>Punto</a:t>
+            </a:r>
+            <a:r>
+              <a:rPr lang="es-ES" sz="1100">
+                <a:solidFill>
+                  <a:srgbClr val="000000"/>
+                </a:solidFill>
+                <a:latin typeface="Consolas" panose="020B0609020204030204" pitchFamily="49" charset="0"/>
+              </a:rPr>
+              <a:t>&gt; &amp; p){ </a:t>
+            </a:r>
+            <a:endParaRPr lang="es-ES" sz="1100">
+              <a:solidFill>
+                <a:srgbClr val="000000"/>
+              </a:solidFill>
+              <a:latin typeface="Segoe UI" panose="020B0502040204020203" pitchFamily="34" charset="0"/>
+            </a:endParaRPr>
+          </a:p>
+          <a:p>
+            <a:pPr fontAlgn="base">
+              <a:spcBef>
+                <a:spcPts val="0"/>
+              </a:spcBef>
+              <a:spcAft>
+                <a:spcPts val="0"/>
+              </a:spcAft>
+            </a:pPr>
+            <a:r>
+              <a:rPr lang="es-ES" sz="1100">
+                <a:solidFill>
+                  <a:srgbClr val="000000"/>
+                </a:solidFill>
+                <a:latin typeface="Consolas" panose="020B0609020204030204" pitchFamily="49" charset="0"/>
+              </a:rPr>
+              <a:t>    qsort(p.data(), p.size(), </a:t>
+            </a:r>
+            <a:r>
+              <a:rPr lang="es-ES" sz="1100">
+                <a:solidFill>
+                  <a:srgbClr val="0000FF"/>
+                </a:solidFill>
+                <a:latin typeface="Consolas" panose="020B0609020204030204" pitchFamily="49" charset="0"/>
+              </a:rPr>
+              <a:t>sizeof</a:t>
+            </a:r>
+            <a:r>
+              <a:rPr lang="es-ES" sz="1100">
+                <a:solidFill>
+                  <a:srgbClr val="000000"/>
+                </a:solidFill>
+                <a:latin typeface="Consolas" panose="020B0609020204030204" pitchFamily="49" charset="0"/>
+              </a:rPr>
+              <a:t>(</a:t>
+            </a:r>
+            <a:r>
+              <a:rPr lang="es-ES" sz="1100">
+                <a:solidFill>
+                  <a:srgbClr val="2B91AF"/>
+                </a:solidFill>
+                <a:latin typeface="Consolas" panose="020B0609020204030204" pitchFamily="49" charset="0"/>
+              </a:rPr>
+              <a:t>Punto</a:t>
+            </a:r>
+            <a:r>
+              <a:rPr lang="es-ES" sz="1100">
+                <a:solidFill>
+                  <a:srgbClr val="000000"/>
+                </a:solidFill>
+                <a:latin typeface="Consolas" panose="020B0609020204030204" pitchFamily="49" charset="0"/>
+              </a:rPr>
+              <a:t>), comparePuntos); </a:t>
+            </a:r>
+            <a:endParaRPr lang="es-ES" sz="1100">
+              <a:solidFill>
+                <a:srgbClr val="000000"/>
+              </a:solidFill>
+              <a:latin typeface="Segoe UI" panose="020B0502040204020203" pitchFamily="34" charset="0"/>
+            </a:endParaRPr>
+          </a:p>
+          <a:p>
+            <a:pPr fontAlgn="base">
+              <a:spcBef>
+                <a:spcPts val="0"/>
+              </a:spcBef>
+              <a:spcAft>
+                <a:spcPts val="0"/>
+              </a:spcAft>
+            </a:pPr>
+            <a:r>
+              <a:rPr lang="es-ES" sz="1100">
+                <a:solidFill>
+                  <a:srgbClr val="000000"/>
+                </a:solidFill>
+                <a:latin typeface="Consolas" panose="020B0609020204030204" pitchFamily="49" charset="0"/>
+              </a:rPr>
+              <a:t>} </a:t>
+            </a:r>
+            <a:endParaRPr lang="es-ES" sz="1100">
+              <a:solidFill>
+                <a:srgbClr val="000000"/>
+              </a:solidFill>
+              <a:latin typeface="Segoe UI" panose="020B0502040204020203" pitchFamily="34" charset="0"/>
+            </a:endParaRPr>
+          </a:p>
+          <a:p>
+            <a:endParaRPr lang="es-ES" dirty="0"/>
           </a:p>
         </p:txBody>
       </p:sp>
@@ -8993,10 +10710,10 @@
       </p:grpSpPr>
       <p:sp>
         <p:nvSpPr>
-          <p:cNvPr id="2" name="Título 1">
+          <p:cNvPr id="11" name="Title 1">
             <a:extLst>
               <a:ext uri="{FF2B5EF4-FFF2-40B4-BE49-F238E27FC236}">
-                <a16:creationId xmlns:a16="http://schemas.microsoft.com/office/drawing/2014/main" id="{081883BA-5ADC-FC80-D216-0CA5E35BE42C}"/>
+                <a16:creationId xmlns:a16="http://schemas.microsoft.com/office/drawing/2014/main" id="{C292E603-C2B0-F5CC-5435-7E5BFDE61851}"/>
               </a:ext>
             </a:extLst>
           </p:cNvPr>
@@ -9007,12 +10724,17 @@
             <p:ph type="title"/>
           </p:nvPr>
         </p:nvSpPr>
-        <p:spPr/>
+        <p:spPr>
+          <a:xfrm>
+            <a:off x="1097280" y="286603"/>
+            <a:ext cx="10058400" cy="1450757"/>
+          </a:xfrm>
+        </p:spPr>
         <p:txBody>
           <a:bodyPr/>
           <a:lstStyle/>
           <a:p>
-            <a:endParaRPr lang="es-ES"/>
+            <a:endParaRPr lang="en-US"/>
           </a:p>
         </p:txBody>
       </p:sp>
@@ -9021,7 +10743,7 @@
           <p:cNvPr id="3" name="Marcador de contenido 2">
             <a:extLst>
               <a:ext uri="{FF2B5EF4-FFF2-40B4-BE49-F238E27FC236}">
-                <a16:creationId xmlns:a16="http://schemas.microsoft.com/office/drawing/2014/main" id="{9643EFEE-581B-FB6C-97C2-D6C5D3198FC9}"/>
+                <a16:creationId xmlns:a16="http://schemas.microsoft.com/office/drawing/2014/main" id="{C8FDA25B-AB71-EFEA-005A-B5830EBCDAFC}"/>
               </a:ext>
             </a:extLst>
           </p:cNvPr>
@@ -9029,845 +10751,119 @@
             <a:spLocks noGrp="1"/>
           </p:cNvSpPr>
           <p:nvPr>
-            <p:ph idx="1"/>
+            <p:ph sz="half" idx="1"/>
           </p:nvPr>
         </p:nvSpPr>
         <p:spPr>
           <a:xfrm>
-            <a:off x="3761047" y="2324333"/>
-            <a:ext cx="4730865" cy="2533994"/>
+            <a:off x="1097280" y="2120900"/>
+            <a:ext cx="4639736" cy="3748193"/>
           </a:xfrm>
-          <a:solidFill>
-            <a:schemeClr val="bg1">
-              <a:lumMod val="95000"/>
-            </a:schemeClr>
-          </a:solidFill>
         </p:spPr>
         <p:txBody>
-          <a:bodyPr>
+          <a:bodyPr anchor="ctr">
             <a:normAutofit/>
           </a:bodyPr>
           <a:lstStyle/>
           <a:p>
-            <a:pPr algn="l" rtl="0" fontAlgn="base">
-              <a:spcBef>
-                <a:spcPts val="0"/>
-              </a:spcBef>
+            <a:pPr algn="just"/>
+            <a:r>
+              <a:rPr lang="es-ES" dirty="0"/>
+              <a:t>Una vez ordenado, dividimos el vector en partes iguales hasta que el número de puntos sea &lt; 100, el cuál es el mínimo número de puntos que hemos considerado que debe tener cada partición. </a:t>
+            </a:r>
+          </a:p>
+          <a:p>
+            <a:pPr marL="0" indent="0">
+              <a:buNone/>
+            </a:pPr>
+            <a:r>
+              <a:rPr lang="es-ES" dirty="0"/>
+              <a:t> A cada una de las divisiones le aplicamos el algoritmo de Graham explicado previamente en el  algoritmo específico. </a:t>
+            </a:r>
+          </a:p>
+        </p:txBody>
+      </p:sp>
+      <p:pic>
+        <p:nvPicPr>
+          <p:cNvPr id="6" name="Imagen 5">
+            <a:extLst>
+              <a:ext uri="{FF2B5EF4-FFF2-40B4-BE49-F238E27FC236}">
+                <a16:creationId xmlns:a16="http://schemas.microsoft.com/office/drawing/2014/main" id="{28AD9F06-5AB3-5710-57A3-BB63537D7532}"/>
+              </a:ext>
+            </a:extLst>
+          </p:cNvPr>
+          <p:cNvPicPr>
+            <a:picLocks noChangeAspect="1"/>
+          </p:cNvPicPr>
+          <p:nvPr/>
+        </p:nvPicPr>
+        <p:blipFill>
+          <a:blip r:embed="rId2"/>
+          <a:stretch>
+            <a:fillRect/>
+          </a:stretch>
+        </p:blipFill>
+        <p:spPr>
+          <a:xfrm>
+            <a:off x="6700089" y="2120900"/>
+            <a:ext cx="4271445" cy="3748194"/>
+          </a:xfrm>
+          <a:prstGeom prst="rect">
+            <a:avLst/>
+          </a:prstGeom>
+          <a:noFill/>
+        </p:spPr>
+      </p:pic>
+      <p:sp>
+        <p:nvSpPr>
+          <p:cNvPr id="4" name="Marcador de fecha 3">
+            <a:extLst>
+              <a:ext uri="{FF2B5EF4-FFF2-40B4-BE49-F238E27FC236}">
+                <a16:creationId xmlns:a16="http://schemas.microsoft.com/office/drawing/2014/main" id="{042A1FAD-74C5-C1B5-9DD2-678BCC3F6C3C}"/>
+              </a:ext>
+            </a:extLst>
+          </p:cNvPr>
+          <p:cNvSpPr>
+            <a:spLocks noGrp="1"/>
+          </p:cNvSpPr>
+          <p:nvPr>
+            <p:ph type="dt" sz="half" idx="10"/>
+          </p:nvPr>
+        </p:nvSpPr>
+        <p:spPr>
+          <a:xfrm>
+            <a:off x="8218426" y="6446838"/>
+            <a:ext cx="2584850" cy="365125"/>
+          </a:xfrm>
+        </p:spPr>
+        <p:txBody>
+          <a:bodyPr anchor="ctr">
+            <a:normAutofit/>
+          </a:bodyPr>
+          <a:lstStyle/>
+          <a:p>
+            <a:pPr rtl="0">
               <a:spcAft>
-                <a:spcPts val="0"/>
+                <a:spcPts val="600"/>
               </a:spcAft>
             </a:pPr>
-            <a:r>
-              <a:rPr lang="es-ES" sz="1100" b="0" i="0" dirty="0" err="1">
-                <a:solidFill>
-                  <a:srgbClr val="0000FF"/>
-                </a:solidFill>
-                <a:effectLst/>
-                <a:latin typeface="Consolas" panose="020B0609020204030204" pitchFamily="49" charset="0"/>
-              </a:rPr>
-              <a:t>int</a:t>
-            </a:r>
-            <a:r>
-              <a:rPr lang="es-ES" sz="1100" b="0" i="0" dirty="0">
-                <a:solidFill>
-                  <a:srgbClr val="000000"/>
-                </a:solidFill>
-                <a:effectLst/>
-                <a:latin typeface="Consolas" panose="020B0609020204030204" pitchFamily="49" charset="0"/>
-              </a:rPr>
-              <a:t> </a:t>
-            </a:r>
-            <a:r>
-              <a:rPr lang="es-ES" sz="1100" b="0" i="0" dirty="0" err="1">
-                <a:solidFill>
-                  <a:srgbClr val="000000"/>
-                </a:solidFill>
-                <a:effectLst/>
-                <a:latin typeface="Consolas" panose="020B0609020204030204" pitchFamily="49" charset="0"/>
-              </a:rPr>
-              <a:t>comparePuntos</a:t>
-            </a:r>
-            <a:r>
-              <a:rPr lang="es-ES" sz="1100" b="0" i="0" dirty="0">
-                <a:solidFill>
-                  <a:srgbClr val="000000"/>
-                </a:solidFill>
-                <a:effectLst/>
-                <a:latin typeface="Consolas" panose="020B0609020204030204" pitchFamily="49" charset="0"/>
-              </a:rPr>
-              <a:t> (</a:t>
-            </a:r>
-            <a:r>
-              <a:rPr lang="es-ES" sz="1100" b="0" i="0" dirty="0" err="1">
-                <a:solidFill>
-                  <a:srgbClr val="0000FF"/>
-                </a:solidFill>
-                <a:effectLst/>
-                <a:latin typeface="Consolas" panose="020B0609020204030204" pitchFamily="49" charset="0"/>
-              </a:rPr>
-              <a:t>const</a:t>
-            </a:r>
-            <a:r>
-              <a:rPr lang="es-ES" sz="1100" b="0" i="0" dirty="0">
-                <a:solidFill>
-                  <a:srgbClr val="000000"/>
-                </a:solidFill>
-                <a:effectLst/>
-                <a:latin typeface="Consolas" panose="020B0609020204030204" pitchFamily="49" charset="0"/>
-              </a:rPr>
-              <a:t> </a:t>
-            </a:r>
-            <a:r>
-              <a:rPr lang="es-ES" sz="1100" b="0" i="0" dirty="0" err="1">
-                <a:solidFill>
-                  <a:srgbClr val="0000FF"/>
-                </a:solidFill>
-                <a:effectLst/>
-                <a:latin typeface="Consolas" panose="020B0609020204030204" pitchFamily="49" charset="0"/>
-              </a:rPr>
-              <a:t>void</a:t>
-            </a:r>
-            <a:r>
-              <a:rPr lang="es-ES" sz="1100" b="0" i="0" dirty="0">
-                <a:solidFill>
-                  <a:srgbClr val="000000"/>
-                </a:solidFill>
-                <a:effectLst/>
-                <a:latin typeface="Consolas" panose="020B0609020204030204" pitchFamily="49" charset="0"/>
-              </a:rPr>
-              <a:t> * a, </a:t>
-            </a:r>
-            <a:r>
-              <a:rPr lang="es-ES" sz="1100" b="0" i="0" dirty="0" err="1">
-                <a:solidFill>
-                  <a:srgbClr val="0000FF"/>
-                </a:solidFill>
-                <a:effectLst/>
-                <a:latin typeface="Consolas" panose="020B0609020204030204" pitchFamily="49" charset="0"/>
-              </a:rPr>
-              <a:t>const</a:t>
-            </a:r>
-            <a:r>
-              <a:rPr lang="es-ES" sz="1100" b="0" i="0" dirty="0">
-                <a:solidFill>
-                  <a:srgbClr val="000000"/>
-                </a:solidFill>
-                <a:effectLst/>
-                <a:latin typeface="Consolas" panose="020B0609020204030204" pitchFamily="49" charset="0"/>
-              </a:rPr>
-              <a:t> </a:t>
-            </a:r>
-            <a:r>
-              <a:rPr lang="es-ES" sz="1100" b="0" i="0" dirty="0" err="1">
-                <a:solidFill>
-                  <a:srgbClr val="0000FF"/>
-                </a:solidFill>
-                <a:effectLst/>
-                <a:latin typeface="Consolas" panose="020B0609020204030204" pitchFamily="49" charset="0"/>
-              </a:rPr>
-              <a:t>void</a:t>
-            </a:r>
-            <a:r>
-              <a:rPr lang="es-ES" sz="1100" b="0" i="0" dirty="0">
-                <a:solidFill>
-                  <a:srgbClr val="000000"/>
-                </a:solidFill>
-                <a:effectLst/>
-                <a:latin typeface="Consolas" panose="020B0609020204030204" pitchFamily="49" charset="0"/>
-              </a:rPr>
-              <a:t> * b) { </a:t>
-            </a:r>
-            <a:endParaRPr lang="es-ES" sz="1100" b="0" i="0" dirty="0">
-              <a:solidFill>
-                <a:srgbClr val="000000"/>
-              </a:solidFill>
-              <a:effectLst/>
-              <a:latin typeface="Segoe UI" panose="020B0502040204020203" pitchFamily="34" charset="0"/>
-            </a:endParaRPr>
-          </a:p>
-          <a:p>
-            <a:pPr algn="l" rtl="0" fontAlgn="base">
-              <a:spcBef>
-                <a:spcPts val="0"/>
-              </a:spcBef>
-              <a:spcAft>
-                <a:spcPts val="0"/>
-              </a:spcAft>
-            </a:pPr>
-            <a:r>
-              <a:rPr lang="es-ES" sz="1100" b="0" i="0" dirty="0">
-                <a:solidFill>
-                  <a:srgbClr val="000000"/>
-                </a:solidFill>
-                <a:effectLst/>
-                <a:latin typeface="Consolas" panose="020B0609020204030204" pitchFamily="49" charset="0"/>
-              </a:rPr>
-              <a:t>    </a:t>
-            </a:r>
-            <a:r>
-              <a:rPr lang="es-ES" sz="1100" b="0" i="0" dirty="0">
-                <a:solidFill>
-                  <a:srgbClr val="2B91AF"/>
-                </a:solidFill>
-                <a:effectLst/>
-                <a:latin typeface="Consolas" panose="020B0609020204030204" pitchFamily="49" charset="0"/>
-              </a:rPr>
-              <a:t>Punto</a:t>
-            </a:r>
-            <a:r>
-              <a:rPr lang="es-ES" sz="1100" b="0" i="0" dirty="0">
-                <a:solidFill>
-                  <a:srgbClr val="000000"/>
-                </a:solidFill>
-                <a:effectLst/>
-                <a:latin typeface="Consolas" panose="020B0609020204030204" pitchFamily="49" charset="0"/>
-              </a:rPr>
-              <a:t> * p = (</a:t>
-            </a:r>
-            <a:r>
-              <a:rPr lang="es-ES" sz="1100" b="0" i="0" dirty="0">
-                <a:solidFill>
-                  <a:srgbClr val="2B91AF"/>
-                </a:solidFill>
-                <a:effectLst/>
-                <a:latin typeface="Consolas" panose="020B0609020204030204" pitchFamily="49" charset="0"/>
-              </a:rPr>
-              <a:t>Punto</a:t>
-            </a:r>
-            <a:r>
-              <a:rPr lang="es-ES" sz="1100" b="0" i="0" dirty="0">
-                <a:solidFill>
-                  <a:srgbClr val="000000"/>
-                </a:solidFill>
-                <a:effectLst/>
-                <a:latin typeface="Consolas" panose="020B0609020204030204" pitchFamily="49" charset="0"/>
-              </a:rPr>
-              <a:t> *) a; </a:t>
-            </a:r>
-            <a:endParaRPr lang="es-ES" sz="1100" b="0" i="0" dirty="0">
-              <a:solidFill>
-                <a:srgbClr val="000000"/>
-              </a:solidFill>
-              <a:effectLst/>
-              <a:latin typeface="Segoe UI" panose="020B0502040204020203" pitchFamily="34" charset="0"/>
-            </a:endParaRPr>
-          </a:p>
-          <a:p>
-            <a:pPr algn="l" rtl="0" fontAlgn="base">
-              <a:spcBef>
-                <a:spcPts val="0"/>
-              </a:spcBef>
-              <a:spcAft>
-                <a:spcPts val="0"/>
-              </a:spcAft>
-            </a:pPr>
-            <a:r>
-              <a:rPr lang="es-ES" sz="1100" b="0" i="0" dirty="0">
-                <a:solidFill>
-                  <a:srgbClr val="000000"/>
-                </a:solidFill>
-                <a:effectLst/>
-                <a:latin typeface="Consolas" panose="020B0609020204030204" pitchFamily="49" charset="0"/>
-              </a:rPr>
-              <a:t>    </a:t>
-            </a:r>
-            <a:r>
-              <a:rPr lang="es-ES" sz="1100" b="0" i="0" dirty="0">
-                <a:solidFill>
-                  <a:srgbClr val="2B91AF"/>
-                </a:solidFill>
-                <a:effectLst/>
-                <a:latin typeface="Consolas" panose="020B0609020204030204" pitchFamily="49" charset="0"/>
-              </a:rPr>
-              <a:t>Punto</a:t>
-            </a:r>
-            <a:r>
-              <a:rPr lang="es-ES" sz="1100" b="0" i="0" dirty="0">
-                <a:solidFill>
-                  <a:srgbClr val="000000"/>
-                </a:solidFill>
-                <a:effectLst/>
-                <a:latin typeface="Consolas" panose="020B0609020204030204" pitchFamily="49" charset="0"/>
-              </a:rPr>
-              <a:t> * q = (</a:t>
-            </a:r>
-            <a:r>
-              <a:rPr lang="es-ES" sz="1100" b="0" i="0" dirty="0">
-                <a:solidFill>
-                  <a:srgbClr val="2B91AF"/>
-                </a:solidFill>
-                <a:effectLst/>
-                <a:latin typeface="Consolas" panose="020B0609020204030204" pitchFamily="49" charset="0"/>
-              </a:rPr>
-              <a:t>Punto</a:t>
-            </a:r>
-            <a:r>
-              <a:rPr lang="es-ES" sz="1100" b="0" i="0" dirty="0">
-                <a:solidFill>
-                  <a:srgbClr val="000000"/>
-                </a:solidFill>
-                <a:effectLst/>
-                <a:latin typeface="Consolas" panose="020B0609020204030204" pitchFamily="49" charset="0"/>
-              </a:rPr>
-              <a:t> *) b; </a:t>
-            </a:r>
-            <a:endParaRPr lang="es-ES" sz="1100" b="0" i="0" dirty="0">
-              <a:solidFill>
-                <a:srgbClr val="000000"/>
-              </a:solidFill>
-              <a:effectLst/>
-              <a:latin typeface="Segoe UI" panose="020B0502040204020203" pitchFamily="34" charset="0"/>
-            </a:endParaRPr>
-          </a:p>
-          <a:p>
-            <a:pPr algn="l" rtl="0" fontAlgn="base">
-              <a:spcBef>
-                <a:spcPts val="0"/>
-              </a:spcBef>
-              <a:spcAft>
-                <a:spcPts val="0"/>
-              </a:spcAft>
-            </a:pPr>
-            <a:r>
-              <a:rPr lang="es-ES" sz="1100" b="0" i="0" dirty="0">
-                <a:solidFill>
-                  <a:srgbClr val="000000"/>
-                </a:solidFill>
-                <a:effectLst/>
-                <a:latin typeface="Consolas" panose="020B0609020204030204" pitchFamily="49" charset="0"/>
-              </a:rPr>
-              <a:t>  </a:t>
-            </a:r>
-            <a:endParaRPr lang="es-ES" sz="1100" b="0" i="0" dirty="0">
-              <a:solidFill>
-                <a:srgbClr val="000000"/>
-              </a:solidFill>
-              <a:effectLst/>
-              <a:latin typeface="Segoe UI" panose="020B0502040204020203" pitchFamily="34" charset="0"/>
-            </a:endParaRPr>
-          </a:p>
-          <a:p>
-            <a:pPr algn="l" rtl="0" fontAlgn="base">
-              <a:spcBef>
-                <a:spcPts val="0"/>
-              </a:spcBef>
-              <a:spcAft>
-                <a:spcPts val="0"/>
-              </a:spcAft>
-            </a:pPr>
-            <a:r>
-              <a:rPr lang="es-ES" sz="1100" b="0" i="0" dirty="0">
-                <a:solidFill>
-                  <a:srgbClr val="000000"/>
-                </a:solidFill>
-                <a:effectLst/>
-                <a:latin typeface="Consolas" panose="020B0609020204030204" pitchFamily="49" charset="0"/>
-              </a:rPr>
-              <a:t>    </a:t>
-            </a:r>
-            <a:r>
-              <a:rPr lang="es-ES" sz="1100" b="0" i="0" dirty="0" err="1">
-                <a:solidFill>
-                  <a:srgbClr val="0000FF"/>
-                </a:solidFill>
-                <a:effectLst/>
-                <a:latin typeface="Consolas" panose="020B0609020204030204" pitchFamily="49" charset="0"/>
-              </a:rPr>
-              <a:t>int</a:t>
-            </a:r>
-            <a:r>
-              <a:rPr lang="es-ES" sz="1100" b="0" i="0" dirty="0">
-                <a:solidFill>
-                  <a:srgbClr val="000000"/>
-                </a:solidFill>
-                <a:effectLst/>
-                <a:latin typeface="Consolas" panose="020B0609020204030204" pitchFamily="49" charset="0"/>
-              </a:rPr>
-              <a:t> retorno = </a:t>
-            </a:r>
-            <a:r>
-              <a:rPr lang="es-ES" sz="1100" b="0" i="0" dirty="0">
-                <a:solidFill>
-                  <a:srgbClr val="006666"/>
-                </a:solidFill>
-                <a:effectLst/>
-                <a:latin typeface="Consolas" panose="020B0609020204030204" pitchFamily="49" charset="0"/>
-              </a:rPr>
-              <a:t>0</a:t>
-            </a:r>
-            <a:r>
-              <a:rPr lang="es-ES" sz="1100" b="0" i="0" dirty="0">
-                <a:solidFill>
-                  <a:srgbClr val="000000"/>
-                </a:solidFill>
-                <a:effectLst/>
-                <a:latin typeface="Consolas" panose="020B0609020204030204" pitchFamily="49" charset="0"/>
-              </a:rPr>
-              <a:t>; </a:t>
-            </a:r>
-            <a:endParaRPr lang="es-ES" sz="1100" b="0" i="0" dirty="0">
-              <a:solidFill>
-                <a:srgbClr val="000000"/>
-              </a:solidFill>
-              <a:effectLst/>
-              <a:latin typeface="Segoe UI" panose="020B0502040204020203" pitchFamily="34" charset="0"/>
-            </a:endParaRPr>
-          </a:p>
-          <a:p>
-            <a:pPr algn="l" rtl="0" fontAlgn="base">
-              <a:spcBef>
-                <a:spcPts val="0"/>
-              </a:spcBef>
-              <a:spcAft>
-                <a:spcPts val="0"/>
-              </a:spcAft>
-            </a:pPr>
-            <a:r>
-              <a:rPr lang="es-ES" sz="1100" b="0" i="0" dirty="0">
-                <a:solidFill>
-                  <a:srgbClr val="000000"/>
-                </a:solidFill>
-                <a:effectLst/>
-                <a:latin typeface="Consolas" panose="020B0609020204030204" pitchFamily="49" charset="0"/>
-              </a:rPr>
-              <a:t>  </a:t>
-            </a:r>
-            <a:endParaRPr lang="es-ES" sz="1100" b="0" i="0" dirty="0">
-              <a:solidFill>
-                <a:srgbClr val="000000"/>
-              </a:solidFill>
-              <a:effectLst/>
-              <a:latin typeface="Segoe UI" panose="020B0502040204020203" pitchFamily="34" charset="0"/>
-            </a:endParaRPr>
-          </a:p>
-          <a:p>
-            <a:pPr algn="l" rtl="0" fontAlgn="base">
-              <a:spcBef>
-                <a:spcPts val="0"/>
-              </a:spcBef>
-              <a:spcAft>
-                <a:spcPts val="0"/>
-              </a:spcAft>
-            </a:pPr>
-            <a:r>
-              <a:rPr lang="es-ES" sz="1100" b="0" i="0" dirty="0">
-                <a:solidFill>
-                  <a:srgbClr val="000000"/>
-                </a:solidFill>
-                <a:effectLst/>
-                <a:latin typeface="Consolas" panose="020B0609020204030204" pitchFamily="49" charset="0"/>
-              </a:rPr>
-              <a:t>    </a:t>
-            </a:r>
-            <a:r>
-              <a:rPr lang="es-ES" sz="1100" b="0" i="0" dirty="0">
-                <a:solidFill>
-                  <a:srgbClr val="0000FF"/>
-                </a:solidFill>
-                <a:effectLst/>
-                <a:latin typeface="Consolas" panose="020B0609020204030204" pitchFamily="49" charset="0"/>
-              </a:rPr>
-              <a:t>if</a:t>
-            </a:r>
-            <a:r>
-              <a:rPr lang="es-ES" sz="1100" b="0" i="0" dirty="0">
-                <a:solidFill>
-                  <a:srgbClr val="000000"/>
-                </a:solidFill>
-                <a:effectLst/>
-                <a:latin typeface="Consolas" panose="020B0609020204030204" pitchFamily="49" charset="0"/>
-              </a:rPr>
-              <a:t> (p-&gt;</a:t>
-            </a:r>
-            <a:r>
-              <a:rPr lang="es-ES" sz="1100" b="0" i="0" dirty="0" err="1">
-                <a:solidFill>
-                  <a:srgbClr val="000000"/>
-                </a:solidFill>
-                <a:effectLst/>
-                <a:latin typeface="Consolas" panose="020B0609020204030204" pitchFamily="49" charset="0"/>
-              </a:rPr>
-              <a:t>getX</a:t>
-            </a:r>
-            <a:r>
-              <a:rPr lang="es-ES" sz="1100" b="0" i="0" dirty="0">
-                <a:solidFill>
-                  <a:srgbClr val="000000"/>
-                </a:solidFill>
-                <a:effectLst/>
-                <a:latin typeface="Consolas" panose="020B0609020204030204" pitchFamily="49" charset="0"/>
-              </a:rPr>
-              <a:t>() &lt; q-&gt;</a:t>
-            </a:r>
-            <a:r>
-              <a:rPr lang="es-ES" sz="1100" b="0" i="0" dirty="0" err="1">
-                <a:solidFill>
-                  <a:srgbClr val="000000"/>
-                </a:solidFill>
-                <a:effectLst/>
-                <a:latin typeface="Consolas" panose="020B0609020204030204" pitchFamily="49" charset="0"/>
-              </a:rPr>
-              <a:t>getX</a:t>
-            </a:r>
-            <a:r>
-              <a:rPr lang="es-ES" sz="1100" b="0" i="0" dirty="0">
-                <a:solidFill>
-                  <a:srgbClr val="000000"/>
-                </a:solidFill>
-                <a:effectLst/>
-                <a:latin typeface="Consolas" panose="020B0609020204030204" pitchFamily="49" charset="0"/>
-              </a:rPr>
-              <a:t>()){ </a:t>
-            </a:r>
-            <a:endParaRPr lang="es-ES" sz="1100" b="0" i="0" dirty="0">
-              <a:solidFill>
-                <a:srgbClr val="000000"/>
-              </a:solidFill>
-              <a:effectLst/>
-              <a:latin typeface="Segoe UI" panose="020B0502040204020203" pitchFamily="34" charset="0"/>
-            </a:endParaRPr>
-          </a:p>
-          <a:p>
-            <a:pPr algn="l" rtl="0" fontAlgn="base">
-              <a:spcBef>
-                <a:spcPts val="0"/>
-              </a:spcBef>
-              <a:spcAft>
-                <a:spcPts val="0"/>
-              </a:spcAft>
-            </a:pPr>
-            <a:r>
-              <a:rPr lang="es-ES" sz="1100" b="0" i="0" dirty="0">
-                <a:solidFill>
-                  <a:srgbClr val="000000"/>
-                </a:solidFill>
-                <a:effectLst/>
-                <a:latin typeface="Consolas" panose="020B0609020204030204" pitchFamily="49" charset="0"/>
-              </a:rPr>
-              <a:t>        retorno = -</a:t>
-            </a:r>
-            <a:r>
-              <a:rPr lang="es-ES" sz="1100" b="0" i="0" dirty="0">
-                <a:solidFill>
-                  <a:srgbClr val="006666"/>
-                </a:solidFill>
-                <a:effectLst/>
-                <a:latin typeface="Consolas" panose="020B0609020204030204" pitchFamily="49" charset="0"/>
-              </a:rPr>
-              <a:t>1</a:t>
-            </a:r>
-            <a:r>
-              <a:rPr lang="es-ES" sz="1100" b="0" i="0" dirty="0">
-                <a:solidFill>
-                  <a:srgbClr val="000000"/>
-                </a:solidFill>
-                <a:effectLst/>
-                <a:latin typeface="Consolas" panose="020B0609020204030204" pitchFamily="49" charset="0"/>
-              </a:rPr>
-              <a:t>; </a:t>
-            </a:r>
-            <a:endParaRPr lang="es-ES" sz="1100" b="0" i="0" dirty="0">
-              <a:solidFill>
-                <a:srgbClr val="000000"/>
-              </a:solidFill>
-              <a:effectLst/>
-              <a:latin typeface="Segoe UI" panose="020B0502040204020203" pitchFamily="34" charset="0"/>
-            </a:endParaRPr>
-          </a:p>
-          <a:p>
-            <a:pPr algn="l" rtl="0" fontAlgn="base">
-              <a:spcBef>
-                <a:spcPts val="0"/>
-              </a:spcBef>
-              <a:spcAft>
-                <a:spcPts val="0"/>
-              </a:spcAft>
-            </a:pPr>
-            <a:r>
-              <a:rPr lang="es-ES" sz="1100" b="0" i="0" dirty="0">
-                <a:solidFill>
-                  <a:srgbClr val="000000"/>
-                </a:solidFill>
-                <a:effectLst/>
-                <a:latin typeface="Consolas" panose="020B0609020204030204" pitchFamily="49" charset="0"/>
-              </a:rPr>
-              <a:t>    } </a:t>
-            </a:r>
-            <a:r>
-              <a:rPr lang="es-ES" sz="1100" b="0" i="0" dirty="0">
-                <a:solidFill>
-                  <a:srgbClr val="0000FF"/>
-                </a:solidFill>
-                <a:effectLst/>
-                <a:latin typeface="Consolas" panose="020B0609020204030204" pitchFamily="49" charset="0"/>
-              </a:rPr>
-              <a:t>else</a:t>
-            </a:r>
-            <a:r>
-              <a:rPr lang="es-ES" sz="1100" b="0" i="0" dirty="0">
-                <a:solidFill>
-                  <a:srgbClr val="000000"/>
-                </a:solidFill>
-                <a:effectLst/>
-                <a:latin typeface="Consolas" panose="020B0609020204030204" pitchFamily="49" charset="0"/>
-              </a:rPr>
-              <a:t> </a:t>
-            </a:r>
-            <a:r>
-              <a:rPr lang="es-ES" sz="1100" b="0" i="0" dirty="0">
-                <a:solidFill>
-                  <a:srgbClr val="0000FF"/>
-                </a:solidFill>
-                <a:effectLst/>
-                <a:latin typeface="Consolas" panose="020B0609020204030204" pitchFamily="49" charset="0"/>
-              </a:rPr>
-              <a:t>if</a:t>
-            </a:r>
-            <a:r>
-              <a:rPr lang="es-ES" sz="1100" b="0" i="0" dirty="0">
-                <a:solidFill>
-                  <a:srgbClr val="000000"/>
-                </a:solidFill>
-                <a:effectLst/>
-                <a:latin typeface="Consolas" panose="020B0609020204030204" pitchFamily="49" charset="0"/>
-              </a:rPr>
-              <a:t> (p -&gt; </a:t>
-            </a:r>
-            <a:r>
-              <a:rPr lang="es-ES" sz="1100" b="0" i="0" dirty="0" err="1">
-                <a:solidFill>
-                  <a:srgbClr val="000000"/>
-                </a:solidFill>
-                <a:effectLst/>
-                <a:latin typeface="Consolas" panose="020B0609020204030204" pitchFamily="49" charset="0"/>
-              </a:rPr>
-              <a:t>getX</a:t>
-            </a:r>
-            <a:r>
-              <a:rPr lang="es-ES" sz="1100" b="0" i="0" dirty="0">
-                <a:solidFill>
-                  <a:srgbClr val="000000"/>
-                </a:solidFill>
-                <a:effectLst/>
-                <a:latin typeface="Consolas" panose="020B0609020204030204" pitchFamily="49" charset="0"/>
-              </a:rPr>
-              <a:t>() &gt; q-&gt;</a:t>
-            </a:r>
-            <a:r>
-              <a:rPr lang="es-ES" sz="1100" b="0" i="0" dirty="0" err="1">
-                <a:solidFill>
-                  <a:srgbClr val="000000"/>
-                </a:solidFill>
-                <a:effectLst/>
-                <a:latin typeface="Consolas" panose="020B0609020204030204" pitchFamily="49" charset="0"/>
-              </a:rPr>
-              <a:t>getX</a:t>
-            </a:r>
-            <a:r>
-              <a:rPr lang="es-ES" sz="1100" b="0" i="0" dirty="0">
-                <a:solidFill>
-                  <a:srgbClr val="000000"/>
-                </a:solidFill>
-                <a:effectLst/>
-                <a:latin typeface="Consolas" panose="020B0609020204030204" pitchFamily="49" charset="0"/>
-              </a:rPr>
-              <a:t>()) { </a:t>
-            </a:r>
-            <a:endParaRPr lang="es-ES" sz="1100" b="0" i="0" dirty="0">
-              <a:solidFill>
-                <a:srgbClr val="000000"/>
-              </a:solidFill>
-              <a:effectLst/>
-              <a:latin typeface="Segoe UI" panose="020B0502040204020203" pitchFamily="34" charset="0"/>
-            </a:endParaRPr>
-          </a:p>
-          <a:p>
-            <a:pPr algn="l" rtl="0" fontAlgn="base">
-              <a:spcBef>
-                <a:spcPts val="0"/>
-              </a:spcBef>
-              <a:spcAft>
-                <a:spcPts val="0"/>
-              </a:spcAft>
-            </a:pPr>
-            <a:r>
-              <a:rPr lang="es-ES" sz="1100" b="0" i="0" dirty="0">
-                <a:solidFill>
-                  <a:srgbClr val="000000"/>
-                </a:solidFill>
-                <a:effectLst/>
-                <a:latin typeface="Consolas" panose="020B0609020204030204" pitchFamily="49" charset="0"/>
-              </a:rPr>
-              <a:t>        retorno = </a:t>
-            </a:r>
-            <a:r>
-              <a:rPr lang="es-ES" sz="1100" b="0" i="0" dirty="0">
-                <a:solidFill>
-                  <a:srgbClr val="006666"/>
-                </a:solidFill>
-                <a:effectLst/>
-                <a:latin typeface="Consolas" panose="020B0609020204030204" pitchFamily="49" charset="0"/>
-              </a:rPr>
-              <a:t>1</a:t>
-            </a:r>
-            <a:r>
-              <a:rPr lang="es-ES" sz="1100" b="0" i="0" dirty="0">
-                <a:solidFill>
-                  <a:srgbClr val="000000"/>
-                </a:solidFill>
-                <a:effectLst/>
-                <a:latin typeface="Consolas" panose="020B0609020204030204" pitchFamily="49" charset="0"/>
-              </a:rPr>
-              <a:t>; </a:t>
-            </a:r>
-            <a:endParaRPr lang="es-ES" sz="1100" b="0" i="0" dirty="0">
-              <a:solidFill>
-                <a:srgbClr val="000000"/>
-              </a:solidFill>
-              <a:effectLst/>
-              <a:latin typeface="Segoe UI" panose="020B0502040204020203" pitchFamily="34" charset="0"/>
-            </a:endParaRPr>
-          </a:p>
-          <a:p>
-            <a:pPr algn="l" rtl="0" fontAlgn="base">
-              <a:spcBef>
-                <a:spcPts val="0"/>
-              </a:spcBef>
-              <a:spcAft>
-                <a:spcPts val="0"/>
-              </a:spcAft>
-            </a:pPr>
-            <a:r>
-              <a:rPr lang="es-ES" sz="1100" b="0" i="0" dirty="0">
-                <a:solidFill>
-                  <a:srgbClr val="000000"/>
-                </a:solidFill>
-                <a:effectLst/>
-                <a:latin typeface="Consolas" panose="020B0609020204030204" pitchFamily="49" charset="0"/>
-              </a:rPr>
-              <a:t>    } </a:t>
-            </a:r>
-            <a:endParaRPr lang="es-ES" sz="1100" b="0" i="0" dirty="0">
-              <a:solidFill>
-                <a:srgbClr val="000000"/>
-              </a:solidFill>
-              <a:effectLst/>
-              <a:latin typeface="Segoe UI" panose="020B0502040204020203" pitchFamily="34" charset="0"/>
-            </a:endParaRPr>
-          </a:p>
-          <a:p>
-            <a:pPr algn="l" rtl="0" fontAlgn="base">
-              <a:spcBef>
-                <a:spcPts val="0"/>
-              </a:spcBef>
-              <a:spcAft>
-                <a:spcPts val="0"/>
-              </a:spcAft>
-            </a:pPr>
-            <a:r>
-              <a:rPr lang="es-ES" sz="1100" b="0" i="0" dirty="0">
-                <a:solidFill>
-                  <a:srgbClr val="000000"/>
-                </a:solidFill>
-                <a:effectLst/>
-                <a:latin typeface="Consolas" panose="020B0609020204030204" pitchFamily="49" charset="0"/>
-              </a:rPr>
-              <a:t>    </a:t>
-            </a:r>
-            <a:r>
-              <a:rPr lang="es-ES" sz="1100" b="0" i="0" dirty="0">
-                <a:solidFill>
-                  <a:srgbClr val="0000FF"/>
-                </a:solidFill>
-                <a:effectLst/>
-                <a:latin typeface="Consolas" panose="020B0609020204030204" pitchFamily="49" charset="0"/>
-              </a:rPr>
-              <a:t>return</a:t>
-            </a:r>
-            <a:r>
-              <a:rPr lang="es-ES" sz="1100" b="0" i="0" dirty="0">
-                <a:solidFill>
-                  <a:srgbClr val="000000"/>
-                </a:solidFill>
-                <a:effectLst/>
-                <a:latin typeface="Consolas" panose="020B0609020204030204" pitchFamily="49" charset="0"/>
-              </a:rPr>
-              <a:t> (retorno); </a:t>
-            </a:r>
-            <a:endParaRPr lang="es-ES" sz="1100" b="0" i="0" dirty="0">
-              <a:solidFill>
-                <a:srgbClr val="000000"/>
-              </a:solidFill>
-              <a:effectLst/>
-              <a:latin typeface="Segoe UI" panose="020B0502040204020203" pitchFamily="34" charset="0"/>
-            </a:endParaRPr>
-          </a:p>
-          <a:p>
-            <a:pPr algn="l" rtl="0" fontAlgn="base">
-              <a:spcBef>
-                <a:spcPts val="0"/>
-              </a:spcBef>
-              <a:spcAft>
-                <a:spcPts val="0"/>
-              </a:spcAft>
-            </a:pPr>
-            <a:r>
-              <a:rPr lang="es-ES" sz="1100" b="0" i="0" dirty="0">
-                <a:solidFill>
-                  <a:srgbClr val="000000"/>
-                </a:solidFill>
-                <a:effectLst/>
-                <a:latin typeface="Consolas" panose="020B0609020204030204" pitchFamily="49" charset="0"/>
-              </a:rPr>
-              <a:t>} </a:t>
-            </a:r>
-            <a:endParaRPr lang="es-ES" sz="1100" b="0" i="0" dirty="0">
-              <a:solidFill>
-                <a:srgbClr val="000000"/>
-              </a:solidFill>
-              <a:effectLst/>
-              <a:latin typeface="Segoe UI" panose="020B0502040204020203" pitchFamily="34" charset="0"/>
-            </a:endParaRPr>
-          </a:p>
-          <a:p>
-            <a:endParaRPr lang="es-ES" dirty="0"/>
-          </a:p>
-        </p:txBody>
-      </p:sp>
-      <p:sp>
-        <p:nvSpPr>
-          <p:cNvPr id="4" name="Marcador de fecha 3">
-            <a:extLst>
-              <a:ext uri="{FF2B5EF4-FFF2-40B4-BE49-F238E27FC236}">
-                <a16:creationId xmlns:a16="http://schemas.microsoft.com/office/drawing/2014/main" id="{8DCE9427-FB85-D93E-87B3-3FF06B92F356}"/>
-              </a:ext>
-            </a:extLst>
-          </p:cNvPr>
-          <p:cNvSpPr>
-            <a:spLocks noGrp="1"/>
-          </p:cNvSpPr>
-          <p:nvPr>
-            <p:ph type="dt" sz="half" idx="10"/>
-          </p:nvPr>
-        </p:nvSpPr>
-        <p:spPr/>
-        <p:txBody>
-          <a:bodyPr/>
-          <a:lstStyle/>
-          <a:p>
-            <a:pPr rtl="0"/>
             <a:fld id="{642B802E-BFC6-4F89-8E3C-91026AB025AB}" type="datetime1">
               <a:rPr lang="es-ES" smtClean="0"/>
+              <a:pPr rtl="0">
+                <a:spcAft>
+                  <a:spcPts val="600"/>
+                </a:spcAft>
+              </a:pPr>
               <a:t>18/04/2023</a:t>
             </a:fld>
-            <a:endParaRPr lang="en-US" dirty="0"/>
+            <a:endParaRPr lang="en-US"/>
           </a:p>
         </p:txBody>
       </p:sp>
     </p:spTree>
     <p:extLst>
       <p:ext uri="{BB962C8B-B14F-4D97-AF65-F5344CB8AC3E}">
-        <p14:creationId xmlns:p14="http://schemas.microsoft.com/office/powerpoint/2010/main" val="981251763"/>
+        <p14:creationId xmlns:p14="http://schemas.microsoft.com/office/powerpoint/2010/main" val="3581134117"/>
       </p:ext>
     </p:extLst>
   </p:cSld>
@@ -9899,7 +10895,7 @@
           <p:cNvPr id="2" name="Título 1">
             <a:extLst>
               <a:ext uri="{FF2B5EF4-FFF2-40B4-BE49-F238E27FC236}">
-                <a16:creationId xmlns:a16="http://schemas.microsoft.com/office/drawing/2014/main" id="{6B0F2911-571F-5DB0-2697-AD02F114A055}"/>
+                <a16:creationId xmlns:a16="http://schemas.microsoft.com/office/drawing/2014/main" id="{71C53237-4F23-5986-78CA-D95975302282}"/>
               </a:ext>
             </a:extLst>
           </p:cNvPr>
@@ -9924,7 +10920,7 @@
           <p:cNvPr id="3" name="Marcador de contenido 2">
             <a:extLst>
               <a:ext uri="{FF2B5EF4-FFF2-40B4-BE49-F238E27FC236}">
-                <a16:creationId xmlns:a16="http://schemas.microsoft.com/office/drawing/2014/main" id="{493D395E-00F3-66E5-C187-EEE0FD7BD8FC}"/>
+                <a16:creationId xmlns:a16="http://schemas.microsoft.com/office/drawing/2014/main" id="{3EF8DFA7-CD76-14F3-196F-6B6F740D2E01}"/>
               </a:ext>
             </a:extLst>
           </p:cNvPr>
@@ -9937,8 +10933,8 @@
         </p:nvSpPr>
         <p:spPr>
           <a:xfrm>
-            <a:off x="3684385" y="3069937"/>
-            <a:ext cx="4823229" cy="718126"/>
+            <a:off x="2440247" y="2495363"/>
+            <a:ext cx="7372465" cy="3193472"/>
           </a:xfrm>
           <a:solidFill>
             <a:schemeClr val="bg1">
@@ -9947,7 +10943,9 @@
           </a:solidFill>
         </p:spPr>
         <p:txBody>
-          <a:bodyPr/>
+          <a:bodyPr>
+            <a:normAutofit/>
+          </a:bodyPr>
           <a:lstStyle/>
           <a:p>
             <a:pPr algn="l" rtl="0" fontAlgn="base">
@@ -9959,14 +10957,84 @@
               </a:spcAft>
             </a:pPr>
             <a:r>
+              <a:rPr lang="es-ES" sz="1100" b="0" i="0" dirty="0">
+                <a:solidFill>
+                  <a:srgbClr val="000000"/>
+                </a:solidFill>
+                <a:effectLst/>
+                <a:latin typeface="Consolas" panose="020B0609020204030204" pitchFamily="49" charset="0"/>
+              </a:rPr>
+              <a:t>vector &lt;</a:t>
+            </a:r>
+            <a:r>
+              <a:rPr lang="es-ES" sz="1100" b="0" i="0" dirty="0">
+                <a:solidFill>
+                  <a:srgbClr val="2B91AF"/>
+                </a:solidFill>
+                <a:effectLst/>
+                <a:latin typeface="Consolas" panose="020B0609020204030204" pitchFamily="49" charset="0"/>
+              </a:rPr>
+              <a:t>Punto</a:t>
+            </a:r>
+            <a:r>
+              <a:rPr lang="es-ES" sz="1100" b="0" i="0" dirty="0">
+                <a:solidFill>
+                  <a:srgbClr val="000000"/>
+                </a:solidFill>
+                <a:effectLst/>
+                <a:latin typeface="Consolas" panose="020B0609020204030204" pitchFamily="49" charset="0"/>
+              </a:rPr>
+              <a:t>&gt; </a:t>
+            </a:r>
+            <a:r>
               <a:rPr lang="es-ES" sz="1100" b="0" i="0" dirty="0" err="1">
                 <a:solidFill>
+                  <a:srgbClr val="2B91AF"/>
+                </a:solidFill>
+                <a:effectLst/>
+                <a:latin typeface="Consolas" panose="020B0609020204030204" pitchFamily="49" charset="0"/>
+              </a:rPr>
+              <a:t>DivideyVenceras_lims</a:t>
+            </a:r>
+            <a:r>
+              <a:rPr lang="es-ES" sz="1100" b="0" i="0" dirty="0">
+                <a:solidFill>
+                  <a:srgbClr val="000000"/>
+                </a:solidFill>
+                <a:effectLst/>
+                <a:latin typeface="Consolas" panose="020B0609020204030204" pitchFamily="49" charset="0"/>
+              </a:rPr>
+              <a:t> (vector&lt;</a:t>
+            </a:r>
+            <a:r>
+              <a:rPr lang="es-ES" sz="1100" b="0" i="0" dirty="0">
+                <a:solidFill>
+                  <a:srgbClr val="2B91AF"/>
+                </a:solidFill>
+                <a:effectLst/>
+                <a:latin typeface="Consolas" panose="020B0609020204030204" pitchFamily="49" charset="0"/>
+              </a:rPr>
+              <a:t>Punto</a:t>
+            </a:r>
+            <a:r>
+              <a:rPr lang="es-ES" sz="1100" b="0" i="0" dirty="0">
+                <a:solidFill>
+                  <a:srgbClr val="000000"/>
+                </a:solidFill>
+                <a:effectLst/>
+                <a:latin typeface="Consolas" panose="020B0609020204030204" pitchFamily="49" charset="0"/>
+              </a:rPr>
+              <a:t>&gt; p, </a:t>
+            </a:r>
+            <a:r>
+              <a:rPr lang="es-ES" sz="1100" b="0" i="0" dirty="0" err="1">
+                <a:solidFill>
                   <a:srgbClr val="0000FF"/>
                 </a:solidFill>
                 <a:effectLst/>
                 <a:latin typeface="Consolas" panose="020B0609020204030204" pitchFamily="49" charset="0"/>
               </a:rPr>
-              <a:t>void</a:t>
+              <a:t>int</a:t>
             </a:r>
             <a:r>
               <a:rPr lang="es-ES" sz="1100" b="0" i="0" dirty="0">
@@ -9976,17 +11044,37 @@
                 <a:effectLst/>
                 <a:latin typeface="Consolas" panose="020B0609020204030204" pitchFamily="49" charset="0"/>
               </a:rPr>
+              <a:t> inicial, </a:t>
+            </a:r>
+            <a:r>
+              <a:rPr lang="es-ES" sz="1100" b="0" i="0" dirty="0" err="1">
+                <a:solidFill>
+                  <a:srgbClr val="0000FF"/>
+                </a:solidFill>
+                <a:effectLst/>
+                <a:latin typeface="Consolas" panose="020B0609020204030204" pitchFamily="49" charset="0"/>
+              </a:rPr>
+              <a:t>int</a:t>
+            </a:r>
+            <a:r>
+              <a:rPr lang="es-ES" sz="1100" b="0" i="0" dirty="0">
+                <a:solidFill>
+                  <a:srgbClr val="000000"/>
+                </a:solidFill>
+                <a:effectLst/>
+                <a:latin typeface="Consolas" panose="020B0609020204030204" pitchFamily="49" charset="0"/>
+              </a:rPr>
               <a:t> </a:t>
             </a:r>
             <a:r>
-              <a:rPr lang="es-ES" sz="1100" b="0" i="0" dirty="0" err="1">
-                <a:solidFill>
-                  <a:srgbClr val="2B91AF"/>
+              <a:rPr lang="es-ES" sz="1100" b="0" i="0" dirty="0">
+                <a:solidFill>
+                  <a:srgbClr val="0000FF"/>
                 </a:solidFill>
                 <a:effectLst/>
                 <a:latin typeface="Consolas" panose="020B0609020204030204" pitchFamily="49" charset="0"/>
               </a:rPr>
-              <a:t>OrdenaPorOrdenada</a:t>
+              <a:t>final</a:t>
             </a:r>
             <a:r>
               <a:rPr lang="es-ES" sz="1100" b="0" i="0" dirty="0">
@@ -9996,27 +11084,7 @@
                 <a:effectLst/>
                 <a:latin typeface="Consolas" panose="020B0609020204030204" pitchFamily="49" charset="0"/>
               </a:rPr>
-              <a:t> (vector&lt;</a:t>
-            </a:r>
-            <a:r>
-              <a:rPr lang="es-ES" sz="1100" b="0" i="0" dirty="0">
-                <a:solidFill>
-                  <a:srgbClr val="2B91AF"/>
-                </a:solidFill>
-                <a:effectLst/>
-                <a:latin typeface="Consolas" panose="020B0609020204030204" pitchFamily="49" charset="0"/>
-              </a:rPr>
-              <a:t>Punto</a:t>
-            </a:r>
-            <a:r>
-              <a:rPr lang="es-ES" sz="1100" b="0" i="0" dirty="0">
-                <a:solidFill>
-                  <a:srgbClr val="000000"/>
-                </a:solidFill>
-                <a:effectLst/>
-                <a:latin typeface="Consolas" panose="020B0609020204030204" pitchFamily="49" charset="0"/>
-              </a:rPr>
-              <a:t>&gt; &amp; p){ </a:t>
+              <a:t>){ </a:t>
             </a:r>
             <a:endParaRPr lang="es-ES" sz="1100" b="0" i="0" dirty="0">
               <a:solidFill>
@@ -10043,7 +11111,27 @@
                 <a:effectLst/>
                 <a:latin typeface="Consolas" panose="020B0609020204030204" pitchFamily="49" charset="0"/>
               </a:rPr>
-              <a:t>    </a:t>
+              <a:t>    vector&lt;</a:t>
+            </a:r>
+            <a:r>
+              <a:rPr lang="es-ES" sz="1100" b="0" i="0" dirty="0">
+                <a:solidFill>
+                  <a:srgbClr val="2B91AF"/>
+                </a:solidFill>
+                <a:effectLst/>
+                <a:latin typeface="Consolas" panose="020B0609020204030204" pitchFamily="49" charset="0"/>
+              </a:rPr>
+              <a:t>Punto</a:t>
+            </a:r>
+            <a:r>
+              <a:rPr lang="es-ES" sz="1100" b="0" i="0" dirty="0">
+                <a:solidFill>
+                  <a:srgbClr val="000000"/>
+                </a:solidFill>
+                <a:effectLst/>
+                <a:latin typeface="Consolas" panose="020B0609020204030204" pitchFamily="49" charset="0"/>
+              </a:rPr>
+              <a:t>&gt; </a:t>
             </a:r>
             <a:r>
               <a:rPr lang="es-ES" sz="1100" b="0" i="0" dirty="0" err="1">
@@ -10053,7 +11141,7 @@
                 <a:effectLst/>
                 <a:latin typeface="Consolas" panose="020B0609020204030204" pitchFamily="49" charset="0"/>
               </a:rPr>
-              <a:t>qsort</a:t>
+              <a:t>solucion</a:t>
             </a:r>
             <a:r>
               <a:rPr lang="es-ES" sz="1100" b="0" i="0" dirty="0">
@@ -10063,107 +11151,7 @@
                 <a:effectLst/>
                 <a:latin typeface="Consolas" panose="020B0609020204030204" pitchFamily="49" charset="0"/>
               </a:rPr>
-              <a:t>(</a:t>
-            </a:r>
-            <a:r>
-              <a:rPr lang="es-ES" sz="1100" b="0" i="0" dirty="0" err="1">
-                <a:solidFill>
-                  <a:srgbClr val="000000"/>
-                </a:solidFill>
-                <a:effectLst/>
-                <a:latin typeface="Consolas" panose="020B0609020204030204" pitchFamily="49" charset="0"/>
-              </a:rPr>
-              <a:t>p.data</a:t>
-            </a:r>
-            <a:r>
-              <a:rPr lang="es-ES" sz="1100" b="0" i="0" dirty="0">
-                <a:solidFill>
-                  <a:srgbClr val="000000"/>
-                </a:solidFill>
-                <a:effectLst/>
-                <a:latin typeface="Consolas" panose="020B0609020204030204" pitchFamily="49" charset="0"/>
-              </a:rPr>
-              <a:t>(), </a:t>
-            </a:r>
-            <a:r>
-              <a:rPr lang="es-ES" sz="1100" b="0" i="0" dirty="0" err="1">
-                <a:solidFill>
-                  <a:srgbClr val="000000"/>
-                </a:solidFill>
-                <a:effectLst/>
-                <a:latin typeface="Consolas" panose="020B0609020204030204" pitchFamily="49" charset="0"/>
-              </a:rPr>
-              <a:t>p.size</a:t>
-            </a:r>
-            <a:r>
-              <a:rPr lang="es-ES" sz="1100" b="0" i="0" dirty="0">
-                <a:solidFill>
-                  <a:srgbClr val="000000"/>
-                </a:solidFill>
-                <a:effectLst/>
-                <a:latin typeface="Consolas" panose="020B0609020204030204" pitchFamily="49" charset="0"/>
-              </a:rPr>
-              <a:t>(), </a:t>
-            </a:r>
-            <a:r>
-              <a:rPr lang="es-ES" sz="1100" b="0" i="0" dirty="0" err="1">
-                <a:solidFill>
-                  <a:srgbClr val="0000FF"/>
-                </a:solidFill>
-                <a:effectLst/>
-                <a:latin typeface="Consolas" panose="020B0609020204030204" pitchFamily="49" charset="0"/>
-              </a:rPr>
-              <a:t>sizeof</a:t>
-            </a:r>
-            <a:r>
-              <a:rPr lang="es-ES" sz="1100" b="0" i="0" dirty="0">
-                <a:solidFill>
-                  <a:srgbClr val="000000"/>
-                </a:solidFill>
-                <a:effectLst/>
-                <a:latin typeface="Consolas" panose="020B0609020204030204" pitchFamily="49" charset="0"/>
-              </a:rPr>
-              <a:t>(</a:t>
-            </a:r>
-            <a:r>
-              <a:rPr lang="es-ES" sz="1100" b="0" i="0" dirty="0">
-                <a:solidFill>
-                  <a:srgbClr val="2B91AF"/>
-                </a:solidFill>
-                <a:effectLst/>
-                <a:latin typeface="Consolas" panose="020B0609020204030204" pitchFamily="49" charset="0"/>
-              </a:rPr>
-              <a:t>Punto</a:t>
-            </a:r>
-            <a:r>
-              <a:rPr lang="es-ES" sz="1100" b="0" i="0" dirty="0">
-                <a:solidFill>
-                  <a:srgbClr val="000000"/>
-                </a:solidFill>
-                <a:effectLst/>
-                <a:latin typeface="Consolas" panose="020B0609020204030204" pitchFamily="49" charset="0"/>
-              </a:rPr>
-              <a:t>), </a:t>
-            </a:r>
-            <a:r>
-              <a:rPr lang="es-ES" sz="1100" b="0" i="0" dirty="0" err="1">
-                <a:solidFill>
-                  <a:srgbClr val="000000"/>
-                </a:solidFill>
-                <a:effectLst/>
-                <a:latin typeface="Consolas" panose="020B0609020204030204" pitchFamily="49" charset="0"/>
-              </a:rPr>
-              <a:t>comparePuntos</a:t>
-            </a:r>
-            <a:r>
-              <a:rPr lang="es-ES" sz="1100" b="0" i="0" dirty="0">
-                <a:solidFill>
-                  <a:srgbClr val="000000"/>
-                </a:solidFill>
-                <a:effectLst/>
-                <a:latin typeface="Consolas" panose="020B0609020204030204" pitchFamily="49" charset="0"/>
-              </a:rPr>
-              <a:t>); </a:t>
+              <a:t>; </a:t>
             </a:r>
             <a:endParaRPr lang="es-ES" sz="1100" b="0" i="0" dirty="0">
               <a:solidFill>
@@ -10190,7 +11178,47 @@
                 <a:effectLst/>
                 <a:latin typeface="Consolas" panose="020B0609020204030204" pitchFamily="49" charset="0"/>
               </a:rPr>
-              <a:t>} </a:t>
+              <a:t>    </a:t>
+            </a:r>
+            <a:r>
+              <a:rPr lang="es-ES" sz="1100" b="0" i="0" dirty="0">
+                <a:solidFill>
+                  <a:srgbClr val="0000FF"/>
+                </a:solidFill>
+                <a:effectLst/>
+                <a:latin typeface="Consolas" panose="020B0609020204030204" pitchFamily="49" charset="0"/>
+              </a:rPr>
+              <a:t>if</a:t>
+            </a:r>
+            <a:r>
+              <a:rPr lang="es-ES" sz="1100" b="0" i="0" dirty="0">
+                <a:solidFill>
+                  <a:srgbClr val="000000"/>
+                </a:solidFill>
+                <a:effectLst/>
+                <a:latin typeface="Consolas" panose="020B0609020204030204" pitchFamily="49" charset="0"/>
+              </a:rPr>
+              <a:t> (</a:t>
+            </a:r>
+            <a:r>
+              <a:rPr lang="es-ES" sz="1100" b="0" i="0" dirty="0">
+                <a:solidFill>
+                  <a:srgbClr val="0000FF"/>
+                </a:solidFill>
+                <a:effectLst/>
+                <a:latin typeface="Consolas" panose="020B0609020204030204" pitchFamily="49" charset="0"/>
+              </a:rPr>
+              <a:t>final</a:t>
+            </a:r>
+            <a:r>
+              <a:rPr lang="es-ES" sz="1100" b="0" i="0" dirty="0">
+                <a:solidFill>
+                  <a:srgbClr val="000000"/>
+                </a:solidFill>
+                <a:effectLst/>
+                <a:latin typeface="Consolas" panose="020B0609020204030204" pitchFamily="49" charset="0"/>
+              </a:rPr>
+              <a:t> - inicial &lt;= UMBRAL){ </a:t>
             </a:r>
             <a:endParaRPr lang="es-ES" sz="1100" b="0" i="0" dirty="0">
               <a:solidFill>
@@ -10201,6 +11229,837 @@
             </a:endParaRPr>
           </a:p>
           <a:p>
+            <a:pPr algn="l" rtl="0" fontAlgn="base">
+              <a:spcBef>
+                <a:spcPts val="0"/>
+              </a:spcBef>
+              <a:spcAft>
+                <a:spcPts val="0"/>
+              </a:spcAft>
+            </a:pPr>
+            <a:r>
+              <a:rPr lang="es-ES" sz="1100" b="0" i="0" dirty="0">
+                <a:solidFill>
+                  <a:srgbClr val="000000"/>
+                </a:solidFill>
+                <a:effectLst/>
+                <a:latin typeface="Consolas" panose="020B0609020204030204" pitchFamily="49" charset="0"/>
+              </a:rPr>
+              <a:t>        </a:t>
+            </a:r>
+            <a:r>
+              <a:rPr lang="es-ES" sz="1100" b="0" i="0" dirty="0" err="1">
+                <a:solidFill>
+                  <a:srgbClr val="000000"/>
+                </a:solidFill>
+                <a:effectLst/>
+                <a:latin typeface="Consolas" panose="020B0609020204030204" pitchFamily="49" charset="0"/>
+              </a:rPr>
+              <a:t>solucion</a:t>
+            </a:r>
+            <a:r>
+              <a:rPr lang="es-ES" sz="1100" b="0" i="0" dirty="0">
+                <a:solidFill>
+                  <a:srgbClr val="000000"/>
+                </a:solidFill>
+                <a:effectLst/>
+                <a:latin typeface="Consolas" panose="020B0609020204030204" pitchFamily="49" charset="0"/>
+              </a:rPr>
+              <a:t> = </a:t>
+            </a:r>
+            <a:r>
+              <a:rPr lang="es-ES" sz="1100" b="0" i="0" dirty="0" err="1">
+                <a:solidFill>
+                  <a:srgbClr val="2B91AF"/>
+                </a:solidFill>
+                <a:effectLst/>
+                <a:latin typeface="Consolas" panose="020B0609020204030204" pitchFamily="49" charset="0"/>
+              </a:rPr>
+              <a:t>EnvolventeConexa_lims</a:t>
+            </a:r>
+            <a:r>
+              <a:rPr lang="es-ES" sz="1100" b="0" i="0" dirty="0">
+                <a:solidFill>
+                  <a:srgbClr val="000000"/>
+                </a:solidFill>
+                <a:effectLst/>
+                <a:latin typeface="Consolas" panose="020B0609020204030204" pitchFamily="49" charset="0"/>
+              </a:rPr>
+              <a:t>(p, inicial, </a:t>
+            </a:r>
+            <a:r>
+              <a:rPr lang="es-ES" sz="1100" b="0" i="0" dirty="0">
+                <a:solidFill>
+                  <a:srgbClr val="0000FF"/>
+                </a:solidFill>
+                <a:effectLst/>
+                <a:latin typeface="Consolas" panose="020B0609020204030204" pitchFamily="49" charset="0"/>
+              </a:rPr>
+              <a:t>final</a:t>
+            </a:r>
+            <a:r>
+              <a:rPr lang="es-ES" sz="1100" b="0" i="0" dirty="0">
+                <a:solidFill>
+                  <a:srgbClr val="000000"/>
+                </a:solidFill>
+                <a:effectLst/>
+                <a:latin typeface="Consolas" panose="020B0609020204030204" pitchFamily="49" charset="0"/>
+              </a:rPr>
+              <a:t>); </a:t>
+            </a:r>
+            <a:endParaRPr lang="es-ES" sz="1100" b="0" i="0" dirty="0">
+              <a:solidFill>
+                <a:srgbClr val="000000"/>
+              </a:solidFill>
+              <a:effectLst/>
+              <a:latin typeface="Segoe UI" panose="020B0502040204020203" pitchFamily="34" charset="0"/>
+            </a:endParaRPr>
+          </a:p>
+          <a:p>
+            <a:pPr algn="l" rtl="0" fontAlgn="base">
+              <a:spcBef>
+                <a:spcPts val="0"/>
+              </a:spcBef>
+              <a:spcAft>
+                <a:spcPts val="0"/>
+              </a:spcAft>
+            </a:pPr>
+            <a:r>
+              <a:rPr lang="es-ES" sz="1100" b="0" i="0" dirty="0">
+                <a:solidFill>
+                  <a:srgbClr val="000000"/>
+                </a:solidFill>
+                <a:effectLst/>
+                <a:latin typeface="Consolas" panose="020B0609020204030204" pitchFamily="49" charset="0"/>
+              </a:rPr>
+              <a:t>    } </a:t>
+            </a:r>
+            <a:r>
+              <a:rPr lang="es-ES" sz="1100" b="0" i="0" dirty="0">
+                <a:solidFill>
+                  <a:srgbClr val="0000FF"/>
+                </a:solidFill>
+                <a:effectLst/>
+                <a:latin typeface="Consolas" panose="020B0609020204030204" pitchFamily="49" charset="0"/>
+              </a:rPr>
+              <a:t>else</a:t>
+            </a:r>
+            <a:r>
+              <a:rPr lang="es-ES" sz="1100" b="0" i="0" dirty="0">
+                <a:solidFill>
+                  <a:srgbClr val="000000"/>
+                </a:solidFill>
+                <a:effectLst/>
+                <a:latin typeface="Consolas" panose="020B0609020204030204" pitchFamily="49" charset="0"/>
+              </a:rPr>
+              <a:t> { </a:t>
+            </a:r>
+            <a:endParaRPr lang="es-ES" sz="1100" b="0" i="0" dirty="0">
+              <a:solidFill>
+                <a:srgbClr val="000000"/>
+              </a:solidFill>
+              <a:effectLst/>
+              <a:latin typeface="Segoe UI" panose="020B0502040204020203" pitchFamily="34" charset="0"/>
+            </a:endParaRPr>
+          </a:p>
+          <a:p>
+            <a:pPr algn="l" rtl="0" fontAlgn="base">
+              <a:spcBef>
+                <a:spcPts val="0"/>
+              </a:spcBef>
+              <a:spcAft>
+                <a:spcPts val="0"/>
+              </a:spcAft>
+            </a:pPr>
+            <a:r>
+              <a:rPr lang="es-ES" sz="1100" b="0" i="0" dirty="0">
+                <a:solidFill>
+                  <a:srgbClr val="000000"/>
+                </a:solidFill>
+                <a:effectLst/>
+                <a:latin typeface="Consolas" panose="020B0609020204030204" pitchFamily="49" charset="0"/>
+              </a:rPr>
+              <a:t>        </a:t>
+            </a:r>
+            <a:r>
+              <a:rPr lang="es-ES" sz="1100" b="0" i="0" dirty="0" err="1">
+                <a:solidFill>
+                  <a:srgbClr val="0000FF"/>
+                </a:solidFill>
+                <a:effectLst/>
+                <a:latin typeface="Consolas" panose="020B0609020204030204" pitchFamily="49" charset="0"/>
+              </a:rPr>
+              <a:t>int</a:t>
+            </a:r>
+            <a:r>
+              <a:rPr lang="es-ES" sz="1100" b="0" i="0" dirty="0">
+                <a:solidFill>
+                  <a:srgbClr val="000000"/>
+                </a:solidFill>
+                <a:effectLst/>
+                <a:latin typeface="Consolas" panose="020B0609020204030204" pitchFamily="49" charset="0"/>
+              </a:rPr>
+              <a:t> k = (</a:t>
+            </a:r>
+            <a:r>
+              <a:rPr lang="es-ES" sz="1100" b="0" i="0" dirty="0">
+                <a:solidFill>
+                  <a:srgbClr val="0000FF"/>
+                </a:solidFill>
+                <a:effectLst/>
+                <a:latin typeface="Consolas" panose="020B0609020204030204" pitchFamily="49" charset="0"/>
+              </a:rPr>
+              <a:t>final</a:t>
+            </a:r>
+            <a:r>
+              <a:rPr lang="es-ES" sz="1100" b="0" i="0" dirty="0">
+                <a:solidFill>
+                  <a:srgbClr val="000000"/>
+                </a:solidFill>
+                <a:effectLst/>
+                <a:latin typeface="Consolas" panose="020B0609020204030204" pitchFamily="49" charset="0"/>
+              </a:rPr>
+              <a:t> - inicial)/</a:t>
+            </a:r>
+            <a:r>
+              <a:rPr lang="es-ES" sz="1100" b="0" i="0" dirty="0">
+                <a:solidFill>
+                  <a:srgbClr val="006666"/>
+                </a:solidFill>
+                <a:effectLst/>
+                <a:latin typeface="Consolas" panose="020B0609020204030204" pitchFamily="49" charset="0"/>
+              </a:rPr>
+              <a:t>2</a:t>
+            </a:r>
+            <a:r>
+              <a:rPr lang="es-ES" sz="1100" b="0" i="0" dirty="0">
+                <a:solidFill>
+                  <a:srgbClr val="000000"/>
+                </a:solidFill>
+                <a:effectLst/>
+                <a:latin typeface="Consolas" panose="020B0609020204030204" pitchFamily="49" charset="0"/>
+              </a:rPr>
+              <a:t>; </a:t>
+            </a:r>
+            <a:endParaRPr lang="es-ES" sz="1100" b="0" i="0" dirty="0">
+              <a:solidFill>
+                <a:srgbClr val="000000"/>
+              </a:solidFill>
+              <a:effectLst/>
+              <a:latin typeface="Segoe UI" panose="020B0502040204020203" pitchFamily="34" charset="0"/>
+            </a:endParaRPr>
+          </a:p>
+          <a:p>
+            <a:pPr algn="l" rtl="0" fontAlgn="base">
+              <a:spcBef>
+                <a:spcPts val="0"/>
+              </a:spcBef>
+              <a:spcAft>
+                <a:spcPts val="0"/>
+              </a:spcAft>
+            </a:pPr>
+            <a:r>
+              <a:rPr lang="es-ES" sz="1100" b="0" i="0" dirty="0">
+                <a:solidFill>
+                  <a:srgbClr val="000000"/>
+                </a:solidFill>
+                <a:effectLst/>
+                <a:latin typeface="Consolas" panose="020B0609020204030204" pitchFamily="49" charset="0"/>
+              </a:rPr>
+              <a:t>  </a:t>
+            </a:r>
+            <a:endParaRPr lang="es-ES" sz="1100" b="0" i="0" dirty="0">
+              <a:solidFill>
+                <a:srgbClr val="000000"/>
+              </a:solidFill>
+              <a:effectLst/>
+              <a:latin typeface="Segoe UI" panose="020B0502040204020203" pitchFamily="34" charset="0"/>
+            </a:endParaRPr>
+          </a:p>
+          <a:p>
+            <a:pPr algn="l" rtl="0" fontAlgn="base">
+              <a:spcBef>
+                <a:spcPts val="0"/>
+              </a:spcBef>
+              <a:spcAft>
+                <a:spcPts val="0"/>
+              </a:spcAft>
+            </a:pPr>
+            <a:r>
+              <a:rPr lang="es-ES" sz="1100" b="0" i="0" dirty="0">
+                <a:solidFill>
+                  <a:srgbClr val="000000"/>
+                </a:solidFill>
+                <a:effectLst/>
+                <a:latin typeface="Consolas" panose="020B0609020204030204" pitchFamily="49" charset="0"/>
+              </a:rPr>
+              <a:t>        vector&lt;</a:t>
+            </a:r>
+            <a:r>
+              <a:rPr lang="es-ES" sz="1100" b="0" i="0" dirty="0">
+                <a:solidFill>
+                  <a:srgbClr val="2B91AF"/>
+                </a:solidFill>
+                <a:effectLst/>
+                <a:latin typeface="Consolas" panose="020B0609020204030204" pitchFamily="49" charset="0"/>
+              </a:rPr>
+              <a:t>Punto</a:t>
+            </a:r>
+            <a:r>
+              <a:rPr lang="es-ES" sz="1100" b="0" i="0" dirty="0">
+                <a:solidFill>
+                  <a:srgbClr val="000000"/>
+                </a:solidFill>
+                <a:effectLst/>
+                <a:latin typeface="Consolas" panose="020B0609020204030204" pitchFamily="49" charset="0"/>
+              </a:rPr>
+              <a:t>&gt; U (</a:t>
+            </a:r>
+            <a:r>
+              <a:rPr lang="es-ES" sz="1100" b="0" i="0" dirty="0" err="1">
+                <a:solidFill>
+                  <a:srgbClr val="000000"/>
+                </a:solidFill>
+                <a:effectLst/>
+                <a:latin typeface="Consolas" panose="020B0609020204030204" pitchFamily="49" charset="0"/>
+              </a:rPr>
+              <a:t>p.</a:t>
+            </a:r>
+            <a:r>
+              <a:rPr lang="es-ES" sz="1100" b="0" i="0" dirty="0" err="1">
+                <a:solidFill>
+                  <a:srgbClr val="0000FF"/>
+                </a:solidFill>
+                <a:effectLst/>
+                <a:latin typeface="Consolas" panose="020B0609020204030204" pitchFamily="49" charset="0"/>
+              </a:rPr>
+              <a:t>begin</a:t>
+            </a:r>
+            <a:r>
+              <a:rPr lang="es-ES" sz="1100" b="0" i="0" dirty="0">
+                <a:solidFill>
+                  <a:srgbClr val="000000"/>
+                </a:solidFill>
+                <a:effectLst/>
+                <a:latin typeface="Consolas" panose="020B0609020204030204" pitchFamily="49" charset="0"/>
+              </a:rPr>
+              <a:t>(), </a:t>
+            </a:r>
+            <a:r>
+              <a:rPr lang="es-ES" sz="1100" b="0" i="0" dirty="0" err="1">
+                <a:solidFill>
+                  <a:srgbClr val="000000"/>
+                </a:solidFill>
+                <a:effectLst/>
+                <a:latin typeface="Consolas" panose="020B0609020204030204" pitchFamily="49" charset="0"/>
+              </a:rPr>
+              <a:t>p.</a:t>
+            </a:r>
+            <a:r>
+              <a:rPr lang="es-ES" sz="1100" b="0" i="0" dirty="0" err="1">
+                <a:solidFill>
+                  <a:srgbClr val="0000FF"/>
+                </a:solidFill>
+                <a:effectLst/>
+                <a:latin typeface="Consolas" panose="020B0609020204030204" pitchFamily="49" charset="0"/>
+              </a:rPr>
+              <a:t>begin</a:t>
+            </a:r>
+            <a:r>
+              <a:rPr lang="es-ES" sz="1100" b="0" i="0" dirty="0">
+                <a:solidFill>
+                  <a:srgbClr val="000000"/>
+                </a:solidFill>
+                <a:effectLst/>
+                <a:latin typeface="Consolas" panose="020B0609020204030204" pitchFamily="49" charset="0"/>
+              </a:rPr>
+              <a:t>()+k); </a:t>
+            </a:r>
+            <a:endParaRPr lang="es-ES" sz="1100" b="0" i="0" dirty="0">
+              <a:solidFill>
+                <a:srgbClr val="000000"/>
+              </a:solidFill>
+              <a:effectLst/>
+              <a:latin typeface="Segoe UI" panose="020B0502040204020203" pitchFamily="34" charset="0"/>
+            </a:endParaRPr>
+          </a:p>
+          <a:p>
+            <a:pPr algn="l" rtl="0" fontAlgn="base">
+              <a:spcBef>
+                <a:spcPts val="0"/>
+              </a:spcBef>
+              <a:spcAft>
+                <a:spcPts val="0"/>
+              </a:spcAft>
+            </a:pPr>
+            <a:r>
+              <a:rPr lang="es-ES" sz="1100" b="0" i="0" dirty="0">
+                <a:solidFill>
+                  <a:srgbClr val="000000"/>
+                </a:solidFill>
+                <a:effectLst/>
+                <a:latin typeface="Consolas" panose="020B0609020204030204" pitchFamily="49" charset="0"/>
+              </a:rPr>
+              <a:t>  </a:t>
+            </a:r>
+            <a:endParaRPr lang="es-ES" sz="1100" b="0" i="0" dirty="0">
+              <a:solidFill>
+                <a:srgbClr val="000000"/>
+              </a:solidFill>
+              <a:effectLst/>
+              <a:latin typeface="Segoe UI" panose="020B0502040204020203" pitchFamily="34" charset="0"/>
+            </a:endParaRPr>
+          </a:p>
+          <a:p>
+            <a:pPr algn="l" rtl="0" fontAlgn="base">
+              <a:spcBef>
+                <a:spcPts val="0"/>
+              </a:spcBef>
+              <a:spcAft>
+                <a:spcPts val="0"/>
+              </a:spcAft>
+            </a:pPr>
+            <a:r>
+              <a:rPr lang="es-ES" sz="1100" b="0" i="0" dirty="0">
+                <a:solidFill>
+                  <a:srgbClr val="000000"/>
+                </a:solidFill>
+                <a:effectLst/>
+                <a:latin typeface="Consolas" panose="020B0609020204030204" pitchFamily="49" charset="0"/>
+              </a:rPr>
+              <a:t>        vector&lt;</a:t>
+            </a:r>
+            <a:r>
+              <a:rPr lang="es-ES" sz="1100" b="0" i="0" dirty="0">
+                <a:solidFill>
+                  <a:srgbClr val="2B91AF"/>
+                </a:solidFill>
+                <a:effectLst/>
+                <a:latin typeface="Consolas" panose="020B0609020204030204" pitchFamily="49" charset="0"/>
+              </a:rPr>
+              <a:t>Punto</a:t>
+            </a:r>
+            <a:r>
+              <a:rPr lang="es-ES" sz="1100" b="0" i="0" dirty="0">
+                <a:solidFill>
+                  <a:srgbClr val="000000"/>
+                </a:solidFill>
+                <a:effectLst/>
+                <a:latin typeface="Consolas" panose="020B0609020204030204" pitchFamily="49" charset="0"/>
+              </a:rPr>
+              <a:t>&gt; V (</a:t>
+            </a:r>
+            <a:r>
+              <a:rPr lang="es-ES" sz="1100" b="0" i="0" dirty="0" err="1">
+                <a:solidFill>
+                  <a:srgbClr val="000000"/>
+                </a:solidFill>
+                <a:effectLst/>
+                <a:latin typeface="Consolas" panose="020B0609020204030204" pitchFamily="49" charset="0"/>
+              </a:rPr>
+              <a:t>p.</a:t>
+            </a:r>
+            <a:r>
+              <a:rPr lang="es-ES" sz="1100" b="0" i="0" dirty="0" err="1">
+                <a:solidFill>
+                  <a:srgbClr val="0000FF"/>
+                </a:solidFill>
+                <a:effectLst/>
+                <a:latin typeface="Consolas" panose="020B0609020204030204" pitchFamily="49" charset="0"/>
+              </a:rPr>
+              <a:t>begin</a:t>
+            </a:r>
+            <a:r>
+              <a:rPr lang="es-ES" sz="1100" b="0" i="0" dirty="0">
+                <a:solidFill>
+                  <a:srgbClr val="000000"/>
+                </a:solidFill>
+                <a:effectLst/>
+                <a:latin typeface="Consolas" panose="020B0609020204030204" pitchFamily="49" charset="0"/>
+              </a:rPr>
+              <a:t>()+k, </a:t>
+            </a:r>
+            <a:r>
+              <a:rPr lang="es-ES" sz="1100" b="0" i="0" dirty="0" err="1">
+                <a:solidFill>
+                  <a:srgbClr val="000000"/>
+                </a:solidFill>
+                <a:effectLst/>
+                <a:latin typeface="Consolas" panose="020B0609020204030204" pitchFamily="49" charset="0"/>
+              </a:rPr>
+              <a:t>p.</a:t>
+            </a:r>
+            <a:r>
+              <a:rPr lang="es-ES" sz="1100" b="0" i="0" dirty="0" err="1">
+                <a:solidFill>
+                  <a:srgbClr val="0000FF"/>
+                </a:solidFill>
+                <a:effectLst/>
+                <a:latin typeface="Consolas" panose="020B0609020204030204" pitchFamily="49" charset="0"/>
+              </a:rPr>
+              <a:t>end</a:t>
+            </a:r>
+            <a:r>
+              <a:rPr lang="es-ES" sz="1100" b="0" i="0" dirty="0">
+                <a:solidFill>
+                  <a:srgbClr val="000000"/>
+                </a:solidFill>
+                <a:effectLst/>
+                <a:latin typeface="Consolas" panose="020B0609020204030204" pitchFamily="49" charset="0"/>
+              </a:rPr>
+              <a:t>()); </a:t>
+            </a:r>
+            <a:endParaRPr lang="es-ES" sz="1100" b="0" i="0" dirty="0">
+              <a:solidFill>
+                <a:srgbClr val="000000"/>
+              </a:solidFill>
+              <a:effectLst/>
+              <a:latin typeface="Segoe UI" panose="020B0502040204020203" pitchFamily="34" charset="0"/>
+            </a:endParaRPr>
+          </a:p>
+          <a:p>
+            <a:pPr algn="l" rtl="0" fontAlgn="base">
+              <a:spcBef>
+                <a:spcPts val="0"/>
+              </a:spcBef>
+              <a:spcAft>
+                <a:spcPts val="0"/>
+              </a:spcAft>
+            </a:pPr>
+            <a:r>
+              <a:rPr lang="es-ES" sz="1100" b="0" i="0" dirty="0">
+                <a:solidFill>
+                  <a:srgbClr val="000000"/>
+                </a:solidFill>
+                <a:effectLst/>
+                <a:latin typeface="Consolas" panose="020B0609020204030204" pitchFamily="49" charset="0"/>
+              </a:rPr>
+              <a:t>  </a:t>
+            </a:r>
+            <a:endParaRPr lang="es-ES" sz="1100" b="0" i="0" dirty="0">
+              <a:solidFill>
+                <a:srgbClr val="000000"/>
+              </a:solidFill>
+              <a:effectLst/>
+              <a:latin typeface="Segoe UI" panose="020B0502040204020203" pitchFamily="34" charset="0"/>
+            </a:endParaRPr>
+          </a:p>
+          <a:p>
+            <a:pPr algn="l" rtl="0" fontAlgn="base">
+              <a:spcBef>
+                <a:spcPts val="0"/>
+              </a:spcBef>
+              <a:spcAft>
+                <a:spcPts val="0"/>
+              </a:spcAft>
+            </a:pPr>
+            <a:r>
+              <a:rPr lang="es-ES" sz="1100" b="0" i="0" dirty="0">
+                <a:solidFill>
+                  <a:srgbClr val="000000"/>
+                </a:solidFill>
+                <a:effectLst/>
+                <a:latin typeface="Consolas" panose="020B0609020204030204" pitchFamily="49" charset="0"/>
+              </a:rPr>
+              <a:t>        </a:t>
+            </a:r>
+            <a:r>
+              <a:rPr lang="es-ES" sz="1100" b="0" i="0" dirty="0" err="1">
+                <a:solidFill>
+                  <a:srgbClr val="000000"/>
+                </a:solidFill>
+                <a:effectLst/>
+                <a:latin typeface="Consolas" panose="020B0609020204030204" pitchFamily="49" charset="0"/>
+              </a:rPr>
+              <a:t>solucion</a:t>
+            </a:r>
+            <a:r>
+              <a:rPr lang="es-ES" sz="1100" b="0" i="0" dirty="0">
+                <a:solidFill>
+                  <a:srgbClr val="000000"/>
+                </a:solidFill>
+                <a:effectLst/>
+                <a:latin typeface="Consolas" panose="020B0609020204030204" pitchFamily="49" charset="0"/>
+              </a:rPr>
+              <a:t> = </a:t>
+            </a:r>
+            <a:r>
+              <a:rPr lang="es-ES" sz="1100" b="0" i="0" dirty="0" err="1">
+                <a:solidFill>
+                  <a:srgbClr val="2B91AF"/>
+                </a:solidFill>
+                <a:effectLst/>
+                <a:latin typeface="Consolas" panose="020B0609020204030204" pitchFamily="49" charset="0"/>
+              </a:rPr>
+              <a:t>Fusion</a:t>
+            </a:r>
+            <a:r>
+              <a:rPr lang="es-ES" sz="1100" b="0" i="0" dirty="0">
+                <a:solidFill>
+                  <a:srgbClr val="000000"/>
+                </a:solidFill>
+                <a:effectLst/>
+                <a:latin typeface="Consolas" panose="020B0609020204030204" pitchFamily="49" charset="0"/>
+              </a:rPr>
+              <a:t>(</a:t>
+            </a:r>
+            <a:r>
+              <a:rPr lang="es-ES" sz="1100" b="0" i="0" dirty="0" err="1">
+                <a:solidFill>
+                  <a:srgbClr val="2B91AF"/>
+                </a:solidFill>
+                <a:effectLst/>
+                <a:latin typeface="Consolas" panose="020B0609020204030204" pitchFamily="49" charset="0"/>
+              </a:rPr>
+              <a:t>DivideyVenceras_lims</a:t>
+            </a:r>
+            <a:r>
+              <a:rPr lang="es-ES" sz="1100" b="0" i="0" dirty="0">
+                <a:solidFill>
+                  <a:srgbClr val="000000"/>
+                </a:solidFill>
+                <a:effectLst/>
+                <a:latin typeface="Consolas" panose="020B0609020204030204" pitchFamily="49" charset="0"/>
+              </a:rPr>
+              <a:t>(U, </a:t>
+            </a:r>
+            <a:r>
+              <a:rPr lang="es-ES" sz="1100" b="0" i="0" dirty="0">
+                <a:solidFill>
+                  <a:srgbClr val="006666"/>
+                </a:solidFill>
+                <a:effectLst/>
+                <a:latin typeface="Consolas" panose="020B0609020204030204" pitchFamily="49" charset="0"/>
+              </a:rPr>
+              <a:t>0</a:t>
+            </a:r>
+            <a:r>
+              <a:rPr lang="es-ES" sz="1100" b="0" i="0" dirty="0">
+                <a:solidFill>
+                  <a:srgbClr val="000000"/>
+                </a:solidFill>
+                <a:effectLst/>
+                <a:latin typeface="Consolas" panose="020B0609020204030204" pitchFamily="49" charset="0"/>
+              </a:rPr>
+              <a:t>, k), </a:t>
+            </a:r>
+            <a:r>
+              <a:rPr lang="es-ES" sz="1100" b="0" i="0" dirty="0" err="1">
+                <a:solidFill>
+                  <a:srgbClr val="2B91AF"/>
+                </a:solidFill>
+                <a:effectLst/>
+                <a:latin typeface="Consolas" panose="020B0609020204030204" pitchFamily="49" charset="0"/>
+              </a:rPr>
+              <a:t>DivideyVenceras_lims</a:t>
+            </a:r>
+            <a:r>
+              <a:rPr lang="es-ES" sz="1100" b="0" i="0" dirty="0">
+                <a:solidFill>
+                  <a:srgbClr val="000000"/>
+                </a:solidFill>
+                <a:effectLst/>
+                <a:latin typeface="Consolas" panose="020B0609020204030204" pitchFamily="49" charset="0"/>
+              </a:rPr>
+              <a:t>(V, </a:t>
+            </a:r>
+            <a:r>
+              <a:rPr lang="es-ES" sz="1100" b="0" i="0" dirty="0">
+                <a:solidFill>
+                  <a:srgbClr val="006666"/>
+                </a:solidFill>
+                <a:effectLst/>
+                <a:latin typeface="Consolas" panose="020B0609020204030204" pitchFamily="49" charset="0"/>
+              </a:rPr>
+              <a:t>0</a:t>
+            </a:r>
+            <a:r>
+              <a:rPr lang="es-ES" sz="1100" b="0" i="0" dirty="0">
+                <a:solidFill>
+                  <a:srgbClr val="000000"/>
+                </a:solidFill>
+                <a:effectLst/>
+                <a:latin typeface="Consolas" panose="020B0609020204030204" pitchFamily="49" charset="0"/>
+              </a:rPr>
+              <a:t>, </a:t>
+            </a:r>
+            <a:r>
+              <a:rPr lang="es-ES" sz="1100" b="0" i="0" dirty="0">
+                <a:solidFill>
+                  <a:srgbClr val="0000FF"/>
+                </a:solidFill>
+                <a:effectLst/>
+                <a:latin typeface="Consolas" panose="020B0609020204030204" pitchFamily="49" charset="0"/>
+              </a:rPr>
+              <a:t>final</a:t>
+            </a:r>
+            <a:r>
+              <a:rPr lang="es-ES" sz="1100" b="0" i="0" dirty="0">
+                <a:solidFill>
+                  <a:srgbClr val="000000"/>
+                </a:solidFill>
+                <a:effectLst/>
+                <a:latin typeface="Consolas" panose="020B0609020204030204" pitchFamily="49" charset="0"/>
+              </a:rPr>
+              <a:t>-k)); </a:t>
+            </a:r>
+            <a:endParaRPr lang="es-ES" sz="1100" b="0" i="0" dirty="0">
+              <a:solidFill>
+                <a:srgbClr val="000000"/>
+              </a:solidFill>
+              <a:effectLst/>
+              <a:latin typeface="Segoe UI" panose="020B0502040204020203" pitchFamily="34" charset="0"/>
+            </a:endParaRPr>
+          </a:p>
+          <a:p>
+            <a:pPr algn="l" rtl="0" fontAlgn="base">
+              <a:spcBef>
+                <a:spcPts val="0"/>
+              </a:spcBef>
+              <a:spcAft>
+                <a:spcPts val="0"/>
+              </a:spcAft>
+            </a:pPr>
+            <a:r>
+              <a:rPr lang="es-ES" sz="1100" b="0" i="0" dirty="0">
+                <a:solidFill>
+                  <a:srgbClr val="000000"/>
+                </a:solidFill>
+                <a:effectLst/>
+                <a:latin typeface="Consolas" panose="020B0609020204030204" pitchFamily="49" charset="0"/>
+              </a:rPr>
+              <a:t>    } </a:t>
+            </a:r>
+            <a:endParaRPr lang="es-ES" sz="1100" b="0" i="0" dirty="0">
+              <a:solidFill>
+                <a:srgbClr val="000000"/>
+              </a:solidFill>
+              <a:effectLst/>
+              <a:latin typeface="Segoe UI" panose="020B0502040204020203" pitchFamily="34" charset="0"/>
+            </a:endParaRPr>
+          </a:p>
+          <a:p>
+            <a:pPr algn="l" rtl="0" fontAlgn="base">
+              <a:spcBef>
+                <a:spcPts val="0"/>
+              </a:spcBef>
+              <a:spcAft>
+                <a:spcPts val="0"/>
+              </a:spcAft>
+            </a:pPr>
+            <a:r>
+              <a:rPr lang="es-ES" sz="1100" b="0" i="0" dirty="0">
+                <a:solidFill>
+                  <a:srgbClr val="000000"/>
+                </a:solidFill>
+                <a:effectLst/>
+                <a:latin typeface="Consolas" panose="020B0609020204030204" pitchFamily="49" charset="0"/>
+              </a:rPr>
+              <a:t>  </a:t>
+            </a:r>
+            <a:endParaRPr lang="es-ES" sz="1100" b="0" i="0" dirty="0">
+              <a:solidFill>
+                <a:srgbClr val="000000"/>
+              </a:solidFill>
+              <a:effectLst/>
+              <a:latin typeface="Segoe UI" panose="020B0502040204020203" pitchFamily="34" charset="0"/>
+            </a:endParaRPr>
+          </a:p>
+          <a:p>
+            <a:pPr algn="l" rtl="0" fontAlgn="base">
+              <a:spcBef>
+                <a:spcPts val="0"/>
+              </a:spcBef>
+              <a:spcAft>
+                <a:spcPts val="0"/>
+              </a:spcAft>
+            </a:pPr>
+            <a:r>
+              <a:rPr lang="es-ES" sz="1100" b="0" i="0" dirty="0">
+                <a:solidFill>
+                  <a:srgbClr val="000000"/>
+                </a:solidFill>
+                <a:effectLst/>
+                <a:latin typeface="Consolas" panose="020B0609020204030204" pitchFamily="49" charset="0"/>
+              </a:rPr>
+              <a:t>    </a:t>
+            </a:r>
+            <a:r>
+              <a:rPr lang="es-ES" sz="1100" b="0" i="0" dirty="0">
+                <a:solidFill>
+                  <a:srgbClr val="0000FF"/>
+                </a:solidFill>
+                <a:effectLst/>
+                <a:latin typeface="Consolas" panose="020B0609020204030204" pitchFamily="49" charset="0"/>
+              </a:rPr>
+              <a:t>return</a:t>
+            </a:r>
+            <a:r>
+              <a:rPr lang="es-ES" sz="1100" b="0" i="0" dirty="0">
+                <a:solidFill>
+                  <a:srgbClr val="000000"/>
+                </a:solidFill>
+                <a:effectLst/>
+                <a:latin typeface="Consolas" panose="020B0609020204030204" pitchFamily="49" charset="0"/>
+              </a:rPr>
+              <a:t> (</a:t>
+            </a:r>
+            <a:r>
+              <a:rPr lang="es-ES" sz="1100" b="0" i="0" dirty="0" err="1">
+                <a:solidFill>
+                  <a:srgbClr val="000000"/>
+                </a:solidFill>
+                <a:effectLst/>
+                <a:latin typeface="Consolas" panose="020B0609020204030204" pitchFamily="49" charset="0"/>
+              </a:rPr>
+              <a:t>solucion</a:t>
+            </a:r>
+            <a:r>
+              <a:rPr lang="es-ES" sz="1100" b="0" i="0" dirty="0">
+                <a:solidFill>
+                  <a:srgbClr val="000000"/>
+                </a:solidFill>
+                <a:effectLst/>
+                <a:latin typeface="Consolas" panose="020B0609020204030204" pitchFamily="49" charset="0"/>
+              </a:rPr>
+              <a:t>); </a:t>
+            </a:r>
+            <a:endParaRPr lang="es-ES" sz="1100" b="0" i="0" dirty="0">
+              <a:solidFill>
+                <a:srgbClr val="000000"/>
+              </a:solidFill>
+              <a:effectLst/>
+              <a:latin typeface="Segoe UI" panose="020B0502040204020203" pitchFamily="34" charset="0"/>
+            </a:endParaRPr>
+          </a:p>
+          <a:p>
+            <a:pPr algn="l" rtl="0" fontAlgn="base">
+              <a:spcBef>
+                <a:spcPts val="0"/>
+              </a:spcBef>
+              <a:spcAft>
+                <a:spcPts val="0"/>
+              </a:spcAft>
+            </a:pPr>
+            <a:r>
+              <a:rPr lang="es-ES" sz="1100" b="0" i="0" dirty="0">
+                <a:solidFill>
+                  <a:srgbClr val="000000"/>
+                </a:solidFill>
+                <a:effectLst/>
+                <a:latin typeface="Consolas" panose="020B0609020204030204" pitchFamily="49" charset="0"/>
+              </a:rPr>
+              <a:t>} </a:t>
+            </a:r>
+            <a:endParaRPr lang="es-ES" sz="1100" b="0" i="0" dirty="0">
+              <a:solidFill>
+                <a:srgbClr val="000000"/>
+              </a:solidFill>
+              <a:effectLst/>
+              <a:latin typeface="Segoe UI" panose="020B0502040204020203" pitchFamily="34" charset="0"/>
+            </a:endParaRPr>
+          </a:p>
+          <a:p>
             <a:endParaRPr lang="es-ES" dirty="0"/>
           </a:p>
         </p:txBody>
@@ -10210,7 +12069,7 @@
           <p:cNvPr id="4" name="Marcador de fecha 3">
             <a:extLst>
               <a:ext uri="{FF2B5EF4-FFF2-40B4-BE49-F238E27FC236}">
-                <a16:creationId xmlns:a16="http://schemas.microsoft.com/office/drawing/2014/main" id="{064A2880-F5E0-A8C2-2B02-AC54C02D50C8}"/>
+                <a16:creationId xmlns:a16="http://schemas.microsoft.com/office/drawing/2014/main" id="{DE85D02C-4D8B-9F87-A282-4F00AAF0F4DD}"/>
               </a:ext>
             </a:extLst>
           </p:cNvPr>
@@ -10238,7 +12097,7 @@
     </p:spTree>
     <p:extLst>
       <p:ext uri="{BB962C8B-B14F-4D97-AF65-F5344CB8AC3E}">
-        <p14:creationId xmlns:p14="http://schemas.microsoft.com/office/powerpoint/2010/main" val="1327268391"/>
+        <p14:creationId xmlns:p14="http://schemas.microsoft.com/office/powerpoint/2010/main" val="3934639782"/>
       </p:ext>
     </p:extLst>
   </p:cSld>
@@ -10270,7 +12129,7 @@
           <p:cNvPr id="11" name="Title 1">
             <a:extLst>
               <a:ext uri="{FF2B5EF4-FFF2-40B4-BE49-F238E27FC236}">
-                <a16:creationId xmlns:a16="http://schemas.microsoft.com/office/drawing/2014/main" id="{C292E603-C2B0-F5CC-5435-7E5BFDE61851}"/>
+                <a16:creationId xmlns:a16="http://schemas.microsoft.com/office/drawing/2014/main" id="{7607E1DD-2856-E6B5-22EB-F98A41410830}"/>
               </a:ext>
             </a:extLst>
           </p:cNvPr>
@@ -10295,56 +12154,12 @@
           </a:p>
         </p:txBody>
       </p:sp>
-      <p:sp>
-        <p:nvSpPr>
-          <p:cNvPr id="3" name="Marcador de contenido 2">
-            <a:extLst>
-              <a:ext uri="{FF2B5EF4-FFF2-40B4-BE49-F238E27FC236}">
-                <a16:creationId xmlns:a16="http://schemas.microsoft.com/office/drawing/2014/main" id="{C8FDA25B-AB71-EFEA-005A-B5830EBCDAFC}"/>
-              </a:ext>
-            </a:extLst>
-          </p:cNvPr>
-          <p:cNvSpPr>
-            <a:spLocks noGrp="1"/>
-          </p:cNvSpPr>
-          <p:nvPr>
-            <p:ph sz="half" idx="1"/>
-          </p:nvPr>
-        </p:nvSpPr>
-        <p:spPr>
-          <a:xfrm>
-            <a:off x="1097280" y="2120900"/>
-            <a:ext cx="4639736" cy="3748193"/>
-          </a:xfrm>
-        </p:spPr>
-        <p:txBody>
-          <a:bodyPr>
-            <a:normAutofit/>
-          </a:bodyPr>
-          <a:lstStyle/>
-          <a:p>
-            <a:r>
-              <a:rPr lang="es-ES" dirty="0"/>
-              <a:t>Una vez ordenado, dividimos el vector en partes iguales hasta que el número de puntos sea &lt; 6, el cuál es el mínimo número de puntos que hemos considerado que debe tener cada partición. </a:t>
-            </a:r>
-          </a:p>
-          <a:p>
-            <a:pPr marL="0" indent="0">
-              <a:buNone/>
-            </a:pPr>
-            <a:r>
-              <a:rPr lang="es-ES" dirty="0"/>
-              <a:t> A cada una de las divisiones le aplicamos el algoritmo de Graham explicado previamente en el  algoritmo específico. </a:t>
-            </a:r>
-          </a:p>
-        </p:txBody>
-      </p:sp>
       <p:pic>
         <p:nvPicPr>
           <p:cNvPr id="6" name="Imagen 5">
             <a:extLst>
               <a:ext uri="{FF2B5EF4-FFF2-40B4-BE49-F238E27FC236}">
-                <a16:creationId xmlns:a16="http://schemas.microsoft.com/office/drawing/2014/main" id="{28AD9F06-5AB3-5710-57A3-BB63537D7532}"/>
+                <a16:creationId xmlns:a16="http://schemas.microsoft.com/office/drawing/2014/main" id="{CEE47D5B-CE4A-4D8B-E11E-7FE0DFD2DFE5}"/>
               </a:ext>
             </a:extLst>
           </p:cNvPr>
@@ -10361,8 +12176,8 @@
         </p:blipFill>
         <p:spPr>
           <a:xfrm>
-            <a:off x="6700089" y="2120900"/>
-            <a:ext cx="4271445" cy="3748194"/>
+            <a:off x="1428716" y="2120900"/>
+            <a:ext cx="3976863" cy="3748193"/>
           </a:xfrm>
           <a:prstGeom prst="rect">
             <a:avLst/>
@@ -10372,10 +12187,50 @@
       </p:pic>
       <p:sp>
         <p:nvSpPr>
+          <p:cNvPr id="3" name="Marcador de contenido 2">
+            <a:extLst>
+              <a:ext uri="{FF2B5EF4-FFF2-40B4-BE49-F238E27FC236}">
+                <a16:creationId xmlns:a16="http://schemas.microsoft.com/office/drawing/2014/main" id="{18ADAC64-F816-C0ED-1DF9-B9B4F8C9562F}"/>
+              </a:ext>
+            </a:extLst>
+          </p:cNvPr>
+          <p:cNvSpPr>
+            <a:spLocks noGrp="1"/>
+          </p:cNvSpPr>
+          <p:nvPr>
+            <p:ph sz="half" idx="2"/>
+          </p:nvPr>
+        </p:nvSpPr>
+        <p:spPr>
+          <a:xfrm>
+            <a:off x="6515944" y="2120900"/>
+            <a:ext cx="4639736" cy="3748194"/>
+          </a:xfrm>
+        </p:spPr>
+        <p:txBody>
+          <a:bodyPr numCol="1" anchor="ctr">
+            <a:normAutofit/>
+          </a:bodyPr>
+          <a:lstStyle/>
+          <a:p>
+            <a:pPr algn="just">
+              <a:lnSpc>
+                <a:spcPct val="100000"/>
+              </a:lnSpc>
+            </a:pPr>
+            <a:r>
+              <a:rPr lang="es-ES" dirty="0"/>
+              <a:t>Una vez calculadas las envolventes conexas, unimos las envolventes de todas las divisiones. Para ello calculamos la tangente superior e inferior entre los polinomios contiguos tanteando hasta obtenerlos. </a:t>
+            </a:r>
+          </a:p>
+        </p:txBody>
+      </p:sp>
+      <p:sp>
+        <p:nvSpPr>
           <p:cNvPr id="4" name="Marcador de fecha 3">
             <a:extLst>
               <a:ext uri="{FF2B5EF4-FFF2-40B4-BE49-F238E27FC236}">
-                <a16:creationId xmlns:a16="http://schemas.microsoft.com/office/drawing/2014/main" id="{042A1FAD-74C5-C1B5-9DD2-678BCC3F6C3C}"/>
+                <a16:creationId xmlns:a16="http://schemas.microsoft.com/office/drawing/2014/main" id="{63D1E26C-3CD0-E9CF-9E5A-48CB811A4392}"/>
               </a:ext>
             </a:extLst>
           </p:cNvPr>
@@ -10419,7 +12274,7 @@
     </p:spTree>
     <p:extLst>
       <p:ext uri="{BB962C8B-B14F-4D97-AF65-F5344CB8AC3E}">
-        <p14:creationId xmlns:p14="http://schemas.microsoft.com/office/powerpoint/2010/main" val="3581134117"/>
+        <p14:creationId xmlns:p14="http://schemas.microsoft.com/office/powerpoint/2010/main" val="1884255330"/>
       </p:ext>
     </p:extLst>
   </p:cSld>
@@ -10448,10 +12303,10 @@
       </p:grpSpPr>
       <p:sp>
         <p:nvSpPr>
-          <p:cNvPr id="2" name="Título 1">
+          <p:cNvPr id="11" name="Title 1">
             <a:extLst>
               <a:ext uri="{FF2B5EF4-FFF2-40B4-BE49-F238E27FC236}">
-                <a16:creationId xmlns:a16="http://schemas.microsoft.com/office/drawing/2014/main" id="{71C53237-4F23-5986-78CA-D95975302282}"/>
+                <a16:creationId xmlns:a16="http://schemas.microsoft.com/office/drawing/2014/main" id="{D9DF5505-340A-0499-2CE7-F213A2774660}"/>
               </a:ext>
             </a:extLst>
           </p:cNvPr>
@@ -10462,12 +12317,17 @@
             <p:ph type="title"/>
           </p:nvPr>
         </p:nvSpPr>
-        <p:spPr/>
+        <p:spPr>
+          <a:xfrm>
+            <a:off x="1097280" y="286603"/>
+            <a:ext cx="10058400" cy="1450757"/>
+          </a:xfrm>
+        </p:spPr>
         <p:txBody>
           <a:bodyPr/>
           <a:lstStyle/>
           <a:p>
-            <a:endParaRPr lang="es-ES"/>
+            <a:endParaRPr lang="en-US"/>
           </a:p>
         </p:txBody>
       </p:sp>
@@ -10476,7 +12336,7 @@
           <p:cNvPr id="3" name="Marcador de contenido 2">
             <a:extLst>
               <a:ext uri="{FF2B5EF4-FFF2-40B4-BE49-F238E27FC236}">
-                <a16:creationId xmlns:a16="http://schemas.microsoft.com/office/drawing/2014/main" id="{3EF8DFA7-CD76-14F3-196F-6B6F740D2E01}"/>
+                <a16:creationId xmlns:a16="http://schemas.microsoft.com/office/drawing/2014/main" id="{AF4AC222-127C-784F-0AF7-126071597238}"/>
               </a:ext>
             </a:extLst>
           </p:cNvPr>
@@ -10484,19 +12344,14 @@
             <a:spLocks noGrp="1"/>
           </p:cNvSpPr>
           <p:nvPr>
-            <p:ph idx="1"/>
+            <p:ph sz="half" idx="1"/>
           </p:nvPr>
         </p:nvSpPr>
         <p:spPr>
           <a:xfrm>
-            <a:off x="2440247" y="2495363"/>
-            <a:ext cx="7372465" cy="3193472"/>
+            <a:off x="1097280" y="2120900"/>
+            <a:ext cx="4639736" cy="3748193"/>
           </a:xfrm>
-          <a:solidFill>
-            <a:schemeClr val="bg1">
-              <a:lumMod val="95000"/>
-            </a:schemeClr>
-          </a:solidFill>
         </p:spPr>
         <p:txBody>
           <a:bodyPr>
@@ -10504,1156 +12359,94 @@
           </a:bodyPr>
           <a:lstStyle/>
           <a:p>
-            <a:pPr algn="l" rtl="0" fontAlgn="base">
-              <a:spcBef>
-                <a:spcPts val="0"/>
-              </a:spcBef>
+            <a:r>
+              <a:rPr lang="es-ES" dirty="0"/>
+              <a:t>Con las tangentes obtenidas, sólo nos queda fusionar las envolventes, que bastaría con añadir los puntos desde la tangente inferior hasta la tangente superior del polinomio derecho y después añadir desde la tangente superior hasta la tangente inferior del izquierdo. </a:t>
+            </a:r>
+          </a:p>
+        </p:txBody>
+      </p:sp>
+      <p:pic>
+        <p:nvPicPr>
+          <p:cNvPr id="6" name="Imagen 5">
+            <a:extLst>
+              <a:ext uri="{FF2B5EF4-FFF2-40B4-BE49-F238E27FC236}">
+                <a16:creationId xmlns:a16="http://schemas.microsoft.com/office/drawing/2014/main" id="{B800F223-A8CE-EB91-54D3-D371FB8AC89D}"/>
+              </a:ext>
+            </a:extLst>
+          </p:cNvPr>
+          <p:cNvPicPr>
+            <a:picLocks noChangeAspect="1"/>
+          </p:cNvPicPr>
+          <p:nvPr/>
+        </p:nvPicPr>
+        <p:blipFill>
+          <a:blip r:embed="rId2"/>
+          <a:stretch>
+            <a:fillRect/>
+          </a:stretch>
+        </p:blipFill>
+        <p:spPr>
+          <a:xfrm>
+            <a:off x="6669226" y="2120900"/>
+            <a:ext cx="4333172" cy="3748194"/>
+          </a:xfrm>
+          <a:prstGeom prst="rect">
+            <a:avLst/>
+          </a:prstGeom>
+          <a:noFill/>
+        </p:spPr>
+      </p:pic>
+      <p:sp>
+        <p:nvSpPr>
+          <p:cNvPr id="4" name="Marcador de fecha 3">
+            <a:extLst>
+              <a:ext uri="{FF2B5EF4-FFF2-40B4-BE49-F238E27FC236}">
+                <a16:creationId xmlns:a16="http://schemas.microsoft.com/office/drawing/2014/main" id="{019B1002-8C26-B002-D431-DCDECBF10C4E}"/>
+              </a:ext>
+            </a:extLst>
+          </p:cNvPr>
+          <p:cNvSpPr>
+            <a:spLocks noGrp="1"/>
+          </p:cNvSpPr>
+          <p:nvPr>
+            <p:ph type="dt" sz="half" idx="10"/>
+          </p:nvPr>
+        </p:nvSpPr>
+        <p:spPr>
+          <a:xfrm>
+            <a:off x="8218426" y="6446838"/>
+            <a:ext cx="2584850" cy="365125"/>
+          </a:xfrm>
+        </p:spPr>
+        <p:txBody>
+          <a:bodyPr anchor="ctr">
+            <a:normAutofit/>
+          </a:bodyPr>
+          <a:lstStyle/>
+          <a:p>
+            <a:pPr rtl="0">
               <a:spcAft>
-                <a:spcPts val="0"/>
+                <a:spcPts val="600"/>
               </a:spcAft>
             </a:pPr>
-            <a:r>
-              <a:rPr lang="es-ES" sz="1100" b="0" i="0" dirty="0">
-                <a:solidFill>
-                  <a:srgbClr val="000000"/>
-                </a:solidFill>
-                <a:effectLst/>
-                <a:latin typeface="Consolas" panose="020B0609020204030204" pitchFamily="49" charset="0"/>
-              </a:rPr>
-              <a:t>vector &lt;</a:t>
-            </a:r>
-            <a:r>
-              <a:rPr lang="es-ES" sz="1100" b="0" i="0" dirty="0">
-                <a:solidFill>
-                  <a:srgbClr val="2B91AF"/>
-                </a:solidFill>
-                <a:effectLst/>
-                <a:latin typeface="Consolas" panose="020B0609020204030204" pitchFamily="49" charset="0"/>
-              </a:rPr>
-              <a:t>Punto</a:t>
-            </a:r>
-            <a:r>
-              <a:rPr lang="es-ES" sz="1100" b="0" i="0" dirty="0">
-                <a:solidFill>
-                  <a:srgbClr val="000000"/>
-                </a:solidFill>
-                <a:effectLst/>
-                <a:latin typeface="Consolas" panose="020B0609020204030204" pitchFamily="49" charset="0"/>
-              </a:rPr>
-              <a:t>&gt; </a:t>
-            </a:r>
-            <a:r>
-              <a:rPr lang="es-ES" sz="1100" b="0" i="0" dirty="0" err="1">
-                <a:solidFill>
-                  <a:srgbClr val="2B91AF"/>
-                </a:solidFill>
-                <a:effectLst/>
-                <a:latin typeface="Consolas" panose="020B0609020204030204" pitchFamily="49" charset="0"/>
-              </a:rPr>
-              <a:t>DivideyVenceras_lims</a:t>
-            </a:r>
-            <a:r>
-              <a:rPr lang="es-ES" sz="1100" b="0" i="0" dirty="0">
-                <a:solidFill>
-                  <a:srgbClr val="000000"/>
-                </a:solidFill>
-                <a:effectLst/>
-                <a:latin typeface="Consolas" panose="020B0609020204030204" pitchFamily="49" charset="0"/>
-              </a:rPr>
-              <a:t> (vector&lt;</a:t>
-            </a:r>
-            <a:r>
-              <a:rPr lang="es-ES" sz="1100" b="0" i="0" dirty="0">
-                <a:solidFill>
-                  <a:srgbClr val="2B91AF"/>
-                </a:solidFill>
-                <a:effectLst/>
-                <a:latin typeface="Consolas" panose="020B0609020204030204" pitchFamily="49" charset="0"/>
-              </a:rPr>
-              <a:t>Punto</a:t>
-            </a:r>
-            <a:r>
-              <a:rPr lang="es-ES" sz="1100" b="0" i="0" dirty="0">
-                <a:solidFill>
-                  <a:srgbClr val="000000"/>
-                </a:solidFill>
-                <a:effectLst/>
-                <a:latin typeface="Consolas" panose="020B0609020204030204" pitchFamily="49" charset="0"/>
-              </a:rPr>
-              <a:t>&gt; p, </a:t>
-            </a:r>
-            <a:r>
-              <a:rPr lang="es-ES" sz="1100" b="0" i="0" dirty="0" err="1">
-                <a:solidFill>
-                  <a:srgbClr val="0000FF"/>
-                </a:solidFill>
-                <a:effectLst/>
-                <a:latin typeface="Consolas" panose="020B0609020204030204" pitchFamily="49" charset="0"/>
-              </a:rPr>
-              <a:t>int</a:t>
-            </a:r>
-            <a:r>
-              <a:rPr lang="es-ES" sz="1100" b="0" i="0" dirty="0">
-                <a:solidFill>
-                  <a:srgbClr val="000000"/>
-                </a:solidFill>
-                <a:effectLst/>
-                <a:latin typeface="Consolas" panose="020B0609020204030204" pitchFamily="49" charset="0"/>
-              </a:rPr>
-              <a:t> inicial, </a:t>
-            </a:r>
-            <a:r>
-              <a:rPr lang="es-ES" sz="1100" b="0" i="0" dirty="0" err="1">
-                <a:solidFill>
-                  <a:srgbClr val="0000FF"/>
-                </a:solidFill>
-                <a:effectLst/>
-                <a:latin typeface="Consolas" panose="020B0609020204030204" pitchFamily="49" charset="0"/>
-              </a:rPr>
-              <a:t>int</a:t>
-            </a:r>
-            <a:r>
-              <a:rPr lang="es-ES" sz="1100" b="0" i="0" dirty="0">
-                <a:solidFill>
-                  <a:srgbClr val="000000"/>
-                </a:solidFill>
-                <a:effectLst/>
-                <a:latin typeface="Consolas" panose="020B0609020204030204" pitchFamily="49" charset="0"/>
-              </a:rPr>
-              <a:t> </a:t>
-            </a:r>
-            <a:r>
-              <a:rPr lang="es-ES" sz="1100" b="0" i="0" dirty="0">
-                <a:solidFill>
-                  <a:srgbClr val="0000FF"/>
-                </a:solidFill>
-                <a:effectLst/>
-                <a:latin typeface="Consolas" panose="020B0609020204030204" pitchFamily="49" charset="0"/>
-              </a:rPr>
-              <a:t>final</a:t>
-            </a:r>
-            <a:r>
-              <a:rPr lang="es-ES" sz="1100" b="0" i="0" dirty="0">
-                <a:solidFill>
-                  <a:srgbClr val="000000"/>
-                </a:solidFill>
-                <a:effectLst/>
-                <a:latin typeface="Consolas" panose="020B0609020204030204" pitchFamily="49" charset="0"/>
-              </a:rPr>
-              <a:t>){ </a:t>
-            </a:r>
-            <a:endParaRPr lang="es-ES" sz="1100" b="0" i="0" dirty="0">
-              <a:solidFill>
-                <a:srgbClr val="000000"/>
-              </a:solidFill>
-              <a:effectLst/>
-              <a:latin typeface="Segoe UI" panose="020B0502040204020203" pitchFamily="34" charset="0"/>
-            </a:endParaRPr>
-          </a:p>
-          <a:p>
-            <a:pPr algn="l" rtl="0" fontAlgn="base">
-              <a:spcBef>
-                <a:spcPts val="0"/>
-              </a:spcBef>
-              <a:spcAft>
-                <a:spcPts val="0"/>
-              </a:spcAft>
-            </a:pPr>
-            <a:r>
-              <a:rPr lang="es-ES" sz="1100" b="0" i="0" dirty="0">
-                <a:solidFill>
-                  <a:srgbClr val="000000"/>
-                </a:solidFill>
-                <a:effectLst/>
-                <a:latin typeface="Consolas" panose="020B0609020204030204" pitchFamily="49" charset="0"/>
-              </a:rPr>
-              <a:t>    vector&lt;</a:t>
-            </a:r>
-            <a:r>
-              <a:rPr lang="es-ES" sz="1100" b="0" i="0" dirty="0">
-                <a:solidFill>
-                  <a:srgbClr val="2B91AF"/>
-                </a:solidFill>
-                <a:effectLst/>
-                <a:latin typeface="Consolas" panose="020B0609020204030204" pitchFamily="49" charset="0"/>
-              </a:rPr>
-              <a:t>Punto</a:t>
-            </a:r>
-            <a:r>
-              <a:rPr lang="es-ES" sz="1100" b="0" i="0" dirty="0">
-                <a:solidFill>
-                  <a:srgbClr val="000000"/>
-                </a:solidFill>
-                <a:effectLst/>
-                <a:latin typeface="Consolas" panose="020B0609020204030204" pitchFamily="49" charset="0"/>
-              </a:rPr>
-              <a:t>&gt; </a:t>
-            </a:r>
-            <a:r>
-              <a:rPr lang="es-ES" sz="1100" b="0" i="0" dirty="0" err="1">
-                <a:solidFill>
-                  <a:srgbClr val="000000"/>
-                </a:solidFill>
-                <a:effectLst/>
-                <a:latin typeface="Consolas" panose="020B0609020204030204" pitchFamily="49" charset="0"/>
-              </a:rPr>
-              <a:t>solucion</a:t>
-            </a:r>
-            <a:r>
-              <a:rPr lang="es-ES" sz="1100" b="0" i="0" dirty="0">
-                <a:solidFill>
-                  <a:srgbClr val="000000"/>
-                </a:solidFill>
-                <a:effectLst/>
-                <a:latin typeface="Consolas" panose="020B0609020204030204" pitchFamily="49" charset="0"/>
-              </a:rPr>
-              <a:t>; </a:t>
-            </a:r>
-            <a:endParaRPr lang="es-ES" sz="1100" b="0" i="0" dirty="0">
-              <a:solidFill>
-                <a:srgbClr val="000000"/>
-              </a:solidFill>
-              <a:effectLst/>
-              <a:latin typeface="Segoe UI" panose="020B0502040204020203" pitchFamily="34" charset="0"/>
-            </a:endParaRPr>
-          </a:p>
-          <a:p>
-            <a:pPr algn="l" rtl="0" fontAlgn="base">
-              <a:spcBef>
-                <a:spcPts val="0"/>
-              </a:spcBef>
-              <a:spcAft>
-                <a:spcPts val="0"/>
-              </a:spcAft>
-            </a:pPr>
-            <a:r>
-              <a:rPr lang="es-ES" sz="1100" b="0" i="0" dirty="0">
-                <a:solidFill>
-                  <a:srgbClr val="000000"/>
-                </a:solidFill>
-                <a:effectLst/>
-                <a:latin typeface="Consolas" panose="020B0609020204030204" pitchFamily="49" charset="0"/>
-              </a:rPr>
-              <a:t>    </a:t>
-            </a:r>
-            <a:r>
-              <a:rPr lang="es-ES" sz="1100" b="0" i="0" dirty="0">
-                <a:solidFill>
-                  <a:srgbClr val="0000FF"/>
-                </a:solidFill>
-                <a:effectLst/>
-                <a:latin typeface="Consolas" panose="020B0609020204030204" pitchFamily="49" charset="0"/>
-              </a:rPr>
-              <a:t>if</a:t>
-            </a:r>
-            <a:r>
-              <a:rPr lang="es-ES" sz="1100" b="0" i="0" dirty="0">
-                <a:solidFill>
-                  <a:srgbClr val="000000"/>
-                </a:solidFill>
-                <a:effectLst/>
-                <a:latin typeface="Consolas" panose="020B0609020204030204" pitchFamily="49" charset="0"/>
-              </a:rPr>
-              <a:t> (</a:t>
-            </a:r>
-            <a:r>
-              <a:rPr lang="es-ES" sz="1100" b="0" i="0" dirty="0">
-                <a:solidFill>
-                  <a:srgbClr val="0000FF"/>
-                </a:solidFill>
-                <a:effectLst/>
-                <a:latin typeface="Consolas" panose="020B0609020204030204" pitchFamily="49" charset="0"/>
-              </a:rPr>
-              <a:t>final</a:t>
-            </a:r>
-            <a:r>
-              <a:rPr lang="es-ES" sz="1100" b="0" i="0" dirty="0">
-                <a:solidFill>
-                  <a:srgbClr val="000000"/>
-                </a:solidFill>
-                <a:effectLst/>
-                <a:latin typeface="Consolas" panose="020B0609020204030204" pitchFamily="49" charset="0"/>
-              </a:rPr>
-              <a:t> - inicial &lt;= UMBRAL){ </a:t>
-            </a:r>
-            <a:endParaRPr lang="es-ES" sz="1100" b="0" i="0" dirty="0">
-              <a:solidFill>
-                <a:srgbClr val="000000"/>
-              </a:solidFill>
-              <a:effectLst/>
-              <a:latin typeface="Segoe UI" panose="020B0502040204020203" pitchFamily="34" charset="0"/>
-            </a:endParaRPr>
-          </a:p>
-          <a:p>
-            <a:pPr algn="l" rtl="0" fontAlgn="base">
-              <a:spcBef>
-                <a:spcPts val="0"/>
-              </a:spcBef>
-              <a:spcAft>
-                <a:spcPts val="0"/>
-              </a:spcAft>
-            </a:pPr>
-            <a:r>
-              <a:rPr lang="es-ES" sz="1100" b="0" i="0" dirty="0">
-                <a:solidFill>
-                  <a:srgbClr val="000000"/>
-                </a:solidFill>
-                <a:effectLst/>
-                <a:latin typeface="Consolas" panose="020B0609020204030204" pitchFamily="49" charset="0"/>
-              </a:rPr>
-              <a:t>        </a:t>
-            </a:r>
-            <a:r>
-              <a:rPr lang="es-ES" sz="1100" b="0" i="0" dirty="0" err="1">
-                <a:solidFill>
-                  <a:srgbClr val="000000"/>
-                </a:solidFill>
-                <a:effectLst/>
-                <a:latin typeface="Consolas" panose="020B0609020204030204" pitchFamily="49" charset="0"/>
-              </a:rPr>
-              <a:t>solucion</a:t>
-            </a:r>
-            <a:r>
-              <a:rPr lang="es-ES" sz="1100" b="0" i="0" dirty="0">
-                <a:solidFill>
-                  <a:srgbClr val="000000"/>
-                </a:solidFill>
-                <a:effectLst/>
-                <a:latin typeface="Consolas" panose="020B0609020204030204" pitchFamily="49" charset="0"/>
-              </a:rPr>
-              <a:t> = </a:t>
-            </a:r>
-            <a:r>
-              <a:rPr lang="es-ES" sz="1100" b="0" i="0" dirty="0" err="1">
-                <a:solidFill>
-                  <a:srgbClr val="2B91AF"/>
-                </a:solidFill>
-                <a:effectLst/>
-                <a:latin typeface="Consolas" panose="020B0609020204030204" pitchFamily="49" charset="0"/>
-              </a:rPr>
-              <a:t>EnvolventeConexa_lims</a:t>
-            </a:r>
-            <a:r>
-              <a:rPr lang="es-ES" sz="1100" b="0" i="0" dirty="0">
-                <a:solidFill>
-                  <a:srgbClr val="000000"/>
-                </a:solidFill>
-                <a:effectLst/>
-                <a:latin typeface="Consolas" panose="020B0609020204030204" pitchFamily="49" charset="0"/>
-              </a:rPr>
-              <a:t>(p, inicial, </a:t>
-            </a:r>
-            <a:r>
-              <a:rPr lang="es-ES" sz="1100" b="0" i="0" dirty="0">
-                <a:solidFill>
-                  <a:srgbClr val="0000FF"/>
-                </a:solidFill>
-                <a:effectLst/>
-                <a:latin typeface="Consolas" panose="020B0609020204030204" pitchFamily="49" charset="0"/>
-              </a:rPr>
-              <a:t>final</a:t>
-            </a:r>
-            <a:r>
-              <a:rPr lang="es-ES" sz="1100" b="0" i="0" dirty="0">
-                <a:solidFill>
-                  <a:srgbClr val="000000"/>
-                </a:solidFill>
-                <a:effectLst/>
-                <a:latin typeface="Consolas" panose="020B0609020204030204" pitchFamily="49" charset="0"/>
-              </a:rPr>
-              <a:t>); </a:t>
-            </a:r>
-            <a:endParaRPr lang="es-ES" sz="1100" b="0" i="0" dirty="0">
-              <a:solidFill>
-                <a:srgbClr val="000000"/>
-              </a:solidFill>
-              <a:effectLst/>
-              <a:latin typeface="Segoe UI" panose="020B0502040204020203" pitchFamily="34" charset="0"/>
-            </a:endParaRPr>
-          </a:p>
-          <a:p>
-            <a:pPr algn="l" rtl="0" fontAlgn="base">
-              <a:spcBef>
-                <a:spcPts val="0"/>
-              </a:spcBef>
-              <a:spcAft>
-                <a:spcPts val="0"/>
-              </a:spcAft>
-            </a:pPr>
-            <a:r>
-              <a:rPr lang="es-ES" sz="1100" b="0" i="0" dirty="0">
-                <a:solidFill>
-                  <a:srgbClr val="000000"/>
-                </a:solidFill>
-                <a:effectLst/>
-                <a:latin typeface="Consolas" panose="020B0609020204030204" pitchFamily="49" charset="0"/>
-              </a:rPr>
-              <a:t>    } </a:t>
-            </a:r>
-            <a:r>
-              <a:rPr lang="es-ES" sz="1100" b="0" i="0" dirty="0">
-                <a:solidFill>
-                  <a:srgbClr val="0000FF"/>
-                </a:solidFill>
-                <a:effectLst/>
-                <a:latin typeface="Consolas" panose="020B0609020204030204" pitchFamily="49" charset="0"/>
-              </a:rPr>
-              <a:t>else</a:t>
-            </a:r>
-            <a:r>
-              <a:rPr lang="es-ES" sz="1100" b="0" i="0" dirty="0">
-                <a:solidFill>
-                  <a:srgbClr val="000000"/>
-                </a:solidFill>
-                <a:effectLst/>
-                <a:latin typeface="Consolas" panose="020B0609020204030204" pitchFamily="49" charset="0"/>
-              </a:rPr>
-              <a:t> { </a:t>
-            </a:r>
-            <a:endParaRPr lang="es-ES" sz="1100" b="0" i="0" dirty="0">
-              <a:solidFill>
-                <a:srgbClr val="000000"/>
-              </a:solidFill>
-              <a:effectLst/>
-              <a:latin typeface="Segoe UI" panose="020B0502040204020203" pitchFamily="34" charset="0"/>
-            </a:endParaRPr>
-          </a:p>
-          <a:p>
-            <a:pPr algn="l" rtl="0" fontAlgn="base">
-              <a:spcBef>
-                <a:spcPts val="0"/>
-              </a:spcBef>
-              <a:spcAft>
-                <a:spcPts val="0"/>
-              </a:spcAft>
-            </a:pPr>
-            <a:r>
-              <a:rPr lang="es-ES" sz="1100" b="0" i="0" dirty="0">
-                <a:solidFill>
-                  <a:srgbClr val="000000"/>
-                </a:solidFill>
-                <a:effectLst/>
-                <a:latin typeface="Consolas" panose="020B0609020204030204" pitchFamily="49" charset="0"/>
-              </a:rPr>
-              <a:t>        </a:t>
-            </a:r>
-            <a:r>
-              <a:rPr lang="es-ES" sz="1100" b="0" i="0" dirty="0" err="1">
-                <a:solidFill>
-                  <a:srgbClr val="0000FF"/>
-                </a:solidFill>
-                <a:effectLst/>
-                <a:latin typeface="Consolas" panose="020B0609020204030204" pitchFamily="49" charset="0"/>
-              </a:rPr>
-              <a:t>int</a:t>
-            </a:r>
-            <a:r>
-              <a:rPr lang="es-ES" sz="1100" b="0" i="0" dirty="0">
-                <a:solidFill>
-                  <a:srgbClr val="000000"/>
-                </a:solidFill>
-                <a:effectLst/>
-                <a:latin typeface="Consolas" panose="020B0609020204030204" pitchFamily="49" charset="0"/>
-              </a:rPr>
-              <a:t> k = (</a:t>
-            </a:r>
-            <a:r>
-              <a:rPr lang="es-ES" sz="1100" b="0" i="0" dirty="0">
-                <a:solidFill>
-                  <a:srgbClr val="0000FF"/>
-                </a:solidFill>
-                <a:effectLst/>
-                <a:latin typeface="Consolas" panose="020B0609020204030204" pitchFamily="49" charset="0"/>
-              </a:rPr>
-              <a:t>final</a:t>
-            </a:r>
-            <a:r>
-              <a:rPr lang="es-ES" sz="1100" b="0" i="0" dirty="0">
-                <a:solidFill>
-                  <a:srgbClr val="000000"/>
-                </a:solidFill>
-                <a:effectLst/>
-                <a:latin typeface="Consolas" panose="020B0609020204030204" pitchFamily="49" charset="0"/>
-              </a:rPr>
-              <a:t> - inicial)/</a:t>
-            </a:r>
-            <a:r>
-              <a:rPr lang="es-ES" sz="1100" b="0" i="0" dirty="0">
-                <a:solidFill>
-                  <a:srgbClr val="006666"/>
-                </a:solidFill>
-                <a:effectLst/>
-                <a:latin typeface="Consolas" panose="020B0609020204030204" pitchFamily="49" charset="0"/>
-              </a:rPr>
-              <a:t>2</a:t>
-            </a:r>
-            <a:r>
-              <a:rPr lang="es-ES" sz="1100" b="0" i="0" dirty="0">
-                <a:solidFill>
-                  <a:srgbClr val="000000"/>
-                </a:solidFill>
-                <a:effectLst/>
-                <a:latin typeface="Consolas" panose="020B0609020204030204" pitchFamily="49" charset="0"/>
-              </a:rPr>
-              <a:t>; </a:t>
-            </a:r>
-            <a:endParaRPr lang="es-ES" sz="1100" b="0" i="0" dirty="0">
-              <a:solidFill>
-                <a:srgbClr val="000000"/>
-              </a:solidFill>
-              <a:effectLst/>
-              <a:latin typeface="Segoe UI" panose="020B0502040204020203" pitchFamily="34" charset="0"/>
-            </a:endParaRPr>
-          </a:p>
-          <a:p>
-            <a:pPr algn="l" rtl="0" fontAlgn="base">
-              <a:spcBef>
-                <a:spcPts val="0"/>
-              </a:spcBef>
-              <a:spcAft>
-                <a:spcPts val="0"/>
-              </a:spcAft>
-            </a:pPr>
-            <a:r>
-              <a:rPr lang="es-ES" sz="1100" b="0" i="0" dirty="0">
-                <a:solidFill>
-                  <a:srgbClr val="000000"/>
-                </a:solidFill>
-                <a:effectLst/>
-                <a:latin typeface="Consolas" panose="020B0609020204030204" pitchFamily="49" charset="0"/>
-              </a:rPr>
-              <a:t>  </a:t>
-            </a:r>
-            <a:endParaRPr lang="es-ES" sz="1100" b="0" i="0" dirty="0">
-              <a:solidFill>
-                <a:srgbClr val="000000"/>
-              </a:solidFill>
-              <a:effectLst/>
-              <a:latin typeface="Segoe UI" panose="020B0502040204020203" pitchFamily="34" charset="0"/>
-            </a:endParaRPr>
-          </a:p>
-          <a:p>
-            <a:pPr algn="l" rtl="0" fontAlgn="base">
-              <a:spcBef>
-                <a:spcPts val="0"/>
-              </a:spcBef>
-              <a:spcAft>
-                <a:spcPts val="0"/>
-              </a:spcAft>
-            </a:pPr>
-            <a:r>
-              <a:rPr lang="es-ES" sz="1100" b="0" i="0" dirty="0">
-                <a:solidFill>
-                  <a:srgbClr val="000000"/>
-                </a:solidFill>
-                <a:effectLst/>
-                <a:latin typeface="Consolas" panose="020B0609020204030204" pitchFamily="49" charset="0"/>
-              </a:rPr>
-              <a:t>        vector&lt;</a:t>
-            </a:r>
-            <a:r>
-              <a:rPr lang="es-ES" sz="1100" b="0" i="0" dirty="0">
-                <a:solidFill>
-                  <a:srgbClr val="2B91AF"/>
-                </a:solidFill>
-                <a:effectLst/>
-                <a:latin typeface="Consolas" panose="020B0609020204030204" pitchFamily="49" charset="0"/>
-              </a:rPr>
-              <a:t>Punto</a:t>
-            </a:r>
-            <a:r>
-              <a:rPr lang="es-ES" sz="1100" b="0" i="0" dirty="0">
-                <a:solidFill>
-                  <a:srgbClr val="000000"/>
-                </a:solidFill>
-                <a:effectLst/>
-                <a:latin typeface="Consolas" panose="020B0609020204030204" pitchFamily="49" charset="0"/>
-              </a:rPr>
-              <a:t>&gt; U (</a:t>
-            </a:r>
-            <a:r>
-              <a:rPr lang="es-ES" sz="1100" b="0" i="0" dirty="0" err="1">
-                <a:solidFill>
-                  <a:srgbClr val="000000"/>
-                </a:solidFill>
-                <a:effectLst/>
-                <a:latin typeface="Consolas" panose="020B0609020204030204" pitchFamily="49" charset="0"/>
-              </a:rPr>
-              <a:t>p.</a:t>
-            </a:r>
-            <a:r>
-              <a:rPr lang="es-ES" sz="1100" b="0" i="0" dirty="0" err="1">
-                <a:solidFill>
-                  <a:srgbClr val="0000FF"/>
-                </a:solidFill>
-                <a:effectLst/>
-                <a:latin typeface="Consolas" panose="020B0609020204030204" pitchFamily="49" charset="0"/>
-              </a:rPr>
-              <a:t>begin</a:t>
-            </a:r>
-            <a:r>
-              <a:rPr lang="es-ES" sz="1100" b="0" i="0" dirty="0">
-                <a:solidFill>
-                  <a:srgbClr val="000000"/>
-                </a:solidFill>
-                <a:effectLst/>
-                <a:latin typeface="Consolas" panose="020B0609020204030204" pitchFamily="49" charset="0"/>
-              </a:rPr>
-              <a:t>(), </a:t>
-            </a:r>
-            <a:r>
-              <a:rPr lang="es-ES" sz="1100" b="0" i="0" dirty="0" err="1">
-                <a:solidFill>
-                  <a:srgbClr val="000000"/>
-                </a:solidFill>
-                <a:effectLst/>
-                <a:latin typeface="Consolas" panose="020B0609020204030204" pitchFamily="49" charset="0"/>
-              </a:rPr>
-              <a:t>p.</a:t>
-            </a:r>
-            <a:r>
-              <a:rPr lang="es-ES" sz="1100" b="0" i="0" dirty="0" err="1">
-                <a:solidFill>
-                  <a:srgbClr val="0000FF"/>
-                </a:solidFill>
-                <a:effectLst/>
-                <a:latin typeface="Consolas" panose="020B0609020204030204" pitchFamily="49" charset="0"/>
-              </a:rPr>
-              <a:t>begin</a:t>
-            </a:r>
-            <a:r>
-              <a:rPr lang="es-ES" sz="1100" b="0" i="0" dirty="0">
-                <a:solidFill>
-                  <a:srgbClr val="000000"/>
-                </a:solidFill>
-                <a:effectLst/>
-                <a:latin typeface="Consolas" panose="020B0609020204030204" pitchFamily="49" charset="0"/>
-              </a:rPr>
-              <a:t>()+k); </a:t>
-            </a:r>
-            <a:endParaRPr lang="es-ES" sz="1100" b="0" i="0" dirty="0">
-              <a:solidFill>
-                <a:srgbClr val="000000"/>
-              </a:solidFill>
-              <a:effectLst/>
-              <a:latin typeface="Segoe UI" panose="020B0502040204020203" pitchFamily="34" charset="0"/>
-            </a:endParaRPr>
-          </a:p>
-          <a:p>
-            <a:pPr algn="l" rtl="0" fontAlgn="base">
-              <a:spcBef>
-                <a:spcPts val="0"/>
-              </a:spcBef>
-              <a:spcAft>
-                <a:spcPts val="0"/>
-              </a:spcAft>
-            </a:pPr>
-            <a:r>
-              <a:rPr lang="es-ES" sz="1100" b="0" i="0" dirty="0">
-                <a:solidFill>
-                  <a:srgbClr val="000000"/>
-                </a:solidFill>
-                <a:effectLst/>
-                <a:latin typeface="Consolas" panose="020B0609020204030204" pitchFamily="49" charset="0"/>
-              </a:rPr>
-              <a:t>  </a:t>
-            </a:r>
-            <a:endParaRPr lang="es-ES" sz="1100" b="0" i="0" dirty="0">
-              <a:solidFill>
-                <a:srgbClr val="000000"/>
-              </a:solidFill>
-              <a:effectLst/>
-              <a:latin typeface="Segoe UI" panose="020B0502040204020203" pitchFamily="34" charset="0"/>
-            </a:endParaRPr>
-          </a:p>
-          <a:p>
-            <a:pPr algn="l" rtl="0" fontAlgn="base">
-              <a:spcBef>
-                <a:spcPts val="0"/>
-              </a:spcBef>
-              <a:spcAft>
-                <a:spcPts val="0"/>
-              </a:spcAft>
-            </a:pPr>
-            <a:r>
-              <a:rPr lang="es-ES" sz="1100" b="0" i="0" dirty="0">
-                <a:solidFill>
-                  <a:srgbClr val="000000"/>
-                </a:solidFill>
-                <a:effectLst/>
-                <a:latin typeface="Consolas" panose="020B0609020204030204" pitchFamily="49" charset="0"/>
-              </a:rPr>
-              <a:t>        vector&lt;</a:t>
-            </a:r>
-            <a:r>
-              <a:rPr lang="es-ES" sz="1100" b="0" i="0" dirty="0">
-                <a:solidFill>
-                  <a:srgbClr val="2B91AF"/>
-                </a:solidFill>
-                <a:effectLst/>
-                <a:latin typeface="Consolas" panose="020B0609020204030204" pitchFamily="49" charset="0"/>
-              </a:rPr>
-              <a:t>Punto</a:t>
-            </a:r>
-            <a:r>
-              <a:rPr lang="es-ES" sz="1100" b="0" i="0" dirty="0">
-                <a:solidFill>
-                  <a:srgbClr val="000000"/>
-                </a:solidFill>
-                <a:effectLst/>
-                <a:latin typeface="Consolas" panose="020B0609020204030204" pitchFamily="49" charset="0"/>
-              </a:rPr>
-              <a:t>&gt; V (</a:t>
-            </a:r>
-            <a:r>
-              <a:rPr lang="es-ES" sz="1100" b="0" i="0" dirty="0" err="1">
-                <a:solidFill>
-                  <a:srgbClr val="000000"/>
-                </a:solidFill>
-                <a:effectLst/>
-                <a:latin typeface="Consolas" panose="020B0609020204030204" pitchFamily="49" charset="0"/>
-              </a:rPr>
-              <a:t>p.</a:t>
-            </a:r>
-            <a:r>
-              <a:rPr lang="es-ES" sz="1100" b="0" i="0" dirty="0" err="1">
-                <a:solidFill>
-                  <a:srgbClr val="0000FF"/>
-                </a:solidFill>
-                <a:effectLst/>
-                <a:latin typeface="Consolas" panose="020B0609020204030204" pitchFamily="49" charset="0"/>
-              </a:rPr>
-              <a:t>begin</a:t>
-            </a:r>
-            <a:r>
-              <a:rPr lang="es-ES" sz="1100" b="0" i="0" dirty="0">
-                <a:solidFill>
-                  <a:srgbClr val="000000"/>
-                </a:solidFill>
-                <a:effectLst/>
-                <a:latin typeface="Consolas" panose="020B0609020204030204" pitchFamily="49" charset="0"/>
-              </a:rPr>
-              <a:t>()+k, </a:t>
-            </a:r>
-            <a:r>
-              <a:rPr lang="es-ES" sz="1100" b="0" i="0" dirty="0" err="1">
-                <a:solidFill>
-                  <a:srgbClr val="000000"/>
-                </a:solidFill>
-                <a:effectLst/>
-                <a:latin typeface="Consolas" panose="020B0609020204030204" pitchFamily="49" charset="0"/>
-              </a:rPr>
-              <a:t>p.</a:t>
-            </a:r>
-            <a:r>
-              <a:rPr lang="es-ES" sz="1100" b="0" i="0" dirty="0" err="1">
-                <a:solidFill>
-                  <a:srgbClr val="0000FF"/>
-                </a:solidFill>
-                <a:effectLst/>
-                <a:latin typeface="Consolas" panose="020B0609020204030204" pitchFamily="49" charset="0"/>
-              </a:rPr>
-              <a:t>end</a:t>
-            </a:r>
-            <a:r>
-              <a:rPr lang="es-ES" sz="1100" b="0" i="0" dirty="0">
-                <a:solidFill>
-                  <a:srgbClr val="000000"/>
-                </a:solidFill>
-                <a:effectLst/>
-                <a:latin typeface="Consolas" panose="020B0609020204030204" pitchFamily="49" charset="0"/>
-              </a:rPr>
-              <a:t>()); </a:t>
-            </a:r>
-            <a:endParaRPr lang="es-ES" sz="1100" b="0" i="0" dirty="0">
-              <a:solidFill>
-                <a:srgbClr val="000000"/>
-              </a:solidFill>
-              <a:effectLst/>
-              <a:latin typeface="Segoe UI" panose="020B0502040204020203" pitchFamily="34" charset="0"/>
-            </a:endParaRPr>
-          </a:p>
-          <a:p>
-            <a:pPr algn="l" rtl="0" fontAlgn="base">
-              <a:spcBef>
-                <a:spcPts val="0"/>
-              </a:spcBef>
-              <a:spcAft>
-                <a:spcPts val="0"/>
-              </a:spcAft>
-            </a:pPr>
-            <a:r>
-              <a:rPr lang="es-ES" sz="1100" b="0" i="0" dirty="0">
-                <a:solidFill>
-                  <a:srgbClr val="000000"/>
-                </a:solidFill>
-                <a:effectLst/>
-                <a:latin typeface="Consolas" panose="020B0609020204030204" pitchFamily="49" charset="0"/>
-              </a:rPr>
-              <a:t>  </a:t>
-            </a:r>
-            <a:endParaRPr lang="es-ES" sz="1100" b="0" i="0" dirty="0">
-              <a:solidFill>
-                <a:srgbClr val="000000"/>
-              </a:solidFill>
-              <a:effectLst/>
-              <a:latin typeface="Segoe UI" panose="020B0502040204020203" pitchFamily="34" charset="0"/>
-            </a:endParaRPr>
-          </a:p>
-          <a:p>
-            <a:pPr algn="l" rtl="0" fontAlgn="base">
-              <a:spcBef>
-                <a:spcPts val="0"/>
-              </a:spcBef>
-              <a:spcAft>
-                <a:spcPts val="0"/>
-              </a:spcAft>
-            </a:pPr>
-            <a:r>
-              <a:rPr lang="es-ES" sz="1100" b="0" i="0" dirty="0">
-                <a:solidFill>
-                  <a:srgbClr val="000000"/>
-                </a:solidFill>
-                <a:effectLst/>
-                <a:latin typeface="Consolas" panose="020B0609020204030204" pitchFamily="49" charset="0"/>
-              </a:rPr>
-              <a:t>        </a:t>
-            </a:r>
-            <a:r>
-              <a:rPr lang="es-ES" sz="1100" b="0" i="0" dirty="0" err="1">
-                <a:solidFill>
-                  <a:srgbClr val="000000"/>
-                </a:solidFill>
-                <a:effectLst/>
-                <a:latin typeface="Consolas" panose="020B0609020204030204" pitchFamily="49" charset="0"/>
-              </a:rPr>
-              <a:t>solucion</a:t>
-            </a:r>
-            <a:r>
-              <a:rPr lang="es-ES" sz="1100" b="0" i="0" dirty="0">
-                <a:solidFill>
-                  <a:srgbClr val="000000"/>
-                </a:solidFill>
-                <a:effectLst/>
-                <a:latin typeface="Consolas" panose="020B0609020204030204" pitchFamily="49" charset="0"/>
-              </a:rPr>
-              <a:t> = </a:t>
-            </a:r>
-            <a:r>
-              <a:rPr lang="es-ES" sz="1100" b="0" i="0" dirty="0" err="1">
-                <a:solidFill>
-                  <a:srgbClr val="2B91AF"/>
-                </a:solidFill>
-                <a:effectLst/>
-                <a:latin typeface="Consolas" panose="020B0609020204030204" pitchFamily="49" charset="0"/>
-              </a:rPr>
-              <a:t>Fusion</a:t>
-            </a:r>
-            <a:r>
-              <a:rPr lang="es-ES" sz="1100" b="0" i="0" dirty="0">
-                <a:solidFill>
-                  <a:srgbClr val="000000"/>
-                </a:solidFill>
-                <a:effectLst/>
-                <a:latin typeface="Consolas" panose="020B0609020204030204" pitchFamily="49" charset="0"/>
-              </a:rPr>
-              <a:t>(</a:t>
-            </a:r>
-            <a:r>
-              <a:rPr lang="es-ES" sz="1100" b="0" i="0" dirty="0" err="1">
-                <a:solidFill>
-                  <a:srgbClr val="2B91AF"/>
-                </a:solidFill>
-                <a:effectLst/>
-                <a:latin typeface="Consolas" panose="020B0609020204030204" pitchFamily="49" charset="0"/>
-              </a:rPr>
-              <a:t>DivideyVenceras_lims</a:t>
-            </a:r>
-            <a:r>
-              <a:rPr lang="es-ES" sz="1100" b="0" i="0" dirty="0">
-                <a:solidFill>
-                  <a:srgbClr val="000000"/>
-                </a:solidFill>
-                <a:effectLst/>
-                <a:latin typeface="Consolas" panose="020B0609020204030204" pitchFamily="49" charset="0"/>
-              </a:rPr>
-              <a:t>(U, </a:t>
-            </a:r>
-            <a:r>
-              <a:rPr lang="es-ES" sz="1100" b="0" i="0" dirty="0">
-                <a:solidFill>
-                  <a:srgbClr val="006666"/>
-                </a:solidFill>
-                <a:effectLst/>
-                <a:latin typeface="Consolas" panose="020B0609020204030204" pitchFamily="49" charset="0"/>
-              </a:rPr>
-              <a:t>0</a:t>
-            </a:r>
-            <a:r>
-              <a:rPr lang="es-ES" sz="1100" b="0" i="0" dirty="0">
-                <a:solidFill>
-                  <a:srgbClr val="000000"/>
-                </a:solidFill>
-                <a:effectLst/>
-                <a:latin typeface="Consolas" panose="020B0609020204030204" pitchFamily="49" charset="0"/>
-              </a:rPr>
-              <a:t>, k), </a:t>
-            </a:r>
-            <a:r>
-              <a:rPr lang="es-ES" sz="1100" b="0" i="0" dirty="0" err="1">
-                <a:solidFill>
-                  <a:srgbClr val="2B91AF"/>
-                </a:solidFill>
-                <a:effectLst/>
-                <a:latin typeface="Consolas" panose="020B0609020204030204" pitchFamily="49" charset="0"/>
-              </a:rPr>
-              <a:t>DivideyVenceras_lims</a:t>
-            </a:r>
-            <a:r>
-              <a:rPr lang="es-ES" sz="1100" b="0" i="0" dirty="0">
-                <a:solidFill>
-                  <a:srgbClr val="000000"/>
-                </a:solidFill>
-                <a:effectLst/>
-                <a:latin typeface="Consolas" panose="020B0609020204030204" pitchFamily="49" charset="0"/>
-              </a:rPr>
-              <a:t>(V, </a:t>
-            </a:r>
-            <a:r>
-              <a:rPr lang="es-ES" sz="1100" b="0" i="0" dirty="0">
-                <a:solidFill>
-                  <a:srgbClr val="006666"/>
-                </a:solidFill>
-                <a:effectLst/>
-                <a:latin typeface="Consolas" panose="020B0609020204030204" pitchFamily="49" charset="0"/>
-              </a:rPr>
-              <a:t>0</a:t>
-            </a:r>
-            <a:r>
-              <a:rPr lang="es-ES" sz="1100" b="0" i="0" dirty="0">
-                <a:solidFill>
-                  <a:srgbClr val="000000"/>
-                </a:solidFill>
-                <a:effectLst/>
-                <a:latin typeface="Consolas" panose="020B0609020204030204" pitchFamily="49" charset="0"/>
-              </a:rPr>
-              <a:t>, </a:t>
-            </a:r>
-            <a:r>
-              <a:rPr lang="es-ES" sz="1100" b="0" i="0" dirty="0">
-                <a:solidFill>
-                  <a:srgbClr val="0000FF"/>
-                </a:solidFill>
-                <a:effectLst/>
-                <a:latin typeface="Consolas" panose="020B0609020204030204" pitchFamily="49" charset="0"/>
-              </a:rPr>
-              <a:t>final</a:t>
-            </a:r>
-            <a:r>
-              <a:rPr lang="es-ES" sz="1100" b="0" i="0" dirty="0">
-                <a:solidFill>
-                  <a:srgbClr val="000000"/>
-                </a:solidFill>
-                <a:effectLst/>
-                <a:latin typeface="Consolas" panose="020B0609020204030204" pitchFamily="49" charset="0"/>
-              </a:rPr>
-              <a:t>-k)); </a:t>
-            </a:r>
-            <a:endParaRPr lang="es-ES" sz="1100" b="0" i="0" dirty="0">
-              <a:solidFill>
-                <a:srgbClr val="000000"/>
-              </a:solidFill>
-              <a:effectLst/>
-              <a:latin typeface="Segoe UI" panose="020B0502040204020203" pitchFamily="34" charset="0"/>
-            </a:endParaRPr>
-          </a:p>
-          <a:p>
-            <a:pPr algn="l" rtl="0" fontAlgn="base">
-              <a:spcBef>
-                <a:spcPts val="0"/>
-              </a:spcBef>
-              <a:spcAft>
-                <a:spcPts val="0"/>
-              </a:spcAft>
-            </a:pPr>
-            <a:r>
-              <a:rPr lang="es-ES" sz="1100" b="0" i="0" dirty="0">
-                <a:solidFill>
-                  <a:srgbClr val="000000"/>
-                </a:solidFill>
-                <a:effectLst/>
-                <a:latin typeface="Consolas" panose="020B0609020204030204" pitchFamily="49" charset="0"/>
-              </a:rPr>
-              <a:t>    } </a:t>
-            </a:r>
-            <a:endParaRPr lang="es-ES" sz="1100" b="0" i="0" dirty="0">
-              <a:solidFill>
-                <a:srgbClr val="000000"/>
-              </a:solidFill>
-              <a:effectLst/>
-              <a:latin typeface="Segoe UI" panose="020B0502040204020203" pitchFamily="34" charset="0"/>
-            </a:endParaRPr>
-          </a:p>
-          <a:p>
-            <a:pPr algn="l" rtl="0" fontAlgn="base">
-              <a:spcBef>
-                <a:spcPts val="0"/>
-              </a:spcBef>
-              <a:spcAft>
-                <a:spcPts val="0"/>
-              </a:spcAft>
-            </a:pPr>
-            <a:r>
-              <a:rPr lang="es-ES" sz="1100" b="0" i="0" dirty="0">
-                <a:solidFill>
-                  <a:srgbClr val="000000"/>
-                </a:solidFill>
-                <a:effectLst/>
-                <a:latin typeface="Consolas" panose="020B0609020204030204" pitchFamily="49" charset="0"/>
-              </a:rPr>
-              <a:t>  </a:t>
-            </a:r>
-            <a:endParaRPr lang="es-ES" sz="1100" b="0" i="0" dirty="0">
-              <a:solidFill>
-                <a:srgbClr val="000000"/>
-              </a:solidFill>
-              <a:effectLst/>
-              <a:latin typeface="Segoe UI" panose="020B0502040204020203" pitchFamily="34" charset="0"/>
-            </a:endParaRPr>
-          </a:p>
-          <a:p>
-            <a:pPr algn="l" rtl="0" fontAlgn="base">
-              <a:spcBef>
-                <a:spcPts val="0"/>
-              </a:spcBef>
-              <a:spcAft>
-                <a:spcPts val="0"/>
-              </a:spcAft>
-            </a:pPr>
-            <a:r>
-              <a:rPr lang="es-ES" sz="1100" b="0" i="0" dirty="0">
-                <a:solidFill>
-                  <a:srgbClr val="000000"/>
-                </a:solidFill>
-                <a:effectLst/>
-                <a:latin typeface="Consolas" panose="020B0609020204030204" pitchFamily="49" charset="0"/>
-              </a:rPr>
-              <a:t>    </a:t>
-            </a:r>
-            <a:r>
-              <a:rPr lang="es-ES" sz="1100" b="0" i="0" dirty="0">
-                <a:solidFill>
-                  <a:srgbClr val="0000FF"/>
-                </a:solidFill>
-                <a:effectLst/>
-                <a:latin typeface="Consolas" panose="020B0609020204030204" pitchFamily="49" charset="0"/>
-              </a:rPr>
-              <a:t>return</a:t>
-            </a:r>
-            <a:r>
-              <a:rPr lang="es-ES" sz="1100" b="0" i="0" dirty="0">
-                <a:solidFill>
-                  <a:srgbClr val="000000"/>
-                </a:solidFill>
-                <a:effectLst/>
-                <a:latin typeface="Consolas" panose="020B0609020204030204" pitchFamily="49" charset="0"/>
-              </a:rPr>
-              <a:t> (</a:t>
-            </a:r>
-            <a:r>
-              <a:rPr lang="es-ES" sz="1100" b="0" i="0" dirty="0" err="1">
-                <a:solidFill>
-                  <a:srgbClr val="000000"/>
-                </a:solidFill>
-                <a:effectLst/>
-                <a:latin typeface="Consolas" panose="020B0609020204030204" pitchFamily="49" charset="0"/>
-              </a:rPr>
-              <a:t>solucion</a:t>
-            </a:r>
-            <a:r>
-              <a:rPr lang="es-ES" sz="1100" b="0" i="0" dirty="0">
-                <a:solidFill>
-                  <a:srgbClr val="000000"/>
-                </a:solidFill>
-                <a:effectLst/>
-                <a:latin typeface="Consolas" panose="020B0609020204030204" pitchFamily="49" charset="0"/>
-              </a:rPr>
-              <a:t>); </a:t>
-            </a:r>
-            <a:endParaRPr lang="es-ES" sz="1100" b="0" i="0" dirty="0">
-              <a:solidFill>
-                <a:srgbClr val="000000"/>
-              </a:solidFill>
-              <a:effectLst/>
-              <a:latin typeface="Segoe UI" panose="020B0502040204020203" pitchFamily="34" charset="0"/>
-            </a:endParaRPr>
-          </a:p>
-          <a:p>
-            <a:pPr algn="l" rtl="0" fontAlgn="base">
-              <a:spcBef>
-                <a:spcPts val="0"/>
-              </a:spcBef>
-              <a:spcAft>
-                <a:spcPts val="0"/>
-              </a:spcAft>
-            </a:pPr>
-            <a:r>
-              <a:rPr lang="es-ES" sz="1100" b="0" i="0" dirty="0">
-                <a:solidFill>
-                  <a:srgbClr val="000000"/>
-                </a:solidFill>
-                <a:effectLst/>
-                <a:latin typeface="Consolas" panose="020B0609020204030204" pitchFamily="49" charset="0"/>
-              </a:rPr>
-              <a:t>} </a:t>
-            </a:r>
-            <a:endParaRPr lang="es-ES" sz="1100" b="0" i="0" dirty="0">
-              <a:solidFill>
-                <a:srgbClr val="000000"/>
-              </a:solidFill>
-              <a:effectLst/>
-              <a:latin typeface="Segoe UI" panose="020B0502040204020203" pitchFamily="34" charset="0"/>
-            </a:endParaRPr>
-          </a:p>
-          <a:p>
-            <a:endParaRPr lang="es-ES" dirty="0"/>
-          </a:p>
-        </p:txBody>
-      </p:sp>
-      <p:sp>
-        <p:nvSpPr>
-          <p:cNvPr id="4" name="Marcador de fecha 3">
-            <a:extLst>
-              <a:ext uri="{FF2B5EF4-FFF2-40B4-BE49-F238E27FC236}">
-                <a16:creationId xmlns:a16="http://schemas.microsoft.com/office/drawing/2014/main" id="{DE85D02C-4D8B-9F87-A282-4F00AAF0F4DD}"/>
-              </a:ext>
-            </a:extLst>
-          </p:cNvPr>
-          <p:cNvSpPr>
-            <a:spLocks noGrp="1"/>
-          </p:cNvSpPr>
-          <p:nvPr>
-            <p:ph type="dt" sz="half" idx="10"/>
-          </p:nvPr>
-        </p:nvSpPr>
-        <p:spPr/>
-        <p:txBody>
-          <a:bodyPr/>
-          <a:lstStyle/>
-          <a:p>
-            <a:pPr rtl="0"/>
             <a:fld id="{642B802E-BFC6-4F89-8E3C-91026AB025AB}" type="datetime1">
               <a:rPr lang="es-ES" smtClean="0"/>
+              <a:pPr rtl="0">
+                <a:spcAft>
+                  <a:spcPts val="600"/>
+                </a:spcAft>
+              </a:pPr>
               <a:t>18/04/2023</a:t>
             </a:fld>
-            <a:endParaRPr lang="en-US" dirty="0"/>
+            <a:endParaRPr lang="en-US"/>
           </a:p>
         </p:txBody>
       </p:sp>
     </p:spTree>
     <p:extLst>
       <p:ext uri="{BB962C8B-B14F-4D97-AF65-F5344CB8AC3E}">
-        <p14:creationId xmlns:p14="http://schemas.microsoft.com/office/powerpoint/2010/main" val="3934639782"/>
+        <p14:creationId xmlns:p14="http://schemas.microsoft.com/office/powerpoint/2010/main" val="66560789"/>
       </p:ext>
     </p:extLst>
   </p:cSld>
@@ -11682,10 +12475,10 @@
       </p:grpSpPr>
       <p:sp>
         <p:nvSpPr>
-          <p:cNvPr id="11" name="Title 1">
+          <p:cNvPr id="2" name="Título 1">
             <a:extLst>
               <a:ext uri="{FF2B5EF4-FFF2-40B4-BE49-F238E27FC236}">
-                <a16:creationId xmlns:a16="http://schemas.microsoft.com/office/drawing/2014/main" id="{7607E1DD-2856-E6B5-22EB-F98A41410830}"/>
+                <a16:creationId xmlns:a16="http://schemas.microsoft.com/office/drawing/2014/main" id="{E05F8DEF-B961-1C8F-13F3-24E1FC11ECAF}"/>
               </a:ext>
             </a:extLst>
           </p:cNvPr>
@@ -11696,57 +12489,53 @@
             <p:ph type="title"/>
           </p:nvPr>
         </p:nvSpPr>
-        <p:spPr>
-          <a:xfrm>
-            <a:off x="1097280" y="286603"/>
-            <a:ext cx="10058400" cy="1450757"/>
-          </a:xfrm>
-        </p:spPr>
+        <p:spPr/>
         <p:txBody>
           <a:bodyPr/>
           <a:lstStyle/>
           <a:p>
-            <a:endParaRPr lang="en-US"/>
-          </a:p>
-        </p:txBody>
-      </p:sp>
-      <p:pic>
-        <p:nvPicPr>
-          <p:cNvPr id="6" name="Imagen 5">
+            <a:pPr algn="ctr"/>
+            <a:r>
+              <a:rPr lang="es-ES" dirty="0"/>
+              <a:t>Eficiencia Teórica</a:t>
+            </a:r>
+          </a:p>
+        </p:txBody>
+      </p:sp>
+      <p:sp>
+        <p:nvSpPr>
+          <p:cNvPr id="3" name="Marcador de contenido 2">
             <a:extLst>
               <a:ext uri="{FF2B5EF4-FFF2-40B4-BE49-F238E27FC236}">
-                <a16:creationId xmlns:a16="http://schemas.microsoft.com/office/drawing/2014/main" id="{CEE47D5B-CE4A-4D8B-E11E-7FE0DFD2DFE5}"/>
+                <a16:creationId xmlns:a16="http://schemas.microsoft.com/office/drawing/2014/main" id="{DA2FCB75-5B10-B44E-2916-36B50238CE01}"/>
               </a:ext>
             </a:extLst>
           </p:cNvPr>
-          <p:cNvPicPr>
-            <a:picLocks noChangeAspect="1"/>
-          </p:cNvPicPr>
-          <p:nvPr/>
-        </p:nvPicPr>
-        <p:blipFill>
-          <a:blip r:embed="rId2"/>
-          <a:stretch>
-            <a:fillRect/>
-          </a:stretch>
-        </p:blipFill>
-        <p:spPr>
-          <a:xfrm>
-            <a:off x="1428716" y="2120900"/>
-            <a:ext cx="3976863" cy="3748193"/>
-          </a:xfrm>
-          <a:prstGeom prst="rect">
-            <a:avLst/>
-          </a:prstGeom>
-          <a:noFill/>
-        </p:spPr>
-      </p:pic>
-      <p:sp>
-        <p:nvSpPr>
-          <p:cNvPr id="3" name="Marcador de contenido 2">
+          <p:cNvSpPr>
+            <a:spLocks noGrp="1"/>
+          </p:cNvSpPr>
+          <p:nvPr>
+            <p:ph idx="1"/>
+          </p:nvPr>
+        </p:nvSpPr>
+        <p:spPr/>
+        <p:txBody>
+          <a:bodyPr/>
+          <a:lstStyle/>
+          <a:p>
+            <a:r>
+              <a:rPr lang="es-ES" dirty="0"/>
+              <a:t>La eficiencia teórica de nuestro algoritmo divide y vencerás vendrá dada por: 𝑇(𝑛) = { 𝑡(𝑛) 𝑠𝑖 𝑛 &lt; 100 2𝑇 ( 𝑛 2 ) + 𝐹(𝑛) 𝑠𝑖 𝑛 ≥ 100 Donde 𝑡(𝑛) es la eficiencia del caso base, es decir la eficiencia teórica del algoritmo de Graham, que es 𝑂(𝑛𝑙𝑜𝑔2 (𝑛)), como hemos mencionado previamente, mientras que F(n) es la eficiencia de la función de fusión, cuyo tiempo de ejecución será de 𝐹(𝑛) = 4𝑛 𝜖 𝑂(𝑛) Para hallar la eficiencia resolveremos la recursividad: 𝑇(𝑛) = 2𝑇 ( 𝑛 2 ) + 𝑛 Como F(n) tiene una eficiencia lineal podemos aplicar la fórmula maestra de tal forma que podemos concluir con que nuestro algoritmo es de orden 𝑂(𝑛𝑙𝑜𝑔2 (𝑛)) ya que 𝐼 = 2 = 2 1 = 𝑏 �</a:t>
+            </a:r>
+          </a:p>
+        </p:txBody>
+      </p:sp>
+      <p:sp>
+        <p:nvSpPr>
+          <p:cNvPr id="4" name="Marcador de fecha 3">
             <a:extLst>
               <a:ext uri="{FF2B5EF4-FFF2-40B4-BE49-F238E27FC236}">
-                <a16:creationId xmlns:a16="http://schemas.microsoft.com/office/drawing/2014/main" id="{18ADAC64-F816-C0ED-1DF9-B9B4F8C9562F}"/>
+                <a16:creationId xmlns:a16="http://schemas.microsoft.com/office/drawing/2014/main" id="{B6A7CDF3-CB60-90A3-ADC5-A9B7E28080AC}"/>
               </a:ext>
             </a:extLst>
           </p:cNvPr>
@@ -11754,83 +12543,27 @@
             <a:spLocks noGrp="1"/>
           </p:cNvSpPr>
           <p:nvPr>
-            <p:ph sz="half" idx="2"/>
-          </p:nvPr>
-        </p:nvSpPr>
-        <p:spPr>
-          <a:xfrm>
-            <a:off x="6515944" y="2120900"/>
-            <a:ext cx="4639736" cy="3748194"/>
-          </a:xfrm>
-        </p:spPr>
-        <p:txBody>
-          <a:bodyPr>
-            <a:normAutofit/>
-          </a:bodyPr>
+            <p:ph type="dt" sz="half" idx="10"/>
+          </p:nvPr>
+        </p:nvSpPr>
+        <p:spPr/>
+        <p:txBody>
+          <a:bodyPr/>
           <a:lstStyle/>
           <a:p>
-            <a:pPr>
-              <a:lnSpc>
-                <a:spcPct val="100000"/>
-              </a:lnSpc>
-            </a:pPr>
-            <a:r>
-              <a:rPr lang="es-ES" dirty="0"/>
-              <a:t>Una vez calculadas las envolventes conexas, unimos las envolventes de todas las divisiones. Para ello calculamos la tangente superior e inferior entre los polinomios contiguos tanteando hasta obtenerlos. </a:t>
-            </a:r>
-          </a:p>
-        </p:txBody>
-      </p:sp>
-      <p:sp>
-        <p:nvSpPr>
-          <p:cNvPr id="4" name="Marcador de fecha 3">
-            <a:extLst>
-              <a:ext uri="{FF2B5EF4-FFF2-40B4-BE49-F238E27FC236}">
-                <a16:creationId xmlns:a16="http://schemas.microsoft.com/office/drawing/2014/main" id="{63D1E26C-3CD0-E9CF-9E5A-48CB811A4392}"/>
-              </a:ext>
-            </a:extLst>
-          </p:cNvPr>
-          <p:cNvSpPr>
-            <a:spLocks noGrp="1"/>
-          </p:cNvSpPr>
-          <p:nvPr>
-            <p:ph type="dt" sz="half" idx="10"/>
-          </p:nvPr>
-        </p:nvSpPr>
-        <p:spPr>
-          <a:xfrm>
-            <a:off x="8218426" y="6446838"/>
-            <a:ext cx="2584850" cy="365125"/>
-          </a:xfrm>
-        </p:spPr>
-        <p:txBody>
-          <a:bodyPr anchor="ctr">
-            <a:normAutofit/>
-          </a:bodyPr>
-          <a:lstStyle/>
-          <a:p>
-            <a:pPr rtl="0">
-              <a:spcAft>
-                <a:spcPts val="600"/>
-              </a:spcAft>
-            </a:pPr>
+            <a:pPr rtl="0"/>
             <a:fld id="{642B802E-BFC6-4F89-8E3C-91026AB025AB}" type="datetime1">
               <a:rPr lang="es-ES" smtClean="0"/>
-              <a:pPr rtl="0">
-                <a:spcAft>
-                  <a:spcPts val="600"/>
-                </a:spcAft>
-              </a:pPr>
               <a:t>18/04/2023</a:t>
             </a:fld>
-            <a:endParaRPr lang="en-US"/>
+            <a:endParaRPr lang="en-US" dirty="0"/>
           </a:p>
         </p:txBody>
       </p:sp>
     </p:spTree>
     <p:extLst>
       <p:ext uri="{BB962C8B-B14F-4D97-AF65-F5344CB8AC3E}">
-        <p14:creationId xmlns:p14="http://schemas.microsoft.com/office/powerpoint/2010/main" val="1884255330"/>
+        <p14:creationId xmlns:p14="http://schemas.microsoft.com/office/powerpoint/2010/main" val="2348889062"/>
       </p:ext>
     </p:extLst>
   </p:cSld>
@@ -11859,10 +12592,10 @@
       </p:grpSpPr>
       <p:sp>
         <p:nvSpPr>
-          <p:cNvPr id="11" name="Title 1">
+          <p:cNvPr id="2" name="Título 1">
             <a:extLst>
               <a:ext uri="{FF2B5EF4-FFF2-40B4-BE49-F238E27FC236}">
-                <a16:creationId xmlns:a16="http://schemas.microsoft.com/office/drawing/2014/main" id="{D9DF5505-340A-0499-2CE7-F213A2774660}"/>
+                <a16:creationId xmlns:a16="http://schemas.microsoft.com/office/drawing/2014/main" id="{EAB5007F-7B1D-D1DE-A012-F24799BCB038}"/>
               </a:ext>
             </a:extLst>
           </p:cNvPr>
@@ -11871,138 +12604,917 @@
           </p:cNvSpPr>
           <p:nvPr>
             <p:ph type="title"/>
+          </p:nvPr>
+        </p:nvSpPr>
+        <p:spPr/>
+        <p:txBody>
+          <a:bodyPr/>
+          <a:lstStyle/>
+          <a:p>
+            <a:pPr algn="ctr"/>
+            <a:r>
+              <a:rPr lang="es-ES" dirty="0"/>
+              <a:t>Eficiencia Empírica</a:t>
+            </a:r>
+          </a:p>
+        </p:txBody>
+      </p:sp>
+      <p:sp>
+        <p:nvSpPr>
+          <p:cNvPr id="3" name="Marcador de contenido 2">
+            <a:extLst>
+              <a:ext uri="{FF2B5EF4-FFF2-40B4-BE49-F238E27FC236}">
+                <a16:creationId xmlns:a16="http://schemas.microsoft.com/office/drawing/2014/main" id="{8FE80A81-90A0-F3CA-3F72-11F3C4E484F9}"/>
+              </a:ext>
+            </a:extLst>
+          </p:cNvPr>
+          <p:cNvSpPr>
+            <a:spLocks noGrp="1"/>
+          </p:cNvSpPr>
+          <p:nvPr>
+            <p:ph idx="1"/>
           </p:nvPr>
         </p:nvSpPr>
         <p:spPr>
           <a:xfrm>
-            <a:off x="1097280" y="286603"/>
-            <a:ext cx="10058400" cy="1450757"/>
+            <a:off x="5086350" y="2409085"/>
+            <a:ext cx="6069330" cy="3159124"/>
           </a:xfrm>
         </p:spPr>
         <p:txBody>
+          <a:bodyPr anchor="ctr"/>
+          <a:lstStyle/>
+          <a:p>
+            <a:pPr algn="just"/>
+            <a:r>
+              <a:rPr lang="es-ES" dirty="0"/>
+              <a:t>Para realizar un análisis de eficiencia empírica deberemos ejecutar el mismo algoritmo para diferentes tamaños de entrada. Para el este algoritmo, lo ejecutaremos para diferentes tamaños del vector de puntos al cual debemos calcular la envolvente conexa y obtendremos el tiempo. Estos tiempos los almacenamos en un fichero dyv.dat. El código es el siguiente: </a:t>
+            </a:r>
+          </a:p>
+        </p:txBody>
+      </p:sp>
+      <p:sp>
+        <p:nvSpPr>
+          <p:cNvPr id="4" name="Marcador de fecha 3">
+            <a:extLst>
+              <a:ext uri="{FF2B5EF4-FFF2-40B4-BE49-F238E27FC236}">
+                <a16:creationId xmlns:a16="http://schemas.microsoft.com/office/drawing/2014/main" id="{36B8D58F-E392-1803-E776-1551F68EFDCA}"/>
+              </a:ext>
+            </a:extLst>
+          </p:cNvPr>
+          <p:cNvSpPr>
+            <a:spLocks noGrp="1"/>
+          </p:cNvSpPr>
+          <p:nvPr>
+            <p:ph type="dt" sz="half" idx="10"/>
+          </p:nvPr>
+        </p:nvSpPr>
+        <p:spPr/>
+        <p:txBody>
           <a:bodyPr/>
           <a:lstStyle/>
           <a:p>
-            <a:endParaRPr lang="en-US"/>
-          </a:p>
-        </p:txBody>
-      </p:sp>
-      <p:sp>
-        <p:nvSpPr>
-          <p:cNvPr id="3" name="Marcador de contenido 2">
+            <a:pPr rtl="0"/>
+            <a:fld id="{642B802E-BFC6-4F89-8E3C-91026AB025AB}" type="datetime1">
+              <a:rPr lang="es-ES" smtClean="0"/>
+              <a:t>18/04/2023</a:t>
+            </a:fld>
+            <a:endParaRPr lang="en-US" dirty="0"/>
+          </a:p>
+        </p:txBody>
+      </p:sp>
+      <p:sp>
+        <p:nvSpPr>
+          <p:cNvPr id="5" name="Marcador de contenido 2">
             <a:extLst>
               <a:ext uri="{FF2B5EF4-FFF2-40B4-BE49-F238E27FC236}">
-                <a16:creationId xmlns:a16="http://schemas.microsoft.com/office/drawing/2014/main" id="{AF4AC222-127C-784F-0AF7-126071597238}"/>
+                <a16:creationId xmlns:a16="http://schemas.microsoft.com/office/drawing/2014/main" id="{C4028605-AC1F-68DD-7965-2E55D086FEC1}"/>
               </a:ext>
             </a:extLst>
           </p:cNvPr>
-          <p:cNvSpPr>
-            <a:spLocks noGrp="1"/>
-          </p:cNvSpPr>
-          <p:nvPr>
-            <p:ph sz="half" idx="1"/>
-          </p:nvPr>
+          <p:cNvSpPr txBox="1">
+            <a:spLocks/>
+          </p:cNvSpPr>
+          <p:nvPr/>
         </p:nvSpPr>
         <p:spPr>
           <a:xfrm>
-            <a:off x="1097280" y="2120900"/>
-            <a:ext cx="4639736" cy="3748193"/>
-          </a:xfrm>
-        </p:spPr>
-        <p:txBody>
-          <a:bodyPr>
-            <a:normAutofit/>
-          </a:bodyPr>
-          <a:lstStyle/>
-          <a:p>
-            <a:r>
-              <a:rPr lang="es-ES" dirty="0"/>
-              <a:t>Con las tangentes obtenidas, sólo nos queda fusionar las envolventes, que bastaría con añadir los puntos desde la tangente inferior hasta la tangente superior del polinomio derecho y después añadir desde la tangente superior hasta la tangente inferior del izquierdo. </a:t>
-            </a:r>
-          </a:p>
-        </p:txBody>
-      </p:sp>
-      <p:pic>
-        <p:nvPicPr>
-          <p:cNvPr id="6" name="Imagen 5">
-            <a:extLst>
-              <a:ext uri="{FF2B5EF4-FFF2-40B4-BE49-F238E27FC236}">
-                <a16:creationId xmlns:a16="http://schemas.microsoft.com/office/drawing/2014/main" id="{B800F223-A8CE-EB91-54D3-D371FB8AC89D}"/>
-              </a:ext>
-            </a:extLst>
-          </p:cNvPr>
-          <p:cNvPicPr>
-            <a:picLocks noChangeAspect="1"/>
-          </p:cNvPicPr>
-          <p:nvPr/>
-        </p:nvPicPr>
-        <p:blipFill>
-          <a:blip r:embed="rId2"/>
-          <a:stretch>
-            <a:fillRect/>
-          </a:stretch>
-        </p:blipFill>
-        <p:spPr>
-          <a:xfrm>
-            <a:off x="6669226" y="2120900"/>
-            <a:ext cx="4333172" cy="3748194"/>
+            <a:off x="1377603" y="2108202"/>
+            <a:ext cx="2883593" cy="3760891"/>
           </a:xfrm>
           <a:prstGeom prst="rect">
             <a:avLst/>
           </a:prstGeom>
-          <a:noFill/>
+          <a:solidFill>
+            <a:schemeClr val="bg1">
+              <a:lumMod val="95000"/>
+            </a:schemeClr>
+          </a:solidFill>
         </p:spPr>
-      </p:pic>
-      <p:sp>
-        <p:nvSpPr>
-          <p:cNvPr id="4" name="Marcador de fecha 3">
-            <a:extLst>
-              <a:ext uri="{FF2B5EF4-FFF2-40B4-BE49-F238E27FC236}">
-                <a16:creationId xmlns:a16="http://schemas.microsoft.com/office/drawing/2014/main" id="{019B1002-8C26-B002-D431-DCDECBF10C4E}"/>
-              </a:ext>
-            </a:extLst>
-          </p:cNvPr>
-          <p:cNvSpPr>
-            <a:spLocks noGrp="1"/>
-          </p:cNvSpPr>
-          <p:nvPr>
-            <p:ph type="dt" sz="half" idx="10"/>
-          </p:nvPr>
-        </p:nvSpPr>
-        <p:spPr>
-          <a:xfrm>
-            <a:off x="8218426" y="6446838"/>
-            <a:ext cx="2584850" cy="365125"/>
-          </a:xfrm>
-        </p:spPr>
-        <p:txBody>
-          <a:bodyPr anchor="ctr">
-            <a:normAutofit/>
+        <p:txBody>
+          <a:bodyPr vert="horz" lIns="0" tIns="45720" rIns="0" bIns="45720" rtlCol="0">
+            <a:normAutofit lnSpcReduction="10000"/>
           </a:bodyPr>
-          <a:lstStyle/>
-          <a:p>
-            <a:pPr rtl="0">
+          <a:lstStyle>
+            <a:lvl1pPr marL="91440" indent="-91440" algn="l" defTabSz="914400" rtl="0" eaLnBrk="1" latinLnBrk="0" hangingPunct="1">
+              <a:lnSpc>
+                <a:spcPct val="110000"/>
+              </a:lnSpc>
+              <a:spcBef>
+                <a:spcPts val="1200"/>
+              </a:spcBef>
               <a:spcAft>
-                <a:spcPts val="600"/>
+                <a:spcPts val="200"/>
+              </a:spcAft>
+              <a:buClr>
+                <a:schemeClr val="accent1"/>
+              </a:buClr>
+              <a:buSzPct val="100000"/>
+              <a:buFont typeface="Calibri" panose="020F0502020204030204" pitchFamily="34" charset="0"/>
+              <a:buChar char=" "/>
+              <a:defRPr sz="1900" kern="1200">
+                <a:solidFill>
+                  <a:schemeClr val="tx1">
+                    <a:lumMod val="75000"/>
+                    <a:lumOff val="25000"/>
+                  </a:schemeClr>
+                </a:solidFill>
+                <a:latin typeface="+mn-lt"/>
+                <a:ea typeface="+mn-ea"/>
+                <a:cs typeface="+mn-cs"/>
+              </a:defRPr>
+            </a:lvl1pPr>
+            <a:lvl2pPr marL="384048" indent="-182880" algn="l" defTabSz="914400" rtl="0" eaLnBrk="1" latinLnBrk="0" hangingPunct="1">
+              <a:lnSpc>
+                <a:spcPct val="100000"/>
+              </a:lnSpc>
+              <a:spcBef>
+                <a:spcPts val="200"/>
+              </a:spcBef>
+              <a:spcAft>
+                <a:spcPts val="400"/>
+              </a:spcAft>
+              <a:buClrTx/>
+              <a:buFont typeface="Calibri" pitchFamily="34" charset="0"/>
+              <a:buChar char="◦"/>
+              <a:defRPr sz="1700" kern="1200">
+                <a:solidFill>
+                  <a:schemeClr val="tx1">
+                    <a:lumMod val="75000"/>
+                    <a:lumOff val="25000"/>
+                  </a:schemeClr>
+                </a:solidFill>
+                <a:latin typeface="+mn-lt"/>
+                <a:ea typeface="+mn-ea"/>
+                <a:cs typeface="+mn-cs"/>
+              </a:defRPr>
+            </a:lvl2pPr>
+            <a:lvl3pPr marL="566928" indent="-182880" algn="l" defTabSz="914400" rtl="0" eaLnBrk="1" latinLnBrk="0" hangingPunct="1">
+              <a:lnSpc>
+                <a:spcPct val="100000"/>
+              </a:lnSpc>
+              <a:spcBef>
+                <a:spcPts val="200"/>
+              </a:spcBef>
+              <a:spcAft>
+                <a:spcPts val="400"/>
+              </a:spcAft>
+              <a:buClrTx/>
+              <a:buFont typeface="Calibri" pitchFamily="34" charset="0"/>
+              <a:buChar char="◦"/>
+              <a:defRPr sz="1300" kern="1200">
+                <a:solidFill>
+                  <a:schemeClr val="tx1">
+                    <a:lumMod val="75000"/>
+                    <a:lumOff val="25000"/>
+                  </a:schemeClr>
+                </a:solidFill>
+                <a:latin typeface="+mn-lt"/>
+                <a:ea typeface="+mn-ea"/>
+                <a:cs typeface="+mn-cs"/>
+              </a:defRPr>
+            </a:lvl3pPr>
+            <a:lvl4pPr marL="749808" indent="-182880" algn="l" defTabSz="914400" rtl="0" eaLnBrk="1" latinLnBrk="0" hangingPunct="1">
+              <a:lnSpc>
+                <a:spcPct val="100000"/>
+              </a:lnSpc>
+              <a:spcBef>
+                <a:spcPts val="200"/>
+              </a:spcBef>
+              <a:spcAft>
+                <a:spcPts val="400"/>
+              </a:spcAft>
+              <a:buClrTx/>
+              <a:buFont typeface="Calibri" pitchFamily="34" charset="0"/>
+              <a:buChar char="◦"/>
+              <a:defRPr sz="1300" kern="1200">
+                <a:solidFill>
+                  <a:schemeClr val="tx1">
+                    <a:lumMod val="75000"/>
+                    <a:lumOff val="25000"/>
+                  </a:schemeClr>
+                </a:solidFill>
+                <a:latin typeface="+mn-lt"/>
+                <a:ea typeface="+mn-ea"/>
+                <a:cs typeface="+mn-cs"/>
+              </a:defRPr>
+            </a:lvl4pPr>
+            <a:lvl5pPr marL="932688" indent="-182880" algn="l" defTabSz="914400" rtl="0" eaLnBrk="1" latinLnBrk="0" hangingPunct="1">
+              <a:lnSpc>
+                <a:spcPct val="100000"/>
+              </a:lnSpc>
+              <a:spcBef>
+                <a:spcPts val="200"/>
+              </a:spcBef>
+              <a:spcAft>
+                <a:spcPts val="400"/>
+              </a:spcAft>
+              <a:buClrTx/>
+              <a:buFont typeface="Calibri" pitchFamily="34" charset="0"/>
+              <a:buChar char="◦"/>
+              <a:defRPr sz="1300" kern="1200">
+                <a:solidFill>
+                  <a:schemeClr val="tx1">
+                    <a:lumMod val="75000"/>
+                    <a:lumOff val="25000"/>
+                  </a:schemeClr>
+                </a:solidFill>
+                <a:latin typeface="+mn-lt"/>
+                <a:ea typeface="+mn-ea"/>
+                <a:cs typeface="+mn-cs"/>
+              </a:defRPr>
+            </a:lvl5pPr>
+            <a:lvl6pPr marL="1100000" indent="-228600" algn="l" defTabSz="914400" rtl="0" eaLnBrk="1" latinLnBrk="0" hangingPunct="1">
+              <a:lnSpc>
+                <a:spcPct val="90000"/>
+              </a:lnSpc>
+              <a:spcBef>
+                <a:spcPts val="200"/>
+              </a:spcBef>
+              <a:spcAft>
+                <a:spcPts val="400"/>
+              </a:spcAft>
+              <a:buClr>
+                <a:schemeClr val="accent1"/>
+              </a:buClr>
+              <a:buFont typeface="Calibri" pitchFamily="34" charset="0"/>
+              <a:buChar char="◦"/>
+              <a:defRPr sz="1400" kern="1200">
+                <a:solidFill>
+                  <a:schemeClr val="tx1">
+                    <a:lumMod val="75000"/>
+                    <a:lumOff val="25000"/>
+                  </a:schemeClr>
+                </a:solidFill>
+                <a:latin typeface="+mn-lt"/>
+                <a:ea typeface="+mn-ea"/>
+                <a:cs typeface="+mn-cs"/>
+              </a:defRPr>
+            </a:lvl6pPr>
+            <a:lvl7pPr marL="1300000" indent="-228600" algn="l" defTabSz="914400" rtl="0" eaLnBrk="1" latinLnBrk="0" hangingPunct="1">
+              <a:lnSpc>
+                <a:spcPct val="90000"/>
+              </a:lnSpc>
+              <a:spcBef>
+                <a:spcPts val="200"/>
+              </a:spcBef>
+              <a:spcAft>
+                <a:spcPts val="400"/>
+              </a:spcAft>
+              <a:buClr>
+                <a:schemeClr val="accent1"/>
+              </a:buClr>
+              <a:buFont typeface="Calibri" pitchFamily="34" charset="0"/>
+              <a:buChar char="◦"/>
+              <a:defRPr sz="1400" kern="1200">
+                <a:solidFill>
+                  <a:schemeClr val="tx1">
+                    <a:lumMod val="75000"/>
+                    <a:lumOff val="25000"/>
+                  </a:schemeClr>
+                </a:solidFill>
+                <a:latin typeface="+mn-lt"/>
+                <a:ea typeface="+mn-ea"/>
+                <a:cs typeface="+mn-cs"/>
+              </a:defRPr>
+            </a:lvl7pPr>
+            <a:lvl8pPr marL="1500000" indent="-228600" algn="l" defTabSz="914400" rtl="0" eaLnBrk="1" latinLnBrk="0" hangingPunct="1">
+              <a:lnSpc>
+                <a:spcPct val="90000"/>
+              </a:lnSpc>
+              <a:spcBef>
+                <a:spcPts val="200"/>
+              </a:spcBef>
+              <a:spcAft>
+                <a:spcPts val="400"/>
+              </a:spcAft>
+              <a:buClr>
+                <a:schemeClr val="accent1"/>
+              </a:buClr>
+              <a:buFont typeface="Calibri" pitchFamily="34" charset="0"/>
+              <a:buChar char="◦"/>
+              <a:defRPr sz="1400" kern="1200">
+                <a:solidFill>
+                  <a:schemeClr val="tx1">
+                    <a:lumMod val="75000"/>
+                    <a:lumOff val="25000"/>
+                  </a:schemeClr>
+                </a:solidFill>
+                <a:latin typeface="+mn-lt"/>
+                <a:ea typeface="+mn-ea"/>
+                <a:cs typeface="+mn-cs"/>
+              </a:defRPr>
+            </a:lvl8pPr>
+            <a:lvl9pPr marL="1700000" indent="-228600" algn="l" defTabSz="914400" rtl="0" eaLnBrk="1" latinLnBrk="0" hangingPunct="1">
+              <a:lnSpc>
+                <a:spcPct val="90000"/>
+              </a:lnSpc>
+              <a:spcBef>
+                <a:spcPts val="200"/>
+              </a:spcBef>
+              <a:spcAft>
+                <a:spcPts val="400"/>
+              </a:spcAft>
+              <a:buClr>
+                <a:schemeClr val="accent1"/>
+              </a:buClr>
+              <a:buFont typeface="Calibri" pitchFamily="34" charset="0"/>
+              <a:buChar char="◦"/>
+              <a:defRPr sz="1400" kern="1200">
+                <a:solidFill>
+                  <a:schemeClr val="tx1">
+                    <a:lumMod val="75000"/>
+                    <a:lumOff val="25000"/>
+                  </a:schemeClr>
+                </a:solidFill>
+                <a:latin typeface="+mn-lt"/>
+                <a:ea typeface="+mn-ea"/>
+                <a:cs typeface="+mn-cs"/>
+              </a:defRPr>
+            </a:lvl9pPr>
+          </a:lstStyle>
+          <a:p>
+            <a:pPr fontAlgn="base">
+              <a:spcBef>
+                <a:spcPts val="0"/>
+              </a:spcBef>
+              <a:spcAft>
+                <a:spcPts val="0"/>
               </a:spcAft>
             </a:pPr>
-            <a:fld id="{642B802E-BFC6-4F89-8E3C-91026AB025AB}" type="datetime1">
-              <a:rPr lang="es-ES" smtClean="0"/>
-              <a:pPr rtl="0">
-                <a:spcAft>
-                  <a:spcPts val="600"/>
-                </a:spcAft>
-              </a:pPr>
-              <a:t>18/04/2023</a:t>
-            </a:fld>
-            <a:endParaRPr lang="en-US"/>
+            <a:r>
+              <a:rPr lang="es-ES" sz="1400" dirty="0">
+                <a:solidFill>
+                  <a:srgbClr val="008000"/>
+                </a:solidFill>
+                <a:latin typeface="Consolas" panose="020B0609020204030204" pitchFamily="49" charset="0"/>
+              </a:rPr>
+              <a:t>#!/bin/bash  </a:t>
+            </a:r>
+            <a:endParaRPr lang="es-ES" sz="1400" dirty="0">
+              <a:solidFill>
+                <a:srgbClr val="000000"/>
+              </a:solidFill>
+              <a:latin typeface="Segoe UI" panose="020B0502040204020203" pitchFamily="34" charset="0"/>
+            </a:endParaRPr>
+          </a:p>
+          <a:p>
+            <a:pPr fontAlgn="base">
+              <a:spcBef>
+                <a:spcPts val="0"/>
+              </a:spcBef>
+              <a:spcAft>
+                <a:spcPts val="0"/>
+              </a:spcAft>
+            </a:pPr>
+            <a:r>
+              <a:rPr lang="es-ES" sz="1400" dirty="0" err="1">
+                <a:solidFill>
+                  <a:srgbClr val="000000"/>
+                </a:solidFill>
+                <a:latin typeface="Consolas" panose="020B0609020204030204" pitchFamily="49" charset="0"/>
+              </a:rPr>
+              <a:t>printf</a:t>
+            </a:r>
+            <a:r>
+              <a:rPr lang="es-ES" sz="1400" dirty="0">
+                <a:solidFill>
+                  <a:srgbClr val="000000"/>
+                </a:solidFill>
+                <a:latin typeface="Consolas" panose="020B0609020204030204" pitchFamily="49" charset="0"/>
+              </a:rPr>
+              <a:t> </a:t>
+            </a:r>
+            <a:r>
+              <a:rPr lang="es-ES" sz="1400" dirty="0">
+                <a:solidFill>
+                  <a:srgbClr val="A31515"/>
+                </a:solidFill>
+                <a:latin typeface="Consolas" panose="020B0609020204030204" pitchFamily="49" charset="0"/>
+              </a:rPr>
+              <a:t>""</a:t>
+            </a:r>
+            <a:r>
+              <a:rPr lang="es-ES" sz="1400" dirty="0">
+                <a:solidFill>
+                  <a:srgbClr val="000000"/>
+                </a:solidFill>
+                <a:latin typeface="Consolas" panose="020B0609020204030204" pitchFamily="49" charset="0"/>
+              </a:rPr>
+              <a:t> &gt; dyv.dat </a:t>
+            </a:r>
+            <a:endParaRPr lang="es-ES" sz="1400" dirty="0">
+              <a:solidFill>
+                <a:srgbClr val="000000"/>
+              </a:solidFill>
+              <a:latin typeface="Segoe UI" panose="020B0502040204020203" pitchFamily="34" charset="0"/>
+            </a:endParaRPr>
+          </a:p>
+          <a:p>
+            <a:pPr fontAlgn="base">
+              <a:spcBef>
+                <a:spcPts val="0"/>
+              </a:spcBef>
+              <a:spcAft>
+                <a:spcPts val="0"/>
+              </a:spcAft>
+            </a:pPr>
+            <a:r>
+              <a:rPr lang="es-ES" sz="1400" dirty="0">
+                <a:solidFill>
+                  <a:srgbClr val="000000"/>
+                </a:solidFill>
+                <a:latin typeface="Consolas" panose="020B0609020204030204" pitchFamily="49" charset="0"/>
+              </a:rPr>
+              <a:t>  </a:t>
+            </a:r>
+            <a:endParaRPr lang="es-ES" sz="1400" dirty="0">
+              <a:solidFill>
+                <a:srgbClr val="000000"/>
+              </a:solidFill>
+              <a:latin typeface="Segoe UI" panose="020B0502040204020203" pitchFamily="34" charset="0"/>
+            </a:endParaRPr>
+          </a:p>
+          <a:p>
+            <a:pPr fontAlgn="base">
+              <a:spcBef>
+                <a:spcPts val="0"/>
+              </a:spcBef>
+              <a:spcAft>
+                <a:spcPts val="0"/>
+              </a:spcAft>
+            </a:pPr>
+            <a:r>
+              <a:rPr lang="es-ES" sz="1400" dirty="0">
+                <a:solidFill>
+                  <a:srgbClr val="000000"/>
+                </a:solidFill>
+                <a:latin typeface="Consolas" panose="020B0609020204030204" pitchFamily="49" charset="0"/>
+              </a:rPr>
+              <a:t>i=</a:t>
+            </a:r>
+            <a:r>
+              <a:rPr lang="es-ES" sz="1400" dirty="0">
+                <a:solidFill>
+                  <a:srgbClr val="006666"/>
+                </a:solidFill>
+                <a:latin typeface="Consolas" panose="020B0609020204030204" pitchFamily="49" charset="0"/>
+              </a:rPr>
+              <a:t>50000 </a:t>
+            </a:r>
+            <a:endParaRPr lang="es-ES" sz="1400" dirty="0">
+              <a:solidFill>
+                <a:srgbClr val="000000"/>
+              </a:solidFill>
+              <a:latin typeface="Segoe UI" panose="020B0502040204020203" pitchFamily="34" charset="0"/>
+            </a:endParaRPr>
+          </a:p>
+          <a:p>
+            <a:pPr fontAlgn="base">
+              <a:spcBef>
+                <a:spcPts val="0"/>
+              </a:spcBef>
+              <a:spcAft>
+                <a:spcPts val="0"/>
+              </a:spcAft>
+            </a:pPr>
+            <a:r>
+              <a:rPr lang="es-ES" sz="1400" dirty="0" err="1">
+                <a:solidFill>
+                  <a:srgbClr val="0000FF"/>
+                </a:solidFill>
+                <a:latin typeface="Consolas" panose="020B0609020204030204" pitchFamily="49" charset="0"/>
+              </a:rPr>
+              <a:t>while</a:t>
+            </a:r>
+            <a:r>
+              <a:rPr lang="es-ES" sz="1400" dirty="0">
+                <a:solidFill>
+                  <a:srgbClr val="000000"/>
+                </a:solidFill>
+                <a:latin typeface="Consolas" panose="020B0609020204030204" pitchFamily="49" charset="0"/>
+              </a:rPr>
+              <a:t> [ </a:t>
+            </a:r>
+            <a:r>
+              <a:rPr lang="es-ES" sz="1400" dirty="0">
+                <a:solidFill>
+                  <a:srgbClr val="A31515"/>
+                </a:solidFill>
+                <a:latin typeface="Consolas" panose="020B0609020204030204" pitchFamily="49" charset="0"/>
+              </a:rPr>
+              <a:t>"$i"</a:t>
+            </a:r>
+            <a:r>
+              <a:rPr lang="es-ES" sz="1400" dirty="0">
+                <a:solidFill>
+                  <a:srgbClr val="000000"/>
+                </a:solidFill>
+                <a:latin typeface="Consolas" panose="020B0609020204030204" pitchFamily="49" charset="0"/>
+              </a:rPr>
+              <a:t> -le </a:t>
+            </a:r>
+            <a:r>
+              <a:rPr lang="es-ES" sz="1400" dirty="0">
+                <a:solidFill>
+                  <a:srgbClr val="006666"/>
+                </a:solidFill>
+                <a:latin typeface="Consolas" panose="020B0609020204030204" pitchFamily="49" charset="0"/>
+              </a:rPr>
+              <a:t>1300000</a:t>
+            </a:r>
+            <a:r>
+              <a:rPr lang="es-ES" sz="1400" dirty="0">
+                <a:solidFill>
+                  <a:srgbClr val="000000"/>
+                </a:solidFill>
+                <a:latin typeface="Consolas" panose="020B0609020204030204" pitchFamily="49" charset="0"/>
+              </a:rPr>
+              <a:t> ] </a:t>
+            </a:r>
+            <a:endParaRPr lang="es-ES" sz="1400" dirty="0">
+              <a:solidFill>
+                <a:srgbClr val="000000"/>
+              </a:solidFill>
+              <a:latin typeface="Segoe UI" panose="020B0502040204020203" pitchFamily="34" charset="0"/>
+            </a:endParaRPr>
+          </a:p>
+          <a:p>
+            <a:pPr fontAlgn="base">
+              <a:spcBef>
+                <a:spcPts val="0"/>
+              </a:spcBef>
+              <a:spcAft>
+                <a:spcPts val="0"/>
+              </a:spcAft>
+            </a:pPr>
+            <a:r>
+              <a:rPr lang="es-ES" sz="1400" dirty="0">
+                <a:solidFill>
+                  <a:srgbClr val="0000FF"/>
+                </a:solidFill>
+                <a:latin typeface="Consolas" panose="020B0609020204030204" pitchFamily="49" charset="0"/>
+              </a:rPr>
+              <a:t>do </a:t>
+            </a:r>
+            <a:endParaRPr lang="es-ES" sz="1400" dirty="0">
+              <a:solidFill>
+                <a:srgbClr val="000000"/>
+              </a:solidFill>
+              <a:latin typeface="Segoe UI" panose="020B0502040204020203" pitchFamily="34" charset="0"/>
+            </a:endParaRPr>
+          </a:p>
+          <a:p>
+            <a:pPr fontAlgn="base">
+              <a:spcBef>
+                <a:spcPts val="0"/>
+              </a:spcBef>
+              <a:spcAft>
+                <a:spcPts val="0"/>
+              </a:spcAft>
+            </a:pPr>
+            <a:r>
+              <a:rPr lang="es-ES" sz="1400" dirty="0">
+                <a:solidFill>
+                  <a:srgbClr val="008000"/>
+                </a:solidFill>
+                <a:latin typeface="Consolas" panose="020B0609020204030204" pitchFamily="49" charset="0"/>
+              </a:rPr>
+              <a:t># Generamos los puntos</a:t>
+            </a:r>
+            <a:r>
+              <a:rPr lang="es-ES" sz="1400" dirty="0">
+                <a:solidFill>
+                  <a:srgbClr val="008000"/>
+                </a:solidFill>
+                <a:latin typeface="Calibri" panose="020F0502020204030204" pitchFamily="34" charset="0"/>
+              </a:rPr>
+              <a:t> </a:t>
+            </a:r>
+            <a:r>
+              <a:rPr lang="es-ES" sz="1400" dirty="0">
+                <a:solidFill>
+                  <a:srgbClr val="000000"/>
+                </a:solidFill>
+                <a:latin typeface="Consolas" panose="020B0609020204030204" pitchFamily="49" charset="0"/>
+              </a:rPr>
+              <a:t> </a:t>
+            </a:r>
+            <a:endParaRPr lang="es-ES" sz="1400" dirty="0">
+              <a:solidFill>
+                <a:srgbClr val="000000"/>
+              </a:solidFill>
+              <a:latin typeface="Segoe UI" panose="020B0502040204020203" pitchFamily="34" charset="0"/>
+            </a:endParaRPr>
+          </a:p>
+          <a:p>
+            <a:pPr fontAlgn="base">
+              <a:spcBef>
+                <a:spcPts val="0"/>
+              </a:spcBef>
+              <a:spcAft>
+                <a:spcPts val="0"/>
+              </a:spcAft>
+            </a:pPr>
+            <a:r>
+              <a:rPr lang="es-ES" sz="1400" dirty="0">
+                <a:solidFill>
+                  <a:srgbClr val="000000"/>
+                </a:solidFill>
+                <a:latin typeface="Consolas" panose="020B0609020204030204" pitchFamily="49" charset="0"/>
+              </a:rPr>
+              <a:t>./generador $i </a:t>
+            </a:r>
+            <a:endParaRPr lang="es-ES" sz="1400" dirty="0">
+              <a:solidFill>
+                <a:srgbClr val="000000"/>
+              </a:solidFill>
+              <a:latin typeface="Segoe UI" panose="020B0502040204020203" pitchFamily="34" charset="0"/>
+            </a:endParaRPr>
+          </a:p>
+          <a:p>
+            <a:pPr fontAlgn="base">
+              <a:spcBef>
+                <a:spcPts val="0"/>
+              </a:spcBef>
+              <a:spcAft>
+                <a:spcPts val="0"/>
+              </a:spcAft>
+            </a:pPr>
+            <a:r>
+              <a:rPr lang="es-ES" sz="1400" dirty="0">
+                <a:solidFill>
+                  <a:srgbClr val="000000"/>
+                </a:solidFill>
+                <a:latin typeface="Consolas" panose="020B0609020204030204" pitchFamily="49" charset="0"/>
+              </a:rPr>
+              <a:t>   </a:t>
+            </a:r>
+            <a:endParaRPr lang="es-ES" sz="1400" dirty="0">
+              <a:solidFill>
+                <a:srgbClr val="000000"/>
+              </a:solidFill>
+              <a:latin typeface="Segoe UI" panose="020B0502040204020203" pitchFamily="34" charset="0"/>
+            </a:endParaRPr>
+          </a:p>
+          <a:p>
+            <a:pPr fontAlgn="base">
+              <a:spcBef>
+                <a:spcPts val="0"/>
+              </a:spcBef>
+              <a:spcAft>
+                <a:spcPts val="0"/>
+              </a:spcAft>
+            </a:pPr>
+            <a:r>
+              <a:rPr lang="es-ES" sz="1400" dirty="0">
+                <a:solidFill>
+                  <a:srgbClr val="008000"/>
+                </a:solidFill>
+                <a:latin typeface="Consolas" panose="020B0609020204030204" pitchFamily="49" charset="0"/>
+              </a:rPr>
+              <a:t># Ejecutamos los puntos </a:t>
+            </a:r>
+            <a:endParaRPr lang="es-ES" sz="1400" dirty="0">
+              <a:solidFill>
+                <a:srgbClr val="000000"/>
+              </a:solidFill>
+              <a:latin typeface="Segoe UI" panose="020B0502040204020203" pitchFamily="34" charset="0"/>
+            </a:endParaRPr>
+          </a:p>
+          <a:p>
+            <a:pPr fontAlgn="base">
+              <a:spcBef>
+                <a:spcPts val="0"/>
+              </a:spcBef>
+              <a:spcAft>
+                <a:spcPts val="0"/>
+              </a:spcAft>
+            </a:pPr>
+            <a:r>
+              <a:rPr lang="es-ES" sz="1400" dirty="0">
+                <a:solidFill>
+                  <a:srgbClr val="000000"/>
+                </a:solidFill>
+                <a:latin typeface="Consolas" panose="020B0609020204030204" pitchFamily="49" charset="0"/>
+              </a:rPr>
+              <a:t>./</a:t>
+            </a:r>
+            <a:r>
+              <a:rPr lang="es-ES" sz="1400" dirty="0" err="1">
+                <a:solidFill>
+                  <a:srgbClr val="000000"/>
+                </a:solidFill>
+                <a:latin typeface="Consolas" panose="020B0609020204030204" pitchFamily="49" charset="0"/>
+              </a:rPr>
+              <a:t>dyv</a:t>
+            </a:r>
+            <a:r>
+              <a:rPr lang="es-ES" sz="1400" dirty="0">
+                <a:solidFill>
+                  <a:srgbClr val="000000"/>
+                </a:solidFill>
+                <a:latin typeface="Consolas" panose="020B0609020204030204" pitchFamily="49" charset="0"/>
+              </a:rPr>
+              <a:t> data.txt &gt;&gt; dyv.dat </a:t>
+            </a:r>
+            <a:endParaRPr lang="es-ES" sz="1400" dirty="0">
+              <a:solidFill>
+                <a:srgbClr val="000000"/>
+              </a:solidFill>
+              <a:latin typeface="Segoe UI" panose="020B0502040204020203" pitchFamily="34" charset="0"/>
+            </a:endParaRPr>
+          </a:p>
+          <a:p>
+            <a:pPr fontAlgn="base">
+              <a:spcBef>
+                <a:spcPts val="0"/>
+              </a:spcBef>
+              <a:spcAft>
+                <a:spcPts val="0"/>
+              </a:spcAft>
+            </a:pPr>
+            <a:r>
+              <a:rPr lang="es-ES" sz="1400" dirty="0">
+                <a:solidFill>
+                  <a:srgbClr val="000000"/>
+                </a:solidFill>
+                <a:latin typeface="Consolas" panose="020B0609020204030204" pitchFamily="49" charset="0"/>
+              </a:rPr>
+              <a:t>  </a:t>
+            </a:r>
+            <a:endParaRPr lang="es-ES" sz="1400" dirty="0">
+              <a:solidFill>
+                <a:srgbClr val="000000"/>
+              </a:solidFill>
+              <a:latin typeface="Segoe UI" panose="020B0502040204020203" pitchFamily="34" charset="0"/>
+            </a:endParaRPr>
+          </a:p>
+          <a:p>
+            <a:pPr fontAlgn="base">
+              <a:spcBef>
+                <a:spcPts val="0"/>
+              </a:spcBef>
+              <a:spcAft>
+                <a:spcPts val="0"/>
+              </a:spcAft>
+            </a:pPr>
+            <a:r>
+              <a:rPr lang="es-ES" sz="1400" dirty="0">
+                <a:solidFill>
+                  <a:srgbClr val="000000"/>
+                </a:solidFill>
+                <a:latin typeface="Consolas" panose="020B0609020204030204" pitchFamily="49" charset="0"/>
+              </a:rPr>
+              <a:t>echo </a:t>
+            </a:r>
+            <a:r>
+              <a:rPr lang="es-ES" sz="1400" dirty="0">
+                <a:solidFill>
+                  <a:srgbClr val="A31515"/>
+                </a:solidFill>
+                <a:latin typeface="Consolas" panose="020B0609020204030204" pitchFamily="49" charset="0"/>
+              </a:rPr>
+              <a:t>"Terminado $i"</a:t>
+            </a:r>
+            <a:r>
+              <a:rPr lang="es-ES" sz="1400" dirty="0">
+                <a:solidFill>
+                  <a:srgbClr val="000000"/>
+                </a:solidFill>
+                <a:latin typeface="Consolas" panose="020B0609020204030204" pitchFamily="49" charset="0"/>
+              </a:rPr>
+              <a:t>  </a:t>
+            </a:r>
+            <a:endParaRPr lang="es-ES" sz="1400" dirty="0">
+              <a:solidFill>
+                <a:srgbClr val="000000"/>
+              </a:solidFill>
+              <a:latin typeface="Segoe UI" panose="020B0502040204020203" pitchFamily="34" charset="0"/>
+            </a:endParaRPr>
+          </a:p>
+          <a:p>
+            <a:pPr fontAlgn="base">
+              <a:spcBef>
+                <a:spcPts val="0"/>
+              </a:spcBef>
+              <a:spcAft>
+                <a:spcPts val="0"/>
+              </a:spcAft>
+            </a:pPr>
+            <a:r>
+              <a:rPr lang="es-ES" sz="1400" dirty="0">
+                <a:solidFill>
+                  <a:srgbClr val="000000"/>
+                </a:solidFill>
+                <a:latin typeface="Consolas" panose="020B0609020204030204" pitchFamily="49" charset="0"/>
+              </a:rPr>
+              <a:t> </a:t>
+            </a:r>
+            <a:endParaRPr lang="es-ES" sz="1400" dirty="0">
+              <a:solidFill>
+                <a:srgbClr val="000000"/>
+              </a:solidFill>
+              <a:latin typeface="Segoe UI" panose="020B0502040204020203" pitchFamily="34" charset="0"/>
+            </a:endParaRPr>
+          </a:p>
+          <a:p>
+            <a:pPr fontAlgn="base">
+              <a:spcBef>
+                <a:spcPts val="0"/>
+              </a:spcBef>
+              <a:spcAft>
+                <a:spcPts val="0"/>
+              </a:spcAft>
+            </a:pPr>
+            <a:r>
+              <a:rPr lang="es-ES" sz="1400" dirty="0">
+                <a:solidFill>
+                  <a:srgbClr val="000000"/>
+                </a:solidFill>
+                <a:latin typeface="Consolas" panose="020B0609020204030204" pitchFamily="49" charset="0"/>
+              </a:rPr>
+              <a:t>i=$(( $i + </a:t>
+            </a:r>
+            <a:r>
+              <a:rPr lang="es-ES" sz="1400" dirty="0">
+                <a:solidFill>
+                  <a:srgbClr val="006666"/>
+                </a:solidFill>
+                <a:latin typeface="Consolas" panose="020B0609020204030204" pitchFamily="49" charset="0"/>
+              </a:rPr>
+              <a:t>50000</a:t>
+            </a:r>
+            <a:r>
+              <a:rPr lang="es-ES" sz="1400" dirty="0">
+                <a:solidFill>
+                  <a:srgbClr val="000000"/>
+                </a:solidFill>
+                <a:latin typeface="Consolas" panose="020B0609020204030204" pitchFamily="49" charset="0"/>
+              </a:rPr>
+              <a:t> )) </a:t>
+            </a:r>
+            <a:endParaRPr lang="es-ES" sz="1400" dirty="0">
+              <a:solidFill>
+                <a:srgbClr val="000000"/>
+              </a:solidFill>
+              <a:latin typeface="Segoe UI" panose="020B0502040204020203" pitchFamily="34" charset="0"/>
+            </a:endParaRPr>
+          </a:p>
+          <a:p>
+            <a:pPr fontAlgn="base">
+              <a:spcBef>
+                <a:spcPts val="0"/>
+              </a:spcBef>
+              <a:spcAft>
+                <a:spcPts val="0"/>
+              </a:spcAft>
+            </a:pPr>
+            <a:r>
+              <a:rPr lang="es-ES" sz="1400" dirty="0">
+                <a:solidFill>
+                  <a:srgbClr val="0000FF"/>
+                </a:solidFill>
+                <a:latin typeface="Consolas" panose="020B0609020204030204" pitchFamily="49" charset="0"/>
+              </a:rPr>
+              <a:t>done </a:t>
+            </a:r>
+            <a:endParaRPr lang="es-ES" sz="1400" dirty="0">
+              <a:solidFill>
+                <a:srgbClr val="000000"/>
+              </a:solidFill>
+              <a:latin typeface="Segoe UI" panose="020B0502040204020203" pitchFamily="34" charset="0"/>
+            </a:endParaRPr>
+          </a:p>
+          <a:p>
+            <a:endParaRPr lang="es-ES" dirty="0"/>
           </a:p>
         </p:txBody>
       </p:sp>
     </p:spTree>
     <p:extLst>
       <p:ext uri="{BB962C8B-B14F-4D97-AF65-F5344CB8AC3E}">
-        <p14:creationId xmlns:p14="http://schemas.microsoft.com/office/powerpoint/2010/main" val="66560789"/>
+        <p14:creationId xmlns:p14="http://schemas.microsoft.com/office/powerpoint/2010/main" val="3608797857"/>
       </p:ext>
     </p:extLst>
   </p:cSld>
@@ -12123,7 +13635,7 @@
           <p:cNvPr id="2" name="Título 1">
             <a:extLst>
               <a:ext uri="{FF2B5EF4-FFF2-40B4-BE49-F238E27FC236}">
-                <a16:creationId xmlns:a16="http://schemas.microsoft.com/office/drawing/2014/main" id="{E05F8DEF-B961-1C8F-13F3-24E1FC11ECAF}"/>
+                <a16:creationId xmlns:a16="http://schemas.microsoft.com/office/drawing/2014/main" id="{21B0D187-DD8F-D967-35C8-ABA628C528CE}"/>
               </a:ext>
             </a:extLst>
           </p:cNvPr>
@@ -12142,7 +13654,7 @@
             <a:pPr algn="ctr"/>
             <a:r>
               <a:rPr lang="es-ES" dirty="0"/>
-              <a:t>Eficiencia Teórica</a:t>
+              <a:t>Eficiencia Empírica</a:t>
             </a:r>
           </a:p>
         </p:txBody>
@@ -12152,7 +13664,7 @@
           <p:cNvPr id="3" name="Marcador de contenido 2">
             <a:extLst>
               <a:ext uri="{FF2B5EF4-FFF2-40B4-BE49-F238E27FC236}">
-                <a16:creationId xmlns:a16="http://schemas.microsoft.com/office/drawing/2014/main" id="{DA2FCB75-5B10-B44E-2916-36B50238CE01}"/>
+                <a16:creationId xmlns:a16="http://schemas.microsoft.com/office/drawing/2014/main" id="{396E8A1D-0CD7-1F6F-27C6-1C2A62E82AA0}"/>
               </a:ext>
             </a:extLst>
           </p:cNvPr>
@@ -12170,7 +13682,13 @@
           <a:p>
             <a:r>
               <a:rPr lang="es-ES" dirty="0"/>
-              <a:t>La eficiencia teórica de nuestro algoritmo divide y vencerás vendrá dada por: 𝑇(𝑛) = { 𝑡(𝑛) 𝑠𝑖 𝑛 &lt; 100 2𝑇 ( 𝑛 2 ) + 𝐹(𝑛) 𝑠𝑖 𝑛 ≥ 100 Donde 𝑡(𝑛) es la eficiencia del caso base, es decir la eficiencia teórica del algoritmo de Graham, que es 𝑂(𝑛𝑙𝑜𝑔2 (𝑛)), como hemos mencionado previamente, mientras que F(n) es la eficiencia de la función de fusión, cuyo tiempo de ejecución será de 𝐹(𝑛) = 4𝑛 𝜖 𝑂(𝑛) Para hallar la eficiencia resolveremos la recursividad: 𝑇(𝑛) = 2𝑇 ( 𝑛 2 ) + 𝑛 Como F(n) tiene una eficiencia lineal podemos aplicar la fórmula maestra de tal forma que podemos concluir con que nuestro algoritmo es de orden 𝑂(𝑛𝑙𝑜𝑔2 (𝑛)) ya que 𝐼 = 2 = 2 1 = 𝑏 �</a:t>
+              <a:t>Empezamos con un tamaño base de 50000 puntos y vamos aumentándolo de 50000 en 50000 hasta llegar al tamaño de 1300000 puntos. </a:t>
+            </a:r>
+          </a:p>
+          <a:p>
+            <a:r>
+              <a:rPr lang="es-ES" dirty="0"/>
+              <a:t>Los tiempos obtenidos son los siguientes: </a:t>
             </a:r>
           </a:p>
         </p:txBody>
@@ -12180,7 +13698,7 @@
           <p:cNvPr id="4" name="Marcador de fecha 3">
             <a:extLst>
               <a:ext uri="{FF2B5EF4-FFF2-40B4-BE49-F238E27FC236}">
-                <a16:creationId xmlns:a16="http://schemas.microsoft.com/office/drawing/2014/main" id="{B6A7CDF3-CB60-90A3-ADC5-A9B7E28080AC}"/>
+                <a16:creationId xmlns:a16="http://schemas.microsoft.com/office/drawing/2014/main" id="{31BA5FC9-1709-275E-9F31-5C865004C400}"/>
               </a:ext>
             </a:extLst>
           </p:cNvPr>
@@ -12208,7 +13726,7 @@
     </p:spTree>
     <p:extLst>
       <p:ext uri="{BB962C8B-B14F-4D97-AF65-F5344CB8AC3E}">
-        <p14:creationId xmlns:p14="http://schemas.microsoft.com/office/powerpoint/2010/main" val="2348889062"/>
+        <p14:creationId xmlns:p14="http://schemas.microsoft.com/office/powerpoint/2010/main" val="3646565418"/>
       </p:ext>
     </p:extLst>
   </p:cSld>
@@ -12240,7 +13758,7 @@
           <p:cNvPr id="2" name="Título 1">
             <a:extLst>
               <a:ext uri="{FF2B5EF4-FFF2-40B4-BE49-F238E27FC236}">
-                <a16:creationId xmlns:a16="http://schemas.microsoft.com/office/drawing/2014/main" id="{EAB5007F-7B1D-D1DE-A012-F24799BCB038}"/>
+                <a16:creationId xmlns:a16="http://schemas.microsoft.com/office/drawing/2014/main" id="{3E6B48DE-EE83-1F47-06E2-2CC7FE260149}"/>
               </a:ext>
             </a:extLst>
           </p:cNvPr>
@@ -12264,40 +13782,41 @@
           </a:p>
         </p:txBody>
       </p:sp>
-      <p:sp>
-        <p:nvSpPr>
-          <p:cNvPr id="3" name="Marcador de contenido 2">
+      <p:pic>
+        <p:nvPicPr>
+          <p:cNvPr id="6" name="Marcador de contenido 5">
             <a:extLst>
               <a:ext uri="{FF2B5EF4-FFF2-40B4-BE49-F238E27FC236}">
-                <a16:creationId xmlns:a16="http://schemas.microsoft.com/office/drawing/2014/main" id="{8FE80A81-90A0-F3CA-3F72-11F3C4E484F9}"/>
+                <a16:creationId xmlns:a16="http://schemas.microsoft.com/office/drawing/2014/main" id="{F1BF7CB7-3688-A4CF-F463-47B8F69392A5}"/>
               </a:ext>
             </a:extLst>
           </p:cNvPr>
-          <p:cNvSpPr>
-            <a:spLocks noGrp="1"/>
-          </p:cNvSpPr>
+          <p:cNvPicPr>
+            <a:picLocks noGrp="1" noChangeAspect="1"/>
+          </p:cNvPicPr>
           <p:nvPr>
             <p:ph idx="1"/>
           </p:nvPr>
-        </p:nvSpPr>
-        <p:spPr/>
-        <p:txBody>
-          <a:bodyPr/>
-          <a:lstStyle/>
-          <a:p>
-            <a:r>
-              <a:rPr lang="es-ES" dirty="0"/>
-              <a:t>Para realizar un análisis de eficiencia empírica deberemos ejecutar el mismo algoritmo para diferentes tamaños de entrada. Para el este algoritmo, lo ejecutaremos para diferentes tamaños del vector de puntos al cual debemos calcular la envolvente conexa y obtendremos el tiempo. Estos tiempos los almacenamos en un fichero dyv.dat. El código es el siguiente: </a:t>
-            </a:r>
-          </a:p>
-        </p:txBody>
-      </p:sp>
+        </p:nvPicPr>
+        <p:blipFill>
+          <a:blip r:embed="rId2"/>
+          <a:stretch>
+            <a:fillRect/>
+          </a:stretch>
+        </p:blipFill>
+        <p:spPr>
+          <a:xfrm>
+            <a:off x="5499365" y="2108200"/>
+            <a:ext cx="1253596" cy="3760788"/>
+          </a:xfrm>
+        </p:spPr>
+      </p:pic>
       <p:sp>
         <p:nvSpPr>
           <p:cNvPr id="4" name="Marcador de fecha 3">
             <a:extLst>
               <a:ext uri="{FF2B5EF4-FFF2-40B4-BE49-F238E27FC236}">
-                <a16:creationId xmlns:a16="http://schemas.microsoft.com/office/drawing/2014/main" id="{36B8D58F-E392-1803-E776-1551F68EFDCA}"/>
+                <a16:creationId xmlns:a16="http://schemas.microsoft.com/office/drawing/2014/main" id="{E6C4CC6F-EB62-6E1F-2BCC-EBE1ACC1CF66}"/>
               </a:ext>
             </a:extLst>
           </p:cNvPr>
@@ -12325,7 +13844,7 @@
     </p:spTree>
     <p:extLst>
       <p:ext uri="{BB962C8B-B14F-4D97-AF65-F5344CB8AC3E}">
-        <p14:creationId xmlns:p14="http://schemas.microsoft.com/office/powerpoint/2010/main" val="3608797857"/>
+        <p14:creationId xmlns:p14="http://schemas.microsoft.com/office/powerpoint/2010/main" val="1036057194"/>
       </p:ext>
     </p:extLst>
   </p:cSld>
@@ -12357,975 +13876,6 @@
           <p:cNvPr id="2" name="Título 1">
             <a:extLst>
               <a:ext uri="{FF2B5EF4-FFF2-40B4-BE49-F238E27FC236}">
-                <a16:creationId xmlns:a16="http://schemas.microsoft.com/office/drawing/2014/main" id="{354CD105-345F-11A0-98AF-FDF6EF76D970}"/>
-              </a:ext>
-            </a:extLst>
-          </p:cNvPr>
-          <p:cNvSpPr>
-            <a:spLocks noGrp="1"/>
-          </p:cNvSpPr>
-          <p:nvPr>
-            <p:ph type="title"/>
-          </p:nvPr>
-        </p:nvSpPr>
-        <p:spPr/>
-        <p:txBody>
-          <a:bodyPr/>
-          <a:lstStyle/>
-          <a:p>
-            <a:pPr algn="ctr"/>
-            <a:r>
-              <a:rPr lang="es-ES" dirty="0"/>
-              <a:t>Eficiencia Empírica</a:t>
-            </a:r>
-          </a:p>
-        </p:txBody>
-      </p:sp>
-      <p:sp>
-        <p:nvSpPr>
-          <p:cNvPr id="3" name="Marcador de contenido 2">
-            <a:extLst>
-              <a:ext uri="{FF2B5EF4-FFF2-40B4-BE49-F238E27FC236}">
-                <a16:creationId xmlns:a16="http://schemas.microsoft.com/office/drawing/2014/main" id="{4BB3EFFA-CDC7-22F2-312B-A5DBA31BDDEE}"/>
-              </a:ext>
-            </a:extLst>
-          </p:cNvPr>
-          <p:cNvSpPr>
-            <a:spLocks noGrp="1"/>
-          </p:cNvSpPr>
-          <p:nvPr>
-            <p:ph idx="1"/>
-          </p:nvPr>
-        </p:nvSpPr>
-        <p:spPr>
-          <a:xfrm>
-            <a:off x="4654203" y="2211653"/>
-            <a:ext cx="2883593" cy="3760891"/>
-          </a:xfrm>
-          <a:solidFill>
-            <a:schemeClr val="bg1">
-              <a:lumMod val="95000"/>
-            </a:schemeClr>
-          </a:solidFill>
-        </p:spPr>
-        <p:txBody>
-          <a:bodyPr>
-            <a:normAutofit lnSpcReduction="10000"/>
-          </a:bodyPr>
-          <a:lstStyle/>
-          <a:p>
-            <a:pPr algn="l" rtl="0" fontAlgn="base">
-              <a:spcBef>
-                <a:spcPts val="0"/>
-              </a:spcBef>
-              <a:spcAft>
-                <a:spcPts val="0"/>
-              </a:spcAft>
-            </a:pPr>
-            <a:r>
-              <a:rPr lang="es-ES" sz="1400" b="0" i="0" dirty="0">
-                <a:solidFill>
-                  <a:srgbClr val="008000"/>
-                </a:solidFill>
-                <a:effectLst/>
-                <a:latin typeface="Consolas" panose="020B0609020204030204" pitchFamily="49" charset="0"/>
-              </a:rPr>
-              <a:t>#!/bin/bash  </a:t>
-            </a:r>
-            <a:endParaRPr lang="es-ES" sz="1400" b="0" i="0" dirty="0">
-              <a:solidFill>
-                <a:srgbClr val="000000"/>
-              </a:solidFill>
-              <a:effectLst/>
-              <a:latin typeface="Segoe UI" panose="020B0502040204020203" pitchFamily="34" charset="0"/>
-            </a:endParaRPr>
-          </a:p>
-          <a:p>
-            <a:pPr algn="l" rtl="0" fontAlgn="base">
-              <a:spcBef>
-                <a:spcPts val="0"/>
-              </a:spcBef>
-              <a:spcAft>
-                <a:spcPts val="0"/>
-              </a:spcAft>
-            </a:pPr>
-            <a:r>
-              <a:rPr lang="es-ES" sz="1400" b="0" i="0" dirty="0" err="1">
-                <a:solidFill>
-                  <a:srgbClr val="000000"/>
-                </a:solidFill>
-                <a:effectLst/>
-                <a:latin typeface="Consolas" panose="020B0609020204030204" pitchFamily="49" charset="0"/>
-              </a:rPr>
-              <a:t>printf</a:t>
-            </a:r>
-            <a:r>
-              <a:rPr lang="es-ES" sz="1400" b="0" i="0" dirty="0">
-                <a:solidFill>
-                  <a:srgbClr val="000000"/>
-                </a:solidFill>
-                <a:effectLst/>
-                <a:latin typeface="Consolas" panose="020B0609020204030204" pitchFamily="49" charset="0"/>
-              </a:rPr>
-              <a:t> </a:t>
-            </a:r>
-            <a:r>
-              <a:rPr lang="es-ES" sz="1400" b="0" i="0" dirty="0">
-                <a:solidFill>
-                  <a:srgbClr val="A31515"/>
-                </a:solidFill>
-                <a:effectLst/>
-                <a:latin typeface="Consolas" panose="020B0609020204030204" pitchFamily="49" charset="0"/>
-              </a:rPr>
-              <a:t>""</a:t>
-            </a:r>
-            <a:r>
-              <a:rPr lang="es-ES" sz="1400" b="0" i="0" dirty="0">
-                <a:solidFill>
-                  <a:srgbClr val="000000"/>
-                </a:solidFill>
-                <a:effectLst/>
-                <a:latin typeface="Consolas" panose="020B0609020204030204" pitchFamily="49" charset="0"/>
-              </a:rPr>
-              <a:t> &gt; dyv.dat </a:t>
-            </a:r>
-            <a:endParaRPr lang="es-ES" sz="1400" b="0" i="0" dirty="0">
-              <a:solidFill>
-                <a:srgbClr val="000000"/>
-              </a:solidFill>
-              <a:effectLst/>
-              <a:latin typeface="Segoe UI" panose="020B0502040204020203" pitchFamily="34" charset="0"/>
-            </a:endParaRPr>
-          </a:p>
-          <a:p>
-            <a:pPr algn="l" rtl="0" fontAlgn="base">
-              <a:spcBef>
-                <a:spcPts val="0"/>
-              </a:spcBef>
-              <a:spcAft>
-                <a:spcPts val="0"/>
-              </a:spcAft>
-            </a:pPr>
-            <a:r>
-              <a:rPr lang="es-ES" sz="1400" b="0" i="0" dirty="0">
-                <a:solidFill>
-                  <a:srgbClr val="000000"/>
-                </a:solidFill>
-                <a:effectLst/>
-                <a:latin typeface="Consolas" panose="020B0609020204030204" pitchFamily="49" charset="0"/>
-              </a:rPr>
-              <a:t>  </a:t>
-            </a:r>
-            <a:endParaRPr lang="es-ES" sz="1400" b="0" i="0" dirty="0">
-              <a:solidFill>
-                <a:srgbClr val="000000"/>
-              </a:solidFill>
-              <a:effectLst/>
-              <a:latin typeface="Segoe UI" panose="020B0502040204020203" pitchFamily="34" charset="0"/>
-            </a:endParaRPr>
-          </a:p>
-          <a:p>
-            <a:pPr algn="l" rtl="0" fontAlgn="base">
-              <a:spcBef>
-                <a:spcPts val="0"/>
-              </a:spcBef>
-              <a:spcAft>
-                <a:spcPts val="0"/>
-              </a:spcAft>
-            </a:pPr>
-            <a:r>
-              <a:rPr lang="es-ES" sz="1400" b="0" i="0" dirty="0">
-                <a:solidFill>
-                  <a:srgbClr val="000000"/>
-                </a:solidFill>
-                <a:effectLst/>
-                <a:latin typeface="Consolas" panose="020B0609020204030204" pitchFamily="49" charset="0"/>
-              </a:rPr>
-              <a:t>i=</a:t>
-            </a:r>
-            <a:r>
-              <a:rPr lang="es-ES" sz="1400" b="0" i="0" dirty="0">
-                <a:solidFill>
-                  <a:srgbClr val="006666"/>
-                </a:solidFill>
-                <a:effectLst/>
-                <a:latin typeface="Consolas" panose="020B0609020204030204" pitchFamily="49" charset="0"/>
-              </a:rPr>
-              <a:t>50000 </a:t>
-            </a:r>
-            <a:endParaRPr lang="es-ES" sz="1400" b="0" i="0" dirty="0">
-              <a:solidFill>
-                <a:srgbClr val="000000"/>
-              </a:solidFill>
-              <a:effectLst/>
-              <a:latin typeface="Segoe UI" panose="020B0502040204020203" pitchFamily="34" charset="0"/>
-            </a:endParaRPr>
-          </a:p>
-          <a:p>
-            <a:pPr algn="l" rtl="0" fontAlgn="base">
-              <a:spcBef>
-                <a:spcPts val="0"/>
-              </a:spcBef>
-              <a:spcAft>
-                <a:spcPts val="0"/>
-              </a:spcAft>
-            </a:pPr>
-            <a:r>
-              <a:rPr lang="es-ES" sz="1400" b="0" i="0" dirty="0" err="1">
-                <a:solidFill>
-                  <a:srgbClr val="0000FF"/>
-                </a:solidFill>
-                <a:effectLst/>
-                <a:latin typeface="Consolas" panose="020B0609020204030204" pitchFamily="49" charset="0"/>
-              </a:rPr>
-              <a:t>while</a:t>
-            </a:r>
-            <a:r>
-              <a:rPr lang="es-ES" sz="1400" b="0" i="0" dirty="0">
-                <a:solidFill>
-                  <a:srgbClr val="000000"/>
-                </a:solidFill>
-                <a:effectLst/>
-                <a:latin typeface="Consolas" panose="020B0609020204030204" pitchFamily="49" charset="0"/>
-              </a:rPr>
-              <a:t> [ </a:t>
-            </a:r>
-            <a:r>
-              <a:rPr lang="es-ES" sz="1400" b="0" i="0" dirty="0">
-                <a:solidFill>
-                  <a:srgbClr val="A31515"/>
-                </a:solidFill>
-                <a:effectLst/>
-                <a:latin typeface="Consolas" panose="020B0609020204030204" pitchFamily="49" charset="0"/>
-              </a:rPr>
-              <a:t>"$i"</a:t>
-            </a:r>
-            <a:r>
-              <a:rPr lang="es-ES" sz="1400" b="0" i="0" dirty="0">
-                <a:solidFill>
-                  <a:srgbClr val="000000"/>
-                </a:solidFill>
-                <a:effectLst/>
-                <a:latin typeface="Consolas" panose="020B0609020204030204" pitchFamily="49" charset="0"/>
-              </a:rPr>
-              <a:t> -le </a:t>
-            </a:r>
-            <a:r>
-              <a:rPr lang="es-ES" sz="1400" b="0" i="0" dirty="0">
-                <a:solidFill>
-                  <a:srgbClr val="006666"/>
-                </a:solidFill>
-                <a:effectLst/>
-                <a:latin typeface="Consolas" panose="020B0609020204030204" pitchFamily="49" charset="0"/>
-              </a:rPr>
-              <a:t>1300000</a:t>
-            </a:r>
-            <a:r>
-              <a:rPr lang="es-ES" sz="1400" b="0" i="0" dirty="0">
-                <a:solidFill>
-                  <a:srgbClr val="000000"/>
-                </a:solidFill>
-                <a:effectLst/>
-                <a:latin typeface="Consolas" panose="020B0609020204030204" pitchFamily="49" charset="0"/>
-              </a:rPr>
-              <a:t> ] </a:t>
-            </a:r>
-            <a:endParaRPr lang="es-ES" sz="1400" b="0" i="0" dirty="0">
-              <a:solidFill>
-                <a:srgbClr val="000000"/>
-              </a:solidFill>
-              <a:effectLst/>
-              <a:latin typeface="Segoe UI" panose="020B0502040204020203" pitchFamily="34" charset="0"/>
-            </a:endParaRPr>
-          </a:p>
-          <a:p>
-            <a:pPr algn="l" rtl="0" fontAlgn="base">
-              <a:spcBef>
-                <a:spcPts val="0"/>
-              </a:spcBef>
-              <a:spcAft>
-                <a:spcPts val="0"/>
-              </a:spcAft>
-            </a:pPr>
-            <a:r>
-              <a:rPr lang="es-ES" sz="1400" b="0" i="0" dirty="0">
-                <a:solidFill>
-                  <a:srgbClr val="0000FF"/>
-                </a:solidFill>
-                <a:effectLst/>
-                <a:latin typeface="Consolas" panose="020B0609020204030204" pitchFamily="49" charset="0"/>
-              </a:rPr>
-              <a:t>do </a:t>
-            </a:r>
-            <a:endParaRPr lang="es-ES" sz="1400" b="0" i="0" dirty="0">
-              <a:solidFill>
-                <a:srgbClr val="000000"/>
-              </a:solidFill>
-              <a:effectLst/>
-              <a:latin typeface="Segoe UI" panose="020B0502040204020203" pitchFamily="34" charset="0"/>
-            </a:endParaRPr>
-          </a:p>
-          <a:p>
-            <a:pPr algn="l" rtl="0" fontAlgn="base">
-              <a:spcBef>
-                <a:spcPts val="0"/>
-              </a:spcBef>
-              <a:spcAft>
-                <a:spcPts val="0"/>
-              </a:spcAft>
-            </a:pPr>
-            <a:r>
-              <a:rPr lang="es-ES" sz="1400" b="0" i="0" dirty="0">
-                <a:solidFill>
-                  <a:srgbClr val="008000"/>
-                </a:solidFill>
-                <a:effectLst/>
-                <a:latin typeface="Consolas" panose="020B0609020204030204" pitchFamily="49" charset="0"/>
-              </a:rPr>
-              <a:t># Generamos los puntos</a:t>
-            </a:r>
-            <a:r>
-              <a:rPr lang="es-ES" sz="1400" b="0" i="0" dirty="0">
-                <a:solidFill>
-                  <a:srgbClr val="008000"/>
-                </a:solidFill>
-                <a:effectLst/>
-                <a:latin typeface="Calibri" panose="020F0502020204030204" pitchFamily="34" charset="0"/>
-              </a:rPr>
-              <a:t> </a:t>
-            </a:r>
-            <a:r>
-              <a:rPr lang="es-ES" sz="1400" b="0" i="0" dirty="0">
-                <a:solidFill>
-                  <a:srgbClr val="000000"/>
-                </a:solidFill>
-                <a:effectLst/>
-                <a:latin typeface="Consolas" panose="020B0609020204030204" pitchFamily="49" charset="0"/>
-              </a:rPr>
-              <a:t> </a:t>
-            </a:r>
-            <a:endParaRPr lang="es-ES" sz="1400" b="0" i="0" dirty="0">
-              <a:solidFill>
-                <a:srgbClr val="000000"/>
-              </a:solidFill>
-              <a:effectLst/>
-              <a:latin typeface="Segoe UI" panose="020B0502040204020203" pitchFamily="34" charset="0"/>
-            </a:endParaRPr>
-          </a:p>
-          <a:p>
-            <a:pPr algn="l" rtl="0" fontAlgn="base">
-              <a:spcBef>
-                <a:spcPts val="0"/>
-              </a:spcBef>
-              <a:spcAft>
-                <a:spcPts val="0"/>
-              </a:spcAft>
-            </a:pPr>
-            <a:r>
-              <a:rPr lang="es-ES" sz="1400" b="0" i="0" dirty="0">
-                <a:solidFill>
-                  <a:srgbClr val="000000"/>
-                </a:solidFill>
-                <a:effectLst/>
-                <a:latin typeface="Consolas" panose="020B0609020204030204" pitchFamily="49" charset="0"/>
-              </a:rPr>
-              <a:t>./generador $i </a:t>
-            </a:r>
-            <a:endParaRPr lang="es-ES" sz="1400" b="0" i="0" dirty="0">
-              <a:solidFill>
-                <a:srgbClr val="000000"/>
-              </a:solidFill>
-              <a:effectLst/>
-              <a:latin typeface="Segoe UI" panose="020B0502040204020203" pitchFamily="34" charset="0"/>
-            </a:endParaRPr>
-          </a:p>
-          <a:p>
-            <a:pPr algn="l" rtl="0" fontAlgn="base">
-              <a:spcBef>
-                <a:spcPts val="0"/>
-              </a:spcBef>
-              <a:spcAft>
-                <a:spcPts val="0"/>
-              </a:spcAft>
-            </a:pPr>
-            <a:r>
-              <a:rPr lang="es-ES" sz="1400" b="0" i="0" dirty="0">
-                <a:solidFill>
-                  <a:srgbClr val="000000"/>
-                </a:solidFill>
-                <a:effectLst/>
-                <a:latin typeface="Consolas" panose="020B0609020204030204" pitchFamily="49" charset="0"/>
-              </a:rPr>
-              <a:t>   </a:t>
-            </a:r>
-            <a:endParaRPr lang="es-ES" sz="1400" b="0" i="0" dirty="0">
-              <a:solidFill>
-                <a:srgbClr val="000000"/>
-              </a:solidFill>
-              <a:effectLst/>
-              <a:latin typeface="Segoe UI" panose="020B0502040204020203" pitchFamily="34" charset="0"/>
-            </a:endParaRPr>
-          </a:p>
-          <a:p>
-            <a:pPr algn="l" rtl="0" fontAlgn="base">
-              <a:spcBef>
-                <a:spcPts val="0"/>
-              </a:spcBef>
-              <a:spcAft>
-                <a:spcPts val="0"/>
-              </a:spcAft>
-            </a:pPr>
-            <a:r>
-              <a:rPr lang="es-ES" sz="1400" b="0" i="0" dirty="0">
-                <a:solidFill>
-                  <a:srgbClr val="008000"/>
-                </a:solidFill>
-                <a:effectLst/>
-                <a:latin typeface="Consolas" panose="020B0609020204030204" pitchFamily="49" charset="0"/>
-              </a:rPr>
-              <a:t># Ejecutamos los puntos </a:t>
-            </a:r>
-            <a:endParaRPr lang="es-ES" sz="1400" b="0" i="0" dirty="0">
-              <a:solidFill>
-                <a:srgbClr val="000000"/>
-              </a:solidFill>
-              <a:effectLst/>
-              <a:latin typeface="Segoe UI" panose="020B0502040204020203" pitchFamily="34" charset="0"/>
-            </a:endParaRPr>
-          </a:p>
-          <a:p>
-            <a:pPr algn="l" rtl="0" fontAlgn="base">
-              <a:spcBef>
-                <a:spcPts val="0"/>
-              </a:spcBef>
-              <a:spcAft>
-                <a:spcPts val="0"/>
-              </a:spcAft>
-            </a:pPr>
-            <a:r>
-              <a:rPr lang="es-ES" sz="1400" b="0" i="0" dirty="0">
-                <a:solidFill>
-                  <a:srgbClr val="000000"/>
-                </a:solidFill>
-                <a:effectLst/>
-                <a:latin typeface="Consolas" panose="020B0609020204030204" pitchFamily="49" charset="0"/>
-              </a:rPr>
-              <a:t>./</a:t>
-            </a:r>
-            <a:r>
-              <a:rPr lang="es-ES" sz="1400" b="0" i="0" dirty="0" err="1">
-                <a:solidFill>
-                  <a:srgbClr val="000000"/>
-                </a:solidFill>
-                <a:effectLst/>
-                <a:latin typeface="Consolas" panose="020B0609020204030204" pitchFamily="49" charset="0"/>
-              </a:rPr>
-              <a:t>dyv</a:t>
-            </a:r>
-            <a:r>
-              <a:rPr lang="es-ES" sz="1400" b="0" i="0" dirty="0">
-                <a:solidFill>
-                  <a:srgbClr val="000000"/>
-                </a:solidFill>
-                <a:effectLst/>
-                <a:latin typeface="Consolas" panose="020B0609020204030204" pitchFamily="49" charset="0"/>
-              </a:rPr>
-              <a:t> data.txt &gt;&gt; dyv.dat </a:t>
-            </a:r>
-            <a:endParaRPr lang="es-ES" sz="1400" b="0" i="0" dirty="0">
-              <a:solidFill>
-                <a:srgbClr val="000000"/>
-              </a:solidFill>
-              <a:effectLst/>
-              <a:latin typeface="Segoe UI" panose="020B0502040204020203" pitchFamily="34" charset="0"/>
-            </a:endParaRPr>
-          </a:p>
-          <a:p>
-            <a:pPr algn="l" rtl="0" fontAlgn="base">
-              <a:spcBef>
-                <a:spcPts val="0"/>
-              </a:spcBef>
-              <a:spcAft>
-                <a:spcPts val="0"/>
-              </a:spcAft>
-            </a:pPr>
-            <a:r>
-              <a:rPr lang="es-ES" sz="1400" b="0" i="0" dirty="0">
-                <a:solidFill>
-                  <a:srgbClr val="000000"/>
-                </a:solidFill>
-                <a:effectLst/>
-                <a:latin typeface="Consolas" panose="020B0609020204030204" pitchFamily="49" charset="0"/>
-              </a:rPr>
-              <a:t>  </a:t>
-            </a:r>
-            <a:endParaRPr lang="es-ES" sz="1400" b="0" i="0" dirty="0">
-              <a:solidFill>
-                <a:srgbClr val="000000"/>
-              </a:solidFill>
-              <a:effectLst/>
-              <a:latin typeface="Segoe UI" panose="020B0502040204020203" pitchFamily="34" charset="0"/>
-            </a:endParaRPr>
-          </a:p>
-          <a:p>
-            <a:pPr algn="l" rtl="0" fontAlgn="base">
-              <a:spcBef>
-                <a:spcPts val="0"/>
-              </a:spcBef>
-              <a:spcAft>
-                <a:spcPts val="0"/>
-              </a:spcAft>
-            </a:pPr>
-            <a:r>
-              <a:rPr lang="es-ES" sz="1400" b="0" i="0" dirty="0">
-                <a:solidFill>
-                  <a:srgbClr val="000000"/>
-                </a:solidFill>
-                <a:effectLst/>
-                <a:latin typeface="Consolas" panose="020B0609020204030204" pitchFamily="49" charset="0"/>
-              </a:rPr>
-              <a:t>echo </a:t>
-            </a:r>
-            <a:r>
-              <a:rPr lang="es-ES" sz="1400" b="0" i="0" dirty="0">
-                <a:solidFill>
-                  <a:srgbClr val="A31515"/>
-                </a:solidFill>
-                <a:effectLst/>
-                <a:latin typeface="Consolas" panose="020B0609020204030204" pitchFamily="49" charset="0"/>
-              </a:rPr>
-              <a:t>"Terminado $i"</a:t>
-            </a:r>
-            <a:r>
-              <a:rPr lang="es-ES" sz="1400" b="0" i="0" dirty="0">
-                <a:solidFill>
-                  <a:srgbClr val="000000"/>
-                </a:solidFill>
-                <a:effectLst/>
-                <a:latin typeface="Consolas" panose="020B0609020204030204" pitchFamily="49" charset="0"/>
-              </a:rPr>
-              <a:t>  </a:t>
-            </a:r>
-            <a:endParaRPr lang="es-ES" sz="1400" b="0" i="0" dirty="0">
-              <a:solidFill>
-                <a:srgbClr val="000000"/>
-              </a:solidFill>
-              <a:effectLst/>
-              <a:latin typeface="Segoe UI" panose="020B0502040204020203" pitchFamily="34" charset="0"/>
-            </a:endParaRPr>
-          </a:p>
-          <a:p>
-            <a:pPr algn="l" rtl="0" fontAlgn="base">
-              <a:spcBef>
-                <a:spcPts val="0"/>
-              </a:spcBef>
-              <a:spcAft>
-                <a:spcPts val="0"/>
-              </a:spcAft>
-            </a:pPr>
-            <a:r>
-              <a:rPr lang="es-ES" sz="1400" b="0" i="0" dirty="0">
-                <a:solidFill>
-                  <a:srgbClr val="000000"/>
-                </a:solidFill>
-                <a:effectLst/>
-                <a:latin typeface="Consolas" panose="020B0609020204030204" pitchFamily="49" charset="0"/>
-              </a:rPr>
-              <a:t> </a:t>
-            </a:r>
-            <a:endParaRPr lang="es-ES" sz="1400" b="0" i="0" dirty="0">
-              <a:solidFill>
-                <a:srgbClr val="000000"/>
-              </a:solidFill>
-              <a:effectLst/>
-              <a:latin typeface="Segoe UI" panose="020B0502040204020203" pitchFamily="34" charset="0"/>
-            </a:endParaRPr>
-          </a:p>
-          <a:p>
-            <a:pPr algn="l" rtl="0" fontAlgn="base">
-              <a:spcBef>
-                <a:spcPts val="0"/>
-              </a:spcBef>
-              <a:spcAft>
-                <a:spcPts val="0"/>
-              </a:spcAft>
-            </a:pPr>
-            <a:r>
-              <a:rPr lang="es-ES" sz="1400" b="0" i="0" dirty="0">
-                <a:solidFill>
-                  <a:srgbClr val="000000"/>
-                </a:solidFill>
-                <a:effectLst/>
-                <a:latin typeface="Consolas" panose="020B0609020204030204" pitchFamily="49" charset="0"/>
-              </a:rPr>
-              <a:t>i=$(( $i + </a:t>
-            </a:r>
-            <a:r>
-              <a:rPr lang="es-ES" sz="1400" b="0" i="0" dirty="0">
-                <a:solidFill>
-                  <a:srgbClr val="006666"/>
-                </a:solidFill>
-                <a:effectLst/>
-                <a:latin typeface="Consolas" panose="020B0609020204030204" pitchFamily="49" charset="0"/>
-              </a:rPr>
-              <a:t>50000</a:t>
-            </a:r>
-            <a:r>
-              <a:rPr lang="es-ES" sz="1400" b="0" i="0" dirty="0">
-                <a:solidFill>
-                  <a:srgbClr val="000000"/>
-                </a:solidFill>
-                <a:effectLst/>
-                <a:latin typeface="Consolas" panose="020B0609020204030204" pitchFamily="49" charset="0"/>
-              </a:rPr>
-              <a:t> )) </a:t>
-            </a:r>
-            <a:endParaRPr lang="es-ES" sz="1400" b="0" i="0" dirty="0">
-              <a:solidFill>
-                <a:srgbClr val="000000"/>
-              </a:solidFill>
-              <a:effectLst/>
-              <a:latin typeface="Segoe UI" panose="020B0502040204020203" pitchFamily="34" charset="0"/>
-            </a:endParaRPr>
-          </a:p>
-          <a:p>
-            <a:pPr algn="l" rtl="0" fontAlgn="base">
-              <a:spcBef>
-                <a:spcPts val="0"/>
-              </a:spcBef>
-              <a:spcAft>
-                <a:spcPts val="0"/>
-              </a:spcAft>
-            </a:pPr>
-            <a:r>
-              <a:rPr lang="es-ES" sz="1400" b="0" i="0" dirty="0">
-                <a:solidFill>
-                  <a:srgbClr val="0000FF"/>
-                </a:solidFill>
-                <a:effectLst/>
-                <a:latin typeface="Consolas" panose="020B0609020204030204" pitchFamily="49" charset="0"/>
-              </a:rPr>
-              <a:t>done </a:t>
-            </a:r>
-            <a:endParaRPr lang="es-ES" sz="1400" b="0" i="0" dirty="0">
-              <a:solidFill>
-                <a:srgbClr val="000000"/>
-              </a:solidFill>
-              <a:effectLst/>
-              <a:latin typeface="Segoe UI" panose="020B0502040204020203" pitchFamily="34" charset="0"/>
-            </a:endParaRPr>
-          </a:p>
-          <a:p>
-            <a:endParaRPr lang="es-ES" dirty="0"/>
-          </a:p>
-        </p:txBody>
-      </p:sp>
-      <p:sp>
-        <p:nvSpPr>
-          <p:cNvPr id="4" name="Marcador de fecha 3">
-            <a:extLst>
-              <a:ext uri="{FF2B5EF4-FFF2-40B4-BE49-F238E27FC236}">
-                <a16:creationId xmlns:a16="http://schemas.microsoft.com/office/drawing/2014/main" id="{4E68EF46-B24C-E025-9AE1-8F1BE529A590}"/>
-              </a:ext>
-            </a:extLst>
-          </p:cNvPr>
-          <p:cNvSpPr>
-            <a:spLocks noGrp="1"/>
-          </p:cNvSpPr>
-          <p:nvPr>
-            <p:ph type="dt" sz="half" idx="10"/>
-          </p:nvPr>
-        </p:nvSpPr>
-        <p:spPr/>
-        <p:txBody>
-          <a:bodyPr/>
-          <a:lstStyle/>
-          <a:p>
-            <a:pPr rtl="0"/>
-            <a:fld id="{642B802E-BFC6-4F89-8E3C-91026AB025AB}" type="datetime1">
-              <a:rPr lang="es-ES" smtClean="0"/>
-              <a:t>18/04/2023</a:t>
-            </a:fld>
-            <a:endParaRPr lang="en-US" dirty="0"/>
-          </a:p>
-        </p:txBody>
-      </p:sp>
-    </p:spTree>
-    <p:extLst>
-      <p:ext uri="{BB962C8B-B14F-4D97-AF65-F5344CB8AC3E}">
-        <p14:creationId xmlns:p14="http://schemas.microsoft.com/office/powerpoint/2010/main" val="3415739522"/>
-      </p:ext>
-    </p:extLst>
-  </p:cSld>
-  <p:clrMapOvr>
-    <a:masterClrMapping/>
-  </p:clrMapOvr>
-</p:sld>
-</file>
-
-<file path=ppt/slides/slide33.xml><?xml version="1.0" encoding="utf-8"?>
-<p:sld xmlns:a="http://schemas.openxmlformats.org/drawingml/2006/main" xmlns:r="http://schemas.openxmlformats.org/officeDocument/2006/relationships" xmlns:p="http://schemas.openxmlformats.org/presentationml/2006/main">
-  <p:cSld>
-    <p:spTree>
-      <p:nvGrpSpPr>
-        <p:cNvPr id="1" name=""/>
-        <p:cNvGrpSpPr/>
-        <p:nvPr/>
-      </p:nvGrpSpPr>
-      <p:grpSpPr>
-        <a:xfrm>
-          <a:off x="0" y="0"/>
-          <a:ext cx="0" cy="0"/>
-          <a:chOff x="0" y="0"/>
-          <a:chExt cx="0" cy="0"/>
-        </a:xfrm>
-      </p:grpSpPr>
-      <p:sp>
-        <p:nvSpPr>
-          <p:cNvPr id="2" name="Título 1">
-            <a:extLst>
-              <a:ext uri="{FF2B5EF4-FFF2-40B4-BE49-F238E27FC236}">
-                <a16:creationId xmlns:a16="http://schemas.microsoft.com/office/drawing/2014/main" id="{21B0D187-DD8F-D967-35C8-ABA628C528CE}"/>
-              </a:ext>
-            </a:extLst>
-          </p:cNvPr>
-          <p:cNvSpPr>
-            <a:spLocks noGrp="1"/>
-          </p:cNvSpPr>
-          <p:nvPr>
-            <p:ph type="title"/>
-          </p:nvPr>
-        </p:nvSpPr>
-        <p:spPr/>
-        <p:txBody>
-          <a:bodyPr/>
-          <a:lstStyle/>
-          <a:p>
-            <a:pPr algn="ctr"/>
-            <a:r>
-              <a:rPr lang="es-ES" dirty="0"/>
-              <a:t>Eficiencia Empírica</a:t>
-            </a:r>
-          </a:p>
-        </p:txBody>
-      </p:sp>
-      <p:sp>
-        <p:nvSpPr>
-          <p:cNvPr id="3" name="Marcador de contenido 2">
-            <a:extLst>
-              <a:ext uri="{FF2B5EF4-FFF2-40B4-BE49-F238E27FC236}">
-                <a16:creationId xmlns:a16="http://schemas.microsoft.com/office/drawing/2014/main" id="{396E8A1D-0CD7-1F6F-27C6-1C2A62E82AA0}"/>
-              </a:ext>
-            </a:extLst>
-          </p:cNvPr>
-          <p:cNvSpPr>
-            <a:spLocks noGrp="1"/>
-          </p:cNvSpPr>
-          <p:nvPr>
-            <p:ph idx="1"/>
-          </p:nvPr>
-        </p:nvSpPr>
-        <p:spPr/>
-        <p:txBody>
-          <a:bodyPr/>
-          <a:lstStyle/>
-          <a:p>
-            <a:r>
-              <a:rPr lang="es-ES" dirty="0"/>
-              <a:t>Empezamos con un tamaño base de 50000 puntos y vamos aumentándolo de 50000 en 50000 hasta llegar al tamaño de 1300000 puntos. </a:t>
-            </a:r>
-          </a:p>
-          <a:p>
-            <a:r>
-              <a:rPr lang="es-ES" dirty="0"/>
-              <a:t>Los tiempos obtenidos son los siguientes: </a:t>
-            </a:r>
-          </a:p>
-        </p:txBody>
-      </p:sp>
-      <p:sp>
-        <p:nvSpPr>
-          <p:cNvPr id="4" name="Marcador de fecha 3">
-            <a:extLst>
-              <a:ext uri="{FF2B5EF4-FFF2-40B4-BE49-F238E27FC236}">
-                <a16:creationId xmlns:a16="http://schemas.microsoft.com/office/drawing/2014/main" id="{31BA5FC9-1709-275E-9F31-5C865004C400}"/>
-              </a:ext>
-            </a:extLst>
-          </p:cNvPr>
-          <p:cNvSpPr>
-            <a:spLocks noGrp="1"/>
-          </p:cNvSpPr>
-          <p:nvPr>
-            <p:ph type="dt" sz="half" idx="10"/>
-          </p:nvPr>
-        </p:nvSpPr>
-        <p:spPr/>
-        <p:txBody>
-          <a:bodyPr/>
-          <a:lstStyle/>
-          <a:p>
-            <a:pPr rtl="0"/>
-            <a:fld id="{642B802E-BFC6-4F89-8E3C-91026AB025AB}" type="datetime1">
-              <a:rPr lang="es-ES" smtClean="0"/>
-              <a:t>18/04/2023</a:t>
-            </a:fld>
-            <a:endParaRPr lang="en-US" dirty="0"/>
-          </a:p>
-        </p:txBody>
-      </p:sp>
-    </p:spTree>
-    <p:extLst>
-      <p:ext uri="{BB962C8B-B14F-4D97-AF65-F5344CB8AC3E}">
-        <p14:creationId xmlns:p14="http://schemas.microsoft.com/office/powerpoint/2010/main" val="3646565418"/>
-      </p:ext>
-    </p:extLst>
-  </p:cSld>
-  <p:clrMapOvr>
-    <a:masterClrMapping/>
-  </p:clrMapOvr>
-</p:sld>
-</file>
-
-<file path=ppt/slides/slide34.xml><?xml version="1.0" encoding="utf-8"?>
-<p:sld xmlns:a="http://schemas.openxmlformats.org/drawingml/2006/main" xmlns:r="http://schemas.openxmlformats.org/officeDocument/2006/relationships" xmlns:p="http://schemas.openxmlformats.org/presentationml/2006/main">
-  <p:cSld>
-    <p:spTree>
-      <p:nvGrpSpPr>
-        <p:cNvPr id="1" name=""/>
-        <p:cNvGrpSpPr/>
-        <p:nvPr/>
-      </p:nvGrpSpPr>
-      <p:grpSpPr>
-        <a:xfrm>
-          <a:off x="0" y="0"/>
-          <a:ext cx="0" cy="0"/>
-          <a:chOff x="0" y="0"/>
-          <a:chExt cx="0" cy="0"/>
-        </a:xfrm>
-      </p:grpSpPr>
-      <p:sp>
-        <p:nvSpPr>
-          <p:cNvPr id="2" name="Título 1">
-            <a:extLst>
-              <a:ext uri="{FF2B5EF4-FFF2-40B4-BE49-F238E27FC236}">
-                <a16:creationId xmlns:a16="http://schemas.microsoft.com/office/drawing/2014/main" id="{3E6B48DE-EE83-1F47-06E2-2CC7FE260149}"/>
-              </a:ext>
-            </a:extLst>
-          </p:cNvPr>
-          <p:cNvSpPr>
-            <a:spLocks noGrp="1"/>
-          </p:cNvSpPr>
-          <p:nvPr>
-            <p:ph type="title"/>
-          </p:nvPr>
-        </p:nvSpPr>
-        <p:spPr/>
-        <p:txBody>
-          <a:bodyPr/>
-          <a:lstStyle/>
-          <a:p>
-            <a:pPr algn="ctr"/>
-            <a:r>
-              <a:rPr lang="es-ES" dirty="0"/>
-              <a:t>Eficiencia Empírica</a:t>
-            </a:r>
-          </a:p>
-        </p:txBody>
-      </p:sp>
-      <p:pic>
-        <p:nvPicPr>
-          <p:cNvPr id="6" name="Marcador de contenido 5">
-            <a:extLst>
-              <a:ext uri="{FF2B5EF4-FFF2-40B4-BE49-F238E27FC236}">
-                <a16:creationId xmlns:a16="http://schemas.microsoft.com/office/drawing/2014/main" id="{F1BF7CB7-3688-A4CF-F463-47B8F69392A5}"/>
-              </a:ext>
-            </a:extLst>
-          </p:cNvPr>
-          <p:cNvPicPr>
-            <a:picLocks noGrp="1" noChangeAspect="1"/>
-          </p:cNvPicPr>
-          <p:nvPr>
-            <p:ph idx="1"/>
-          </p:nvPr>
-        </p:nvPicPr>
-        <p:blipFill>
-          <a:blip r:embed="rId2"/>
-          <a:stretch>
-            <a:fillRect/>
-          </a:stretch>
-        </p:blipFill>
-        <p:spPr>
-          <a:xfrm>
-            <a:off x="5499365" y="2108200"/>
-            <a:ext cx="1253596" cy="3760788"/>
-          </a:xfrm>
-        </p:spPr>
-      </p:pic>
-      <p:sp>
-        <p:nvSpPr>
-          <p:cNvPr id="4" name="Marcador de fecha 3">
-            <a:extLst>
-              <a:ext uri="{FF2B5EF4-FFF2-40B4-BE49-F238E27FC236}">
-                <a16:creationId xmlns:a16="http://schemas.microsoft.com/office/drawing/2014/main" id="{E6C4CC6F-EB62-6E1F-2BCC-EBE1ACC1CF66}"/>
-              </a:ext>
-            </a:extLst>
-          </p:cNvPr>
-          <p:cNvSpPr>
-            <a:spLocks noGrp="1"/>
-          </p:cNvSpPr>
-          <p:nvPr>
-            <p:ph type="dt" sz="half" idx="10"/>
-          </p:nvPr>
-        </p:nvSpPr>
-        <p:spPr/>
-        <p:txBody>
-          <a:bodyPr/>
-          <a:lstStyle/>
-          <a:p>
-            <a:pPr rtl="0"/>
-            <a:fld id="{642B802E-BFC6-4F89-8E3C-91026AB025AB}" type="datetime1">
-              <a:rPr lang="es-ES" smtClean="0"/>
-              <a:t>18/04/2023</a:t>
-            </a:fld>
-            <a:endParaRPr lang="en-US" dirty="0"/>
-          </a:p>
-        </p:txBody>
-      </p:sp>
-    </p:spTree>
-    <p:extLst>
-      <p:ext uri="{BB962C8B-B14F-4D97-AF65-F5344CB8AC3E}">
-        <p14:creationId xmlns:p14="http://schemas.microsoft.com/office/powerpoint/2010/main" val="1036057194"/>
-      </p:ext>
-    </p:extLst>
-  </p:cSld>
-  <p:clrMapOvr>
-    <a:masterClrMapping/>
-  </p:clrMapOvr>
-</p:sld>
-</file>
-
-<file path=ppt/slides/slide35.xml><?xml version="1.0" encoding="utf-8"?>
-<p:sld xmlns:a="http://schemas.openxmlformats.org/drawingml/2006/main" xmlns:r="http://schemas.openxmlformats.org/officeDocument/2006/relationships" xmlns:p="http://schemas.openxmlformats.org/presentationml/2006/main">
-  <p:cSld>
-    <p:spTree>
-      <p:nvGrpSpPr>
-        <p:cNvPr id="1" name=""/>
-        <p:cNvGrpSpPr/>
-        <p:nvPr/>
-      </p:nvGrpSpPr>
-      <p:grpSpPr>
-        <a:xfrm>
-          <a:off x="0" y="0"/>
-          <a:ext cx="0" cy="0"/>
-          <a:chOff x="0" y="0"/>
-          <a:chExt cx="0" cy="0"/>
-        </a:xfrm>
-      </p:grpSpPr>
-      <p:sp>
-        <p:nvSpPr>
-          <p:cNvPr id="2" name="Título 1">
-            <a:extLst>
-              <a:ext uri="{FF2B5EF4-FFF2-40B4-BE49-F238E27FC236}">
                 <a16:creationId xmlns:a16="http://schemas.microsoft.com/office/drawing/2014/main" id="{33FC5FCF-FD48-279D-4DE7-3420E7716B56}"/>
               </a:ext>
             </a:extLst>
@@ -13442,7 +13992,7 @@
 </p:sld>
 </file>
 
-<file path=ppt/slides/slide36.xml><?xml version="1.0" encoding="utf-8"?>
+<file path=ppt/slides/slide33.xml><?xml version="1.0" encoding="utf-8"?>
 <p:sld xmlns:a="http://schemas.openxmlformats.org/drawingml/2006/main" xmlns:r="http://schemas.openxmlformats.org/officeDocument/2006/relationships" xmlns:p="http://schemas.openxmlformats.org/presentationml/2006/main">
   <p:cSld>
     <p:spTree>
@@ -13927,7 +14477,7 @@
 </p:sld>
 </file>
 
-<file path=ppt/slides/slide37.xml><?xml version="1.0" encoding="utf-8"?>
+<file path=ppt/slides/slide34.xml><?xml version="1.0" encoding="utf-8"?>
 <p:sld xmlns:a="http://schemas.openxmlformats.org/drawingml/2006/main" xmlns:r="http://schemas.openxmlformats.org/officeDocument/2006/relationships" xmlns:p="http://schemas.openxmlformats.org/presentationml/2006/main">
   <p:cSld>
     <p:spTree>
@@ -14065,7 +14615,7 @@
 </p:sld>
 </file>
 
-<file path=ppt/slides/slide38.xml><?xml version="1.0" encoding="utf-8"?>
+<file path=ppt/slides/slide35.xml><?xml version="1.0" encoding="utf-8"?>
 <p:sld xmlns:a="http://schemas.openxmlformats.org/drawingml/2006/main" xmlns:r="http://schemas.openxmlformats.org/officeDocument/2006/relationships" xmlns:p="http://schemas.openxmlformats.org/presentationml/2006/main">
   <p:cSld>
     <p:spTree>
@@ -14203,7 +14753,7 @@
 </p:sld>
 </file>
 
-<file path=ppt/slides/slide39.xml><?xml version="1.0" encoding="utf-8"?>
+<file path=ppt/slides/slide36.xml><?xml version="1.0" encoding="utf-8"?>
 <p:sld xmlns:a="http://schemas.openxmlformats.org/drawingml/2006/main" xmlns:r="http://schemas.openxmlformats.org/officeDocument/2006/relationships" xmlns:p="http://schemas.openxmlformats.org/presentationml/2006/main">
   <p:cSld>
     <p:spTree>
@@ -14350,31 +14900,6 @@
       </p:grpSpPr>
       <p:sp>
         <p:nvSpPr>
-          <p:cNvPr id="2" name="Título 1">
-            <a:extLst>
-              <a:ext uri="{FF2B5EF4-FFF2-40B4-BE49-F238E27FC236}">
-                <a16:creationId xmlns:a16="http://schemas.microsoft.com/office/drawing/2014/main" id="{1115F5D4-DCB2-24AD-1FCF-B61070A2F931}"/>
-              </a:ext>
-            </a:extLst>
-          </p:cNvPr>
-          <p:cNvSpPr>
-            <a:spLocks noGrp="1"/>
-          </p:cNvSpPr>
-          <p:nvPr>
-            <p:ph type="title"/>
-          </p:nvPr>
-        </p:nvSpPr>
-        <p:spPr/>
-        <p:txBody>
-          <a:bodyPr/>
-          <a:lstStyle/>
-          <a:p>
-            <a:endParaRPr lang="es-ES"/>
-          </a:p>
-        </p:txBody>
-      </p:sp>
-      <p:sp>
-        <p:nvSpPr>
           <p:cNvPr id="3" name="Marcador de contenido 2">
             <a:extLst>
               <a:ext uri="{FF2B5EF4-FFF2-40B4-BE49-F238E27FC236}">
@@ -14434,6 +14959,40 @@
               <a:t>18/04/2023</a:t>
             </a:fld>
             <a:endParaRPr lang="en-US" dirty="0"/>
+          </a:p>
+        </p:txBody>
+      </p:sp>
+      <p:sp>
+        <p:nvSpPr>
+          <p:cNvPr id="8" name="Título 1">
+            <a:extLst>
+              <a:ext uri="{FF2B5EF4-FFF2-40B4-BE49-F238E27FC236}">
+                <a16:creationId xmlns:a16="http://schemas.microsoft.com/office/drawing/2014/main" id="{64D2B576-B993-D149-442C-73711F045AA6}"/>
+              </a:ext>
+            </a:extLst>
+          </p:cNvPr>
+          <p:cNvSpPr>
+            <a:spLocks noGrp="1"/>
+          </p:cNvSpPr>
+          <p:nvPr>
+            <p:ph type="title"/>
+          </p:nvPr>
+        </p:nvSpPr>
+        <p:spPr>
+          <a:xfrm>
+            <a:off x="1097280" y="286603"/>
+            <a:ext cx="10058400" cy="1450757"/>
+          </a:xfrm>
+        </p:spPr>
+        <p:txBody>
+          <a:bodyPr/>
+          <a:lstStyle/>
+          <a:p>
+            <a:pPr algn="ctr"/>
+            <a:r>
+              <a:rPr lang="es-ES" dirty="0"/>
+              <a:t>Objetivos</a:t>
+            </a:r>
           </a:p>
         </p:txBody>
       </p:sp>
@@ -14906,36 +15465,6 @@
       </p:grpSpPr>
       <p:sp>
         <p:nvSpPr>
-          <p:cNvPr id="11" name="Title 1">
-            <a:extLst>
-              <a:ext uri="{FF2B5EF4-FFF2-40B4-BE49-F238E27FC236}">
-                <a16:creationId xmlns:a16="http://schemas.microsoft.com/office/drawing/2014/main" id="{E3027862-9B39-59C6-192E-F57B909D3CF5}"/>
-              </a:ext>
-            </a:extLst>
-          </p:cNvPr>
-          <p:cNvSpPr>
-            <a:spLocks noGrp="1"/>
-          </p:cNvSpPr>
-          <p:nvPr>
-            <p:ph type="title"/>
-          </p:nvPr>
-        </p:nvSpPr>
-        <p:spPr>
-          <a:xfrm>
-            <a:off x="1097280" y="286603"/>
-            <a:ext cx="10058400" cy="1450757"/>
-          </a:xfrm>
-        </p:spPr>
-        <p:txBody>
-          <a:bodyPr/>
-          <a:lstStyle/>
-          <a:p>
-            <a:endParaRPr lang="en-US"/>
-          </a:p>
-        </p:txBody>
-      </p:sp>
-      <p:sp>
-        <p:nvSpPr>
           <p:cNvPr id="3" name="Marcador de contenido 2">
             <a:extLst>
               <a:ext uri="{FF2B5EF4-FFF2-40B4-BE49-F238E27FC236}">
@@ -15052,6 +15581,40 @@
               <a:t>18/04/2023</a:t>
             </a:fld>
             <a:endParaRPr lang="en-US"/>
+          </a:p>
+        </p:txBody>
+      </p:sp>
+      <p:sp>
+        <p:nvSpPr>
+          <p:cNvPr id="2" name="Título 1">
+            <a:extLst>
+              <a:ext uri="{FF2B5EF4-FFF2-40B4-BE49-F238E27FC236}">
+                <a16:creationId xmlns:a16="http://schemas.microsoft.com/office/drawing/2014/main" id="{88BC1FC3-DF06-4924-909D-2AC6EFB58097}"/>
+              </a:ext>
+            </a:extLst>
+          </p:cNvPr>
+          <p:cNvSpPr>
+            <a:spLocks noGrp="1"/>
+          </p:cNvSpPr>
+          <p:nvPr>
+            <p:ph type="title"/>
+          </p:nvPr>
+        </p:nvSpPr>
+        <p:spPr>
+          <a:xfrm>
+            <a:off x="1097280" y="286603"/>
+            <a:ext cx="10058400" cy="1450757"/>
+          </a:xfrm>
+        </p:spPr>
+        <p:txBody>
+          <a:bodyPr/>
+          <a:lstStyle/>
+          <a:p>
+            <a:pPr algn="ctr"/>
+            <a:r>
+              <a:rPr lang="es-ES" dirty="0"/>
+              <a:t>Algoritmo Específico</a:t>
+            </a:r>
           </a:p>
         </p:txBody>
       </p:sp>
@@ -15871,4 +16434,24 @@
     </a:ext>
   </a:extLst>
 </a:theme>
+</file>
+
+<file path=ppt/webextensions/taskpanes.xml><?xml version="1.0" encoding="utf-8"?>
+<wetp:taskpanes xmlns:wetp="http://schemas.microsoft.com/office/webextensions/taskpanes/2010/11">
+  <wetp:taskpane dockstate="right" visibility="0" width="438" row="2">
+    <wetp:webextensionref xmlns:r="http://schemas.openxmlformats.org/officeDocument/2006/relationships" r:id="rId1"/>
+  </wetp:taskpane>
+</wetp:taskpanes>
+</file>
+
+<file path=ppt/webextensions/webextension1.xml><?xml version="1.0" encoding="utf-8"?>
+<we:webextension xmlns:we="http://schemas.microsoft.com/office/webextensions/webextension/2010/11" id="{9F85D2FE-B2AF-4CC1-A178-CB3CCFFB55FF}">
+  <we:reference id="4b785c87-866c-4bad-85d8-5d1ae467ac9a" version="3.5.1.0" store="EXCatalog" storeType="EXCatalog"/>
+  <we:alternateReferences>
+    <we:reference id="WA104381909" version="3.5.1.0" store="es-ES" storeType="OMEX"/>
+  </we:alternateReferences>
+  <we:properties/>
+  <we:bindings/>
+  <we:snapshot xmlns:r="http://schemas.openxmlformats.org/officeDocument/2006/relationships"/>
+</we:webextension>
 </file>
--- a/PresentaciónPráctica2.pptx
+++ b/PresentaciónPráctica2.pptx
@@ -5,10 +5,10 @@
     <p:sldMasterId id="2147483746" r:id="rId1"/>
   </p:sldMasterIdLst>
   <p:notesMasterIdLst>
-    <p:notesMasterId r:id="rId38"/>
+    <p:notesMasterId r:id="rId40"/>
   </p:notesMasterIdLst>
   <p:handoutMasterIdLst>
-    <p:handoutMasterId r:id="rId39"/>
+    <p:handoutMasterId r:id="rId41"/>
   </p:handoutMasterIdLst>
   <p:sldIdLst>
     <p:sldId id="257" r:id="rId2"/>
@@ -46,7 +46,9 @@
     <p:sldId id="298" r:id="rId34"/>
     <p:sldId id="303" r:id="rId35"/>
     <p:sldId id="304" r:id="rId36"/>
-    <p:sldId id="283" r:id="rId37"/>
+    <p:sldId id="308" r:id="rId37"/>
+    <p:sldId id="309" r:id="rId38"/>
+    <p:sldId id="283" r:id="rId39"/>
   </p:sldIdLst>
   <p:sldSz cx="12192000" cy="6858000"/>
   <p:notesSz cx="6858000" cy="9144000"/>
@@ -1202,7 +1204,7 @@
             <a:pPr rtl="0"/>
             <a:fld id="{648A3544-385A-47A9-AAA5-ECDE6612A11F}" type="datetime1">
               <a:rPr lang="es-ES" smtClean="0"/>
-              <a:t>18/04/2023</a:t>
+              <a:t>19/04/2023</a:t>
             </a:fld>
             <a:endParaRPr lang="en-US" dirty="0"/>
           </a:p>
@@ -1372,7 +1374,7 @@
             <a:pPr rtl="0"/>
             <a:fld id="{BF73BE05-6C7D-468D-B433-DDFC4F0819BE}" type="datetime1">
               <a:rPr lang="es-ES" smtClean="0"/>
-              <a:t>18/04/2023</a:t>
+              <a:t>19/04/2023</a:t>
             </a:fld>
             <a:endParaRPr lang="en-US"/>
           </a:p>
@@ -1892,7 +1894,7 @@
             <a:pPr rtl="0"/>
             <a:fld id="{DFBDD6E0-AD8D-45E4-AD9F-19818203D7BD}" type="datetime1">
               <a:rPr lang="es-ES" smtClean="0"/>
-              <a:t>18/04/2023</a:t>
+              <a:t>19/04/2023</a:t>
             </a:fld>
             <a:endParaRPr lang="en-US" dirty="0"/>
           </a:p>
@@ -2084,7 +2086,7 @@
             <a:pPr rtl="0"/>
             <a:fld id="{B7FC992A-CC56-4D4E-AD85-36A20390DB11}" type="datetime1">
               <a:rPr lang="es-ES" smtClean="0"/>
-              <a:t>18/04/2023</a:t>
+              <a:t>19/04/2023</a:t>
             </a:fld>
             <a:endParaRPr lang="en-US" dirty="0"/>
           </a:p>
@@ -2330,7 +2332,7 @@
             <a:pPr rtl="0"/>
             <a:fld id="{433A0641-D90D-45EF-A619-84D92EAC9606}" type="datetime1">
               <a:rPr lang="es-ES" smtClean="0"/>
-              <a:t>18/04/2023</a:t>
+              <a:t>19/04/2023</a:t>
             </a:fld>
             <a:endParaRPr lang="en-US" dirty="0"/>
           </a:p>
@@ -2522,7 +2524,7 @@
             <a:pPr rtl="0"/>
             <a:fld id="{642B802E-BFC6-4F89-8E3C-91026AB025AB}" type="datetime1">
               <a:rPr lang="es-ES" smtClean="0"/>
-              <a:t>18/04/2023</a:t>
+              <a:t>19/04/2023</a:t>
             </a:fld>
             <a:endParaRPr lang="en-US" dirty="0"/>
           </a:p>
@@ -2899,7 +2901,7 @@
             <a:pPr rtl="0"/>
             <a:fld id="{20790B00-0530-4D1E-BDCB-36188ECD53E6}" type="datetime1">
               <a:rPr lang="es-ES" smtClean="0"/>
-              <a:t>18/04/2023</a:t>
+              <a:t>19/04/2023</a:t>
             </a:fld>
             <a:endParaRPr lang="en-US" dirty="0"/>
           </a:p>
@@ -3158,7 +3160,7 @@
             <a:pPr rtl="0"/>
             <a:fld id="{4E289539-2F87-43AF-8A5D-E992DCF9F593}" type="datetime1">
               <a:rPr lang="es-ES" smtClean="0"/>
-              <a:t>18/04/2023</a:t>
+              <a:t>19/04/2023</a:t>
             </a:fld>
             <a:endParaRPr lang="en-US" dirty="0"/>
           </a:p>
@@ -3559,7 +3561,7 @@
             <a:pPr rtl="0"/>
             <a:fld id="{AAB5D441-F920-4B23-9C83-2DCFFDC4C28F}" type="datetime1">
               <a:rPr lang="es-ES" smtClean="0"/>
-              <a:t>18/04/2023</a:t>
+              <a:t>19/04/2023</a:t>
             </a:fld>
             <a:endParaRPr lang="en-US" dirty="0"/>
           </a:p>
@@ -3699,7 +3701,7 @@
             <a:pPr rtl="0"/>
             <a:fld id="{66905ED3-47DC-4785-91BE-A3159F909C32}" type="datetime1">
               <a:rPr lang="es-ES" smtClean="0"/>
-              <a:t>18/04/2023</a:t>
+              <a:t>19/04/2023</a:t>
             </a:fld>
             <a:endParaRPr lang="en-US" dirty="0"/>
           </a:p>
@@ -3859,7 +3861,7 @@
             <a:pPr rtl="0"/>
             <a:fld id="{9B572A2E-2D1F-4CE9-8283-32B623FD9550}" type="datetime1">
               <a:rPr lang="es-ES" smtClean="0"/>
-              <a:t>18/04/2023</a:t>
+              <a:t>19/04/2023</a:t>
             </a:fld>
             <a:endParaRPr lang="en-US" dirty="0"/>
           </a:p>
@@ -4192,7 +4194,7 @@
             <a:pPr rtl="0"/>
             <a:fld id="{F3EBED02-4679-462C-830F-722888DF8E2D}" type="datetime1">
               <a:rPr lang="es-ES" smtClean="0"/>
-              <a:t>18/04/2023</a:t>
+              <a:t>19/04/2023</a:t>
             </a:fld>
             <a:endParaRPr lang="en-US" dirty="0"/>
           </a:p>
@@ -4547,7 +4549,7 @@
             <a:pPr rtl="0"/>
             <a:fld id="{EB264D6B-F770-42EA-A416-77765C2D9E77}" type="datetime1">
               <a:rPr lang="es-ES" smtClean="0"/>
-              <a:t>18/04/2023</a:t>
+              <a:t>19/04/2023</a:t>
             </a:fld>
             <a:endParaRPr lang="en-US" dirty="0"/>
           </a:p>
@@ -4811,7 +4813,7 @@
             <a:pPr rtl="0"/>
             <a:fld id="{0B690EE5-24CD-41B5-AD70-FAB1408B17DB}" type="datetime1">
               <a:rPr lang="es-ES" smtClean="0"/>
-              <a:t>18/04/2023</a:t>
+              <a:t>19/04/2023</a:t>
             </a:fld>
             <a:endParaRPr lang="en-US" dirty="0"/>
           </a:p>
@@ -5807,7 +5809,7 @@
                   <a:spcPts val="600"/>
                 </a:spcAft>
               </a:pPr>
-              <a:t>18/04/2023</a:t>
+              <a:t>19/04/2023</a:t>
             </a:fld>
             <a:endParaRPr lang="en-US"/>
           </a:p>
@@ -5902,7 +5904,7 @@
             <a:pPr rtl="0"/>
             <a:fld id="{642B802E-BFC6-4F89-8E3C-91026AB025AB}" type="datetime1">
               <a:rPr lang="es-ES" smtClean="0"/>
-              <a:t>18/04/2023</a:t>
+              <a:t>19/04/2023</a:t>
             </a:fld>
             <a:endParaRPr lang="en-US" dirty="0"/>
           </a:p>
@@ -6200,7 +6202,7 @@
             <a:pPr rtl="0"/>
             <a:fld id="{642B802E-BFC6-4F89-8E3C-91026AB025AB}" type="datetime1">
               <a:rPr lang="es-ES" smtClean="0"/>
-              <a:t>18/04/2023</a:t>
+              <a:t>19/04/2023</a:t>
             </a:fld>
             <a:endParaRPr lang="en-US" dirty="0"/>
           </a:p>
@@ -6839,7 +6841,7 @@
             <a:pPr rtl="0"/>
             <a:fld id="{642B802E-BFC6-4F89-8E3C-91026AB025AB}" type="datetime1">
               <a:rPr lang="es-ES" smtClean="0"/>
-              <a:t>18/04/2023</a:t>
+              <a:t>19/04/2023</a:t>
             </a:fld>
             <a:endParaRPr lang="en-US" dirty="0"/>
           </a:p>
@@ -6953,7 +6955,7 @@
             <a:pPr rtl="0"/>
             <a:fld id="{642B802E-BFC6-4F89-8E3C-91026AB025AB}" type="datetime1">
               <a:rPr lang="es-ES" smtClean="0"/>
-              <a:t>18/04/2023</a:t>
+              <a:t>19/04/2023</a:t>
             </a:fld>
             <a:endParaRPr lang="en-US" dirty="0"/>
           </a:p>
@@ -7126,7 +7128,7 @@
             <a:pPr rtl="0"/>
             <a:fld id="{642B802E-BFC6-4F89-8E3C-91026AB025AB}" type="datetime1">
               <a:rPr lang="es-ES" smtClean="0"/>
-              <a:t>18/04/2023</a:t>
+              <a:t>19/04/2023</a:t>
             </a:fld>
             <a:endParaRPr lang="en-US" dirty="0"/>
           </a:p>
@@ -7249,7 +7251,7 @@
             <a:pPr rtl="0"/>
             <a:fld id="{642B802E-BFC6-4F89-8E3C-91026AB025AB}" type="datetime1">
               <a:rPr lang="es-ES" smtClean="0"/>
-              <a:t>18/04/2023</a:t>
+              <a:t>19/04/2023</a:t>
             </a:fld>
             <a:endParaRPr lang="en-US" dirty="0"/>
           </a:p>
@@ -8185,7 +8187,7 @@
             <a:pPr rtl="0"/>
             <a:fld id="{642B802E-BFC6-4F89-8E3C-91026AB025AB}" type="datetime1">
               <a:rPr lang="es-ES" smtClean="0"/>
-              <a:t>18/04/2023</a:t>
+              <a:t>19/04/2023</a:t>
             </a:fld>
             <a:endParaRPr lang="en-US" dirty="0"/>
           </a:p>
@@ -8274,7 +8276,7 @@
             <a:pPr rtl="0"/>
             <a:fld id="{642B802E-BFC6-4F89-8E3C-91026AB025AB}" type="datetime1">
               <a:rPr lang="es-ES" smtClean="0"/>
-              <a:t>18/04/2023</a:t>
+              <a:t>19/04/2023</a:t>
             </a:fld>
             <a:endParaRPr lang="en-US" dirty="0"/>
           </a:p>
@@ -8392,7 +8394,7 @@
             <a:pPr rtl="0"/>
             <a:fld id="{642B802E-BFC6-4F89-8E3C-91026AB025AB}" type="datetime1">
               <a:rPr lang="es-ES" smtClean="0"/>
-              <a:t>18/04/2023</a:t>
+              <a:t>19/04/2023</a:t>
             </a:fld>
             <a:endParaRPr lang="en-US" dirty="0"/>
           </a:p>
@@ -8622,7 +8624,7 @@
                   <a:spcPts val="600"/>
                 </a:spcAft>
               </a:pPr>
-              <a:t>18/04/2023</a:t>
+              <a:t>19/04/2023</a:t>
             </a:fld>
             <a:endParaRPr lang="en-US"/>
           </a:p>
@@ -8987,7 +8989,7 @@
             <a:pPr rtl="0"/>
             <a:fld id="{642B802E-BFC6-4F89-8E3C-91026AB025AB}" type="datetime1">
               <a:rPr lang="es-ES" smtClean="0"/>
-              <a:t>18/04/2023</a:t>
+              <a:t>19/04/2023</a:t>
             </a:fld>
             <a:endParaRPr lang="en-US" dirty="0"/>
           </a:p>
@@ -9076,7 +9078,7 @@
             <a:pPr rtl="0"/>
             <a:fld id="{642B802E-BFC6-4F89-8E3C-91026AB025AB}" type="datetime1">
               <a:rPr lang="es-ES" smtClean="0"/>
-              <a:t>18/04/2023</a:t>
+              <a:t>19/04/2023</a:t>
             </a:fld>
             <a:endParaRPr lang="en-US" dirty="0"/>
           </a:p>
@@ -9214,7 +9216,7 @@
             <a:pPr rtl="0"/>
             <a:fld id="{66905ED3-47DC-4785-91BE-A3159F909C32}" type="datetime1">
               <a:rPr lang="es-ES" smtClean="0"/>
-              <a:t>18/04/2023</a:t>
+              <a:t>19/04/2023</a:t>
             </a:fld>
             <a:endParaRPr lang="en-US" dirty="0"/>
           </a:p>
@@ -9310,7 +9312,7 @@
             <a:pPr rtl="0"/>
             <a:fld id="{642B802E-BFC6-4F89-8E3C-91026AB025AB}" type="datetime1">
               <a:rPr lang="es-ES" smtClean="0"/>
-              <a:t>18/04/2023</a:t>
+              <a:t>19/04/2023</a:t>
             </a:fld>
             <a:endParaRPr lang="en-US" dirty="0"/>
           </a:p>
@@ -10854,7 +10856,7 @@
                   <a:spcPts val="600"/>
                 </a:spcAft>
               </a:pPr>
-              <a:t>18/04/2023</a:t>
+              <a:t>19/04/2023</a:t>
             </a:fld>
             <a:endParaRPr lang="en-US"/>
           </a:p>
@@ -12088,7 +12090,7 @@
             <a:pPr rtl="0"/>
             <a:fld id="{642B802E-BFC6-4F89-8E3C-91026AB025AB}" type="datetime1">
               <a:rPr lang="es-ES" smtClean="0"/>
-              <a:t>18/04/2023</a:t>
+              <a:t>19/04/2023</a:t>
             </a:fld>
             <a:endParaRPr lang="en-US" dirty="0"/>
           </a:p>
@@ -12265,7 +12267,7 @@
                   <a:spcPts val="600"/>
                 </a:spcAft>
               </a:pPr>
-              <a:t>18/04/2023</a:t>
+              <a:t>19/04/2023</a:t>
             </a:fld>
             <a:endParaRPr lang="en-US"/>
           </a:p>
@@ -12359,6 +12361,7 @@
           </a:bodyPr>
           <a:lstStyle/>
           <a:p>
+            <a:pPr algn="just"/>
             <a:r>
               <a:rPr lang="es-ES" dirty="0"/>
               <a:t>Con las tangentes obtenidas, sólo nos queda fusionar las envolventes, que bastaría con añadir los puntos desde la tangente inferior hasta la tangente superior del polinomio derecho y después añadir desde la tangente superior hasta la tangente inferior del izquierdo. </a:t>
@@ -12437,7 +12440,7 @@
                   <a:spcPts val="600"/>
                 </a:spcAft>
               </a:pPr>
-              <a:t>18/04/2023</a:t>
+              <a:t>19/04/2023</a:t>
             </a:fld>
             <a:endParaRPr lang="en-US"/>
           </a:p>
@@ -12554,7 +12557,7 @@
             <a:pPr rtl="0"/>
             <a:fld id="{642B802E-BFC6-4F89-8E3C-91026AB025AB}" type="datetime1">
               <a:rPr lang="es-ES" smtClean="0"/>
-              <a:t>18/04/2023</a:t>
+              <a:t>19/04/2023</a:t>
             </a:fld>
             <a:endParaRPr lang="en-US" dirty="0"/>
           </a:p>
@@ -12677,7 +12680,7 @@
             <a:pPr rtl="0"/>
             <a:fld id="{642B802E-BFC6-4F89-8E3C-91026AB025AB}" type="datetime1">
               <a:rPr lang="es-ES" smtClean="0"/>
-              <a:t>18/04/2023</a:t>
+              <a:t>19/04/2023</a:t>
             </a:fld>
             <a:endParaRPr lang="en-US" dirty="0"/>
           </a:p>
@@ -13594,7 +13597,7 @@
             <a:pPr rtl="0"/>
             <a:fld id="{66905ED3-47DC-4785-91BE-A3159F909C32}" type="datetime1">
               <a:rPr lang="es-ES" smtClean="0"/>
-              <a:t>18/04/2023</a:t>
+              <a:t>19/04/2023</a:t>
             </a:fld>
             <a:endParaRPr lang="en-US" dirty="0"/>
           </a:p>
@@ -13717,7 +13720,7 @@
             <a:pPr rtl="0"/>
             <a:fld id="{642B802E-BFC6-4F89-8E3C-91026AB025AB}" type="datetime1">
               <a:rPr lang="es-ES" smtClean="0"/>
-              <a:t>18/04/2023</a:t>
+              <a:t>19/04/2023</a:t>
             </a:fld>
             <a:endParaRPr lang="en-US" dirty="0"/>
           </a:p>
@@ -13835,7 +13838,7 @@
             <a:pPr rtl="0"/>
             <a:fld id="{642B802E-BFC6-4F89-8E3C-91026AB025AB}" type="datetime1">
               <a:rPr lang="es-ES" smtClean="0"/>
-              <a:t>18/04/2023</a:t>
+              <a:t>19/04/2023</a:t>
             </a:fld>
             <a:endParaRPr lang="en-US" dirty="0"/>
           </a:p>
@@ -13924,7 +13927,7 @@
             <a:pPr rtl="0"/>
             <a:fld id="{642B802E-BFC6-4F89-8E3C-91026AB025AB}" type="datetime1">
               <a:rPr lang="es-ES" smtClean="0"/>
-              <a:t>18/04/2023</a:t>
+              <a:t>19/04/2023</a:t>
             </a:fld>
             <a:endParaRPr lang="en-US" dirty="0"/>
           </a:p>
@@ -14458,7 +14461,7 @@
             <a:pPr rtl="0"/>
             <a:fld id="{642B802E-BFC6-4F89-8E3C-91026AB025AB}" type="datetime1">
               <a:rPr lang="es-ES" smtClean="0"/>
-              <a:t>18/04/2023</a:t>
+              <a:t>19/04/2023</a:t>
             </a:fld>
             <a:endParaRPr lang="en-US" dirty="0"/>
           </a:p>
@@ -14547,7 +14550,7 @@
             <a:pPr rtl="0"/>
             <a:fld id="{642B802E-BFC6-4F89-8E3C-91026AB025AB}" type="datetime1">
               <a:rPr lang="es-ES" smtClean="0"/>
-              <a:t>18/04/2023</a:t>
+              <a:t>19/04/2023</a:t>
             </a:fld>
             <a:endParaRPr lang="en-US" dirty="0"/>
           </a:p>
@@ -14685,7 +14688,7 @@
             <a:pPr rtl="0"/>
             <a:fld id="{642B802E-BFC6-4F89-8E3C-91026AB025AB}" type="datetime1">
               <a:rPr lang="es-ES" smtClean="0"/>
-              <a:t>18/04/2023</a:t>
+              <a:t>19/04/2023</a:t>
             </a:fld>
             <a:endParaRPr lang="en-US" dirty="0"/>
           </a:p>
@@ -14775,6 +14778,1792 @@
           <p:cNvPr id="2" name="Título 1">
             <a:extLst>
               <a:ext uri="{FF2B5EF4-FFF2-40B4-BE49-F238E27FC236}">
+                <a16:creationId xmlns:a16="http://schemas.microsoft.com/office/drawing/2014/main" id="{8C06F0D1-91BE-5534-42BC-E51BFAF75F98}"/>
+              </a:ext>
+            </a:extLst>
+          </p:cNvPr>
+          <p:cNvSpPr>
+            <a:spLocks noGrp="1"/>
+          </p:cNvSpPr>
+          <p:nvPr>
+            <p:ph type="title"/>
+          </p:nvPr>
+        </p:nvSpPr>
+        <p:spPr/>
+        <p:txBody>
+          <a:bodyPr/>
+          <a:lstStyle/>
+          <a:p>
+            <a:r>
+              <a:rPr lang="es-ES" dirty="0"/>
+              <a:t>Umbral teórico</a:t>
+            </a:r>
+          </a:p>
+        </p:txBody>
+      </p:sp>
+      <p:pic>
+        <p:nvPicPr>
+          <p:cNvPr id="7" name="Marcador de contenido 6">
+            <a:extLst>
+              <a:ext uri="{FF2B5EF4-FFF2-40B4-BE49-F238E27FC236}">
+                <a16:creationId xmlns:a16="http://schemas.microsoft.com/office/drawing/2014/main" id="{C3AC0EC0-0428-D107-9418-A979A12B8B13}"/>
+              </a:ext>
+            </a:extLst>
+          </p:cNvPr>
+          <p:cNvPicPr>
+            <a:picLocks noGrp="1" noChangeAspect="1"/>
+          </p:cNvPicPr>
+          <p:nvPr>
+            <p:ph idx="1"/>
+          </p:nvPr>
+        </p:nvPicPr>
+        <p:blipFill rotWithShape="1">
+          <a:blip r:embed="rId2"/>
+          <a:srcRect t="19668"/>
+          <a:stretch/>
+        </p:blipFill>
+        <p:spPr>
+          <a:xfrm>
+            <a:off x="3212271" y="2777228"/>
+            <a:ext cx="5133975" cy="1163049"/>
+          </a:xfrm>
+        </p:spPr>
+      </p:pic>
+      <p:sp>
+        <p:nvSpPr>
+          <p:cNvPr id="4" name="Marcador de fecha 3">
+            <a:extLst>
+              <a:ext uri="{FF2B5EF4-FFF2-40B4-BE49-F238E27FC236}">
+                <a16:creationId xmlns:a16="http://schemas.microsoft.com/office/drawing/2014/main" id="{9385E565-2C89-1289-3128-A0984EB9D698}"/>
+              </a:ext>
+            </a:extLst>
+          </p:cNvPr>
+          <p:cNvSpPr>
+            <a:spLocks noGrp="1"/>
+          </p:cNvSpPr>
+          <p:nvPr>
+            <p:ph type="dt" sz="half" idx="10"/>
+          </p:nvPr>
+        </p:nvSpPr>
+        <p:spPr/>
+        <p:txBody>
+          <a:bodyPr/>
+          <a:lstStyle/>
+          <a:p>
+            <a:pPr rtl="0"/>
+            <a:fld id="{642B802E-BFC6-4F89-8E3C-91026AB025AB}" type="datetime1">
+              <a:rPr lang="es-ES" smtClean="0"/>
+              <a:t>19/04/2023</a:t>
+            </a:fld>
+            <a:endParaRPr lang="en-US" dirty="0"/>
+          </a:p>
+        </p:txBody>
+      </p:sp>
+      <p:sp>
+        <p:nvSpPr>
+          <p:cNvPr id="9" name="Marcador de contenido 2">
+            <a:extLst>
+              <a:ext uri="{FF2B5EF4-FFF2-40B4-BE49-F238E27FC236}">
+                <a16:creationId xmlns:a16="http://schemas.microsoft.com/office/drawing/2014/main" id="{698B33A2-B9E1-7727-C206-919407CAB050}"/>
+              </a:ext>
+            </a:extLst>
+          </p:cNvPr>
+          <p:cNvSpPr txBox="1">
+            <a:spLocks/>
+          </p:cNvSpPr>
+          <p:nvPr/>
+        </p:nvSpPr>
+        <p:spPr>
+          <a:xfrm>
+            <a:off x="1097280" y="2108202"/>
+            <a:ext cx="9944346" cy="1657554"/>
+          </a:xfrm>
+          <a:prstGeom prst="rect">
+            <a:avLst/>
+          </a:prstGeom>
+        </p:spPr>
+        <p:txBody>
+          <a:bodyPr vert="horz" lIns="0" tIns="45720" rIns="0" bIns="45720" rtlCol="0">
+            <a:normAutofit/>
+          </a:bodyPr>
+          <a:lstStyle>
+            <a:lvl1pPr marL="91440" indent="-91440" algn="l" defTabSz="914400" rtl="0" eaLnBrk="1" latinLnBrk="0" hangingPunct="1">
+              <a:lnSpc>
+                <a:spcPct val="110000"/>
+              </a:lnSpc>
+              <a:spcBef>
+                <a:spcPts val="1200"/>
+              </a:spcBef>
+              <a:spcAft>
+                <a:spcPts val="200"/>
+              </a:spcAft>
+              <a:buClr>
+                <a:schemeClr val="accent1"/>
+              </a:buClr>
+              <a:buSzPct val="100000"/>
+              <a:buFont typeface="Calibri" panose="020F0502020204030204" pitchFamily="34" charset="0"/>
+              <a:buChar char=" "/>
+              <a:defRPr sz="1900" kern="1200">
+                <a:solidFill>
+                  <a:schemeClr val="tx1">
+                    <a:lumMod val="75000"/>
+                    <a:lumOff val="25000"/>
+                  </a:schemeClr>
+                </a:solidFill>
+                <a:latin typeface="+mn-lt"/>
+                <a:ea typeface="+mn-ea"/>
+                <a:cs typeface="+mn-cs"/>
+              </a:defRPr>
+            </a:lvl1pPr>
+            <a:lvl2pPr marL="384048" indent="-182880" algn="l" defTabSz="914400" rtl="0" eaLnBrk="1" latinLnBrk="0" hangingPunct="1">
+              <a:lnSpc>
+                <a:spcPct val="100000"/>
+              </a:lnSpc>
+              <a:spcBef>
+                <a:spcPts val="200"/>
+              </a:spcBef>
+              <a:spcAft>
+                <a:spcPts val="400"/>
+              </a:spcAft>
+              <a:buClrTx/>
+              <a:buFont typeface="Calibri" pitchFamily="34" charset="0"/>
+              <a:buChar char="◦"/>
+              <a:defRPr sz="1700" kern="1200">
+                <a:solidFill>
+                  <a:schemeClr val="tx1">
+                    <a:lumMod val="75000"/>
+                    <a:lumOff val="25000"/>
+                  </a:schemeClr>
+                </a:solidFill>
+                <a:latin typeface="+mn-lt"/>
+                <a:ea typeface="+mn-ea"/>
+                <a:cs typeface="+mn-cs"/>
+              </a:defRPr>
+            </a:lvl2pPr>
+            <a:lvl3pPr marL="566928" indent="-182880" algn="l" defTabSz="914400" rtl="0" eaLnBrk="1" latinLnBrk="0" hangingPunct="1">
+              <a:lnSpc>
+                <a:spcPct val="100000"/>
+              </a:lnSpc>
+              <a:spcBef>
+                <a:spcPts val="200"/>
+              </a:spcBef>
+              <a:spcAft>
+                <a:spcPts val="400"/>
+              </a:spcAft>
+              <a:buClrTx/>
+              <a:buFont typeface="Calibri" pitchFamily="34" charset="0"/>
+              <a:buChar char="◦"/>
+              <a:defRPr sz="1300" kern="1200">
+                <a:solidFill>
+                  <a:schemeClr val="tx1">
+                    <a:lumMod val="75000"/>
+                    <a:lumOff val="25000"/>
+                  </a:schemeClr>
+                </a:solidFill>
+                <a:latin typeface="+mn-lt"/>
+                <a:ea typeface="+mn-ea"/>
+                <a:cs typeface="+mn-cs"/>
+              </a:defRPr>
+            </a:lvl3pPr>
+            <a:lvl4pPr marL="749808" indent="-182880" algn="l" defTabSz="914400" rtl="0" eaLnBrk="1" latinLnBrk="0" hangingPunct="1">
+              <a:lnSpc>
+                <a:spcPct val="100000"/>
+              </a:lnSpc>
+              <a:spcBef>
+                <a:spcPts val="200"/>
+              </a:spcBef>
+              <a:spcAft>
+                <a:spcPts val="400"/>
+              </a:spcAft>
+              <a:buClrTx/>
+              <a:buFont typeface="Calibri" pitchFamily="34" charset="0"/>
+              <a:buChar char="◦"/>
+              <a:defRPr sz="1300" kern="1200">
+                <a:solidFill>
+                  <a:schemeClr val="tx1">
+                    <a:lumMod val="75000"/>
+                    <a:lumOff val="25000"/>
+                  </a:schemeClr>
+                </a:solidFill>
+                <a:latin typeface="+mn-lt"/>
+                <a:ea typeface="+mn-ea"/>
+                <a:cs typeface="+mn-cs"/>
+              </a:defRPr>
+            </a:lvl4pPr>
+            <a:lvl5pPr marL="932688" indent="-182880" algn="l" defTabSz="914400" rtl="0" eaLnBrk="1" latinLnBrk="0" hangingPunct="1">
+              <a:lnSpc>
+                <a:spcPct val="100000"/>
+              </a:lnSpc>
+              <a:spcBef>
+                <a:spcPts val="200"/>
+              </a:spcBef>
+              <a:spcAft>
+                <a:spcPts val="400"/>
+              </a:spcAft>
+              <a:buClrTx/>
+              <a:buFont typeface="Calibri" pitchFamily="34" charset="0"/>
+              <a:buChar char="◦"/>
+              <a:defRPr sz="1300" kern="1200">
+                <a:solidFill>
+                  <a:schemeClr val="tx1">
+                    <a:lumMod val="75000"/>
+                    <a:lumOff val="25000"/>
+                  </a:schemeClr>
+                </a:solidFill>
+                <a:latin typeface="+mn-lt"/>
+                <a:ea typeface="+mn-ea"/>
+                <a:cs typeface="+mn-cs"/>
+              </a:defRPr>
+            </a:lvl5pPr>
+            <a:lvl6pPr marL="1100000" indent="-228600" algn="l" defTabSz="914400" rtl="0" eaLnBrk="1" latinLnBrk="0" hangingPunct="1">
+              <a:lnSpc>
+                <a:spcPct val="90000"/>
+              </a:lnSpc>
+              <a:spcBef>
+                <a:spcPts val="200"/>
+              </a:spcBef>
+              <a:spcAft>
+                <a:spcPts val="400"/>
+              </a:spcAft>
+              <a:buClr>
+                <a:schemeClr val="accent1"/>
+              </a:buClr>
+              <a:buFont typeface="Calibri" pitchFamily="34" charset="0"/>
+              <a:buChar char="◦"/>
+              <a:defRPr sz="1400" kern="1200">
+                <a:solidFill>
+                  <a:schemeClr val="tx1">
+                    <a:lumMod val="75000"/>
+                    <a:lumOff val="25000"/>
+                  </a:schemeClr>
+                </a:solidFill>
+                <a:latin typeface="+mn-lt"/>
+                <a:ea typeface="+mn-ea"/>
+                <a:cs typeface="+mn-cs"/>
+              </a:defRPr>
+            </a:lvl6pPr>
+            <a:lvl7pPr marL="1300000" indent="-228600" algn="l" defTabSz="914400" rtl="0" eaLnBrk="1" latinLnBrk="0" hangingPunct="1">
+              <a:lnSpc>
+                <a:spcPct val="90000"/>
+              </a:lnSpc>
+              <a:spcBef>
+                <a:spcPts val="200"/>
+              </a:spcBef>
+              <a:spcAft>
+                <a:spcPts val="400"/>
+              </a:spcAft>
+              <a:buClr>
+                <a:schemeClr val="accent1"/>
+              </a:buClr>
+              <a:buFont typeface="Calibri" pitchFamily="34" charset="0"/>
+              <a:buChar char="◦"/>
+              <a:defRPr sz="1400" kern="1200">
+                <a:solidFill>
+                  <a:schemeClr val="tx1">
+                    <a:lumMod val="75000"/>
+                    <a:lumOff val="25000"/>
+                  </a:schemeClr>
+                </a:solidFill>
+                <a:latin typeface="+mn-lt"/>
+                <a:ea typeface="+mn-ea"/>
+                <a:cs typeface="+mn-cs"/>
+              </a:defRPr>
+            </a:lvl7pPr>
+            <a:lvl8pPr marL="1500000" indent="-228600" algn="l" defTabSz="914400" rtl="0" eaLnBrk="1" latinLnBrk="0" hangingPunct="1">
+              <a:lnSpc>
+                <a:spcPct val="90000"/>
+              </a:lnSpc>
+              <a:spcBef>
+                <a:spcPts val="200"/>
+              </a:spcBef>
+              <a:spcAft>
+                <a:spcPts val="400"/>
+              </a:spcAft>
+              <a:buClr>
+                <a:schemeClr val="accent1"/>
+              </a:buClr>
+              <a:buFont typeface="Calibri" pitchFamily="34" charset="0"/>
+              <a:buChar char="◦"/>
+              <a:defRPr sz="1400" kern="1200">
+                <a:solidFill>
+                  <a:schemeClr val="tx1">
+                    <a:lumMod val="75000"/>
+                    <a:lumOff val="25000"/>
+                  </a:schemeClr>
+                </a:solidFill>
+                <a:latin typeface="+mn-lt"/>
+                <a:ea typeface="+mn-ea"/>
+                <a:cs typeface="+mn-cs"/>
+              </a:defRPr>
+            </a:lvl8pPr>
+            <a:lvl9pPr marL="1700000" indent="-228600" algn="l" defTabSz="914400" rtl="0" eaLnBrk="1" latinLnBrk="0" hangingPunct="1">
+              <a:lnSpc>
+                <a:spcPct val="90000"/>
+              </a:lnSpc>
+              <a:spcBef>
+                <a:spcPts val="200"/>
+              </a:spcBef>
+              <a:spcAft>
+                <a:spcPts val="400"/>
+              </a:spcAft>
+              <a:buClr>
+                <a:schemeClr val="accent1"/>
+              </a:buClr>
+              <a:buFont typeface="Calibri" pitchFamily="34" charset="0"/>
+              <a:buChar char="◦"/>
+              <a:defRPr sz="1400" kern="1200">
+                <a:solidFill>
+                  <a:schemeClr val="tx1">
+                    <a:lumMod val="75000"/>
+                    <a:lumOff val="25000"/>
+                  </a:schemeClr>
+                </a:solidFill>
+                <a:latin typeface="+mn-lt"/>
+                <a:ea typeface="+mn-ea"/>
+                <a:cs typeface="+mn-cs"/>
+              </a:defRPr>
+            </a:lvl9pPr>
+          </a:lstStyle>
+          <a:p>
+            <a:r>
+              <a:rPr lang="es-ES" dirty="0"/>
+              <a:t>Calcularemos el umbral teórico usando un solo nivel de recursividad:</a:t>
+            </a:r>
+          </a:p>
+        </p:txBody>
+      </p:sp>
+      <p:sp>
+        <p:nvSpPr>
+          <p:cNvPr id="10" name="Marcador de contenido 2">
+            <a:extLst>
+              <a:ext uri="{FF2B5EF4-FFF2-40B4-BE49-F238E27FC236}">
+                <a16:creationId xmlns:a16="http://schemas.microsoft.com/office/drawing/2014/main" id="{3CD75EBA-3D88-AF30-3A66-667C9FA3F3EA}"/>
+              </a:ext>
+            </a:extLst>
+          </p:cNvPr>
+          <p:cNvSpPr txBox="1">
+            <a:spLocks/>
+          </p:cNvSpPr>
+          <p:nvPr/>
+        </p:nvSpPr>
+        <p:spPr>
+          <a:xfrm>
+            <a:off x="1097280" y="3943666"/>
+            <a:ext cx="9944346" cy="600510"/>
+          </a:xfrm>
+          <a:prstGeom prst="rect">
+            <a:avLst/>
+          </a:prstGeom>
+        </p:spPr>
+        <p:txBody>
+          <a:bodyPr vert="horz" lIns="0" tIns="45720" rIns="0" bIns="45720" rtlCol="0">
+            <a:normAutofit/>
+          </a:bodyPr>
+          <a:lstStyle>
+            <a:lvl1pPr marL="91440" indent="-91440" algn="l" defTabSz="914400" rtl="0" eaLnBrk="1" latinLnBrk="0" hangingPunct="1">
+              <a:lnSpc>
+                <a:spcPct val="110000"/>
+              </a:lnSpc>
+              <a:spcBef>
+                <a:spcPts val="1200"/>
+              </a:spcBef>
+              <a:spcAft>
+                <a:spcPts val="200"/>
+              </a:spcAft>
+              <a:buClr>
+                <a:schemeClr val="accent1"/>
+              </a:buClr>
+              <a:buSzPct val="100000"/>
+              <a:buFont typeface="Calibri" panose="020F0502020204030204" pitchFamily="34" charset="0"/>
+              <a:buChar char=" "/>
+              <a:defRPr sz="1900" kern="1200">
+                <a:solidFill>
+                  <a:schemeClr val="tx1">
+                    <a:lumMod val="75000"/>
+                    <a:lumOff val="25000"/>
+                  </a:schemeClr>
+                </a:solidFill>
+                <a:latin typeface="+mn-lt"/>
+                <a:ea typeface="+mn-ea"/>
+                <a:cs typeface="+mn-cs"/>
+              </a:defRPr>
+            </a:lvl1pPr>
+            <a:lvl2pPr marL="384048" indent="-182880" algn="l" defTabSz="914400" rtl="0" eaLnBrk="1" latinLnBrk="0" hangingPunct="1">
+              <a:lnSpc>
+                <a:spcPct val="100000"/>
+              </a:lnSpc>
+              <a:spcBef>
+                <a:spcPts val="200"/>
+              </a:spcBef>
+              <a:spcAft>
+                <a:spcPts val="400"/>
+              </a:spcAft>
+              <a:buClrTx/>
+              <a:buFont typeface="Calibri" pitchFamily="34" charset="0"/>
+              <a:buChar char="◦"/>
+              <a:defRPr sz="1700" kern="1200">
+                <a:solidFill>
+                  <a:schemeClr val="tx1">
+                    <a:lumMod val="75000"/>
+                    <a:lumOff val="25000"/>
+                  </a:schemeClr>
+                </a:solidFill>
+                <a:latin typeface="+mn-lt"/>
+                <a:ea typeface="+mn-ea"/>
+                <a:cs typeface="+mn-cs"/>
+              </a:defRPr>
+            </a:lvl2pPr>
+            <a:lvl3pPr marL="566928" indent="-182880" algn="l" defTabSz="914400" rtl="0" eaLnBrk="1" latinLnBrk="0" hangingPunct="1">
+              <a:lnSpc>
+                <a:spcPct val="100000"/>
+              </a:lnSpc>
+              <a:spcBef>
+                <a:spcPts val="200"/>
+              </a:spcBef>
+              <a:spcAft>
+                <a:spcPts val="400"/>
+              </a:spcAft>
+              <a:buClrTx/>
+              <a:buFont typeface="Calibri" pitchFamily="34" charset="0"/>
+              <a:buChar char="◦"/>
+              <a:defRPr sz="1300" kern="1200">
+                <a:solidFill>
+                  <a:schemeClr val="tx1">
+                    <a:lumMod val="75000"/>
+                    <a:lumOff val="25000"/>
+                  </a:schemeClr>
+                </a:solidFill>
+                <a:latin typeface="+mn-lt"/>
+                <a:ea typeface="+mn-ea"/>
+                <a:cs typeface="+mn-cs"/>
+              </a:defRPr>
+            </a:lvl3pPr>
+            <a:lvl4pPr marL="749808" indent="-182880" algn="l" defTabSz="914400" rtl="0" eaLnBrk="1" latinLnBrk="0" hangingPunct="1">
+              <a:lnSpc>
+                <a:spcPct val="100000"/>
+              </a:lnSpc>
+              <a:spcBef>
+                <a:spcPts val="200"/>
+              </a:spcBef>
+              <a:spcAft>
+                <a:spcPts val="400"/>
+              </a:spcAft>
+              <a:buClrTx/>
+              <a:buFont typeface="Calibri" pitchFamily="34" charset="0"/>
+              <a:buChar char="◦"/>
+              <a:defRPr sz="1300" kern="1200">
+                <a:solidFill>
+                  <a:schemeClr val="tx1">
+                    <a:lumMod val="75000"/>
+                    <a:lumOff val="25000"/>
+                  </a:schemeClr>
+                </a:solidFill>
+                <a:latin typeface="+mn-lt"/>
+                <a:ea typeface="+mn-ea"/>
+                <a:cs typeface="+mn-cs"/>
+              </a:defRPr>
+            </a:lvl4pPr>
+            <a:lvl5pPr marL="932688" indent="-182880" algn="l" defTabSz="914400" rtl="0" eaLnBrk="1" latinLnBrk="0" hangingPunct="1">
+              <a:lnSpc>
+                <a:spcPct val="100000"/>
+              </a:lnSpc>
+              <a:spcBef>
+                <a:spcPts val="200"/>
+              </a:spcBef>
+              <a:spcAft>
+                <a:spcPts val="400"/>
+              </a:spcAft>
+              <a:buClrTx/>
+              <a:buFont typeface="Calibri" pitchFamily="34" charset="0"/>
+              <a:buChar char="◦"/>
+              <a:defRPr sz="1300" kern="1200">
+                <a:solidFill>
+                  <a:schemeClr val="tx1">
+                    <a:lumMod val="75000"/>
+                    <a:lumOff val="25000"/>
+                  </a:schemeClr>
+                </a:solidFill>
+                <a:latin typeface="+mn-lt"/>
+                <a:ea typeface="+mn-ea"/>
+                <a:cs typeface="+mn-cs"/>
+              </a:defRPr>
+            </a:lvl5pPr>
+            <a:lvl6pPr marL="1100000" indent="-228600" algn="l" defTabSz="914400" rtl="0" eaLnBrk="1" latinLnBrk="0" hangingPunct="1">
+              <a:lnSpc>
+                <a:spcPct val="90000"/>
+              </a:lnSpc>
+              <a:spcBef>
+                <a:spcPts val="200"/>
+              </a:spcBef>
+              <a:spcAft>
+                <a:spcPts val="400"/>
+              </a:spcAft>
+              <a:buClr>
+                <a:schemeClr val="accent1"/>
+              </a:buClr>
+              <a:buFont typeface="Calibri" pitchFamily="34" charset="0"/>
+              <a:buChar char="◦"/>
+              <a:defRPr sz="1400" kern="1200">
+                <a:solidFill>
+                  <a:schemeClr val="tx1">
+                    <a:lumMod val="75000"/>
+                    <a:lumOff val="25000"/>
+                  </a:schemeClr>
+                </a:solidFill>
+                <a:latin typeface="+mn-lt"/>
+                <a:ea typeface="+mn-ea"/>
+                <a:cs typeface="+mn-cs"/>
+              </a:defRPr>
+            </a:lvl6pPr>
+            <a:lvl7pPr marL="1300000" indent="-228600" algn="l" defTabSz="914400" rtl="0" eaLnBrk="1" latinLnBrk="0" hangingPunct="1">
+              <a:lnSpc>
+                <a:spcPct val="90000"/>
+              </a:lnSpc>
+              <a:spcBef>
+                <a:spcPts val="200"/>
+              </a:spcBef>
+              <a:spcAft>
+                <a:spcPts val="400"/>
+              </a:spcAft>
+              <a:buClr>
+                <a:schemeClr val="accent1"/>
+              </a:buClr>
+              <a:buFont typeface="Calibri" pitchFamily="34" charset="0"/>
+              <a:buChar char="◦"/>
+              <a:defRPr sz="1400" kern="1200">
+                <a:solidFill>
+                  <a:schemeClr val="tx1">
+                    <a:lumMod val="75000"/>
+                    <a:lumOff val="25000"/>
+                  </a:schemeClr>
+                </a:solidFill>
+                <a:latin typeface="+mn-lt"/>
+                <a:ea typeface="+mn-ea"/>
+                <a:cs typeface="+mn-cs"/>
+              </a:defRPr>
+            </a:lvl7pPr>
+            <a:lvl8pPr marL="1500000" indent="-228600" algn="l" defTabSz="914400" rtl="0" eaLnBrk="1" latinLnBrk="0" hangingPunct="1">
+              <a:lnSpc>
+                <a:spcPct val="90000"/>
+              </a:lnSpc>
+              <a:spcBef>
+                <a:spcPts val="200"/>
+              </a:spcBef>
+              <a:spcAft>
+                <a:spcPts val="400"/>
+              </a:spcAft>
+              <a:buClr>
+                <a:schemeClr val="accent1"/>
+              </a:buClr>
+              <a:buFont typeface="Calibri" pitchFamily="34" charset="0"/>
+              <a:buChar char="◦"/>
+              <a:defRPr sz="1400" kern="1200">
+                <a:solidFill>
+                  <a:schemeClr val="tx1">
+                    <a:lumMod val="75000"/>
+                    <a:lumOff val="25000"/>
+                  </a:schemeClr>
+                </a:solidFill>
+                <a:latin typeface="+mn-lt"/>
+                <a:ea typeface="+mn-ea"/>
+                <a:cs typeface="+mn-cs"/>
+              </a:defRPr>
+            </a:lvl8pPr>
+            <a:lvl9pPr marL="1700000" indent="-228600" algn="l" defTabSz="914400" rtl="0" eaLnBrk="1" latinLnBrk="0" hangingPunct="1">
+              <a:lnSpc>
+                <a:spcPct val="90000"/>
+              </a:lnSpc>
+              <a:spcBef>
+                <a:spcPts val="200"/>
+              </a:spcBef>
+              <a:spcAft>
+                <a:spcPts val="400"/>
+              </a:spcAft>
+              <a:buClr>
+                <a:schemeClr val="accent1"/>
+              </a:buClr>
+              <a:buFont typeface="Calibri" pitchFamily="34" charset="0"/>
+              <a:buChar char="◦"/>
+              <a:defRPr sz="1400" kern="1200">
+                <a:solidFill>
+                  <a:schemeClr val="tx1">
+                    <a:lumMod val="75000"/>
+                    <a:lumOff val="25000"/>
+                  </a:schemeClr>
+                </a:solidFill>
+                <a:latin typeface="+mn-lt"/>
+                <a:ea typeface="+mn-ea"/>
+                <a:cs typeface="+mn-cs"/>
+              </a:defRPr>
+            </a:lvl9pPr>
+          </a:lstStyle>
+          <a:p>
+            <a:r>
+              <a:rPr lang="es-ES" dirty="0"/>
+              <a:t>Calcularemos el umbral teórico usando un solo nivel de recursividad:</a:t>
+            </a:r>
+          </a:p>
+        </p:txBody>
+      </p:sp>
+      <p:pic>
+        <p:nvPicPr>
+          <p:cNvPr id="12" name="Imagen 11">
+            <a:extLst>
+              <a:ext uri="{FF2B5EF4-FFF2-40B4-BE49-F238E27FC236}">
+                <a16:creationId xmlns:a16="http://schemas.microsoft.com/office/drawing/2014/main" id="{50E624F7-B303-1225-510F-3C194BAECE02}"/>
+              </a:ext>
+            </a:extLst>
+          </p:cNvPr>
+          <p:cNvPicPr>
+            <a:picLocks noChangeAspect="1"/>
+          </p:cNvPicPr>
+          <p:nvPr/>
+        </p:nvPicPr>
+        <p:blipFill>
+          <a:blip r:embed="rId3"/>
+          <a:stretch>
+            <a:fillRect/>
+          </a:stretch>
+        </p:blipFill>
+        <p:spPr>
+          <a:xfrm>
+            <a:off x="1821426" y="4401301"/>
+            <a:ext cx="3200400" cy="800100"/>
+          </a:xfrm>
+          <a:prstGeom prst="rect">
+            <a:avLst/>
+          </a:prstGeom>
+        </p:spPr>
+      </p:pic>
+      <p:pic>
+        <p:nvPicPr>
+          <p:cNvPr id="14" name="Imagen 13">
+            <a:extLst>
+              <a:ext uri="{FF2B5EF4-FFF2-40B4-BE49-F238E27FC236}">
+                <a16:creationId xmlns:a16="http://schemas.microsoft.com/office/drawing/2014/main" id="{FA3851B6-47C5-E280-0443-838ED864F01F}"/>
+              </a:ext>
+            </a:extLst>
+          </p:cNvPr>
+          <p:cNvPicPr>
+            <a:picLocks noChangeAspect="1"/>
+          </p:cNvPicPr>
+          <p:nvPr/>
+        </p:nvPicPr>
+        <p:blipFill>
+          <a:blip r:embed="rId4"/>
+          <a:stretch>
+            <a:fillRect/>
+          </a:stretch>
+        </p:blipFill>
+        <p:spPr>
+          <a:xfrm>
+            <a:off x="7074788" y="4544176"/>
+            <a:ext cx="1762125" cy="657225"/>
+          </a:xfrm>
+          <a:prstGeom prst="rect">
+            <a:avLst/>
+          </a:prstGeom>
+        </p:spPr>
+      </p:pic>
+      <p:pic>
+        <p:nvPicPr>
+          <p:cNvPr id="16" name="Imagen 15">
+            <a:extLst>
+              <a:ext uri="{FF2B5EF4-FFF2-40B4-BE49-F238E27FC236}">
+                <a16:creationId xmlns:a16="http://schemas.microsoft.com/office/drawing/2014/main" id="{5B0856D4-AC3D-61DE-8333-7A78EF9684D4}"/>
+              </a:ext>
+            </a:extLst>
+          </p:cNvPr>
+          <p:cNvPicPr>
+            <a:picLocks noChangeAspect="1"/>
+          </p:cNvPicPr>
+          <p:nvPr/>
+        </p:nvPicPr>
+        <p:blipFill rotWithShape="1">
+          <a:blip r:embed="rId4"/>
+          <a:srcRect r="76905"/>
+          <a:stretch/>
+        </p:blipFill>
+        <p:spPr>
+          <a:xfrm>
+            <a:off x="5207258" y="4495759"/>
+            <a:ext cx="406961" cy="657225"/>
+          </a:xfrm>
+          <a:prstGeom prst="rect">
+            <a:avLst/>
+          </a:prstGeom>
+        </p:spPr>
+      </p:pic>
+      <p:sp>
+        <p:nvSpPr>
+          <p:cNvPr id="17" name="Marcador de contenido 2">
+            <a:extLst>
+              <a:ext uri="{FF2B5EF4-FFF2-40B4-BE49-F238E27FC236}">
+                <a16:creationId xmlns:a16="http://schemas.microsoft.com/office/drawing/2014/main" id="{1DE0F211-BA63-8615-7D40-721F92FEBC5C}"/>
+              </a:ext>
+            </a:extLst>
+          </p:cNvPr>
+          <p:cNvSpPr txBox="1">
+            <a:spLocks/>
+          </p:cNvSpPr>
+          <p:nvPr/>
+        </p:nvSpPr>
+        <p:spPr>
+          <a:xfrm>
+            <a:off x="6092350" y="4617457"/>
+            <a:ext cx="504307" cy="367788"/>
+          </a:xfrm>
+          <a:prstGeom prst="rect">
+            <a:avLst/>
+          </a:prstGeom>
+        </p:spPr>
+        <p:txBody>
+          <a:bodyPr vert="horz" lIns="0" tIns="45720" rIns="0" bIns="45720" rtlCol="0">
+            <a:normAutofit fontScale="92500" lnSpcReduction="10000"/>
+          </a:bodyPr>
+          <a:lstStyle>
+            <a:lvl1pPr marL="91440" indent="-91440" algn="l" defTabSz="914400" rtl="0" eaLnBrk="1" latinLnBrk="0" hangingPunct="1">
+              <a:lnSpc>
+                <a:spcPct val="110000"/>
+              </a:lnSpc>
+              <a:spcBef>
+                <a:spcPts val="1200"/>
+              </a:spcBef>
+              <a:spcAft>
+                <a:spcPts val="200"/>
+              </a:spcAft>
+              <a:buClr>
+                <a:schemeClr val="accent1"/>
+              </a:buClr>
+              <a:buSzPct val="100000"/>
+              <a:buFont typeface="Calibri" panose="020F0502020204030204" pitchFamily="34" charset="0"/>
+              <a:buChar char=" "/>
+              <a:defRPr sz="1900" kern="1200">
+                <a:solidFill>
+                  <a:schemeClr val="tx1">
+                    <a:lumMod val="75000"/>
+                    <a:lumOff val="25000"/>
+                  </a:schemeClr>
+                </a:solidFill>
+                <a:latin typeface="+mn-lt"/>
+                <a:ea typeface="+mn-ea"/>
+                <a:cs typeface="+mn-cs"/>
+              </a:defRPr>
+            </a:lvl1pPr>
+            <a:lvl2pPr marL="384048" indent="-182880" algn="l" defTabSz="914400" rtl="0" eaLnBrk="1" latinLnBrk="0" hangingPunct="1">
+              <a:lnSpc>
+                <a:spcPct val="100000"/>
+              </a:lnSpc>
+              <a:spcBef>
+                <a:spcPts val="200"/>
+              </a:spcBef>
+              <a:spcAft>
+                <a:spcPts val="400"/>
+              </a:spcAft>
+              <a:buClrTx/>
+              <a:buFont typeface="Calibri" pitchFamily="34" charset="0"/>
+              <a:buChar char="◦"/>
+              <a:defRPr sz="1700" kern="1200">
+                <a:solidFill>
+                  <a:schemeClr val="tx1">
+                    <a:lumMod val="75000"/>
+                    <a:lumOff val="25000"/>
+                  </a:schemeClr>
+                </a:solidFill>
+                <a:latin typeface="+mn-lt"/>
+                <a:ea typeface="+mn-ea"/>
+                <a:cs typeface="+mn-cs"/>
+              </a:defRPr>
+            </a:lvl2pPr>
+            <a:lvl3pPr marL="566928" indent="-182880" algn="l" defTabSz="914400" rtl="0" eaLnBrk="1" latinLnBrk="0" hangingPunct="1">
+              <a:lnSpc>
+                <a:spcPct val="100000"/>
+              </a:lnSpc>
+              <a:spcBef>
+                <a:spcPts val="200"/>
+              </a:spcBef>
+              <a:spcAft>
+                <a:spcPts val="400"/>
+              </a:spcAft>
+              <a:buClrTx/>
+              <a:buFont typeface="Calibri" pitchFamily="34" charset="0"/>
+              <a:buChar char="◦"/>
+              <a:defRPr sz="1300" kern="1200">
+                <a:solidFill>
+                  <a:schemeClr val="tx1">
+                    <a:lumMod val="75000"/>
+                    <a:lumOff val="25000"/>
+                  </a:schemeClr>
+                </a:solidFill>
+                <a:latin typeface="+mn-lt"/>
+                <a:ea typeface="+mn-ea"/>
+                <a:cs typeface="+mn-cs"/>
+              </a:defRPr>
+            </a:lvl3pPr>
+            <a:lvl4pPr marL="749808" indent="-182880" algn="l" defTabSz="914400" rtl="0" eaLnBrk="1" latinLnBrk="0" hangingPunct="1">
+              <a:lnSpc>
+                <a:spcPct val="100000"/>
+              </a:lnSpc>
+              <a:spcBef>
+                <a:spcPts val="200"/>
+              </a:spcBef>
+              <a:spcAft>
+                <a:spcPts val="400"/>
+              </a:spcAft>
+              <a:buClrTx/>
+              <a:buFont typeface="Calibri" pitchFamily="34" charset="0"/>
+              <a:buChar char="◦"/>
+              <a:defRPr sz="1300" kern="1200">
+                <a:solidFill>
+                  <a:schemeClr val="tx1">
+                    <a:lumMod val="75000"/>
+                    <a:lumOff val="25000"/>
+                  </a:schemeClr>
+                </a:solidFill>
+                <a:latin typeface="+mn-lt"/>
+                <a:ea typeface="+mn-ea"/>
+                <a:cs typeface="+mn-cs"/>
+              </a:defRPr>
+            </a:lvl4pPr>
+            <a:lvl5pPr marL="932688" indent="-182880" algn="l" defTabSz="914400" rtl="0" eaLnBrk="1" latinLnBrk="0" hangingPunct="1">
+              <a:lnSpc>
+                <a:spcPct val="100000"/>
+              </a:lnSpc>
+              <a:spcBef>
+                <a:spcPts val="200"/>
+              </a:spcBef>
+              <a:spcAft>
+                <a:spcPts val="400"/>
+              </a:spcAft>
+              <a:buClrTx/>
+              <a:buFont typeface="Calibri" pitchFamily="34" charset="0"/>
+              <a:buChar char="◦"/>
+              <a:defRPr sz="1300" kern="1200">
+                <a:solidFill>
+                  <a:schemeClr val="tx1">
+                    <a:lumMod val="75000"/>
+                    <a:lumOff val="25000"/>
+                  </a:schemeClr>
+                </a:solidFill>
+                <a:latin typeface="+mn-lt"/>
+                <a:ea typeface="+mn-ea"/>
+                <a:cs typeface="+mn-cs"/>
+              </a:defRPr>
+            </a:lvl5pPr>
+            <a:lvl6pPr marL="1100000" indent="-228600" algn="l" defTabSz="914400" rtl="0" eaLnBrk="1" latinLnBrk="0" hangingPunct="1">
+              <a:lnSpc>
+                <a:spcPct val="90000"/>
+              </a:lnSpc>
+              <a:spcBef>
+                <a:spcPts val="200"/>
+              </a:spcBef>
+              <a:spcAft>
+                <a:spcPts val="400"/>
+              </a:spcAft>
+              <a:buClr>
+                <a:schemeClr val="accent1"/>
+              </a:buClr>
+              <a:buFont typeface="Calibri" pitchFamily="34" charset="0"/>
+              <a:buChar char="◦"/>
+              <a:defRPr sz="1400" kern="1200">
+                <a:solidFill>
+                  <a:schemeClr val="tx1">
+                    <a:lumMod val="75000"/>
+                    <a:lumOff val="25000"/>
+                  </a:schemeClr>
+                </a:solidFill>
+                <a:latin typeface="+mn-lt"/>
+                <a:ea typeface="+mn-ea"/>
+                <a:cs typeface="+mn-cs"/>
+              </a:defRPr>
+            </a:lvl6pPr>
+            <a:lvl7pPr marL="1300000" indent="-228600" algn="l" defTabSz="914400" rtl="0" eaLnBrk="1" latinLnBrk="0" hangingPunct="1">
+              <a:lnSpc>
+                <a:spcPct val="90000"/>
+              </a:lnSpc>
+              <a:spcBef>
+                <a:spcPts val="200"/>
+              </a:spcBef>
+              <a:spcAft>
+                <a:spcPts val="400"/>
+              </a:spcAft>
+              <a:buClr>
+                <a:schemeClr val="accent1"/>
+              </a:buClr>
+              <a:buFont typeface="Calibri" pitchFamily="34" charset="0"/>
+              <a:buChar char="◦"/>
+              <a:defRPr sz="1400" kern="1200">
+                <a:solidFill>
+                  <a:schemeClr val="tx1">
+                    <a:lumMod val="75000"/>
+                    <a:lumOff val="25000"/>
+                  </a:schemeClr>
+                </a:solidFill>
+                <a:latin typeface="+mn-lt"/>
+                <a:ea typeface="+mn-ea"/>
+                <a:cs typeface="+mn-cs"/>
+              </a:defRPr>
+            </a:lvl7pPr>
+            <a:lvl8pPr marL="1500000" indent="-228600" algn="l" defTabSz="914400" rtl="0" eaLnBrk="1" latinLnBrk="0" hangingPunct="1">
+              <a:lnSpc>
+                <a:spcPct val="90000"/>
+              </a:lnSpc>
+              <a:spcBef>
+                <a:spcPts val="200"/>
+              </a:spcBef>
+              <a:spcAft>
+                <a:spcPts val="400"/>
+              </a:spcAft>
+              <a:buClr>
+                <a:schemeClr val="accent1"/>
+              </a:buClr>
+              <a:buFont typeface="Calibri" pitchFamily="34" charset="0"/>
+              <a:buChar char="◦"/>
+              <a:defRPr sz="1400" kern="1200">
+                <a:solidFill>
+                  <a:schemeClr val="tx1">
+                    <a:lumMod val="75000"/>
+                    <a:lumOff val="25000"/>
+                  </a:schemeClr>
+                </a:solidFill>
+                <a:latin typeface="+mn-lt"/>
+                <a:ea typeface="+mn-ea"/>
+                <a:cs typeface="+mn-cs"/>
+              </a:defRPr>
+            </a:lvl8pPr>
+            <a:lvl9pPr marL="1700000" indent="-228600" algn="l" defTabSz="914400" rtl="0" eaLnBrk="1" latinLnBrk="0" hangingPunct="1">
+              <a:lnSpc>
+                <a:spcPct val="90000"/>
+              </a:lnSpc>
+              <a:spcBef>
+                <a:spcPts val="200"/>
+              </a:spcBef>
+              <a:spcAft>
+                <a:spcPts val="400"/>
+              </a:spcAft>
+              <a:buClr>
+                <a:schemeClr val="accent1"/>
+              </a:buClr>
+              <a:buFont typeface="Calibri" pitchFamily="34" charset="0"/>
+              <a:buChar char="◦"/>
+              <a:defRPr sz="1400" kern="1200">
+                <a:solidFill>
+                  <a:schemeClr val="tx1">
+                    <a:lumMod val="75000"/>
+                    <a:lumOff val="25000"/>
+                  </a:schemeClr>
+                </a:solidFill>
+                <a:latin typeface="+mn-lt"/>
+                <a:ea typeface="+mn-ea"/>
+                <a:cs typeface="+mn-cs"/>
+              </a:defRPr>
+            </a:lvl9pPr>
+          </a:lstStyle>
+          <a:p>
+            <a:r>
+              <a:rPr lang="es-ES" dirty="0"/>
+              <a:t>[…]</a:t>
+            </a:r>
+          </a:p>
+        </p:txBody>
+      </p:sp>
+      <p:sp>
+        <p:nvSpPr>
+          <p:cNvPr id="18" name="CuadroTexto 17">
+            <a:extLst>
+              <a:ext uri="{FF2B5EF4-FFF2-40B4-BE49-F238E27FC236}">
+                <a16:creationId xmlns:a16="http://schemas.microsoft.com/office/drawing/2014/main" id="{2551B2FE-18A2-7934-6D67-B1F7C1D5F732}"/>
+              </a:ext>
+            </a:extLst>
+          </p:cNvPr>
+          <p:cNvSpPr txBox="1"/>
+          <p:nvPr/>
+        </p:nvSpPr>
+        <p:spPr>
+          <a:xfrm>
+            <a:off x="1097280" y="5309419"/>
+            <a:ext cx="9849956" cy="369332"/>
+          </a:xfrm>
+          <a:prstGeom prst="rect">
+            <a:avLst/>
+          </a:prstGeom>
+          <a:noFill/>
+        </p:spPr>
+        <p:txBody>
+          <a:bodyPr wrap="square" rtlCol="0">
+            <a:spAutoFit/>
+          </a:bodyPr>
+          <a:lstStyle/>
+          <a:p>
+            <a:r>
+              <a:rPr lang="es-ES" dirty="0"/>
+              <a:t>Esto tiene sentido pues como ya hemos visto las gráficas son prácticamente coincidentes</a:t>
+            </a:r>
+          </a:p>
+        </p:txBody>
+      </p:sp>
+    </p:spTree>
+    <p:extLst>
+      <p:ext uri="{BB962C8B-B14F-4D97-AF65-F5344CB8AC3E}">
+        <p14:creationId xmlns:p14="http://schemas.microsoft.com/office/powerpoint/2010/main" val="3803059933"/>
+      </p:ext>
+    </p:extLst>
+  </p:cSld>
+  <p:clrMapOvr>
+    <a:masterClrMapping/>
+  </p:clrMapOvr>
+</p:sld>
+</file>
+
+<file path=ppt/slides/slide37.xml><?xml version="1.0" encoding="utf-8"?>
+<p:sld xmlns:a="http://schemas.openxmlformats.org/drawingml/2006/main" xmlns:r="http://schemas.openxmlformats.org/officeDocument/2006/relationships" xmlns:p="http://schemas.openxmlformats.org/presentationml/2006/main">
+  <p:cSld>
+    <p:spTree>
+      <p:nvGrpSpPr>
+        <p:cNvPr id="1" name=""/>
+        <p:cNvGrpSpPr/>
+        <p:nvPr/>
+      </p:nvGrpSpPr>
+      <p:grpSpPr>
+        <a:xfrm>
+          <a:off x="0" y="0"/>
+          <a:ext cx="0" cy="0"/>
+          <a:chOff x="0" y="0"/>
+          <a:chExt cx="0" cy="0"/>
+        </a:xfrm>
+      </p:grpSpPr>
+      <p:sp>
+        <p:nvSpPr>
+          <p:cNvPr id="2" name="Título 1">
+            <a:extLst>
+              <a:ext uri="{FF2B5EF4-FFF2-40B4-BE49-F238E27FC236}">
+                <a16:creationId xmlns:a16="http://schemas.microsoft.com/office/drawing/2014/main" id="{117FEF36-D9C2-B20A-9F8C-877DE6E2173F}"/>
+              </a:ext>
+            </a:extLst>
+          </p:cNvPr>
+          <p:cNvSpPr>
+            <a:spLocks noGrp="1"/>
+          </p:cNvSpPr>
+          <p:nvPr>
+            <p:ph type="title"/>
+          </p:nvPr>
+        </p:nvSpPr>
+        <p:spPr/>
+        <p:txBody>
+          <a:bodyPr/>
+          <a:lstStyle/>
+          <a:p>
+            <a:r>
+              <a:rPr lang="es-ES" dirty="0"/>
+              <a:t>Umbral óptimo</a:t>
+            </a:r>
+          </a:p>
+        </p:txBody>
+      </p:sp>
+      <p:sp>
+        <p:nvSpPr>
+          <p:cNvPr id="3" name="Marcador de contenido 2">
+            <a:extLst>
+              <a:ext uri="{FF2B5EF4-FFF2-40B4-BE49-F238E27FC236}">
+                <a16:creationId xmlns:a16="http://schemas.microsoft.com/office/drawing/2014/main" id="{7FDEA1FF-F669-8635-0FBF-75DAD4343CEF}"/>
+              </a:ext>
+            </a:extLst>
+          </p:cNvPr>
+          <p:cNvSpPr>
+            <a:spLocks noGrp="1"/>
+          </p:cNvSpPr>
+          <p:nvPr>
+            <p:ph idx="1"/>
+          </p:nvPr>
+        </p:nvSpPr>
+        <p:spPr>
+          <a:xfrm>
+            <a:off x="1097280" y="2108202"/>
+            <a:ext cx="10058400" cy="708890"/>
+          </a:xfrm>
+        </p:spPr>
+        <p:txBody>
+          <a:bodyPr/>
+          <a:lstStyle/>
+          <a:p>
+            <a:r>
+              <a:rPr lang="es-ES" dirty="0"/>
+              <a:t>Para calcular el umbral óptimo tendremos que igualar las expresiones calculadas previamente en el análisis híbrido.</a:t>
+            </a:r>
+          </a:p>
+        </p:txBody>
+      </p:sp>
+      <p:sp>
+        <p:nvSpPr>
+          <p:cNvPr id="4" name="Marcador de fecha 3">
+            <a:extLst>
+              <a:ext uri="{FF2B5EF4-FFF2-40B4-BE49-F238E27FC236}">
+                <a16:creationId xmlns:a16="http://schemas.microsoft.com/office/drawing/2014/main" id="{2AF89EC7-6F45-3A5F-A65D-155A62767AC5}"/>
+              </a:ext>
+            </a:extLst>
+          </p:cNvPr>
+          <p:cNvSpPr>
+            <a:spLocks noGrp="1"/>
+          </p:cNvSpPr>
+          <p:nvPr>
+            <p:ph type="dt" sz="half" idx="10"/>
+          </p:nvPr>
+        </p:nvSpPr>
+        <p:spPr/>
+        <p:txBody>
+          <a:bodyPr/>
+          <a:lstStyle/>
+          <a:p>
+            <a:pPr rtl="0"/>
+            <a:fld id="{642B802E-BFC6-4F89-8E3C-91026AB025AB}" type="datetime1">
+              <a:rPr lang="es-ES" smtClean="0"/>
+              <a:t>19/04/2023</a:t>
+            </a:fld>
+            <a:endParaRPr lang="en-US" dirty="0"/>
+          </a:p>
+        </p:txBody>
+      </p:sp>
+      <p:pic>
+        <p:nvPicPr>
+          <p:cNvPr id="6" name="Imagen 5">
+            <a:extLst>
+              <a:ext uri="{FF2B5EF4-FFF2-40B4-BE49-F238E27FC236}">
+                <a16:creationId xmlns:a16="http://schemas.microsoft.com/office/drawing/2014/main" id="{5DEEFA34-8F08-A4A9-E1A3-2173107FDA49}"/>
+              </a:ext>
+            </a:extLst>
+          </p:cNvPr>
+          <p:cNvPicPr>
+            <a:picLocks noChangeAspect="1"/>
+          </p:cNvPicPr>
+          <p:nvPr/>
+        </p:nvPicPr>
+        <p:blipFill>
+          <a:blip r:embed="rId2"/>
+          <a:stretch>
+            <a:fillRect/>
+          </a:stretch>
+        </p:blipFill>
+        <p:spPr>
+          <a:xfrm>
+            <a:off x="3243262" y="2817092"/>
+            <a:ext cx="5705475" cy="790575"/>
+          </a:xfrm>
+          <a:prstGeom prst="rect">
+            <a:avLst/>
+          </a:prstGeom>
+        </p:spPr>
+      </p:pic>
+      <p:sp>
+        <p:nvSpPr>
+          <p:cNvPr id="7" name="Marcador de contenido 2">
+            <a:extLst>
+              <a:ext uri="{FF2B5EF4-FFF2-40B4-BE49-F238E27FC236}">
+                <a16:creationId xmlns:a16="http://schemas.microsoft.com/office/drawing/2014/main" id="{EDBC57AE-A929-4CFF-7499-85925ED9EBC7}"/>
+              </a:ext>
+            </a:extLst>
+          </p:cNvPr>
+          <p:cNvSpPr txBox="1">
+            <a:spLocks/>
+          </p:cNvSpPr>
+          <p:nvPr/>
+        </p:nvSpPr>
+        <p:spPr>
+          <a:xfrm>
+            <a:off x="1097280" y="3607667"/>
+            <a:ext cx="10058400" cy="433242"/>
+          </a:xfrm>
+          <a:prstGeom prst="rect">
+            <a:avLst/>
+          </a:prstGeom>
+        </p:spPr>
+        <p:txBody>
+          <a:bodyPr vert="horz" lIns="0" tIns="45720" rIns="0" bIns="45720" rtlCol="0">
+            <a:normAutofit/>
+          </a:bodyPr>
+          <a:lstStyle>
+            <a:lvl1pPr marL="91440" indent="-91440" algn="l" defTabSz="914400" rtl="0" eaLnBrk="1" latinLnBrk="0" hangingPunct="1">
+              <a:lnSpc>
+                <a:spcPct val="110000"/>
+              </a:lnSpc>
+              <a:spcBef>
+                <a:spcPts val="1200"/>
+              </a:spcBef>
+              <a:spcAft>
+                <a:spcPts val="200"/>
+              </a:spcAft>
+              <a:buClr>
+                <a:schemeClr val="accent1"/>
+              </a:buClr>
+              <a:buSzPct val="100000"/>
+              <a:buFont typeface="Calibri" panose="020F0502020204030204" pitchFamily="34" charset="0"/>
+              <a:buChar char=" "/>
+              <a:defRPr sz="1900" kern="1200">
+                <a:solidFill>
+                  <a:schemeClr val="tx1">
+                    <a:lumMod val="75000"/>
+                    <a:lumOff val="25000"/>
+                  </a:schemeClr>
+                </a:solidFill>
+                <a:latin typeface="+mn-lt"/>
+                <a:ea typeface="+mn-ea"/>
+                <a:cs typeface="+mn-cs"/>
+              </a:defRPr>
+            </a:lvl1pPr>
+            <a:lvl2pPr marL="384048" indent="-182880" algn="l" defTabSz="914400" rtl="0" eaLnBrk="1" latinLnBrk="0" hangingPunct="1">
+              <a:lnSpc>
+                <a:spcPct val="100000"/>
+              </a:lnSpc>
+              <a:spcBef>
+                <a:spcPts val="200"/>
+              </a:spcBef>
+              <a:spcAft>
+                <a:spcPts val="400"/>
+              </a:spcAft>
+              <a:buClrTx/>
+              <a:buFont typeface="Calibri" pitchFamily="34" charset="0"/>
+              <a:buChar char="◦"/>
+              <a:defRPr sz="1700" kern="1200">
+                <a:solidFill>
+                  <a:schemeClr val="tx1">
+                    <a:lumMod val="75000"/>
+                    <a:lumOff val="25000"/>
+                  </a:schemeClr>
+                </a:solidFill>
+                <a:latin typeface="+mn-lt"/>
+                <a:ea typeface="+mn-ea"/>
+                <a:cs typeface="+mn-cs"/>
+              </a:defRPr>
+            </a:lvl2pPr>
+            <a:lvl3pPr marL="566928" indent="-182880" algn="l" defTabSz="914400" rtl="0" eaLnBrk="1" latinLnBrk="0" hangingPunct="1">
+              <a:lnSpc>
+                <a:spcPct val="100000"/>
+              </a:lnSpc>
+              <a:spcBef>
+                <a:spcPts val="200"/>
+              </a:spcBef>
+              <a:spcAft>
+                <a:spcPts val="400"/>
+              </a:spcAft>
+              <a:buClrTx/>
+              <a:buFont typeface="Calibri" pitchFamily="34" charset="0"/>
+              <a:buChar char="◦"/>
+              <a:defRPr sz="1300" kern="1200">
+                <a:solidFill>
+                  <a:schemeClr val="tx1">
+                    <a:lumMod val="75000"/>
+                    <a:lumOff val="25000"/>
+                  </a:schemeClr>
+                </a:solidFill>
+                <a:latin typeface="+mn-lt"/>
+                <a:ea typeface="+mn-ea"/>
+                <a:cs typeface="+mn-cs"/>
+              </a:defRPr>
+            </a:lvl3pPr>
+            <a:lvl4pPr marL="749808" indent="-182880" algn="l" defTabSz="914400" rtl="0" eaLnBrk="1" latinLnBrk="0" hangingPunct="1">
+              <a:lnSpc>
+                <a:spcPct val="100000"/>
+              </a:lnSpc>
+              <a:spcBef>
+                <a:spcPts val="200"/>
+              </a:spcBef>
+              <a:spcAft>
+                <a:spcPts val="400"/>
+              </a:spcAft>
+              <a:buClrTx/>
+              <a:buFont typeface="Calibri" pitchFamily="34" charset="0"/>
+              <a:buChar char="◦"/>
+              <a:defRPr sz="1300" kern="1200">
+                <a:solidFill>
+                  <a:schemeClr val="tx1">
+                    <a:lumMod val="75000"/>
+                    <a:lumOff val="25000"/>
+                  </a:schemeClr>
+                </a:solidFill>
+                <a:latin typeface="+mn-lt"/>
+                <a:ea typeface="+mn-ea"/>
+                <a:cs typeface="+mn-cs"/>
+              </a:defRPr>
+            </a:lvl4pPr>
+            <a:lvl5pPr marL="932688" indent="-182880" algn="l" defTabSz="914400" rtl="0" eaLnBrk="1" latinLnBrk="0" hangingPunct="1">
+              <a:lnSpc>
+                <a:spcPct val="100000"/>
+              </a:lnSpc>
+              <a:spcBef>
+                <a:spcPts val="200"/>
+              </a:spcBef>
+              <a:spcAft>
+                <a:spcPts val="400"/>
+              </a:spcAft>
+              <a:buClrTx/>
+              <a:buFont typeface="Calibri" pitchFamily="34" charset="0"/>
+              <a:buChar char="◦"/>
+              <a:defRPr sz="1300" kern="1200">
+                <a:solidFill>
+                  <a:schemeClr val="tx1">
+                    <a:lumMod val="75000"/>
+                    <a:lumOff val="25000"/>
+                  </a:schemeClr>
+                </a:solidFill>
+                <a:latin typeface="+mn-lt"/>
+                <a:ea typeface="+mn-ea"/>
+                <a:cs typeface="+mn-cs"/>
+              </a:defRPr>
+            </a:lvl5pPr>
+            <a:lvl6pPr marL="1100000" indent="-228600" algn="l" defTabSz="914400" rtl="0" eaLnBrk="1" latinLnBrk="0" hangingPunct="1">
+              <a:lnSpc>
+                <a:spcPct val="90000"/>
+              </a:lnSpc>
+              <a:spcBef>
+                <a:spcPts val="200"/>
+              </a:spcBef>
+              <a:spcAft>
+                <a:spcPts val="400"/>
+              </a:spcAft>
+              <a:buClr>
+                <a:schemeClr val="accent1"/>
+              </a:buClr>
+              <a:buFont typeface="Calibri" pitchFamily="34" charset="0"/>
+              <a:buChar char="◦"/>
+              <a:defRPr sz="1400" kern="1200">
+                <a:solidFill>
+                  <a:schemeClr val="tx1">
+                    <a:lumMod val="75000"/>
+                    <a:lumOff val="25000"/>
+                  </a:schemeClr>
+                </a:solidFill>
+                <a:latin typeface="+mn-lt"/>
+                <a:ea typeface="+mn-ea"/>
+                <a:cs typeface="+mn-cs"/>
+              </a:defRPr>
+            </a:lvl6pPr>
+            <a:lvl7pPr marL="1300000" indent="-228600" algn="l" defTabSz="914400" rtl="0" eaLnBrk="1" latinLnBrk="0" hangingPunct="1">
+              <a:lnSpc>
+                <a:spcPct val="90000"/>
+              </a:lnSpc>
+              <a:spcBef>
+                <a:spcPts val="200"/>
+              </a:spcBef>
+              <a:spcAft>
+                <a:spcPts val="400"/>
+              </a:spcAft>
+              <a:buClr>
+                <a:schemeClr val="accent1"/>
+              </a:buClr>
+              <a:buFont typeface="Calibri" pitchFamily="34" charset="0"/>
+              <a:buChar char="◦"/>
+              <a:defRPr sz="1400" kern="1200">
+                <a:solidFill>
+                  <a:schemeClr val="tx1">
+                    <a:lumMod val="75000"/>
+                    <a:lumOff val="25000"/>
+                  </a:schemeClr>
+                </a:solidFill>
+                <a:latin typeface="+mn-lt"/>
+                <a:ea typeface="+mn-ea"/>
+                <a:cs typeface="+mn-cs"/>
+              </a:defRPr>
+            </a:lvl7pPr>
+            <a:lvl8pPr marL="1500000" indent="-228600" algn="l" defTabSz="914400" rtl="0" eaLnBrk="1" latinLnBrk="0" hangingPunct="1">
+              <a:lnSpc>
+                <a:spcPct val="90000"/>
+              </a:lnSpc>
+              <a:spcBef>
+                <a:spcPts val="200"/>
+              </a:spcBef>
+              <a:spcAft>
+                <a:spcPts val="400"/>
+              </a:spcAft>
+              <a:buClr>
+                <a:schemeClr val="accent1"/>
+              </a:buClr>
+              <a:buFont typeface="Calibri" pitchFamily="34" charset="0"/>
+              <a:buChar char="◦"/>
+              <a:defRPr sz="1400" kern="1200">
+                <a:solidFill>
+                  <a:schemeClr val="tx1">
+                    <a:lumMod val="75000"/>
+                    <a:lumOff val="25000"/>
+                  </a:schemeClr>
+                </a:solidFill>
+                <a:latin typeface="+mn-lt"/>
+                <a:ea typeface="+mn-ea"/>
+                <a:cs typeface="+mn-cs"/>
+              </a:defRPr>
+            </a:lvl8pPr>
+            <a:lvl9pPr marL="1700000" indent="-228600" algn="l" defTabSz="914400" rtl="0" eaLnBrk="1" latinLnBrk="0" hangingPunct="1">
+              <a:lnSpc>
+                <a:spcPct val="90000"/>
+              </a:lnSpc>
+              <a:spcBef>
+                <a:spcPts val="200"/>
+              </a:spcBef>
+              <a:spcAft>
+                <a:spcPts val="400"/>
+              </a:spcAft>
+              <a:buClr>
+                <a:schemeClr val="accent1"/>
+              </a:buClr>
+              <a:buFont typeface="Calibri" pitchFamily="34" charset="0"/>
+              <a:buChar char="◦"/>
+              <a:defRPr sz="1400" kern="1200">
+                <a:solidFill>
+                  <a:schemeClr val="tx1">
+                    <a:lumMod val="75000"/>
+                    <a:lumOff val="25000"/>
+                  </a:schemeClr>
+                </a:solidFill>
+                <a:latin typeface="+mn-lt"/>
+                <a:ea typeface="+mn-ea"/>
+                <a:cs typeface="+mn-cs"/>
+              </a:defRPr>
+            </a:lvl9pPr>
+          </a:lstStyle>
+          <a:p>
+            <a:r>
+              <a:rPr lang="es-ES" dirty="0"/>
+              <a:t>Lo cual se cumple para 4 valores:</a:t>
+            </a:r>
+          </a:p>
+        </p:txBody>
+      </p:sp>
+      <p:pic>
+        <p:nvPicPr>
+          <p:cNvPr id="10" name="Imagen 9">
+            <a:extLst>
+              <a:ext uri="{FF2B5EF4-FFF2-40B4-BE49-F238E27FC236}">
+                <a16:creationId xmlns:a16="http://schemas.microsoft.com/office/drawing/2014/main" id="{156E632C-861B-C79F-D671-DF5E7560378D}"/>
+              </a:ext>
+            </a:extLst>
+          </p:cNvPr>
+          <p:cNvPicPr>
+            <a:picLocks noChangeAspect="1"/>
+          </p:cNvPicPr>
+          <p:nvPr/>
+        </p:nvPicPr>
+        <p:blipFill>
+          <a:blip r:embed="rId3"/>
+          <a:stretch>
+            <a:fillRect/>
+          </a:stretch>
+        </p:blipFill>
+        <p:spPr>
+          <a:xfrm>
+            <a:off x="4883294" y="3907848"/>
+            <a:ext cx="2007033" cy="1668398"/>
+          </a:xfrm>
+          <a:prstGeom prst="rect">
+            <a:avLst/>
+          </a:prstGeom>
+        </p:spPr>
+      </p:pic>
+      <p:sp>
+        <p:nvSpPr>
+          <p:cNvPr id="11" name="Marcador de contenido 2">
+            <a:extLst>
+              <a:ext uri="{FF2B5EF4-FFF2-40B4-BE49-F238E27FC236}">
+                <a16:creationId xmlns:a16="http://schemas.microsoft.com/office/drawing/2014/main" id="{4C25B736-F2BF-4103-9C47-D4619D141D95}"/>
+              </a:ext>
+            </a:extLst>
+          </p:cNvPr>
+          <p:cNvSpPr txBox="1">
+            <a:spLocks/>
+          </p:cNvSpPr>
+          <p:nvPr/>
+        </p:nvSpPr>
+        <p:spPr>
+          <a:xfrm>
+            <a:off x="1097280" y="5576246"/>
+            <a:ext cx="10058400" cy="433242"/>
+          </a:xfrm>
+          <a:prstGeom prst="rect">
+            <a:avLst/>
+          </a:prstGeom>
+        </p:spPr>
+        <p:txBody>
+          <a:bodyPr vert="horz" lIns="0" tIns="45720" rIns="0" bIns="45720" rtlCol="0">
+            <a:normAutofit/>
+          </a:bodyPr>
+          <a:lstStyle>
+            <a:lvl1pPr marL="91440" indent="-91440" algn="l" defTabSz="914400" rtl="0" eaLnBrk="1" latinLnBrk="0" hangingPunct="1">
+              <a:lnSpc>
+                <a:spcPct val="110000"/>
+              </a:lnSpc>
+              <a:spcBef>
+                <a:spcPts val="1200"/>
+              </a:spcBef>
+              <a:spcAft>
+                <a:spcPts val="200"/>
+              </a:spcAft>
+              <a:buClr>
+                <a:schemeClr val="accent1"/>
+              </a:buClr>
+              <a:buSzPct val="100000"/>
+              <a:buFont typeface="Calibri" panose="020F0502020204030204" pitchFamily="34" charset="0"/>
+              <a:buChar char=" "/>
+              <a:defRPr sz="1900" kern="1200">
+                <a:solidFill>
+                  <a:schemeClr val="tx1">
+                    <a:lumMod val="75000"/>
+                    <a:lumOff val="25000"/>
+                  </a:schemeClr>
+                </a:solidFill>
+                <a:latin typeface="+mn-lt"/>
+                <a:ea typeface="+mn-ea"/>
+                <a:cs typeface="+mn-cs"/>
+              </a:defRPr>
+            </a:lvl1pPr>
+            <a:lvl2pPr marL="384048" indent="-182880" algn="l" defTabSz="914400" rtl="0" eaLnBrk="1" latinLnBrk="0" hangingPunct="1">
+              <a:lnSpc>
+                <a:spcPct val="100000"/>
+              </a:lnSpc>
+              <a:spcBef>
+                <a:spcPts val="200"/>
+              </a:spcBef>
+              <a:spcAft>
+                <a:spcPts val="400"/>
+              </a:spcAft>
+              <a:buClrTx/>
+              <a:buFont typeface="Calibri" pitchFamily="34" charset="0"/>
+              <a:buChar char="◦"/>
+              <a:defRPr sz="1700" kern="1200">
+                <a:solidFill>
+                  <a:schemeClr val="tx1">
+                    <a:lumMod val="75000"/>
+                    <a:lumOff val="25000"/>
+                  </a:schemeClr>
+                </a:solidFill>
+                <a:latin typeface="+mn-lt"/>
+                <a:ea typeface="+mn-ea"/>
+                <a:cs typeface="+mn-cs"/>
+              </a:defRPr>
+            </a:lvl2pPr>
+            <a:lvl3pPr marL="566928" indent="-182880" algn="l" defTabSz="914400" rtl="0" eaLnBrk="1" latinLnBrk="0" hangingPunct="1">
+              <a:lnSpc>
+                <a:spcPct val="100000"/>
+              </a:lnSpc>
+              <a:spcBef>
+                <a:spcPts val="200"/>
+              </a:spcBef>
+              <a:spcAft>
+                <a:spcPts val="400"/>
+              </a:spcAft>
+              <a:buClrTx/>
+              <a:buFont typeface="Calibri" pitchFamily="34" charset="0"/>
+              <a:buChar char="◦"/>
+              <a:defRPr sz="1300" kern="1200">
+                <a:solidFill>
+                  <a:schemeClr val="tx1">
+                    <a:lumMod val="75000"/>
+                    <a:lumOff val="25000"/>
+                  </a:schemeClr>
+                </a:solidFill>
+                <a:latin typeface="+mn-lt"/>
+                <a:ea typeface="+mn-ea"/>
+                <a:cs typeface="+mn-cs"/>
+              </a:defRPr>
+            </a:lvl3pPr>
+            <a:lvl4pPr marL="749808" indent="-182880" algn="l" defTabSz="914400" rtl="0" eaLnBrk="1" latinLnBrk="0" hangingPunct="1">
+              <a:lnSpc>
+                <a:spcPct val="100000"/>
+              </a:lnSpc>
+              <a:spcBef>
+                <a:spcPts val="200"/>
+              </a:spcBef>
+              <a:spcAft>
+                <a:spcPts val="400"/>
+              </a:spcAft>
+              <a:buClrTx/>
+              <a:buFont typeface="Calibri" pitchFamily="34" charset="0"/>
+              <a:buChar char="◦"/>
+              <a:defRPr sz="1300" kern="1200">
+                <a:solidFill>
+                  <a:schemeClr val="tx1">
+                    <a:lumMod val="75000"/>
+                    <a:lumOff val="25000"/>
+                  </a:schemeClr>
+                </a:solidFill>
+                <a:latin typeface="+mn-lt"/>
+                <a:ea typeface="+mn-ea"/>
+                <a:cs typeface="+mn-cs"/>
+              </a:defRPr>
+            </a:lvl4pPr>
+            <a:lvl5pPr marL="932688" indent="-182880" algn="l" defTabSz="914400" rtl="0" eaLnBrk="1" latinLnBrk="0" hangingPunct="1">
+              <a:lnSpc>
+                <a:spcPct val="100000"/>
+              </a:lnSpc>
+              <a:spcBef>
+                <a:spcPts val="200"/>
+              </a:spcBef>
+              <a:spcAft>
+                <a:spcPts val="400"/>
+              </a:spcAft>
+              <a:buClrTx/>
+              <a:buFont typeface="Calibri" pitchFamily="34" charset="0"/>
+              <a:buChar char="◦"/>
+              <a:defRPr sz="1300" kern="1200">
+                <a:solidFill>
+                  <a:schemeClr val="tx1">
+                    <a:lumMod val="75000"/>
+                    <a:lumOff val="25000"/>
+                  </a:schemeClr>
+                </a:solidFill>
+                <a:latin typeface="+mn-lt"/>
+                <a:ea typeface="+mn-ea"/>
+                <a:cs typeface="+mn-cs"/>
+              </a:defRPr>
+            </a:lvl5pPr>
+            <a:lvl6pPr marL="1100000" indent="-228600" algn="l" defTabSz="914400" rtl="0" eaLnBrk="1" latinLnBrk="0" hangingPunct="1">
+              <a:lnSpc>
+                <a:spcPct val="90000"/>
+              </a:lnSpc>
+              <a:spcBef>
+                <a:spcPts val="200"/>
+              </a:spcBef>
+              <a:spcAft>
+                <a:spcPts val="400"/>
+              </a:spcAft>
+              <a:buClr>
+                <a:schemeClr val="accent1"/>
+              </a:buClr>
+              <a:buFont typeface="Calibri" pitchFamily="34" charset="0"/>
+              <a:buChar char="◦"/>
+              <a:defRPr sz="1400" kern="1200">
+                <a:solidFill>
+                  <a:schemeClr val="tx1">
+                    <a:lumMod val="75000"/>
+                    <a:lumOff val="25000"/>
+                  </a:schemeClr>
+                </a:solidFill>
+                <a:latin typeface="+mn-lt"/>
+                <a:ea typeface="+mn-ea"/>
+                <a:cs typeface="+mn-cs"/>
+              </a:defRPr>
+            </a:lvl6pPr>
+            <a:lvl7pPr marL="1300000" indent="-228600" algn="l" defTabSz="914400" rtl="0" eaLnBrk="1" latinLnBrk="0" hangingPunct="1">
+              <a:lnSpc>
+                <a:spcPct val="90000"/>
+              </a:lnSpc>
+              <a:spcBef>
+                <a:spcPts val="200"/>
+              </a:spcBef>
+              <a:spcAft>
+                <a:spcPts val="400"/>
+              </a:spcAft>
+              <a:buClr>
+                <a:schemeClr val="accent1"/>
+              </a:buClr>
+              <a:buFont typeface="Calibri" pitchFamily="34" charset="0"/>
+              <a:buChar char="◦"/>
+              <a:defRPr sz="1400" kern="1200">
+                <a:solidFill>
+                  <a:schemeClr val="tx1">
+                    <a:lumMod val="75000"/>
+                    <a:lumOff val="25000"/>
+                  </a:schemeClr>
+                </a:solidFill>
+                <a:latin typeface="+mn-lt"/>
+                <a:ea typeface="+mn-ea"/>
+                <a:cs typeface="+mn-cs"/>
+              </a:defRPr>
+            </a:lvl7pPr>
+            <a:lvl8pPr marL="1500000" indent="-228600" algn="l" defTabSz="914400" rtl="0" eaLnBrk="1" latinLnBrk="0" hangingPunct="1">
+              <a:lnSpc>
+                <a:spcPct val="90000"/>
+              </a:lnSpc>
+              <a:spcBef>
+                <a:spcPts val="200"/>
+              </a:spcBef>
+              <a:spcAft>
+                <a:spcPts val="400"/>
+              </a:spcAft>
+              <a:buClr>
+                <a:schemeClr val="accent1"/>
+              </a:buClr>
+              <a:buFont typeface="Calibri" pitchFamily="34" charset="0"/>
+              <a:buChar char="◦"/>
+              <a:defRPr sz="1400" kern="1200">
+                <a:solidFill>
+                  <a:schemeClr val="tx1">
+                    <a:lumMod val="75000"/>
+                    <a:lumOff val="25000"/>
+                  </a:schemeClr>
+                </a:solidFill>
+                <a:latin typeface="+mn-lt"/>
+                <a:ea typeface="+mn-ea"/>
+                <a:cs typeface="+mn-cs"/>
+              </a:defRPr>
+            </a:lvl8pPr>
+            <a:lvl9pPr marL="1700000" indent="-228600" algn="l" defTabSz="914400" rtl="0" eaLnBrk="1" latinLnBrk="0" hangingPunct="1">
+              <a:lnSpc>
+                <a:spcPct val="90000"/>
+              </a:lnSpc>
+              <a:spcBef>
+                <a:spcPts val="200"/>
+              </a:spcBef>
+              <a:spcAft>
+                <a:spcPts val="400"/>
+              </a:spcAft>
+              <a:buClr>
+                <a:schemeClr val="accent1"/>
+              </a:buClr>
+              <a:buFont typeface="Calibri" pitchFamily="34" charset="0"/>
+              <a:buChar char="◦"/>
+              <a:defRPr sz="1400" kern="1200">
+                <a:solidFill>
+                  <a:schemeClr val="tx1">
+                    <a:lumMod val="75000"/>
+                    <a:lumOff val="25000"/>
+                  </a:schemeClr>
+                </a:solidFill>
+                <a:latin typeface="+mn-lt"/>
+                <a:ea typeface="+mn-ea"/>
+                <a:cs typeface="+mn-cs"/>
+              </a:defRPr>
+            </a:lvl9pPr>
+          </a:lstStyle>
+          <a:p>
+            <a:r>
+              <a:rPr lang="es-ES" dirty="0"/>
+              <a:t>Por lo que podemos tomar como umbral n = 1</a:t>
+            </a:r>
+          </a:p>
+        </p:txBody>
+      </p:sp>
+    </p:spTree>
+    <p:extLst>
+      <p:ext uri="{BB962C8B-B14F-4D97-AF65-F5344CB8AC3E}">
+        <p14:creationId xmlns:p14="http://schemas.microsoft.com/office/powerpoint/2010/main" val="2099693102"/>
+      </p:ext>
+    </p:extLst>
+  </p:cSld>
+  <p:clrMapOvr>
+    <a:masterClrMapping/>
+  </p:clrMapOvr>
+</p:sld>
+</file>
+
+<file path=ppt/slides/slide38.xml><?xml version="1.0" encoding="utf-8"?>
+<p:sld xmlns:a="http://schemas.openxmlformats.org/drawingml/2006/main" xmlns:r="http://schemas.openxmlformats.org/officeDocument/2006/relationships" xmlns:p="http://schemas.openxmlformats.org/presentationml/2006/main">
+  <p:cSld>
+    <p:spTree>
+      <p:nvGrpSpPr>
+        <p:cNvPr id="1" name=""/>
+        <p:cNvGrpSpPr/>
+        <p:nvPr/>
+      </p:nvGrpSpPr>
+      <p:grpSpPr>
+        <a:xfrm>
+          <a:off x="0" y="0"/>
+          <a:ext cx="0" cy="0"/>
+          <a:chOff x="0" y="0"/>
+          <a:chExt cx="0" cy="0"/>
+        </a:xfrm>
+      </p:grpSpPr>
+      <p:sp>
+        <p:nvSpPr>
+          <p:cNvPr id="2" name="Título 1">
+            <a:extLst>
+              <a:ext uri="{FF2B5EF4-FFF2-40B4-BE49-F238E27FC236}">
                 <a16:creationId xmlns:a16="http://schemas.microsoft.com/office/drawing/2014/main" id="{B136BDFB-62DB-7DBE-1F49-5A96D679A969}"/>
               </a:ext>
             </a:extLst>
@@ -14862,7 +16651,7 @@
             <a:pPr rtl="0"/>
             <a:fld id="{642B802E-BFC6-4F89-8E3C-91026AB025AB}" type="datetime1">
               <a:rPr lang="es-ES" smtClean="0"/>
-              <a:t>18/04/2023</a:t>
+              <a:t>19/04/2023</a:t>
             </a:fld>
             <a:endParaRPr lang="en-US" dirty="0"/>
           </a:p>
@@ -14956,7 +16745,7 @@
             <a:pPr rtl="0"/>
             <a:fld id="{642B802E-BFC6-4F89-8E3C-91026AB025AB}" type="datetime1">
               <a:rPr lang="es-ES" smtClean="0"/>
-              <a:t>18/04/2023</a:t>
+              <a:t>19/04/2023</a:t>
             </a:fld>
             <a:endParaRPr lang="en-US" dirty="0"/>
           </a:p>
@@ -15079,7 +16868,7 @@
             <a:pPr rtl="0"/>
             <a:fld id="{66905ED3-47DC-4785-91BE-A3159F909C32}" type="datetime1">
               <a:rPr lang="es-ES" smtClean="0"/>
-              <a:t>18/04/2023</a:t>
+              <a:t>19/04/2023</a:t>
             </a:fld>
             <a:endParaRPr lang="en-US" dirty="0"/>
           </a:p>
@@ -15196,7 +16985,7 @@
             <a:pPr rtl="0"/>
             <a:fld id="{642B802E-BFC6-4F89-8E3C-91026AB025AB}" type="datetime1">
               <a:rPr lang="es-ES" smtClean="0"/>
-              <a:t>18/04/2023</a:t>
+              <a:t>19/04/2023</a:t>
             </a:fld>
             <a:endParaRPr lang="en-US" dirty="0"/>
           </a:p>
@@ -15313,7 +17102,7 @@
             <a:pPr rtl="0"/>
             <a:fld id="{642B802E-BFC6-4F89-8E3C-91026AB025AB}" type="datetime1">
               <a:rPr lang="es-ES" smtClean="0"/>
-              <a:t>18/04/2023</a:t>
+              <a:t>19/04/2023</a:t>
             </a:fld>
             <a:endParaRPr lang="en-US" dirty="0"/>
           </a:p>
@@ -15427,7 +17216,7 @@
             <a:pPr rtl="0"/>
             <a:fld id="{642B802E-BFC6-4F89-8E3C-91026AB025AB}" type="datetime1">
               <a:rPr lang="es-ES" smtClean="0"/>
-              <a:t>18/04/2023</a:t>
+              <a:t>19/04/2023</a:t>
             </a:fld>
             <a:endParaRPr lang="en-US" dirty="0"/>
           </a:p>
@@ -15578,7 +17367,7 @@
                   <a:spcPts val="600"/>
                 </a:spcAft>
               </a:pPr>
-              <a:t>18/04/2023</a:t>
+              <a:t>19/04/2023</a:t>
             </a:fld>
             <a:endParaRPr lang="en-US"/>
           </a:p>
